--- a/git-workshop-uitleg-chain-of-commit.pptx
+++ b/git-workshop-uitleg-chain-of-commit.pptx
@@ -1,19 +1,20 @@
 
 <file path=ppt/presentation.xml><?xml version="1.0" encoding="utf-8"?>
-<p:presentation xmlns:a="http://schemas.openxmlformats.org/drawingml/2006/main" xmlns:r="http://schemas.openxmlformats.org/officeDocument/2006/relationships" xmlns:mc="http://schemas.openxmlformats.org/markup-compatibility/2006" xmlns:mv="urn:schemas-microsoft-com:mac:vml" xmlns:p="http://schemas.openxmlformats.org/presentationml/2006/main" xmlns:c="http://schemas.openxmlformats.org/drawingml/2006/chart" xmlns:dgm="http://schemas.openxmlformats.org/drawingml/2006/diagram" xmlns:o="urn:schemas-microsoft-com:office:office" xmlns:v="urn:schemas-microsoft-com:vml" xmlns:pvml="urn:schemas-microsoft-com:office:powerpoint" xmlns:com="http://schemas.openxmlformats.org/drawingml/2006/compatibility" xmlns:p14="http://schemas.microsoft.com/office/powerpoint/2010/main" xmlns:p15="http://schemas.microsoft.com/office/powerpoint/2012/main" autoCompressPictures="0" strictFirstAndLastChars="0" saveSubsetFonts="1">
+<p:presentation xmlns:a="http://schemas.openxmlformats.org/drawingml/2006/main" xmlns:r="http://schemas.openxmlformats.org/officeDocument/2006/relationships" xmlns:p="http://schemas.openxmlformats.org/presentationml/2006/main" strictFirstAndLastChars="0" saveSubsetFonts="1" autoCompressPictures="0">
   <p:sldMasterIdLst>
-    <p:sldMasterId id="2147483659" r:id="rId4"/>
+    <p:sldMasterId id="2147483659" r:id="rId1"/>
   </p:sldMasterIdLst>
   <p:notesMasterIdLst>
-    <p:notesMasterId r:id="rId5"/>
+    <p:notesMasterId r:id="rId4"/>
   </p:notesMasterIdLst>
   <p:sldIdLst>
-    <p:sldId id="256" r:id="rId6"/>
+    <p:sldId id="256" r:id="rId2"/>
+    <p:sldId id="257" r:id="rId3"/>
   </p:sldIdLst>
-  <p:sldSz cy="5143500" cx="9144000"/>
+  <p:sldSz cx="9144000" cy="5143500" type="screen16x9"/>
   <p:notesSz cx="6858000" cy="9144000"/>
   <p:defaultTextStyle>
-    <a:defPPr lvl="0" marR="0" rtl="0" algn="l">
+    <a:defPPr marR="0" lvl="0" algn="l" rtl="0">
       <a:lnSpc>
         <a:spcPct val="100000"/>
       </a:lnSpc>
@@ -24,7 +25,7 @@
         <a:spcPts val="0"/>
       </a:spcAft>
     </a:defPPr>
-    <a:lvl1pPr lvl="0" marR="0" rtl="0" algn="l">
+    <a:lvl1pPr marR="0" lvl="0" algn="l" rtl="0">
       <a:lnSpc>
         <a:spcPct val="100000"/>
       </a:lnSpc>
@@ -38,7 +39,7 @@
         <a:srgbClr val="000000"/>
       </a:buClr>
       <a:buFont typeface="Arial"/>
-      <a:defRPr b="0" i="0" sz="1400" u="none" cap="none" strike="noStrike">
+      <a:defRPr sz="1400" b="0" i="0" u="none" strike="noStrike" cap="none">
         <a:solidFill>
           <a:srgbClr val="000000"/>
         </a:solidFill>
@@ -48,7 +49,7 @@
         <a:sym typeface="Arial"/>
       </a:defRPr>
     </a:lvl1pPr>
-    <a:lvl2pPr lvl="1" marR="0" rtl="0" algn="l">
+    <a:lvl2pPr marR="0" lvl="1" algn="l" rtl="0">
       <a:lnSpc>
         <a:spcPct val="100000"/>
       </a:lnSpc>
@@ -62,7 +63,7 @@
         <a:srgbClr val="000000"/>
       </a:buClr>
       <a:buFont typeface="Arial"/>
-      <a:defRPr b="0" i="0" sz="1400" u="none" cap="none" strike="noStrike">
+      <a:defRPr sz="1400" b="0" i="0" u="none" strike="noStrike" cap="none">
         <a:solidFill>
           <a:srgbClr val="000000"/>
         </a:solidFill>
@@ -72,7 +73,7 @@
         <a:sym typeface="Arial"/>
       </a:defRPr>
     </a:lvl2pPr>
-    <a:lvl3pPr lvl="2" marR="0" rtl="0" algn="l">
+    <a:lvl3pPr marR="0" lvl="2" algn="l" rtl="0">
       <a:lnSpc>
         <a:spcPct val="100000"/>
       </a:lnSpc>
@@ -86,7 +87,7 @@
         <a:srgbClr val="000000"/>
       </a:buClr>
       <a:buFont typeface="Arial"/>
-      <a:defRPr b="0" i="0" sz="1400" u="none" cap="none" strike="noStrike">
+      <a:defRPr sz="1400" b="0" i="0" u="none" strike="noStrike" cap="none">
         <a:solidFill>
           <a:srgbClr val="000000"/>
         </a:solidFill>
@@ -96,7 +97,7 @@
         <a:sym typeface="Arial"/>
       </a:defRPr>
     </a:lvl3pPr>
-    <a:lvl4pPr lvl="3" marR="0" rtl="0" algn="l">
+    <a:lvl4pPr marR="0" lvl="3" algn="l" rtl="0">
       <a:lnSpc>
         <a:spcPct val="100000"/>
       </a:lnSpc>
@@ -110,7 +111,7 @@
         <a:srgbClr val="000000"/>
       </a:buClr>
       <a:buFont typeface="Arial"/>
-      <a:defRPr b="0" i="0" sz="1400" u="none" cap="none" strike="noStrike">
+      <a:defRPr sz="1400" b="0" i="0" u="none" strike="noStrike" cap="none">
         <a:solidFill>
           <a:srgbClr val="000000"/>
         </a:solidFill>
@@ -120,7 +121,7 @@
         <a:sym typeface="Arial"/>
       </a:defRPr>
     </a:lvl4pPr>
-    <a:lvl5pPr lvl="4" marR="0" rtl="0" algn="l">
+    <a:lvl5pPr marR="0" lvl="4" algn="l" rtl="0">
       <a:lnSpc>
         <a:spcPct val="100000"/>
       </a:lnSpc>
@@ -134,7 +135,7 @@
         <a:srgbClr val="000000"/>
       </a:buClr>
       <a:buFont typeface="Arial"/>
-      <a:defRPr b="0" i="0" sz="1400" u="none" cap="none" strike="noStrike">
+      <a:defRPr sz="1400" b="0" i="0" u="none" strike="noStrike" cap="none">
         <a:solidFill>
           <a:srgbClr val="000000"/>
         </a:solidFill>
@@ -144,7 +145,7 @@
         <a:sym typeface="Arial"/>
       </a:defRPr>
     </a:lvl5pPr>
-    <a:lvl6pPr lvl="5" marR="0" rtl="0" algn="l">
+    <a:lvl6pPr marR="0" lvl="5" algn="l" rtl="0">
       <a:lnSpc>
         <a:spcPct val="100000"/>
       </a:lnSpc>
@@ -158,7 +159,7 @@
         <a:srgbClr val="000000"/>
       </a:buClr>
       <a:buFont typeface="Arial"/>
-      <a:defRPr b="0" i="0" sz="1400" u="none" cap="none" strike="noStrike">
+      <a:defRPr sz="1400" b="0" i="0" u="none" strike="noStrike" cap="none">
         <a:solidFill>
           <a:srgbClr val="000000"/>
         </a:solidFill>
@@ -168,7 +169,7 @@
         <a:sym typeface="Arial"/>
       </a:defRPr>
     </a:lvl6pPr>
-    <a:lvl7pPr lvl="6" marR="0" rtl="0" algn="l">
+    <a:lvl7pPr marR="0" lvl="6" algn="l" rtl="0">
       <a:lnSpc>
         <a:spcPct val="100000"/>
       </a:lnSpc>
@@ -182,7 +183,7 @@
         <a:srgbClr val="000000"/>
       </a:buClr>
       <a:buFont typeface="Arial"/>
-      <a:defRPr b="0" i="0" sz="1400" u="none" cap="none" strike="noStrike">
+      <a:defRPr sz="1400" b="0" i="0" u="none" strike="noStrike" cap="none">
         <a:solidFill>
           <a:srgbClr val="000000"/>
         </a:solidFill>
@@ -192,7 +193,7 @@
         <a:sym typeface="Arial"/>
       </a:defRPr>
     </a:lvl7pPr>
-    <a:lvl8pPr lvl="7" marR="0" rtl="0" algn="l">
+    <a:lvl8pPr marR="0" lvl="7" algn="l" rtl="0">
       <a:lnSpc>
         <a:spcPct val="100000"/>
       </a:lnSpc>
@@ -206,7 +207,7 @@
         <a:srgbClr val="000000"/>
       </a:buClr>
       <a:buFont typeface="Arial"/>
-      <a:defRPr b="0" i="0" sz="1400" u="none" cap="none" strike="noStrike">
+      <a:defRPr sz="1400" b="0" i="0" u="none" strike="noStrike" cap="none">
         <a:solidFill>
           <a:srgbClr val="000000"/>
         </a:solidFill>
@@ -216,7 +217,7 @@
         <a:sym typeface="Arial"/>
       </a:defRPr>
     </a:lvl8pPr>
-    <a:lvl9pPr lvl="8" marR="0" rtl="0" algn="l">
+    <a:lvl9pPr marR="0" lvl="8" algn="l" rtl="0">
       <a:lnSpc>
         <a:spcPct val="100000"/>
       </a:lnSpc>
@@ -230,7 +231,7 @@
         <a:srgbClr val="000000"/>
       </a:buClr>
       <a:buFont typeface="Arial"/>
-      <a:defRPr b="0" i="0" sz="1400" u="none" cap="none" strike="noStrike">
+      <a:defRPr sz="1400" b="0" i="0" u="none" strike="noStrike" cap="none">
         <a:solidFill>
           <a:srgbClr val="000000"/>
         </a:solidFill>
@@ -243,7 +244,7 @@
   </p:defaultTextStyle>
   <p:extLst>
     <p:ext uri="{EFAFB233-063F-42B5-8137-9DF3F51BA10A}">
-      <p15:sldGuideLst>
+      <p15:sldGuideLst xmlns:p15="http://schemas.microsoft.com/office/powerpoint/2012/main" xmlns:p14="http://schemas.microsoft.com/office/powerpoint/2010/main" xmlns:com="http://schemas.openxmlformats.org/drawingml/2006/compatibility" xmlns:pvml="urn:schemas-microsoft-com:office:powerpoint" xmlns:v="urn:schemas-microsoft-com:vml" xmlns:o="urn:schemas-microsoft-com:office:office" xmlns:dgm="http://schemas.openxmlformats.org/drawingml/2006/diagram" xmlns:c="http://schemas.openxmlformats.org/drawingml/2006/chart" xmlns:mv="urn:schemas-microsoft-com:mac:vml" xmlns:mc="http://schemas.openxmlformats.org/markup-compatibility/2006" xmlns="">
         <p15:guide id="1" orient="horz" pos="1620">
           <p15:clr>
             <a:srgbClr val="A4A3A4"/>
@@ -261,11 +262,16 @@
 </file>
 
 <file path=ppt/notesMasters/notesMaster1.xml><?xml version="1.0" encoding="utf-8"?>
-<p:notesMaster xmlns:a="http://schemas.openxmlformats.org/drawingml/2006/main" xmlns:r="http://schemas.openxmlformats.org/officeDocument/2006/relationships" xmlns:mc="http://schemas.openxmlformats.org/markup-compatibility/2006" xmlns:mv="urn:schemas-microsoft-com:mac:vml" xmlns:p="http://schemas.openxmlformats.org/presentationml/2006/main" xmlns:c="http://schemas.openxmlformats.org/drawingml/2006/chart" xmlns:dgm="http://schemas.openxmlformats.org/drawingml/2006/diagram" xmlns:o="urn:schemas-microsoft-com:office:office" xmlns:v="urn:schemas-microsoft-com:vml" xmlns:pvml="urn:schemas-microsoft-com:office:powerpoint" xmlns:com="http://schemas.openxmlformats.org/drawingml/2006/compatibility" xmlns:p14="http://schemas.microsoft.com/office/powerpoint/2010/main" xmlns:p15="http://schemas.microsoft.com/office/powerpoint/2012/main">
+<p:notesMaster xmlns:a="http://schemas.openxmlformats.org/drawingml/2006/main" xmlns:r="http://schemas.openxmlformats.org/officeDocument/2006/relationships" xmlns:p="http://schemas.openxmlformats.org/presentationml/2006/main">
   <p:cSld>
+    <p:bg>
+      <p:bgRef idx="1001">
+        <a:schemeClr val="bg1"/>
+      </p:bgRef>
+    </p:bg>
     <p:spTree>
       <p:nvGrpSpPr>
-        <p:cNvPr id="2" name="Shape 2"/>
+        <p:cNvPr id="1" name="Shape 2"/>
         <p:cNvGrpSpPr/>
         <p:nvPr/>
       </p:nvGrpSpPr>
@@ -280,9 +286,11 @@
       <p:sp>
         <p:nvSpPr>
           <p:cNvPr id="3" name="Google Shape;3;n"/>
-          <p:cNvSpPr/>
+          <p:cNvSpPr>
+            <a:spLocks noGrp="1" noRot="1" noChangeAspect="1"/>
+          </p:cNvSpPr>
           <p:nvPr>
-            <p:ph idx="2" type="sldImg"/>
+            <p:ph type="sldImg" idx="2"/>
           </p:nvPr>
         </p:nvSpPr>
         <p:spPr>
@@ -291,9 +299,13 @@
             <a:ext cx="6096075" cy="3429000"/>
           </a:xfrm>
           <a:custGeom>
-            <a:rect b="b" l="l" r="r" t="t"/>
+            <a:avLst/>
+            <a:gdLst/>
+            <a:ahLst/>
+            <a:cxnLst/>
+            <a:rect l="l" t="t" r="r" b="b"/>
             <a:pathLst>
-              <a:path extrusionOk="0" h="120000" w="120000">
+              <a:path w="120000" h="120000" extrusionOk="0">
                 <a:moveTo>
                   <a:pt x="0" y="0"/>
                 </a:moveTo>
@@ -311,23 +323,25 @@
             </a:pathLst>
           </a:custGeom>
           <a:noFill/>
-          <a:ln cap="flat" cmpd="sng" w="9525">
+          <a:ln w="9525" cap="flat" cmpd="sng">
             <a:solidFill>
               <a:srgbClr val="000000"/>
             </a:solidFill>
             <a:prstDash val="solid"/>
             <a:round/>
-            <a:headEnd len="sm" w="sm" type="none"/>
-            <a:tailEnd len="sm" w="sm" type="none"/>
+            <a:headEnd type="none" w="sm" len="sm"/>
+            <a:tailEnd type="none" w="sm" len="sm"/>
           </a:ln>
         </p:spPr>
       </p:sp>
       <p:sp>
         <p:nvSpPr>
           <p:cNvPr id="4" name="Google Shape;4;n"/>
-          <p:cNvSpPr txBox="1"/>
+          <p:cNvSpPr txBox="1">
+            <a:spLocks noGrp="1"/>
+          </p:cNvSpPr>
           <p:nvPr>
-            <p:ph idx="1" type="body"/>
+            <p:ph type="body" idx="1"/>
           </p:nvPr>
         </p:nvSpPr>
         <p:spPr>
@@ -344,11 +358,11 @@
           </a:ln>
         </p:spPr>
         <p:txBody>
-          <a:bodyPr anchorCtr="0" anchor="t" bIns="91425" lIns="91425" spcFirstLastPara="1" rIns="91425" wrap="square" tIns="91425">
+          <a:bodyPr spcFirstLastPara="1" wrap="square" lIns="91425" tIns="91425" rIns="91425" bIns="91425" anchor="t" anchorCtr="0">
             <a:noAutofit/>
           </a:bodyPr>
           <a:lstStyle>
-            <a:lvl1pPr indent="-298450" lvl="0" marL="457200">
+            <a:lvl1pPr marL="457200" lvl="0" indent="-298450">
               <a:spcBef>
                 <a:spcPts val="0"/>
               </a:spcBef>
@@ -359,7 +373,7 @@
               <a:buChar char="●"/>
               <a:defRPr sz="1100"/>
             </a:lvl1pPr>
-            <a:lvl2pPr indent="-298450" lvl="1" marL="914400">
+            <a:lvl2pPr marL="914400" lvl="1" indent="-298450">
               <a:spcBef>
                 <a:spcPts val="0"/>
               </a:spcBef>
@@ -370,7 +384,7 @@
               <a:buChar char="○"/>
               <a:defRPr sz="1100"/>
             </a:lvl2pPr>
-            <a:lvl3pPr indent="-298450" lvl="2" marL="1371600">
+            <a:lvl3pPr marL="1371600" lvl="2" indent="-298450">
               <a:spcBef>
                 <a:spcPts val="0"/>
               </a:spcBef>
@@ -381,7 +395,7 @@
               <a:buChar char="■"/>
               <a:defRPr sz="1100"/>
             </a:lvl3pPr>
-            <a:lvl4pPr indent="-298450" lvl="3" marL="1828800">
+            <a:lvl4pPr marL="1828800" lvl="3" indent="-298450">
               <a:spcBef>
                 <a:spcPts val="0"/>
               </a:spcBef>
@@ -392,7 +406,7 @@
               <a:buChar char="●"/>
               <a:defRPr sz="1100"/>
             </a:lvl4pPr>
-            <a:lvl5pPr indent="-298450" lvl="4" marL="2286000">
+            <a:lvl5pPr marL="2286000" lvl="4" indent="-298450">
               <a:spcBef>
                 <a:spcPts val="0"/>
               </a:spcBef>
@@ -403,7 +417,7 @@
               <a:buChar char="○"/>
               <a:defRPr sz="1100"/>
             </a:lvl5pPr>
-            <a:lvl6pPr indent="-298450" lvl="5" marL="2743200">
+            <a:lvl6pPr marL="2743200" lvl="5" indent="-298450">
               <a:spcBef>
                 <a:spcPts val="0"/>
               </a:spcBef>
@@ -414,7 +428,7 @@
               <a:buChar char="■"/>
               <a:defRPr sz="1100"/>
             </a:lvl6pPr>
-            <a:lvl7pPr indent="-298450" lvl="6" marL="3200400">
+            <a:lvl7pPr marL="3200400" lvl="6" indent="-298450">
               <a:spcBef>
                 <a:spcPts val="0"/>
               </a:spcBef>
@@ -425,7 +439,7 @@
               <a:buChar char="●"/>
               <a:defRPr sz="1100"/>
             </a:lvl7pPr>
-            <a:lvl8pPr indent="-298450" lvl="7" marL="3657600">
+            <a:lvl8pPr marL="3657600" lvl="7" indent="-298450">
               <a:spcBef>
                 <a:spcPts val="0"/>
               </a:spcBef>
@@ -436,7 +450,7 @@
               <a:buChar char="○"/>
               <a:defRPr sz="1100"/>
             </a:lvl8pPr>
-            <a:lvl9pPr indent="-298450" lvl="8" marL="4114800">
+            <a:lvl9pPr marL="4114800" lvl="8" indent="-298450">
               <a:spcBef>
                 <a:spcPts val="0"/>
               </a:spcBef>
@@ -448,14 +462,21 @@
               <a:defRPr sz="1100"/>
             </a:lvl9pPr>
           </a:lstStyle>
-          <a:p/>
+          <a:p>
+            <a:endParaRPr/>
+          </a:p>
         </p:txBody>
       </p:sp>
     </p:spTree>
+    <p:extLst>
+      <p:ext uri="{BB962C8B-B14F-4D97-AF65-F5344CB8AC3E}">
+        <p14:creationId xmlns:p14="http://schemas.microsoft.com/office/powerpoint/2010/main" val="1847820072"/>
+      </p:ext>
+    </p:extLst>
   </p:cSld>
-  <p:clrMap accent1="accent1" accent2="accent2" accent3="accent3" accent4="accent4" accent5="accent5" accent6="accent6" bg1="lt1" bg2="dk2" tx1="dk1" tx2="lt2" folHlink="folHlink" hlink="hlink"/>
+  <p:clrMap bg1="lt1" tx1="dk1" bg2="dk2" tx2="lt2" accent1="accent1" accent2="accent2" accent3="accent3" accent4="accent4" accent5="accent5" accent6="accent6" hlink="hlink" folHlink="folHlink"/>
   <p:notesStyle>
-    <a:defPPr lvl="0" marR="0" rtl="0" algn="l">
+    <a:defPPr marR="0" lvl="0" algn="l" rtl="0">
       <a:lnSpc>
         <a:spcPct val="100000"/>
       </a:lnSpc>
@@ -466,7 +487,7 @@
         <a:spcPts val="0"/>
       </a:spcAft>
     </a:defPPr>
-    <a:lvl1pPr lvl="0" marR="0" rtl="0" algn="l">
+    <a:lvl1pPr marR="0" lvl="0" algn="l" rtl="0">
       <a:lnSpc>
         <a:spcPct val="100000"/>
       </a:lnSpc>
@@ -480,7 +501,7 @@
         <a:srgbClr val="000000"/>
       </a:buClr>
       <a:buFont typeface="Arial"/>
-      <a:defRPr b="0" i="0" sz="1400" u="none" cap="none" strike="noStrike">
+      <a:defRPr sz="1400" b="0" i="0" u="none" strike="noStrike" cap="none">
         <a:solidFill>
           <a:srgbClr val="000000"/>
         </a:solidFill>
@@ -490,7 +511,7 @@
         <a:sym typeface="Arial"/>
       </a:defRPr>
     </a:lvl1pPr>
-    <a:lvl2pPr lvl="1" marR="0" rtl="0" algn="l">
+    <a:lvl2pPr marR="0" lvl="1" algn="l" rtl="0">
       <a:lnSpc>
         <a:spcPct val="100000"/>
       </a:lnSpc>
@@ -504,7 +525,7 @@
         <a:srgbClr val="000000"/>
       </a:buClr>
       <a:buFont typeface="Arial"/>
-      <a:defRPr b="0" i="0" sz="1400" u="none" cap="none" strike="noStrike">
+      <a:defRPr sz="1400" b="0" i="0" u="none" strike="noStrike" cap="none">
         <a:solidFill>
           <a:srgbClr val="000000"/>
         </a:solidFill>
@@ -514,7 +535,7 @@
         <a:sym typeface="Arial"/>
       </a:defRPr>
     </a:lvl2pPr>
-    <a:lvl3pPr lvl="2" marR="0" rtl="0" algn="l">
+    <a:lvl3pPr marR="0" lvl="2" algn="l" rtl="0">
       <a:lnSpc>
         <a:spcPct val="100000"/>
       </a:lnSpc>
@@ -528,7 +549,7 @@
         <a:srgbClr val="000000"/>
       </a:buClr>
       <a:buFont typeface="Arial"/>
-      <a:defRPr b="0" i="0" sz="1400" u="none" cap="none" strike="noStrike">
+      <a:defRPr sz="1400" b="0" i="0" u="none" strike="noStrike" cap="none">
         <a:solidFill>
           <a:srgbClr val="000000"/>
         </a:solidFill>
@@ -538,7 +559,7 @@
         <a:sym typeface="Arial"/>
       </a:defRPr>
     </a:lvl3pPr>
-    <a:lvl4pPr lvl="3" marR="0" rtl="0" algn="l">
+    <a:lvl4pPr marR="0" lvl="3" algn="l" rtl="0">
       <a:lnSpc>
         <a:spcPct val="100000"/>
       </a:lnSpc>
@@ -552,7 +573,7 @@
         <a:srgbClr val="000000"/>
       </a:buClr>
       <a:buFont typeface="Arial"/>
-      <a:defRPr b="0" i="0" sz="1400" u="none" cap="none" strike="noStrike">
+      <a:defRPr sz="1400" b="0" i="0" u="none" strike="noStrike" cap="none">
         <a:solidFill>
           <a:srgbClr val="000000"/>
         </a:solidFill>
@@ -562,7 +583,7 @@
         <a:sym typeface="Arial"/>
       </a:defRPr>
     </a:lvl4pPr>
-    <a:lvl5pPr lvl="4" marR="0" rtl="0" algn="l">
+    <a:lvl5pPr marR="0" lvl="4" algn="l" rtl="0">
       <a:lnSpc>
         <a:spcPct val="100000"/>
       </a:lnSpc>
@@ -576,7 +597,7 @@
         <a:srgbClr val="000000"/>
       </a:buClr>
       <a:buFont typeface="Arial"/>
-      <a:defRPr b="0" i="0" sz="1400" u="none" cap="none" strike="noStrike">
+      <a:defRPr sz="1400" b="0" i="0" u="none" strike="noStrike" cap="none">
         <a:solidFill>
           <a:srgbClr val="000000"/>
         </a:solidFill>
@@ -586,7 +607,7 @@
         <a:sym typeface="Arial"/>
       </a:defRPr>
     </a:lvl5pPr>
-    <a:lvl6pPr lvl="5" marR="0" rtl="0" algn="l">
+    <a:lvl6pPr marR="0" lvl="5" algn="l" rtl="0">
       <a:lnSpc>
         <a:spcPct val="100000"/>
       </a:lnSpc>
@@ -600,7 +621,7 @@
         <a:srgbClr val="000000"/>
       </a:buClr>
       <a:buFont typeface="Arial"/>
-      <a:defRPr b="0" i="0" sz="1400" u="none" cap="none" strike="noStrike">
+      <a:defRPr sz="1400" b="0" i="0" u="none" strike="noStrike" cap="none">
         <a:solidFill>
           <a:srgbClr val="000000"/>
         </a:solidFill>
@@ -610,7 +631,7 @@
         <a:sym typeface="Arial"/>
       </a:defRPr>
     </a:lvl6pPr>
-    <a:lvl7pPr lvl="6" marR="0" rtl="0" algn="l">
+    <a:lvl7pPr marR="0" lvl="6" algn="l" rtl="0">
       <a:lnSpc>
         <a:spcPct val="100000"/>
       </a:lnSpc>
@@ -624,7 +645,7 @@
         <a:srgbClr val="000000"/>
       </a:buClr>
       <a:buFont typeface="Arial"/>
-      <a:defRPr b="0" i="0" sz="1400" u="none" cap="none" strike="noStrike">
+      <a:defRPr sz="1400" b="0" i="0" u="none" strike="noStrike" cap="none">
         <a:solidFill>
           <a:srgbClr val="000000"/>
         </a:solidFill>
@@ -634,7 +655,7 @@
         <a:sym typeface="Arial"/>
       </a:defRPr>
     </a:lvl7pPr>
-    <a:lvl8pPr lvl="7" marR="0" rtl="0" algn="l">
+    <a:lvl8pPr marR="0" lvl="7" algn="l" rtl="0">
       <a:lnSpc>
         <a:spcPct val="100000"/>
       </a:lnSpc>
@@ -648,7 +669,7 @@
         <a:srgbClr val="000000"/>
       </a:buClr>
       <a:buFont typeface="Arial"/>
-      <a:defRPr b="0" i="0" sz="1400" u="none" cap="none" strike="noStrike">
+      <a:defRPr sz="1400" b="0" i="0" u="none" strike="noStrike" cap="none">
         <a:solidFill>
           <a:srgbClr val="000000"/>
         </a:solidFill>
@@ -658,7 +679,7 @@
         <a:sym typeface="Arial"/>
       </a:defRPr>
     </a:lvl8pPr>
-    <a:lvl9pPr lvl="8" marR="0" rtl="0" algn="l">
+    <a:lvl9pPr marR="0" lvl="8" algn="l" rtl="0">
       <a:lnSpc>
         <a:spcPct val="100000"/>
       </a:lnSpc>
@@ -672,7 +693,7 @@
         <a:srgbClr val="000000"/>
       </a:buClr>
       <a:buFont typeface="Arial"/>
-      <a:defRPr b="0" i="0" sz="1400" u="none" cap="none" strike="noStrike">
+      <a:defRPr sz="1400" b="0" i="0" u="none" strike="noStrike" cap="none">
         <a:solidFill>
           <a:srgbClr val="000000"/>
         </a:solidFill>
@@ -687,11 +708,11 @@
 </file>
 
 <file path=ppt/notesSlides/notesSlide1.xml><?xml version="1.0" encoding="utf-8"?>
-<p:notes xmlns:a="http://schemas.openxmlformats.org/drawingml/2006/main" xmlns:r="http://schemas.openxmlformats.org/officeDocument/2006/relationships" xmlns:mc="http://schemas.openxmlformats.org/markup-compatibility/2006" xmlns:mv="urn:schemas-microsoft-com:mac:vml" xmlns:p="http://schemas.openxmlformats.org/presentationml/2006/main" xmlns:c="http://schemas.openxmlformats.org/drawingml/2006/chart" xmlns:dgm="http://schemas.openxmlformats.org/drawingml/2006/diagram" xmlns:o="urn:schemas-microsoft-com:office:office" xmlns:v="urn:schemas-microsoft-com:vml" xmlns:pvml="urn:schemas-microsoft-com:office:powerpoint" xmlns:com="http://schemas.openxmlformats.org/drawingml/2006/compatibility" xmlns:p14="http://schemas.microsoft.com/office/powerpoint/2010/main" xmlns:p15="http://schemas.microsoft.com/office/powerpoint/2012/main" showMasterPhAnim="0" showMasterSp="0">
+<p:notes xmlns:a="http://schemas.openxmlformats.org/drawingml/2006/main" xmlns:r="http://schemas.openxmlformats.org/officeDocument/2006/relationships" xmlns:p="http://schemas.openxmlformats.org/presentationml/2006/main" showMasterSp="0" showMasterPhAnim="0">
   <p:cSld>
     <p:spTree>
       <p:nvGrpSpPr>
-        <p:cNvPr id="50" name="Shape 50"/>
+        <p:cNvPr id="1" name="Shape 50"/>
         <p:cNvGrpSpPr/>
         <p:nvPr/>
       </p:nvGrpSpPr>
@@ -706,9 +727,11 @@
       <p:sp>
         <p:nvSpPr>
           <p:cNvPr id="51" name="Google Shape;51;g6235b5f1ed_0_0:notes"/>
-          <p:cNvSpPr/>
+          <p:cNvSpPr>
+            <a:spLocks noGrp="1" noRot="1" noChangeAspect="1"/>
+          </p:cNvSpPr>
           <p:nvPr>
-            <p:ph idx="2" type="sldImg"/>
+            <p:ph type="sldImg" idx="2"/>
           </p:nvPr>
         </p:nvSpPr>
         <p:spPr>
@@ -717,9 +740,13 @@
             <a:ext cx="6096000" cy="3429000"/>
           </a:xfrm>
           <a:custGeom>
-            <a:rect b="b" l="l" r="r" t="t"/>
+            <a:avLst/>
+            <a:gdLst/>
+            <a:ahLst/>
+            <a:cxnLst/>
+            <a:rect l="l" t="t" r="r" b="b"/>
             <a:pathLst>
-              <a:path extrusionOk="0" h="120000" w="120000">
+              <a:path w="120000" h="120000" extrusionOk="0">
                 <a:moveTo>
                   <a:pt x="0" y="0"/>
                 </a:moveTo>
@@ -741,9 +768,11 @@
       <p:sp>
         <p:nvSpPr>
           <p:cNvPr id="52" name="Google Shape;52;g6235b5f1ed_0_0:notes"/>
-          <p:cNvSpPr txBox="1"/>
+          <p:cNvSpPr txBox="1">
+            <a:spLocks noGrp="1"/>
+          </p:cNvSpPr>
           <p:nvPr>
-            <p:ph idx="1" type="body"/>
+            <p:ph type="body" idx="1"/>
           </p:nvPr>
         </p:nvSpPr>
         <p:spPr>
@@ -756,12 +785,12 @@
           </a:prstGeom>
         </p:spPr>
         <p:txBody>
-          <a:bodyPr anchorCtr="0" anchor="t" bIns="91425" lIns="91425" spcFirstLastPara="1" rIns="91425" wrap="square" tIns="91425">
+          <a:bodyPr spcFirstLastPara="1" wrap="square" lIns="91425" tIns="91425" rIns="91425" bIns="91425" anchor="t" anchorCtr="0">
             <a:noAutofit/>
           </a:bodyPr>
           <a:lstStyle/>
           <a:p>
-            <a:pPr indent="0" lvl="0" marL="0" rtl="0" algn="l">
+            <a:pPr marL="0" lvl="0" indent="0" algn="l" rtl="0">
               <a:spcBef>
                 <a:spcPts val="0"/>
               </a:spcBef>
@@ -770,9 +799,6 @@
               </a:spcAft>
               <a:buNone/>
             </a:pPr>
-            <a:r>
-              <a:t/>
-            </a:r>
             <a:endParaRPr/>
           </a:p>
         </p:txBody>
@@ -786,11 +812,11 @@
 </file>
 
 <file path=ppt/slideLayouts/slideLayout1.xml><?xml version="1.0" encoding="utf-8"?>
-<p:sldLayout xmlns:a="http://schemas.openxmlformats.org/drawingml/2006/main" xmlns:r="http://schemas.openxmlformats.org/officeDocument/2006/relationships" xmlns:mc="http://schemas.openxmlformats.org/markup-compatibility/2006" xmlns:mv="urn:schemas-microsoft-com:mac:vml" xmlns:p="http://schemas.openxmlformats.org/presentationml/2006/main" xmlns:c="http://schemas.openxmlformats.org/drawingml/2006/chart" xmlns:dgm="http://schemas.openxmlformats.org/drawingml/2006/diagram" xmlns:o="urn:schemas-microsoft-com:office:office" xmlns:v="urn:schemas-microsoft-com:vml" xmlns:pvml="urn:schemas-microsoft-com:office:powerpoint" xmlns:com="http://schemas.openxmlformats.org/drawingml/2006/compatibility" xmlns:p14="http://schemas.microsoft.com/office/powerpoint/2010/main" xmlns:p15="http://schemas.microsoft.com/office/powerpoint/2012/main" matchingName="Title slide" type="title">
+<p:sldLayout xmlns:a="http://schemas.openxmlformats.org/drawingml/2006/main" xmlns:r="http://schemas.openxmlformats.org/officeDocument/2006/relationships" xmlns:p="http://schemas.openxmlformats.org/presentationml/2006/main" matchingName="Title slide" type="title">
   <p:cSld name="TITLE">
     <p:spTree>
       <p:nvGrpSpPr>
-        <p:cNvPr id="9" name="Shape 9"/>
+        <p:cNvPr id="1" name="Shape 9"/>
         <p:cNvGrpSpPr/>
         <p:nvPr/>
       </p:nvGrpSpPr>
@@ -805,7 +831,9 @@
       <p:sp>
         <p:nvSpPr>
           <p:cNvPr id="10" name="Google Shape;10;p2"/>
-          <p:cNvSpPr txBox="1"/>
+          <p:cNvSpPr txBox="1">
+            <a:spLocks noGrp="1"/>
+          </p:cNvSpPr>
           <p:nvPr>
             <p:ph type="ctrTitle"/>
           </p:nvPr>
@@ -820,7 +848,7 @@
           </a:prstGeom>
         </p:spPr>
         <p:txBody>
-          <a:bodyPr anchorCtr="0" anchor="b" bIns="91425" lIns="91425" spcFirstLastPara="1" rIns="91425" wrap="square" tIns="91425">
+          <a:bodyPr spcFirstLastPara="1" wrap="square" lIns="91425" tIns="91425" rIns="91425" bIns="91425" anchor="b" anchorCtr="0">
             <a:noAutofit/>
           </a:bodyPr>
           <a:lstStyle>
@@ -924,15 +952,19 @@
               <a:defRPr sz="5200"/>
             </a:lvl9pPr>
           </a:lstStyle>
-          <a:p/>
+          <a:p>
+            <a:endParaRPr/>
+          </a:p>
         </p:txBody>
       </p:sp>
       <p:sp>
         <p:nvSpPr>
           <p:cNvPr id="11" name="Google Shape;11;p2"/>
-          <p:cNvSpPr txBox="1"/>
+          <p:cNvSpPr txBox="1">
+            <a:spLocks noGrp="1"/>
+          </p:cNvSpPr>
           <p:nvPr>
-            <p:ph idx="1" type="subTitle"/>
+            <p:ph type="subTitle" idx="1"/>
           </p:nvPr>
         </p:nvSpPr>
         <p:spPr>
@@ -945,7 +977,7 @@
           </a:prstGeom>
         </p:spPr>
         <p:txBody>
-          <a:bodyPr anchorCtr="0" anchor="t" bIns="91425" lIns="91425" spcFirstLastPara="1" rIns="91425" wrap="square" tIns="91425">
+          <a:bodyPr spcFirstLastPara="1" wrap="square" lIns="91425" tIns="91425" rIns="91425" bIns="91425" anchor="t" anchorCtr="0">
             <a:noAutofit/>
           </a:bodyPr>
           <a:lstStyle>
@@ -1076,15 +1108,19 @@
               <a:defRPr sz="2800"/>
             </a:lvl9pPr>
           </a:lstStyle>
-          <a:p/>
+          <a:p>
+            <a:endParaRPr/>
+          </a:p>
         </p:txBody>
       </p:sp>
       <p:sp>
         <p:nvSpPr>
           <p:cNvPr id="12" name="Google Shape;12;p2"/>
-          <p:cNvSpPr txBox="1"/>
+          <p:cNvSpPr txBox="1">
+            <a:spLocks noGrp="1"/>
+          </p:cNvSpPr>
           <p:nvPr>
-            <p:ph idx="12" type="sldNum"/>
+            <p:ph type="sldNum" idx="12"/>
           </p:nvPr>
         </p:nvSpPr>
         <p:spPr>
@@ -1097,7 +1133,7 @@
           </a:prstGeom>
         </p:spPr>
         <p:txBody>
-          <a:bodyPr anchorCtr="0" anchor="ctr" bIns="91425" lIns="91425" spcFirstLastPara="1" rIns="91425" wrap="square" tIns="91425">
+          <a:bodyPr spcFirstLastPara="1" wrap="square" lIns="91425" tIns="91425" rIns="91425" bIns="91425" anchor="ctr" anchorCtr="0">
             <a:noAutofit/>
           </a:bodyPr>
           <a:lstStyle>
@@ -1139,7 +1175,7 @@
             </a:lvl9pPr>
           </a:lstStyle>
           <a:p>
-            <a:pPr indent="0" lvl="0" marL="0" rtl="0" algn="r">
+            <a:pPr marL="0" lvl="0" indent="0" algn="r" rtl="0">
               <a:spcBef>
                 <a:spcPts val="0"/>
               </a:spcBef>
@@ -1165,11 +1201,11 @@
 </file>
 
 <file path=ppt/slideLayouts/slideLayout10.xml><?xml version="1.0" encoding="utf-8"?>
-<p:sldLayout xmlns:a="http://schemas.openxmlformats.org/drawingml/2006/main" xmlns:r="http://schemas.openxmlformats.org/officeDocument/2006/relationships" xmlns:mc="http://schemas.openxmlformats.org/markup-compatibility/2006" xmlns:mv="urn:schemas-microsoft-com:mac:vml" xmlns:p="http://schemas.openxmlformats.org/presentationml/2006/main" xmlns:c="http://schemas.openxmlformats.org/drawingml/2006/chart" xmlns:dgm="http://schemas.openxmlformats.org/drawingml/2006/diagram" xmlns:o="urn:schemas-microsoft-com:office:office" xmlns:v="urn:schemas-microsoft-com:vml" xmlns:pvml="urn:schemas-microsoft-com:office:powerpoint" xmlns:com="http://schemas.openxmlformats.org/drawingml/2006/compatibility" xmlns:p14="http://schemas.microsoft.com/office/powerpoint/2010/main" xmlns:p15="http://schemas.microsoft.com/office/powerpoint/2012/main" matchingName="Big number">
+<p:sldLayout xmlns:a="http://schemas.openxmlformats.org/drawingml/2006/main" xmlns:r="http://schemas.openxmlformats.org/officeDocument/2006/relationships" xmlns:p="http://schemas.openxmlformats.org/presentationml/2006/main" matchingName="Big number">
   <p:cSld name="BIG_NUMBER">
     <p:spTree>
       <p:nvGrpSpPr>
-        <p:cNvPr id="44" name="Shape 44"/>
+        <p:cNvPr id="1" name="Shape 44"/>
         <p:cNvGrpSpPr/>
         <p:nvPr/>
       </p:nvGrpSpPr>
@@ -1184,9 +1220,11 @@
       <p:sp>
         <p:nvSpPr>
           <p:cNvPr id="45" name="Google Shape;45;p11"/>
-          <p:cNvSpPr txBox="1"/>
+          <p:cNvSpPr txBox="1">
+            <a:spLocks noGrp="1"/>
+          </p:cNvSpPr>
           <p:nvPr>
-            <p:ph hasCustomPrompt="1" type="title"/>
+            <p:ph type="title" hasCustomPrompt="1"/>
           </p:nvPr>
         </p:nvSpPr>
         <p:spPr>
@@ -1199,7 +1237,7 @@
           </a:prstGeom>
         </p:spPr>
         <p:txBody>
-          <a:bodyPr anchorCtr="0" anchor="b" bIns="91425" lIns="91425" spcFirstLastPara="1" rIns="91425" wrap="square" tIns="91425">
+          <a:bodyPr spcFirstLastPara="1" wrap="square" lIns="91425" tIns="91425" rIns="91425" bIns="91425" anchor="b" anchorCtr="0">
             <a:noAutofit/>
           </a:bodyPr>
           <a:lstStyle>
@@ -1313,9 +1351,11 @@
       <p:sp>
         <p:nvSpPr>
           <p:cNvPr id="46" name="Google Shape;46;p11"/>
-          <p:cNvSpPr txBox="1"/>
+          <p:cNvSpPr txBox="1">
+            <a:spLocks noGrp="1"/>
+          </p:cNvSpPr>
           <p:nvPr>
-            <p:ph idx="1" type="body"/>
+            <p:ph type="body" idx="1"/>
           </p:nvPr>
         </p:nvSpPr>
         <p:spPr>
@@ -1328,11 +1368,11 @@
           </a:prstGeom>
         </p:spPr>
         <p:txBody>
-          <a:bodyPr anchorCtr="0" anchor="t" bIns="91425" lIns="91425" spcFirstLastPara="1" rIns="91425" wrap="square" tIns="91425">
+          <a:bodyPr spcFirstLastPara="1" wrap="square" lIns="91425" tIns="91425" rIns="91425" bIns="91425" anchor="t" anchorCtr="0">
             <a:noAutofit/>
           </a:bodyPr>
           <a:lstStyle>
-            <a:lvl1pPr indent="-342900" lvl="0" marL="457200" algn="ctr">
+            <a:lvl1pPr marL="457200" lvl="0" indent="-342900" algn="ctr">
               <a:spcBef>
                 <a:spcPts val="0"/>
               </a:spcBef>
@@ -1343,7 +1383,7 @@
               <a:buChar char="●"/>
               <a:defRPr/>
             </a:lvl1pPr>
-            <a:lvl2pPr indent="-317500" lvl="1" marL="914400" algn="ctr">
+            <a:lvl2pPr marL="914400" lvl="1" indent="-317500" algn="ctr">
               <a:spcBef>
                 <a:spcPts val="1600"/>
               </a:spcBef>
@@ -1354,7 +1394,7 @@
               <a:buChar char="○"/>
               <a:defRPr/>
             </a:lvl2pPr>
-            <a:lvl3pPr indent="-317500" lvl="2" marL="1371600" algn="ctr">
+            <a:lvl3pPr marL="1371600" lvl="2" indent="-317500" algn="ctr">
               <a:spcBef>
                 <a:spcPts val="1600"/>
               </a:spcBef>
@@ -1365,7 +1405,7 @@
               <a:buChar char="■"/>
               <a:defRPr/>
             </a:lvl3pPr>
-            <a:lvl4pPr indent="-317500" lvl="3" marL="1828800" algn="ctr">
+            <a:lvl4pPr marL="1828800" lvl="3" indent="-317500" algn="ctr">
               <a:spcBef>
                 <a:spcPts val="1600"/>
               </a:spcBef>
@@ -1376,7 +1416,7 @@
               <a:buChar char="●"/>
               <a:defRPr/>
             </a:lvl4pPr>
-            <a:lvl5pPr indent="-317500" lvl="4" marL="2286000" algn="ctr">
+            <a:lvl5pPr marL="2286000" lvl="4" indent="-317500" algn="ctr">
               <a:spcBef>
                 <a:spcPts val="1600"/>
               </a:spcBef>
@@ -1387,7 +1427,7 @@
               <a:buChar char="○"/>
               <a:defRPr/>
             </a:lvl5pPr>
-            <a:lvl6pPr indent="-317500" lvl="5" marL="2743200" algn="ctr">
+            <a:lvl6pPr marL="2743200" lvl="5" indent="-317500" algn="ctr">
               <a:spcBef>
                 <a:spcPts val="1600"/>
               </a:spcBef>
@@ -1398,7 +1438,7 @@
               <a:buChar char="■"/>
               <a:defRPr/>
             </a:lvl6pPr>
-            <a:lvl7pPr indent="-317500" lvl="6" marL="3200400" algn="ctr">
+            <a:lvl7pPr marL="3200400" lvl="6" indent="-317500" algn="ctr">
               <a:spcBef>
                 <a:spcPts val="1600"/>
               </a:spcBef>
@@ -1409,7 +1449,7 @@
               <a:buChar char="●"/>
               <a:defRPr/>
             </a:lvl7pPr>
-            <a:lvl8pPr indent="-317500" lvl="7" marL="3657600" algn="ctr">
+            <a:lvl8pPr marL="3657600" lvl="7" indent="-317500" algn="ctr">
               <a:spcBef>
                 <a:spcPts val="1600"/>
               </a:spcBef>
@@ -1420,7 +1460,7 @@
               <a:buChar char="○"/>
               <a:defRPr/>
             </a:lvl8pPr>
-            <a:lvl9pPr indent="-317500" lvl="8" marL="4114800" algn="ctr">
+            <a:lvl9pPr marL="4114800" lvl="8" indent="-317500" algn="ctr">
               <a:spcBef>
                 <a:spcPts val="1600"/>
               </a:spcBef>
@@ -1432,15 +1472,19 @@
               <a:defRPr/>
             </a:lvl9pPr>
           </a:lstStyle>
-          <a:p/>
+          <a:p>
+            <a:endParaRPr/>
+          </a:p>
         </p:txBody>
       </p:sp>
       <p:sp>
         <p:nvSpPr>
           <p:cNvPr id="47" name="Google Shape;47;p11"/>
-          <p:cNvSpPr txBox="1"/>
+          <p:cNvSpPr txBox="1">
+            <a:spLocks noGrp="1"/>
+          </p:cNvSpPr>
           <p:nvPr>
-            <p:ph idx="12" type="sldNum"/>
+            <p:ph type="sldNum" idx="12"/>
           </p:nvPr>
         </p:nvSpPr>
         <p:spPr>
@@ -1453,7 +1497,7 @@
           </a:prstGeom>
         </p:spPr>
         <p:txBody>
-          <a:bodyPr anchorCtr="0" anchor="ctr" bIns="91425" lIns="91425" spcFirstLastPara="1" rIns="91425" wrap="square" tIns="91425">
+          <a:bodyPr spcFirstLastPara="1" wrap="square" lIns="91425" tIns="91425" rIns="91425" bIns="91425" anchor="ctr" anchorCtr="0">
             <a:noAutofit/>
           </a:bodyPr>
           <a:lstStyle>
@@ -1495,7 +1539,7 @@
             </a:lvl9pPr>
           </a:lstStyle>
           <a:p>
-            <a:pPr indent="0" lvl="0" marL="0" rtl="0" algn="r">
+            <a:pPr marL="0" lvl="0" indent="0" algn="r" rtl="0">
               <a:spcBef>
                 <a:spcPts val="0"/>
               </a:spcBef>
@@ -1521,11 +1565,11 @@
 </file>
 
 <file path=ppt/slideLayouts/slideLayout11.xml><?xml version="1.0" encoding="utf-8"?>
-<p:sldLayout xmlns:a="http://schemas.openxmlformats.org/drawingml/2006/main" xmlns:r="http://schemas.openxmlformats.org/officeDocument/2006/relationships" xmlns:mc="http://schemas.openxmlformats.org/markup-compatibility/2006" xmlns:mv="urn:schemas-microsoft-com:mac:vml" xmlns:p="http://schemas.openxmlformats.org/presentationml/2006/main" xmlns:c="http://schemas.openxmlformats.org/drawingml/2006/chart" xmlns:dgm="http://schemas.openxmlformats.org/drawingml/2006/diagram" xmlns:o="urn:schemas-microsoft-com:office:office" xmlns:v="urn:schemas-microsoft-com:vml" xmlns:pvml="urn:schemas-microsoft-com:office:powerpoint" xmlns:com="http://schemas.openxmlformats.org/drawingml/2006/compatibility" xmlns:p14="http://schemas.microsoft.com/office/powerpoint/2010/main" xmlns:p15="http://schemas.microsoft.com/office/powerpoint/2012/main" matchingName="Blank" type="blank">
+<p:sldLayout xmlns:a="http://schemas.openxmlformats.org/drawingml/2006/main" xmlns:r="http://schemas.openxmlformats.org/officeDocument/2006/relationships" xmlns:p="http://schemas.openxmlformats.org/presentationml/2006/main" matchingName="Blank" type="blank">
   <p:cSld name="BLANK">
     <p:spTree>
       <p:nvGrpSpPr>
-        <p:cNvPr id="48" name="Shape 48"/>
+        <p:cNvPr id="1" name="Shape 48"/>
         <p:cNvGrpSpPr/>
         <p:nvPr/>
       </p:nvGrpSpPr>
@@ -1540,9 +1584,11 @@
       <p:sp>
         <p:nvSpPr>
           <p:cNvPr id="49" name="Google Shape;49;p12"/>
-          <p:cNvSpPr txBox="1"/>
+          <p:cNvSpPr txBox="1">
+            <a:spLocks noGrp="1"/>
+          </p:cNvSpPr>
           <p:nvPr>
-            <p:ph idx="12" type="sldNum"/>
+            <p:ph type="sldNum" idx="12"/>
           </p:nvPr>
         </p:nvSpPr>
         <p:spPr>
@@ -1555,7 +1601,7 @@
           </a:prstGeom>
         </p:spPr>
         <p:txBody>
-          <a:bodyPr anchorCtr="0" anchor="ctr" bIns="91425" lIns="91425" spcFirstLastPara="1" rIns="91425" wrap="square" tIns="91425">
+          <a:bodyPr spcFirstLastPara="1" wrap="square" lIns="91425" tIns="91425" rIns="91425" bIns="91425" anchor="ctr" anchorCtr="0">
             <a:noAutofit/>
           </a:bodyPr>
           <a:lstStyle>
@@ -1597,7 +1643,7 @@
             </a:lvl9pPr>
           </a:lstStyle>
           <a:p>
-            <a:pPr indent="0" lvl="0" marL="0" rtl="0" algn="r">
+            <a:pPr marL="0" lvl="0" indent="0" algn="r" rtl="0">
               <a:spcBef>
                 <a:spcPts val="0"/>
               </a:spcBef>
@@ -1623,11 +1669,11 @@
 </file>
 
 <file path=ppt/slideLayouts/slideLayout2.xml><?xml version="1.0" encoding="utf-8"?>
-<p:sldLayout xmlns:a="http://schemas.openxmlformats.org/drawingml/2006/main" xmlns:r="http://schemas.openxmlformats.org/officeDocument/2006/relationships" xmlns:mc="http://schemas.openxmlformats.org/markup-compatibility/2006" xmlns:mv="urn:schemas-microsoft-com:mac:vml" xmlns:p="http://schemas.openxmlformats.org/presentationml/2006/main" xmlns:c="http://schemas.openxmlformats.org/drawingml/2006/chart" xmlns:dgm="http://schemas.openxmlformats.org/drawingml/2006/diagram" xmlns:o="urn:schemas-microsoft-com:office:office" xmlns:v="urn:schemas-microsoft-com:vml" xmlns:pvml="urn:schemas-microsoft-com:office:powerpoint" xmlns:com="http://schemas.openxmlformats.org/drawingml/2006/compatibility" xmlns:p14="http://schemas.microsoft.com/office/powerpoint/2010/main" xmlns:p15="http://schemas.microsoft.com/office/powerpoint/2012/main" matchingName="Section header" type="secHead">
+<p:sldLayout xmlns:a="http://schemas.openxmlformats.org/drawingml/2006/main" xmlns:r="http://schemas.openxmlformats.org/officeDocument/2006/relationships" xmlns:p="http://schemas.openxmlformats.org/presentationml/2006/main" matchingName="Section header" type="secHead">
   <p:cSld name="SECTION_HEADER">
     <p:spTree>
       <p:nvGrpSpPr>
-        <p:cNvPr id="13" name="Shape 13"/>
+        <p:cNvPr id="1" name="Shape 13"/>
         <p:cNvGrpSpPr/>
         <p:nvPr/>
       </p:nvGrpSpPr>
@@ -1642,7 +1688,9 @@
       <p:sp>
         <p:nvSpPr>
           <p:cNvPr id="14" name="Google Shape;14;p3"/>
-          <p:cNvSpPr txBox="1"/>
+          <p:cNvSpPr txBox="1">
+            <a:spLocks noGrp="1"/>
+          </p:cNvSpPr>
           <p:nvPr>
             <p:ph type="title"/>
           </p:nvPr>
@@ -1657,7 +1705,7 @@
           </a:prstGeom>
         </p:spPr>
         <p:txBody>
-          <a:bodyPr anchorCtr="0" anchor="ctr" bIns="91425" lIns="91425" spcFirstLastPara="1" rIns="91425" wrap="square" tIns="91425">
+          <a:bodyPr spcFirstLastPara="1" wrap="square" lIns="91425" tIns="91425" rIns="91425" bIns="91425" anchor="ctr" anchorCtr="0">
             <a:noAutofit/>
           </a:bodyPr>
           <a:lstStyle>
@@ -1761,15 +1809,19 @@
               <a:defRPr sz="3600"/>
             </a:lvl9pPr>
           </a:lstStyle>
-          <a:p/>
+          <a:p>
+            <a:endParaRPr/>
+          </a:p>
         </p:txBody>
       </p:sp>
       <p:sp>
         <p:nvSpPr>
           <p:cNvPr id="15" name="Google Shape;15;p3"/>
-          <p:cNvSpPr txBox="1"/>
+          <p:cNvSpPr txBox="1">
+            <a:spLocks noGrp="1"/>
+          </p:cNvSpPr>
           <p:nvPr>
-            <p:ph idx="12" type="sldNum"/>
+            <p:ph type="sldNum" idx="12"/>
           </p:nvPr>
         </p:nvSpPr>
         <p:spPr>
@@ -1782,7 +1834,7 @@
           </a:prstGeom>
         </p:spPr>
         <p:txBody>
-          <a:bodyPr anchorCtr="0" anchor="ctr" bIns="91425" lIns="91425" spcFirstLastPara="1" rIns="91425" wrap="square" tIns="91425">
+          <a:bodyPr spcFirstLastPara="1" wrap="square" lIns="91425" tIns="91425" rIns="91425" bIns="91425" anchor="ctr" anchorCtr="0">
             <a:noAutofit/>
           </a:bodyPr>
           <a:lstStyle>
@@ -1824,7 +1876,7 @@
             </a:lvl9pPr>
           </a:lstStyle>
           <a:p>
-            <a:pPr indent="0" lvl="0" marL="0" rtl="0" algn="r">
+            <a:pPr marL="0" lvl="0" indent="0" algn="r" rtl="0">
               <a:spcBef>
                 <a:spcPts val="0"/>
               </a:spcBef>
@@ -1850,11 +1902,11 @@
 </file>
 
 <file path=ppt/slideLayouts/slideLayout3.xml><?xml version="1.0" encoding="utf-8"?>
-<p:sldLayout xmlns:a="http://schemas.openxmlformats.org/drawingml/2006/main" xmlns:r="http://schemas.openxmlformats.org/officeDocument/2006/relationships" xmlns:mc="http://schemas.openxmlformats.org/markup-compatibility/2006" xmlns:mv="urn:schemas-microsoft-com:mac:vml" xmlns:p="http://schemas.openxmlformats.org/presentationml/2006/main" xmlns:c="http://schemas.openxmlformats.org/drawingml/2006/chart" xmlns:dgm="http://schemas.openxmlformats.org/drawingml/2006/diagram" xmlns:o="urn:schemas-microsoft-com:office:office" xmlns:v="urn:schemas-microsoft-com:vml" xmlns:pvml="urn:schemas-microsoft-com:office:powerpoint" xmlns:com="http://schemas.openxmlformats.org/drawingml/2006/compatibility" xmlns:p14="http://schemas.microsoft.com/office/powerpoint/2010/main" xmlns:p15="http://schemas.microsoft.com/office/powerpoint/2012/main" matchingName="Title and body" type="tx">
+<p:sldLayout xmlns:a="http://schemas.openxmlformats.org/drawingml/2006/main" xmlns:r="http://schemas.openxmlformats.org/officeDocument/2006/relationships" xmlns:p="http://schemas.openxmlformats.org/presentationml/2006/main" matchingName="Title and body" type="tx">
   <p:cSld name="TITLE_AND_BODY">
     <p:spTree>
       <p:nvGrpSpPr>
-        <p:cNvPr id="16" name="Shape 16"/>
+        <p:cNvPr id="1" name="Shape 16"/>
         <p:cNvGrpSpPr/>
         <p:nvPr/>
       </p:nvGrpSpPr>
@@ -1869,7 +1921,9 @@
       <p:sp>
         <p:nvSpPr>
           <p:cNvPr id="17" name="Google Shape;17;p4"/>
-          <p:cNvSpPr txBox="1"/>
+          <p:cNvSpPr txBox="1">
+            <a:spLocks noGrp="1"/>
+          </p:cNvSpPr>
           <p:nvPr>
             <p:ph type="title"/>
           </p:nvPr>
@@ -1884,7 +1938,7 @@
           </a:prstGeom>
         </p:spPr>
         <p:txBody>
-          <a:bodyPr anchorCtr="0" anchor="t" bIns="91425" lIns="91425" spcFirstLastPara="1" rIns="91425" wrap="square" tIns="91425">
+          <a:bodyPr spcFirstLastPara="1" wrap="square" lIns="91425" tIns="91425" rIns="91425" bIns="91425" anchor="t" anchorCtr="0">
             <a:noAutofit/>
           </a:bodyPr>
           <a:lstStyle>
@@ -1988,15 +2042,19 @@
               <a:defRPr/>
             </a:lvl9pPr>
           </a:lstStyle>
-          <a:p/>
+          <a:p>
+            <a:endParaRPr/>
+          </a:p>
         </p:txBody>
       </p:sp>
       <p:sp>
         <p:nvSpPr>
           <p:cNvPr id="18" name="Google Shape;18;p4"/>
-          <p:cNvSpPr txBox="1"/>
+          <p:cNvSpPr txBox="1">
+            <a:spLocks noGrp="1"/>
+          </p:cNvSpPr>
           <p:nvPr>
-            <p:ph idx="1" type="body"/>
+            <p:ph type="body" idx="1"/>
           </p:nvPr>
         </p:nvSpPr>
         <p:spPr>
@@ -2009,11 +2067,11 @@
           </a:prstGeom>
         </p:spPr>
         <p:txBody>
-          <a:bodyPr anchorCtr="0" anchor="t" bIns="91425" lIns="91425" spcFirstLastPara="1" rIns="91425" wrap="square" tIns="91425">
+          <a:bodyPr spcFirstLastPara="1" wrap="square" lIns="91425" tIns="91425" rIns="91425" bIns="91425" anchor="t" anchorCtr="0">
             <a:noAutofit/>
           </a:bodyPr>
           <a:lstStyle>
-            <a:lvl1pPr indent="-342900" lvl="0" marL="457200">
+            <a:lvl1pPr marL="457200" lvl="0" indent="-342900">
               <a:spcBef>
                 <a:spcPts val="0"/>
               </a:spcBef>
@@ -2024,7 +2082,7 @@
               <a:buChar char="●"/>
               <a:defRPr/>
             </a:lvl1pPr>
-            <a:lvl2pPr indent="-317500" lvl="1" marL="914400">
+            <a:lvl2pPr marL="914400" lvl="1" indent="-317500">
               <a:spcBef>
                 <a:spcPts val="1600"/>
               </a:spcBef>
@@ -2035,7 +2093,7 @@
               <a:buChar char="○"/>
               <a:defRPr/>
             </a:lvl2pPr>
-            <a:lvl3pPr indent="-317500" lvl="2" marL="1371600">
+            <a:lvl3pPr marL="1371600" lvl="2" indent="-317500">
               <a:spcBef>
                 <a:spcPts val="1600"/>
               </a:spcBef>
@@ -2046,7 +2104,7 @@
               <a:buChar char="■"/>
               <a:defRPr/>
             </a:lvl3pPr>
-            <a:lvl4pPr indent="-317500" lvl="3" marL="1828800">
+            <a:lvl4pPr marL="1828800" lvl="3" indent="-317500">
               <a:spcBef>
                 <a:spcPts val="1600"/>
               </a:spcBef>
@@ -2057,7 +2115,7 @@
               <a:buChar char="●"/>
               <a:defRPr/>
             </a:lvl4pPr>
-            <a:lvl5pPr indent="-317500" lvl="4" marL="2286000">
+            <a:lvl5pPr marL="2286000" lvl="4" indent="-317500">
               <a:spcBef>
                 <a:spcPts val="1600"/>
               </a:spcBef>
@@ -2068,7 +2126,7 @@
               <a:buChar char="○"/>
               <a:defRPr/>
             </a:lvl5pPr>
-            <a:lvl6pPr indent="-317500" lvl="5" marL="2743200">
+            <a:lvl6pPr marL="2743200" lvl="5" indent="-317500">
               <a:spcBef>
                 <a:spcPts val="1600"/>
               </a:spcBef>
@@ -2079,7 +2137,7 @@
               <a:buChar char="■"/>
               <a:defRPr/>
             </a:lvl6pPr>
-            <a:lvl7pPr indent="-317500" lvl="6" marL="3200400">
+            <a:lvl7pPr marL="3200400" lvl="6" indent="-317500">
               <a:spcBef>
                 <a:spcPts val="1600"/>
               </a:spcBef>
@@ -2090,7 +2148,7 @@
               <a:buChar char="●"/>
               <a:defRPr/>
             </a:lvl7pPr>
-            <a:lvl8pPr indent="-317500" lvl="7" marL="3657600">
+            <a:lvl8pPr marL="3657600" lvl="7" indent="-317500">
               <a:spcBef>
                 <a:spcPts val="1600"/>
               </a:spcBef>
@@ -2101,7 +2159,7 @@
               <a:buChar char="○"/>
               <a:defRPr/>
             </a:lvl8pPr>
-            <a:lvl9pPr indent="-317500" lvl="8" marL="4114800">
+            <a:lvl9pPr marL="4114800" lvl="8" indent="-317500">
               <a:spcBef>
                 <a:spcPts val="1600"/>
               </a:spcBef>
@@ -2113,15 +2171,19 @@
               <a:defRPr/>
             </a:lvl9pPr>
           </a:lstStyle>
-          <a:p/>
+          <a:p>
+            <a:endParaRPr/>
+          </a:p>
         </p:txBody>
       </p:sp>
       <p:sp>
         <p:nvSpPr>
           <p:cNvPr id="19" name="Google Shape;19;p4"/>
-          <p:cNvSpPr txBox="1"/>
+          <p:cNvSpPr txBox="1">
+            <a:spLocks noGrp="1"/>
+          </p:cNvSpPr>
           <p:nvPr>
-            <p:ph idx="12" type="sldNum"/>
+            <p:ph type="sldNum" idx="12"/>
           </p:nvPr>
         </p:nvSpPr>
         <p:spPr>
@@ -2134,7 +2196,7 @@
           </a:prstGeom>
         </p:spPr>
         <p:txBody>
-          <a:bodyPr anchorCtr="0" anchor="ctr" bIns="91425" lIns="91425" spcFirstLastPara="1" rIns="91425" wrap="square" tIns="91425">
+          <a:bodyPr spcFirstLastPara="1" wrap="square" lIns="91425" tIns="91425" rIns="91425" bIns="91425" anchor="ctr" anchorCtr="0">
             <a:noAutofit/>
           </a:bodyPr>
           <a:lstStyle>
@@ -2176,7 +2238,7 @@
             </a:lvl9pPr>
           </a:lstStyle>
           <a:p>
-            <a:pPr indent="0" lvl="0" marL="0" rtl="0" algn="r">
+            <a:pPr marL="0" lvl="0" indent="0" algn="r" rtl="0">
               <a:spcBef>
                 <a:spcPts val="0"/>
               </a:spcBef>
@@ -2202,11 +2264,11 @@
 </file>
 
 <file path=ppt/slideLayouts/slideLayout4.xml><?xml version="1.0" encoding="utf-8"?>
-<p:sldLayout xmlns:a="http://schemas.openxmlformats.org/drawingml/2006/main" xmlns:r="http://schemas.openxmlformats.org/officeDocument/2006/relationships" xmlns:mc="http://schemas.openxmlformats.org/markup-compatibility/2006" xmlns:mv="urn:schemas-microsoft-com:mac:vml" xmlns:p="http://schemas.openxmlformats.org/presentationml/2006/main" xmlns:c="http://schemas.openxmlformats.org/drawingml/2006/chart" xmlns:dgm="http://schemas.openxmlformats.org/drawingml/2006/diagram" xmlns:o="urn:schemas-microsoft-com:office:office" xmlns:v="urn:schemas-microsoft-com:vml" xmlns:pvml="urn:schemas-microsoft-com:office:powerpoint" xmlns:com="http://schemas.openxmlformats.org/drawingml/2006/compatibility" xmlns:p14="http://schemas.microsoft.com/office/powerpoint/2010/main" xmlns:p15="http://schemas.microsoft.com/office/powerpoint/2012/main" matchingName="Title and two columns" type="twoColTx">
+<p:sldLayout xmlns:a="http://schemas.openxmlformats.org/drawingml/2006/main" xmlns:r="http://schemas.openxmlformats.org/officeDocument/2006/relationships" xmlns:p="http://schemas.openxmlformats.org/presentationml/2006/main" matchingName="Title and two columns" type="twoColTx">
   <p:cSld name="TITLE_AND_TWO_COLUMNS">
     <p:spTree>
       <p:nvGrpSpPr>
-        <p:cNvPr id="20" name="Shape 20"/>
+        <p:cNvPr id="1" name="Shape 20"/>
         <p:cNvGrpSpPr/>
         <p:nvPr/>
       </p:nvGrpSpPr>
@@ -2221,7 +2283,9 @@
       <p:sp>
         <p:nvSpPr>
           <p:cNvPr id="21" name="Google Shape;21;p5"/>
-          <p:cNvSpPr txBox="1"/>
+          <p:cNvSpPr txBox="1">
+            <a:spLocks noGrp="1"/>
+          </p:cNvSpPr>
           <p:nvPr>
             <p:ph type="title"/>
           </p:nvPr>
@@ -2236,7 +2300,7 @@
           </a:prstGeom>
         </p:spPr>
         <p:txBody>
-          <a:bodyPr anchorCtr="0" anchor="t" bIns="91425" lIns="91425" spcFirstLastPara="1" rIns="91425" wrap="square" tIns="91425">
+          <a:bodyPr spcFirstLastPara="1" wrap="square" lIns="91425" tIns="91425" rIns="91425" bIns="91425" anchor="t" anchorCtr="0">
             <a:noAutofit/>
           </a:bodyPr>
           <a:lstStyle>
@@ -2340,15 +2404,19 @@
               <a:defRPr/>
             </a:lvl9pPr>
           </a:lstStyle>
-          <a:p/>
+          <a:p>
+            <a:endParaRPr/>
+          </a:p>
         </p:txBody>
       </p:sp>
       <p:sp>
         <p:nvSpPr>
           <p:cNvPr id="22" name="Google Shape;22;p5"/>
-          <p:cNvSpPr txBox="1"/>
+          <p:cNvSpPr txBox="1">
+            <a:spLocks noGrp="1"/>
+          </p:cNvSpPr>
           <p:nvPr>
-            <p:ph idx="1" type="body"/>
+            <p:ph type="body" idx="1"/>
           </p:nvPr>
         </p:nvSpPr>
         <p:spPr>
@@ -2361,11 +2429,11 @@
           </a:prstGeom>
         </p:spPr>
         <p:txBody>
-          <a:bodyPr anchorCtr="0" anchor="t" bIns="91425" lIns="91425" spcFirstLastPara="1" rIns="91425" wrap="square" tIns="91425">
+          <a:bodyPr spcFirstLastPara="1" wrap="square" lIns="91425" tIns="91425" rIns="91425" bIns="91425" anchor="t" anchorCtr="0">
             <a:noAutofit/>
           </a:bodyPr>
           <a:lstStyle>
-            <a:lvl1pPr indent="-317500" lvl="0" marL="457200">
+            <a:lvl1pPr marL="457200" lvl="0" indent="-317500">
               <a:spcBef>
                 <a:spcPts val="0"/>
               </a:spcBef>
@@ -2376,7 +2444,7 @@
               <a:buChar char="●"/>
               <a:defRPr sz="1400"/>
             </a:lvl1pPr>
-            <a:lvl2pPr indent="-304800" lvl="1" marL="914400">
+            <a:lvl2pPr marL="914400" lvl="1" indent="-304800">
               <a:spcBef>
                 <a:spcPts val="1600"/>
               </a:spcBef>
@@ -2387,7 +2455,7 @@
               <a:buChar char="○"/>
               <a:defRPr sz="1200"/>
             </a:lvl2pPr>
-            <a:lvl3pPr indent="-304800" lvl="2" marL="1371600">
+            <a:lvl3pPr marL="1371600" lvl="2" indent="-304800">
               <a:spcBef>
                 <a:spcPts val="1600"/>
               </a:spcBef>
@@ -2398,7 +2466,7 @@
               <a:buChar char="■"/>
               <a:defRPr sz="1200"/>
             </a:lvl3pPr>
-            <a:lvl4pPr indent="-304800" lvl="3" marL="1828800">
+            <a:lvl4pPr marL="1828800" lvl="3" indent="-304800">
               <a:spcBef>
                 <a:spcPts val="1600"/>
               </a:spcBef>
@@ -2409,7 +2477,7 @@
               <a:buChar char="●"/>
               <a:defRPr sz="1200"/>
             </a:lvl4pPr>
-            <a:lvl5pPr indent="-304800" lvl="4" marL="2286000">
+            <a:lvl5pPr marL="2286000" lvl="4" indent="-304800">
               <a:spcBef>
                 <a:spcPts val="1600"/>
               </a:spcBef>
@@ -2420,7 +2488,7 @@
               <a:buChar char="○"/>
               <a:defRPr sz="1200"/>
             </a:lvl5pPr>
-            <a:lvl6pPr indent="-304800" lvl="5" marL="2743200">
+            <a:lvl6pPr marL="2743200" lvl="5" indent="-304800">
               <a:spcBef>
                 <a:spcPts val="1600"/>
               </a:spcBef>
@@ -2431,7 +2499,7 @@
               <a:buChar char="■"/>
               <a:defRPr sz="1200"/>
             </a:lvl6pPr>
-            <a:lvl7pPr indent="-304800" lvl="6" marL="3200400">
+            <a:lvl7pPr marL="3200400" lvl="6" indent="-304800">
               <a:spcBef>
                 <a:spcPts val="1600"/>
               </a:spcBef>
@@ -2442,7 +2510,7 @@
               <a:buChar char="●"/>
               <a:defRPr sz="1200"/>
             </a:lvl7pPr>
-            <a:lvl8pPr indent="-304800" lvl="7" marL="3657600">
+            <a:lvl8pPr marL="3657600" lvl="7" indent="-304800">
               <a:spcBef>
                 <a:spcPts val="1600"/>
               </a:spcBef>
@@ -2453,7 +2521,7 @@
               <a:buChar char="○"/>
               <a:defRPr sz="1200"/>
             </a:lvl8pPr>
-            <a:lvl9pPr indent="-304800" lvl="8" marL="4114800">
+            <a:lvl9pPr marL="4114800" lvl="8" indent="-304800">
               <a:spcBef>
                 <a:spcPts val="1600"/>
               </a:spcBef>
@@ -2465,15 +2533,19 @@
               <a:defRPr sz="1200"/>
             </a:lvl9pPr>
           </a:lstStyle>
-          <a:p/>
+          <a:p>
+            <a:endParaRPr/>
+          </a:p>
         </p:txBody>
       </p:sp>
       <p:sp>
         <p:nvSpPr>
           <p:cNvPr id="23" name="Google Shape;23;p5"/>
-          <p:cNvSpPr txBox="1"/>
+          <p:cNvSpPr txBox="1">
+            <a:spLocks noGrp="1"/>
+          </p:cNvSpPr>
           <p:nvPr>
-            <p:ph idx="2" type="body"/>
+            <p:ph type="body" idx="2"/>
           </p:nvPr>
         </p:nvSpPr>
         <p:spPr>
@@ -2486,11 +2558,11 @@
           </a:prstGeom>
         </p:spPr>
         <p:txBody>
-          <a:bodyPr anchorCtr="0" anchor="t" bIns="91425" lIns="91425" spcFirstLastPara="1" rIns="91425" wrap="square" tIns="91425">
+          <a:bodyPr spcFirstLastPara="1" wrap="square" lIns="91425" tIns="91425" rIns="91425" bIns="91425" anchor="t" anchorCtr="0">
             <a:noAutofit/>
           </a:bodyPr>
           <a:lstStyle>
-            <a:lvl1pPr indent="-317500" lvl="0" marL="457200">
+            <a:lvl1pPr marL="457200" lvl="0" indent="-317500">
               <a:spcBef>
                 <a:spcPts val="0"/>
               </a:spcBef>
@@ -2501,7 +2573,7 @@
               <a:buChar char="●"/>
               <a:defRPr sz="1400"/>
             </a:lvl1pPr>
-            <a:lvl2pPr indent="-304800" lvl="1" marL="914400">
+            <a:lvl2pPr marL="914400" lvl="1" indent="-304800">
               <a:spcBef>
                 <a:spcPts val="1600"/>
               </a:spcBef>
@@ -2512,7 +2584,7 @@
               <a:buChar char="○"/>
               <a:defRPr sz="1200"/>
             </a:lvl2pPr>
-            <a:lvl3pPr indent="-304800" lvl="2" marL="1371600">
+            <a:lvl3pPr marL="1371600" lvl="2" indent="-304800">
               <a:spcBef>
                 <a:spcPts val="1600"/>
               </a:spcBef>
@@ -2523,7 +2595,7 @@
               <a:buChar char="■"/>
               <a:defRPr sz="1200"/>
             </a:lvl3pPr>
-            <a:lvl4pPr indent="-304800" lvl="3" marL="1828800">
+            <a:lvl4pPr marL="1828800" lvl="3" indent="-304800">
               <a:spcBef>
                 <a:spcPts val="1600"/>
               </a:spcBef>
@@ -2534,7 +2606,7 @@
               <a:buChar char="●"/>
               <a:defRPr sz="1200"/>
             </a:lvl4pPr>
-            <a:lvl5pPr indent="-304800" lvl="4" marL="2286000">
+            <a:lvl5pPr marL="2286000" lvl="4" indent="-304800">
               <a:spcBef>
                 <a:spcPts val="1600"/>
               </a:spcBef>
@@ -2545,7 +2617,7 @@
               <a:buChar char="○"/>
               <a:defRPr sz="1200"/>
             </a:lvl5pPr>
-            <a:lvl6pPr indent="-304800" lvl="5" marL="2743200">
+            <a:lvl6pPr marL="2743200" lvl="5" indent="-304800">
               <a:spcBef>
                 <a:spcPts val="1600"/>
               </a:spcBef>
@@ -2556,7 +2628,7 @@
               <a:buChar char="■"/>
               <a:defRPr sz="1200"/>
             </a:lvl6pPr>
-            <a:lvl7pPr indent="-304800" lvl="6" marL="3200400">
+            <a:lvl7pPr marL="3200400" lvl="6" indent="-304800">
               <a:spcBef>
                 <a:spcPts val="1600"/>
               </a:spcBef>
@@ -2567,7 +2639,7 @@
               <a:buChar char="●"/>
               <a:defRPr sz="1200"/>
             </a:lvl7pPr>
-            <a:lvl8pPr indent="-304800" lvl="7" marL="3657600">
+            <a:lvl8pPr marL="3657600" lvl="7" indent="-304800">
               <a:spcBef>
                 <a:spcPts val="1600"/>
               </a:spcBef>
@@ -2578,7 +2650,7 @@
               <a:buChar char="○"/>
               <a:defRPr sz="1200"/>
             </a:lvl8pPr>
-            <a:lvl9pPr indent="-304800" lvl="8" marL="4114800">
+            <a:lvl9pPr marL="4114800" lvl="8" indent="-304800">
               <a:spcBef>
                 <a:spcPts val="1600"/>
               </a:spcBef>
@@ -2590,15 +2662,19 @@
               <a:defRPr sz="1200"/>
             </a:lvl9pPr>
           </a:lstStyle>
-          <a:p/>
+          <a:p>
+            <a:endParaRPr/>
+          </a:p>
         </p:txBody>
       </p:sp>
       <p:sp>
         <p:nvSpPr>
           <p:cNvPr id="24" name="Google Shape;24;p5"/>
-          <p:cNvSpPr txBox="1"/>
+          <p:cNvSpPr txBox="1">
+            <a:spLocks noGrp="1"/>
+          </p:cNvSpPr>
           <p:nvPr>
-            <p:ph idx="12" type="sldNum"/>
+            <p:ph type="sldNum" idx="12"/>
           </p:nvPr>
         </p:nvSpPr>
         <p:spPr>
@@ -2611,7 +2687,7 @@
           </a:prstGeom>
         </p:spPr>
         <p:txBody>
-          <a:bodyPr anchorCtr="0" anchor="ctr" bIns="91425" lIns="91425" spcFirstLastPara="1" rIns="91425" wrap="square" tIns="91425">
+          <a:bodyPr spcFirstLastPara="1" wrap="square" lIns="91425" tIns="91425" rIns="91425" bIns="91425" anchor="ctr" anchorCtr="0">
             <a:noAutofit/>
           </a:bodyPr>
           <a:lstStyle>
@@ -2653,7 +2729,7 @@
             </a:lvl9pPr>
           </a:lstStyle>
           <a:p>
-            <a:pPr indent="0" lvl="0" marL="0" rtl="0" algn="r">
+            <a:pPr marL="0" lvl="0" indent="0" algn="r" rtl="0">
               <a:spcBef>
                 <a:spcPts val="0"/>
               </a:spcBef>
@@ -2679,11 +2755,11 @@
 </file>
 
 <file path=ppt/slideLayouts/slideLayout5.xml><?xml version="1.0" encoding="utf-8"?>
-<p:sldLayout xmlns:a="http://schemas.openxmlformats.org/drawingml/2006/main" xmlns:r="http://schemas.openxmlformats.org/officeDocument/2006/relationships" xmlns:mc="http://schemas.openxmlformats.org/markup-compatibility/2006" xmlns:mv="urn:schemas-microsoft-com:mac:vml" xmlns:p="http://schemas.openxmlformats.org/presentationml/2006/main" xmlns:c="http://schemas.openxmlformats.org/drawingml/2006/chart" xmlns:dgm="http://schemas.openxmlformats.org/drawingml/2006/diagram" xmlns:o="urn:schemas-microsoft-com:office:office" xmlns:v="urn:schemas-microsoft-com:vml" xmlns:pvml="urn:schemas-microsoft-com:office:powerpoint" xmlns:com="http://schemas.openxmlformats.org/drawingml/2006/compatibility" xmlns:p14="http://schemas.microsoft.com/office/powerpoint/2010/main" xmlns:p15="http://schemas.microsoft.com/office/powerpoint/2012/main" matchingName="Title only" type="titleOnly">
+<p:sldLayout xmlns:a="http://schemas.openxmlformats.org/drawingml/2006/main" xmlns:r="http://schemas.openxmlformats.org/officeDocument/2006/relationships" xmlns:p="http://schemas.openxmlformats.org/presentationml/2006/main" matchingName="Title only" type="titleOnly">
   <p:cSld name="TITLE_ONLY">
     <p:spTree>
       <p:nvGrpSpPr>
-        <p:cNvPr id="25" name="Shape 25"/>
+        <p:cNvPr id="1" name="Shape 25"/>
         <p:cNvGrpSpPr/>
         <p:nvPr/>
       </p:nvGrpSpPr>
@@ -2698,7 +2774,9 @@
       <p:sp>
         <p:nvSpPr>
           <p:cNvPr id="26" name="Google Shape;26;p6"/>
-          <p:cNvSpPr txBox="1"/>
+          <p:cNvSpPr txBox="1">
+            <a:spLocks noGrp="1"/>
+          </p:cNvSpPr>
           <p:nvPr>
             <p:ph type="title"/>
           </p:nvPr>
@@ -2713,7 +2791,7 @@
           </a:prstGeom>
         </p:spPr>
         <p:txBody>
-          <a:bodyPr anchorCtr="0" anchor="t" bIns="91425" lIns="91425" spcFirstLastPara="1" rIns="91425" wrap="square" tIns="91425">
+          <a:bodyPr spcFirstLastPara="1" wrap="square" lIns="91425" tIns="91425" rIns="91425" bIns="91425" anchor="t" anchorCtr="0">
             <a:noAutofit/>
           </a:bodyPr>
           <a:lstStyle>
@@ -2817,15 +2895,19 @@
               <a:defRPr/>
             </a:lvl9pPr>
           </a:lstStyle>
-          <a:p/>
+          <a:p>
+            <a:endParaRPr/>
+          </a:p>
         </p:txBody>
       </p:sp>
       <p:sp>
         <p:nvSpPr>
           <p:cNvPr id="27" name="Google Shape;27;p6"/>
-          <p:cNvSpPr txBox="1"/>
+          <p:cNvSpPr txBox="1">
+            <a:spLocks noGrp="1"/>
+          </p:cNvSpPr>
           <p:nvPr>
-            <p:ph idx="12" type="sldNum"/>
+            <p:ph type="sldNum" idx="12"/>
           </p:nvPr>
         </p:nvSpPr>
         <p:spPr>
@@ -2838,7 +2920,7 @@
           </a:prstGeom>
         </p:spPr>
         <p:txBody>
-          <a:bodyPr anchorCtr="0" anchor="ctr" bIns="91425" lIns="91425" spcFirstLastPara="1" rIns="91425" wrap="square" tIns="91425">
+          <a:bodyPr spcFirstLastPara="1" wrap="square" lIns="91425" tIns="91425" rIns="91425" bIns="91425" anchor="ctr" anchorCtr="0">
             <a:noAutofit/>
           </a:bodyPr>
           <a:lstStyle>
@@ -2880,7 +2962,7 @@
             </a:lvl9pPr>
           </a:lstStyle>
           <a:p>
-            <a:pPr indent="0" lvl="0" marL="0" rtl="0" algn="r">
+            <a:pPr marL="0" lvl="0" indent="0" algn="r" rtl="0">
               <a:spcBef>
                 <a:spcPts val="0"/>
               </a:spcBef>
@@ -2906,11 +2988,11 @@
 </file>
 
 <file path=ppt/slideLayouts/slideLayout6.xml><?xml version="1.0" encoding="utf-8"?>
-<p:sldLayout xmlns:a="http://schemas.openxmlformats.org/drawingml/2006/main" xmlns:r="http://schemas.openxmlformats.org/officeDocument/2006/relationships" xmlns:mc="http://schemas.openxmlformats.org/markup-compatibility/2006" xmlns:mv="urn:schemas-microsoft-com:mac:vml" xmlns:p="http://schemas.openxmlformats.org/presentationml/2006/main" xmlns:c="http://schemas.openxmlformats.org/drawingml/2006/chart" xmlns:dgm="http://schemas.openxmlformats.org/drawingml/2006/diagram" xmlns:o="urn:schemas-microsoft-com:office:office" xmlns:v="urn:schemas-microsoft-com:vml" xmlns:pvml="urn:schemas-microsoft-com:office:powerpoint" xmlns:com="http://schemas.openxmlformats.org/drawingml/2006/compatibility" xmlns:p14="http://schemas.microsoft.com/office/powerpoint/2010/main" xmlns:p15="http://schemas.microsoft.com/office/powerpoint/2012/main" matchingName="One column text">
+<p:sldLayout xmlns:a="http://schemas.openxmlformats.org/drawingml/2006/main" xmlns:r="http://schemas.openxmlformats.org/officeDocument/2006/relationships" xmlns:p="http://schemas.openxmlformats.org/presentationml/2006/main" matchingName="One column text">
   <p:cSld name="ONE_COLUMN_TEXT">
     <p:spTree>
       <p:nvGrpSpPr>
-        <p:cNvPr id="28" name="Shape 28"/>
+        <p:cNvPr id="1" name="Shape 28"/>
         <p:cNvGrpSpPr/>
         <p:nvPr/>
       </p:nvGrpSpPr>
@@ -2925,7 +3007,9 @@
       <p:sp>
         <p:nvSpPr>
           <p:cNvPr id="29" name="Google Shape;29;p7"/>
-          <p:cNvSpPr txBox="1"/>
+          <p:cNvSpPr txBox="1">
+            <a:spLocks noGrp="1"/>
+          </p:cNvSpPr>
           <p:nvPr>
             <p:ph type="title"/>
           </p:nvPr>
@@ -2940,7 +3024,7 @@
           </a:prstGeom>
         </p:spPr>
         <p:txBody>
-          <a:bodyPr anchorCtr="0" anchor="b" bIns="91425" lIns="91425" spcFirstLastPara="1" rIns="91425" wrap="square" tIns="91425">
+          <a:bodyPr spcFirstLastPara="1" wrap="square" lIns="91425" tIns="91425" rIns="91425" bIns="91425" anchor="b" anchorCtr="0">
             <a:noAutofit/>
           </a:bodyPr>
           <a:lstStyle>
@@ -3044,15 +3128,19 @@
               <a:defRPr sz="2400"/>
             </a:lvl9pPr>
           </a:lstStyle>
-          <a:p/>
+          <a:p>
+            <a:endParaRPr/>
+          </a:p>
         </p:txBody>
       </p:sp>
       <p:sp>
         <p:nvSpPr>
           <p:cNvPr id="30" name="Google Shape;30;p7"/>
-          <p:cNvSpPr txBox="1"/>
+          <p:cNvSpPr txBox="1">
+            <a:spLocks noGrp="1"/>
+          </p:cNvSpPr>
           <p:nvPr>
-            <p:ph idx="1" type="body"/>
+            <p:ph type="body" idx="1"/>
           </p:nvPr>
         </p:nvSpPr>
         <p:spPr>
@@ -3065,11 +3153,11 @@
           </a:prstGeom>
         </p:spPr>
         <p:txBody>
-          <a:bodyPr anchorCtr="0" anchor="t" bIns="91425" lIns="91425" spcFirstLastPara="1" rIns="91425" wrap="square" tIns="91425">
+          <a:bodyPr spcFirstLastPara="1" wrap="square" lIns="91425" tIns="91425" rIns="91425" bIns="91425" anchor="t" anchorCtr="0">
             <a:noAutofit/>
           </a:bodyPr>
           <a:lstStyle>
-            <a:lvl1pPr indent="-304800" lvl="0" marL="457200">
+            <a:lvl1pPr marL="457200" lvl="0" indent="-304800">
               <a:spcBef>
                 <a:spcPts val="0"/>
               </a:spcBef>
@@ -3080,7 +3168,7 @@
               <a:buChar char="●"/>
               <a:defRPr sz="1200"/>
             </a:lvl1pPr>
-            <a:lvl2pPr indent="-304800" lvl="1" marL="914400">
+            <a:lvl2pPr marL="914400" lvl="1" indent="-304800">
               <a:spcBef>
                 <a:spcPts val="1600"/>
               </a:spcBef>
@@ -3091,7 +3179,7 @@
               <a:buChar char="○"/>
               <a:defRPr sz="1200"/>
             </a:lvl2pPr>
-            <a:lvl3pPr indent="-304800" lvl="2" marL="1371600">
+            <a:lvl3pPr marL="1371600" lvl="2" indent="-304800">
               <a:spcBef>
                 <a:spcPts val="1600"/>
               </a:spcBef>
@@ -3102,7 +3190,7 @@
               <a:buChar char="■"/>
               <a:defRPr sz="1200"/>
             </a:lvl3pPr>
-            <a:lvl4pPr indent="-304800" lvl="3" marL="1828800">
+            <a:lvl4pPr marL="1828800" lvl="3" indent="-304800">
               <a:spcBef>
                 <a:spcPts val="1600"/>
               </a:spcBef>
@@ -3113,7 +3201,7 @@
               <a:buChar char="●"/>
               <a:defRPr sz="1200"/>
             </a:lvl4pPr>
-            <a:lvl5pPr indent="-304800" lvl="4" marL="2286000">
+            <a:lvl5pPr marL="2286000" lvl="4" indent="-304800">
               <a:spcBef>
                 <a:spcPts val="1600"/>
               </a:spcBef>
@@ -3124,7 +3212,7 @@
               <a:buChar char="○"/>
               <a:defRPr sz="1200"/>
             </a:lvl5pPr>
-            <a:lvl6pPr indent="-304800" lvl="5" marL="2743200">
+            <a:lvl6pPr marL="2743200" lvl="5" indent="-304800">
               <a:spcBef>
                 <a:spcPts val="1600"/>
               </a:spcBef>
@@ -3135,7 +3223,7 @@
               <a:buChar char="■"/>
               <a:defRPr sz="1200"/>
             </a:lvl6pPr>
-            <a:lvl7pPr indent="-304800" lvl="6" marL="3200400">
+            <a:lvl7pPr marL="3200400" lvl="6" indent="-304800">
               <a:spcBef>
                 <a:spcPts val="1600"/>
               </a:spcBef>
@@ -3146,7 +3234,7 @@
               <a:buChar char="●"/>
               <a:defRPr sz="1200"/>
             </a:lvl7pPr>
-            <a:lvl8pPr indent="-304800" lvl="7" marL="3657600">
+            <a:lvl8pPr marL="3657600" lvl="7" indent="-304800">
               <a:spcBef>
                 <a:spcPts val="1600"/>
               </a:spcBef>
@@ -3157,7 +3245,7 @@
               <a:buChar char="○"/>
               <a:defRPr sz="1200"/>
             </a:lvl8pPr>
-            <a:lvl9pPr indent="-304800" lvl="8" marL="4114800">
+            <a:lvl9pPr marL="4114800" lvl="8" indent="-304800">
               <a:spcBef>
                 <a:spcPts val="1600"/>
               </a:spcBef>
@@ -3169,15 +3257,19 @@
               <a:defRPr sz="1200"/>
             </a:lvl9pPr>
           </a:lstStyle>
-          <a:p/>
+          <a:p>
+            <a:endParaRPr/>
+          </a:p>
         </p:txBody>
       </p:sp>
       <p:sp>
         <p:nvSpPr>
           <p:cNvPr id="31" name="Google Shape;31;p7"/>
-          <p:cNvSpPr txBox="1"/>
+          <p:cNvSpPr txBox="1">
+            <a:spLocks noGrp="1"/>
+          </p:cNvSpPr>
           <p:nvPr>
-            <p:ph idx="12" type="sldNum"/>
+            <p:ph type="sldNum" idx="12"/>
           </p:nvPr>
         </p:nvSpPr>
         <p:spPr>
@@ -3190,7 +3282,7 @@
           </a:prstGeom>
         </p:spPr>
         <p:txBody>
-          <a:bodyPr anchorCtr="0" anchor="ctr" bIns="91425" lIns="91425" spcFirstLastPara="1" rIns="91425" wrap="square" tIns="91425">
+          <a:bodyPr spcFirstLastPara="1" wrap="square" lIns="91425" tIns="91425" rIns="91425" bIns="91425" anchor="ctr" anchorCtr="0">
             <a:noAutofit/>
           </a:bodyPr>
           <a:lstStyle>
@@ -3232,7 +3324,7 @@
             </a:lvl9pPr>
           </a:lstStyle>
           <a:p>
-            <a:pPr indent="0" lvl="0" marL="0" rtl="0" algn="r">
+            <a:pPr marL="0" lvl="0" indent="0" algn="r" rtl="0">
               <a:spcBef>
                 <a:spcPts val="0"/>
               </a:spcBef>
@@ -3258,11 +3350,11 @@
 </file>
 
 <file path=ppt/slideLayouts/slideLayout7.xml><?xml version="1.0" encoding="utf-8"?>
-<p:sldLayout xmlns:a="http://schemas.openxmlformats.org/drawingml/2006/main" xmlns:r="http://schemas.openxmlformats.org/officeDocument/2006/relationships" xmlns:mc="http://schemas.openxmlformats.org/markup-compatibility/2006" xmlns:mv="urn:schemas-microsoft-com:mac:vml" xmlns:p="http://schemas.openxmlformats.org/presentationml/2006/main" xmlns:c="http://schemas.openxmlformats.org/drawingml/2006/chart" xmlns:dgm="http://schemas.openxmlformats.org/drawingml/2006/diagram" xmlns:o="urn:schemas-microsoft-com:office:office" xmlns:v="urn:schemas-microsoft-com:vml" xmlns:pvml="urn:schemas-microsoft-com:office:powerpoint" xmlns:com="http://schemas.openxmlformats.org/drawingml/2006/compatibility" xmlns:p14="http://schemas.microsoft.com/office/powerpoint/2010/main" xmlns:p15="http://schemas.microsoft.com/office/powerpoint/2012/main" matchingName="Main point">
+<p:sldLayout xmlns:a="http://schemas.openxmlformats.org/drawingml/2006/main" xmlns:r="http://schemas.openxmlformats.org/officeDocument/2006/relationships" xmlns:p="http://schemas.openxmlformats.org/presentationml/2006/main" matchingName="Main point">
   <p:cSld name="MAIN_POINT">
     <p:spTree>
       <p:nvGrpSpPr>
-        <p:cNvPr id="32" name="Shape 32"/>
+        <p:cNvPr id="1" name="Shape 32"/>
         <p:cNvGrpSpPr/>
         <p:nvPr/>
       </p:nvGrpSpPr>
@@ -3277,7 +3369,9 @@
       <p:sp>
         <p:nvSpPr>
           <p:cNvPr id="33" name="Google Shape;33;p8"/>
-          <p:cNvSpPr txBox="1"/>
+          <p:cNvSpPr txBox="1">
+            <a:spLocks noGrp="1"/>
+          </p:cNvSpPr>
           <p:nvPr>
             <p:ph type="title"/>
           </p:nvPr>
@@ -3292,7 +3386,7 @@
           </a:prstGeom>
         </p:spPr>
         <p:txBody>
-          <a:bodyPr anchorCtr="0" anchor="ctr" bIns="91425" lIns="91425" spcFirstLastPara="1" rIns="91425" wrap="square" tIns="91425">
+          <a:bodyPr spcFirstLastPara="1" wrap="square" lIns="91425" tIns="91425" rIns="91425" bIns="91425" anchor="ctr" anchorCtr="0">
             <a:noAutofit/>
           </a:bodyPr>
           <a:lstStyle>
@@ -3396,15 +3490,19 @@
               <a:defRPr sz="4800"/>
             </a:lvl9pPr>
           </a:lstStyle>
-          <a:p/>
+          <a:p>
+            <a:endParaRPr/>
+          </a:p>
         </p:txBody>
       </p:sp>
       <p:sp>
         <p:nvSpPr>
           <p:cNvPr id="34" name="Google Shape;34;p8"/>
-          <p:cNvSpPr txBox="1"/>
+          <p:cNvSpPr txBox="1">
+            <a:spLocks noGrp="1"/>
+          </p:cNvSpPr>
           <p:nvPr>
-            <p:ph idx="12" type="sldNum"/>
+            <p:ph type="sldNum" idx="12"/>
           </p:nvPr>
         </p:nvSpPr>
         <p:spPr>
@@ -3417,7 +3515,7 @@
           </a:prstGeom>
         </p:spPr>
         <p:txBody>
-          <a:bodyPr anchorCtr="0" anchor="ctr" bIns="91425" lIns="91425" spcFirstLastPara="1" rIns="91425" wrap="square" tIns="91425">
+          <a:bodyPr spcFirstLastPara="1" wrap="square" lIns="91425" tIns="91425" rIns="91425" bIns="91425" anchor="ctr" anchorCtr="0">
             <a:noAutofit/>
           </a:bodyPr>
           <a:lstStyle>
@@ -3459,7 +3557,7 @@
             </a:lvl9pPr>
           </a:lstStyle>
           <a:p>
-            <a:pPr indent="0" lvl="0" marL="0" rtl="0" algn="r">
+            <a:pPr marL="0" lvl="0" indent="0" algn="r" rtl="0">
               <a:spcBef>
                 <a:spcPts val="0"/>
               </a:spcBef>
@@ -3485,11 +3583,11 @@
 </file>
 
 <file path=ppt/slideLayouts/slideLayout8.xml><?xml version="1.0" encoding="utf-8"?>
-<p:sldLayout xmlns:a="http://schemas.openxmlformats.org/drawingml/2006/main" xmlns:r="http://schemas.openxmlformats.org/officeDocument/2006/relationships" xmlns:mc="http://schemas.openxmlformats.org/markup-compatibility/2006" xmlns:mv="urn:schemas-microsoft-com:mac:vml" xmlns:p="http://schemas.openxmlformats.org/presentationml/2006/main" xmlns:c="http://schemas.openxmlformats.org/drawingml/2006/chart" xmlns:dgm="http://schemas.openxmlformats.org/drawingml/2006/diagram" xmlns:o="urn:schemas-microsoft-com:office:office" xmlns:v="urn:schemas-microsoft-com:vml" xmlns:pvml="urn:schemas-microsoft-com:office:powerpoint" xmlns:com="http://schemas.openxmlformats.org/drawingml/2006/compatibility" xmlns:p14="http://schemas.microsoft.com/office/powerpoint/2010/main" xmlns:p15="http://schemas.microsoft.com/office/powerpoint/2012/main" matchingName="Section title and description">
+<p:sldLayout xmlns:a="http://schemas.openxmlformats.org/drawingml/2006/main" xmlns:r="http://schemas.openxmlformats.org/officeDocument/2006/relationships" xmlns:p="http://schemas.openxmlformats.org/presentationml/2006/main" matchingName="Section title and description">
   <p:cSld name="SECTION_TITLE_AND_DESCRIPTION">
     <p:spTree>
       <p:nvGrpSpPr>
-        <p:cNvPr id="35" name="Shape 35"/>
+        <p:cNvPr id="1" name="Shape 35"/>
         <p:cNvGrpSpPr/>
         <p:nvPr/>
       </p:nvGrpSpPr>
@@ -3523,12 +3621,12 @@
           </a:ln>
         </p:spPr>
         <p:txBody>
-          <a:bodyPr anchorCtr="0" anchor="ctr" bIns="91425" lIns="91425" spcFirstLastPara="1" rIns="91425" wrap="square" tIns="91425">
+          <a:bodyPr spcFirstLastPara="1" wrap="square" lIns="91425" tIns="91425" rIns="91425" bIns="91425" anchor="ctr" anchorCtr="0">
             <a:noAutofit/>
           </a:bodyPr>
           <a:lstStyle/>
           <a:p>
-            <a:pPr indent="0" lvl="0" marL="0" rtl="0" algn="l">
+            <a:pPr marL="0" lvl="0" indent="0" algn="l" rtl="0">
               <a:spcBef>
                 <a:spcPts val="0"/>
               </a:spcBef>
@@ -3537,9 +3635,6 @@
               </a:spcAft>
               <a:buNone/>
             </a:pPr>
-            <a:r>
-              <a:t/>
-            </a:r>
             <a:endParaRPr/>
           </a:p>
         </p:txBody>
@@ -3547,7 +3642,9 @@
       <p:sp>
         <p:nvSpPr>
           <p:cNvPr id="37" name="Google Shape;37;p9"/>
-          <p:cNvSpPr txBox="1"/>
+          <p:cNvSpPr txBox="1">
+            <a:spLocks noGrp="1"/>
+          </p:cNvSpPr>
           <p:nvPr>
             <p:ph type="title"/>
           </p:nvPr>
@@ -3562,7 +3659,7 @@
           </a:prstGeom>
         </p:spPr>
         <p:txBody>
-          <a:bodyPr anchorCtr="0" anchor="b" bIns="91425" lIns="91425" spcFirstLastPara="1" rIns="91425" wrap="square" tIns="91425">
+          <a:bodyPr spcFirstLastPara="1" wrap="square" lIns="91425" tIns="91425" rIns="91425" bIns="91425" anchor="b" anchorCtr="0">
             <a:noAutofit/>
           </a:bodyPr>
           <a:lstStyle>
@@ -3666,15 +3763,19 @@
               <a:defRPr sz="4200"/>
             </a:lvl9pPr>
           </a:lstStyle>
-          <a:p/>
+          <a:p>
+            <a:endParaRPr/>
+          </a:p>
         </p:txBody>
       </p:sp>
       <p:sp>
         <p:nvSpPr>
           <p:cNvPr id="38" name="Google Shape;38;p9"/>
-          <p:cNvSpPr txBox="1"/>
+          <p:cNvSpPr txBox="1">
+            <a:spLocks noGrp="1"/>
+          </p:cNvSpPr>
           <p:nvPr>
-            <p:ph idx="1" type="subTitle"/>
+            <p:ph type="subTitle" idx="1"/>
           </p:nvPr>
         </p:nvSpPr>
         <p:spPr>
@@ -3687,7 +3788,7 @@
           </a:prstGeom>
         </p:spPr>
         <p:txBody>
-          <a:bodyPr anchorCtr="0" anchor="t" bIns="91425" lIns="91425" spcFirstLastPara="1" rIns="91425" wrap="square" tIns="91425">
+          <a:bodyPr spcFirstLastPara="1" wrap="square" lIns="91425" tIns="91425" rIns="91425" bIns="91425" anchor="t" anchorCtr="0">
             <a:noAutofit/>
           </a:bodyPr>
           <a:lstStyle>
@@ -3818,15 +3919,19 @@
               <a:defRPr sz="2100"/>
             </a:lvl9pPr>
           </a:lstStyle>
-          <a:p/>
+          <a:p>
+            <a:endParaRPr/>
+          </a:p>
         </p:txBody>
       </p:sp>
       <p:sp>
         <p:nvSpPr>
           <p:cNvPr id="39" name="Google Shape;39;p9"/>
-          <p:cNvSpPr txBox="1"/>
+          <p:cNvSpPr txBox="1">
+            <a:spLocks noGrp="1"/>
+          </p:cNvSpPr>
           <p:nvPr>
-            <p:ph idx="2" type="body"/>
+            <p:ph type="body" idx="2"/>
           </p:nvPr>
         </p:nvSpPr>
         <p:spPr>
@@ -3839,11 +3944,11 @@
           </a:prstGeom>
         </p:spPr>
         <p:txBody>
-          <a:bodyPr anchorCtr="0" anchor="ctr" bIns="91425" lIns="91425" spcFirstLastPara="1" rIns="91425" wrap="square" tIns="91425">
+          <a:bodyPr spcFirstLastPara="1" wrap="square" lIns="91425" tIns="91425" rIns="91425" bIns="91425" anchor="ctr" anchorCtr="0">
             <a:noAutofit/>
           </a:bodyPr>
           <a:lstStyle>
-            <a:lvl1pPr indent="-342900" lvl="0" marL="457200">
+            <a:lvl1pPr marL="457200" lvl="0" indent="-342900">
               <a:spcBef>
                 <a:spcPts val="0"/>
               </a:spcBef>
@@ -3854,7 +3959,7 @@
               <a:buChar char="●"/>
               <a:defRPr/>
             </a:lvl1pPr>
-            <a:lvl2pPr indent="-317500" lvl="1" marL="914400">
+            <a:lvl2pPr marL="914400" lvl="1" indent="-317500">
               <a:spcBef>
                 <a:spcPts val="1600"/>
               </a:spcBef>
@@ -3865,7 +3970,7 @@
               <a:buChar char="○"/>
               <a:defRPr/>
             </a:lvl2pPr>
-            <a:lvl3pPr indent="-317500" lvl="2" marL="1371600">
+            <a:lvl3pPr marL="1371600" lvl="2" indent="-317500">
               <a:spcBef>
                 <a:spcPts val="1600"/>
               </a:spcBef>
@@ -3876,7 +3981,7 @@
               <a:buChar char="■"/>
               <a:defRPr/>
             </a:lvl3pPr>
-            <a:lvl4pPr indent="-317500" lvl="3" marL="1828800">
+            <a:lvl4pPr marL="1828800" lvl="3" indent="-317500">
               <a:spcBef>
                 <a:spcPts val="1600"/>
               </a:spcBef>
@@ -3887,7 +3992,7 @@
               <a:buChar char="●"/>
               <a:defRPr/>
             </a:lvl4pPr>
-            <a:lvl5pPr indent="-317500" lvl="4" marL="2286000">
+            <a:lvl5pPr marL="2286000" lvl="4" indent="-317500">
               <a:spcBef>
                 <a:spcPts val="1600"/>
               </a:spcBef>
@@ -3898,7 +4003,7 @@
               <a:buChar char="○"/>
               <a:defRPr/>
             </a:lvl5pPr>
-            <a:lvl6pPr indent="-317500" lvl="5" marL="2743200">
+            <a:lvl6pPr marL="2743200" lvl="5" indent="-317500">
               <a:spcBef>
                 <a:spcPts val="1600"/>
               </a:spcBef>
@@ -3909,7 +4014,7 @@
               <a:buChar char="■"/>
               <a:defRPr/>
             </a:lvl6pPr>
-            <a:lvl7pPr indent="-317500" lvl="6" marL="3200400">
+            <a:lvl7pPr marL="3200400" lvl="6" indent="-317500">
               <a:spcBef>
                 <a:spcPts val="1600"/>
               </a:spcBef>
@@ -3920,7 +4025,7 @@
               <a:buChar char="●"/>
               <a:defRPr/>
             </a:lvl7pPr>
-            <a:lvl8pPr indent="-317500" lvl="7" marL="3657600">
+            <a:lvl8pPr marL="3657600" lvl="7" indent="-317500">
               <a:spcBef>
                 <a:spcPts val="1600"/>
               </a:spcBef>
@@ -3931,7 +4036,7 @@
               <a:buChar char="○"/>
               <a:defRPr/>
             </a:lvl8pPr>
-            <a:lvl9pPr indent="-317500" lvl="8" marL="4114800">
+            <a:lvl9pPr marL="4114800" lvl="8" indent="-317500">
               <a:spcBef>
                 <a:spcPts val="1600"/>
               </a:spcBef>
@@ -3943,15 +4048,19 @@
               <a:defRPr/>
             </a:lvl9pPr>
           </a:lstStyle>
-          <a:p/>
+          <a:p>
+            <a:endParaRPr/>
+          </a:p>
         </p:txBody>
       </p:sp>
       <p:sp>
         <p:nvSpPr>
           <p:cNvPr id="40" name="Google Shape;40;p9"/>
-          <p:cNvSpPr txBox="1"/>
+          <p:cNvSpPr txBox="1">
+            <a:spLocks noGrp="1"/>
+          </p:cNvSpPr>
           <p:nvPr>
-            <p:ph idx="12" type="sldNum"/>
+            <p:ph type="sldNum" idx="12"/>
           </p:nvPr>
         </p:nvSpPr>
         <p:spPr>
@@ -3964,7 +4073,7 @@
           </a:prstGeom>
         </p:spPr>
         <p:txBody>
-          <a:bodyPr anchorCtr="0" anchor="ctr" bIns="91425" lIns="91425" spcFirstLastPara="1" rIns="91425" wrap="square" tIns="91425">
+          <a:bodyPr spcFirstLastPara="1" wrap="square" lIns="91425" tIns="91425" rIns="91425" bIns="91425" anchor="ctr" anchorCtr="0">
             <a:noAutofit/>
           </a:bodyPr>
           <a:lstStyle>
@@ -4006,7 +4115,7 @@
             </a:lvl9pPr>
           </a:lstStyle>
           <a:p>
-            <a:pPr indent="0" lvl="0" marL="0" rtl="0" algn="r">
+            <a:pPr marL="0" lvl="0" indent="0" algn="r" rtl="0">
               <a:spcBef>
                 <a:spcPts val="0"/>
               </a:spcBef>
@@ -4032,11 +4141,11 @@
 </file>
 
 <file path=ppt/slideLayouts/slideLayout9.xml><?xml version="1.0" encoding="utf-8"?>
-<p:sldLayout xmlns:a="http://schemas.openxmlformats.org/drawingml/2006/main" xmlns:r="http://schemas.openxmlformats.org/officeDocument/2006/relationships" xmlns:mc="http://schemas.openxmlformats.org/markup-compatibility/2006" xmlns:mv="urn:schemas-microsoft-com:mac:vml" xmlns:p="http://schemas.openxmlformats.org/presentationml/2006/main" xmlns:c="http://schemas.openxmlformats.org/drawingml/2006/chart" xmlns:dgm="http://schemas.openxmlformats.org/drawingml/2006/diagram" xmlns:o="urn:schemas-microsoft-com:office:office" xmlns:v="urn:schemas-microsoft-com:vml" xmlns:pvml="urn:schemas-microsoft-com:office:powerpoint" xmlns:com="http://schemas.openxmlformats.org/drawingml/2006/compatibility" xmlns:p14="http://schemas.microsoft.com/office/powerpoint/2010/main" xmlns:p15="http://schemas.microsoft.com/office/powerpoint/2012/main" matchingName="Caption">
+<p:sldLayout xmlns:a="http://schemas.openxmlformats.org/drawingml/2006/main" xmlns:r="http://schemas.openxmlformats.org/officeDocument/2006/relationships" xmlns:p="http://schemas.openxmlformats.org/presentationml/2006/main" matchingName="Caption">
   <p:cSld name="CAPTION_ONLY">
     <p:spTree>
       <p:nvGrpSpPr>
-        <p:cNvPr id="41" name="Shape 41"/>
+        <p:cNvPr id="1" name="Shape 41"/>
         <p:cNvGrpSpPr/>
         <p:nvPr/>
       </p:nvGrpSpPr>
@@ -4051,9 +4160,11 @@
       <p:sp>
         <p:nvSpPr>
           <p:cNvPr id="42" name="Google Shape;42;p10"/>
-          <p:cNvSpPr txBox="1"/>
+          <p:cNvSpPr txBox="1">
+            <a:spLocks noGrp="1"/>
+          </p:cNvSpPr>
           <p:nvPr>
-            <p:ph idx="1" type="body"/>
+            <p:ph type="body" idx="1"/>
           </p:nvPr>
         </p:nvSpPr>
         <p:spPr>
@@ -4066,11 +4177,11 @@
           </a:prstGeom>
         </p:spPr>
         <p:txBody>
-          <a:bodyPr anchorCtr="0" anchor="ctr" bIns="91425" lIns="91425" spcFirstLastPara="1" rIns="91425" wrap="square" tIns="91425">
+          <a:bodyPr spcFirstLastPara="1" wrap="square" lIns="91425" tIns="91425" rIns="91425" bIns="91425" anchor="ctr" anchorCtr="0">
             <a:noAutofit/>
           </a:bodyPr>
           <a:lstStyle>
-            <a:lvl1pPr indent="-228600" lvl="0" marL="457200">
+            <a:lvl1pPr marL="457200" lvl="0" indent="-228600">
               <a:lnSpc>
                 <a:spcPct val="100000"/>
               </a:lnSpc>
@@ -4085,15 +4196,19 @@
               <a:defRPr/>
             </a:lvl1pPr>
           </a:lstStyle>
-          <a:p/>
+          <a:p>
+            <a:endParaRPr/>
+          </a:p>
         </p:txBody>
       </p:sp>
       <p:sp>
         <p:nvSpPr>
           <p:cNvPr id="43" name="Google Shape;43;p10"/>
-          <p:cNvSpPr txBox="1"/>
+          <p:cNvSpPr txBox="1">
+            <a:spLocks noGrp="1"/>
+          </p:cNvSpPr>
           <p:nvPr>
-            <p:ph idx="12" type="sldNum"/>
+            <p:ph type="sldNum" idx="12"/>
           </p:nvPr>
         </p:nvSpPr>
         <p:spPr>
@@ -4106,7 +4221,7 @@
           </a:prstGeom>
         </p:spPr>
         <p:txBody>
-          <a:bodyPr anchorCtr="0" anchor="ctr" bIns="91425" lIns="91425" spcFirstLastPara="1" rIns="91425" wrap="square" tIns="91425">
+          <a:bodyPr spcFirstLastPara="1" wrap="square" lIns="91425" tIns="91425" rIns="91425" bIns="91425" anchor="ctr" anchorCtr="0">
             <a:noAutofit/>
           </a:bodyPr>
           <a:lstStyle>
@@ -4148,7 +4263,7 @@
             </a:lvl9pPr>
           </a:lstStyle>
           <a:p>
-            <a:pPr indent="0" lvl="0" marL="0" rtl="0" algn="r">
+            <a:pPr marL="0" lvl="0" indent="0" algn="r" rtl="0">
               <a:spcBef>
                 <a:spcPts val="0"/>
               </a:spcBef>
@@ -4174,18 +4289,19 @@
 </file>
 
 <file path=ppt/slideMasters/slideMaster1.xml><?xml version="1.0" encoding="utf-8"?>
-<p:sldMaster xmlns:a="http://schemas.openxmlformats.org/drawingml/2006/main" xmlns:r="http://schemas.openxmlformats.org/officeDocument/2006/relationships" xmlns:mc="http://schemas.openxmlformats.org/markup-compatibility/2006" xmlns:mv="urn:schemas-microsoft-com:mac:vml" xmlns:p="http://schemas.openxmlformats.org/presentationml/2006/main" xmlns:c="http://schemas.openxmlformats.org/drawingml/2006/chart" xmlns:dgm="http://schemas.openxmlformats.org/drawingml/2006/diagram" xmlns:o="urn:schemas-microsoft-com:office:office" xmlns:v="urn:schemas-microsoft-com:vml" xmlns:pvml="urn:schemas-microsoft-com:office:powerpoint" xmlns:com="http://schemas.openxmlformats.org/drawingml/2006/compatibility" xmlns:p14="http://schemas.microsoft.com/office/powerpoint/2010/main" xmlns:p15="http://schemas.microsoft.com/office/powerpoint/2012/main">
+<p:sldMaster xmlns:a="http://schemas.openxmlformats.org/drawingml/2006/main" xmlns:r="http://schemas.openxmlformats.org/officeDocument/2006/relationships" xmlns:p="http://schemas.openxmlformats.org/presentationml/2006/main">
   <p:cSld name="simple-light-2">
     <p:bg>
       <p:bgPr>
         <a:solidFill>
           <a:schemeClr val="lt1"/>
         </a:solidFill>
+        <a:effectLst/>
       </p:bgPr>
     </p:bg>
     <p:spTree>
       <p:nvGrpSpPr>
-        <p:cNvPr id="5" name="Shape 5"/>
+        <p:cNvPr id="1" name="Shape 5"/>
         <p:cNvGrpSpPr/>
         <p:nvPr/>
       </p:nvGrpSpPr>
@@ -4200,7 +4316,9 @@
       <p:sp>
         <p:nvSpPr>
           <p:cNvPr id="6" name="Google Shape;6;p1"/>
-          <p:cNvSpPr txBox="1"/>
+          <p:cNvSpPr txBox="1">
+            <a:spLocks noGrp="1"/>
+          </p:cNvSpPr>
           <p:nvPr>
             <p:ph type="title"/>
           </p:nvPr>
@@ -4219,7 +4337,7 @@
           </a:ln>
         </p:spPr>
         <p:txBody>
-          <a:bodyPr anchorCtr="0" anchor="t" bIns="91425" lIns="91425" spcFirstLastPara="1" rIns="91425" wrap="square" tIns="91425">
+          <a:bodyPr spcFirstLastPara="1" wrap="square" lIns="91425" tIns="91425" rIns="91425" bIns="91425" anchor="t" anchorCtr="0">
             <a:noAutofit/>
           </a:bodyPr>
           <a:lstStyle>
@@ -4386,15 +4504,19 @@
               </a:defRPr>
             </a:lvl9pPr>
           </a:lstStyle>
-          <a:p/>
+          <a:p>
+            <a:endParaRPr/>
+          </a:p>
         </p:txBody>
       </p:sp>
       <p:sp>
         <p:nvSpPr>
           <p:cNvPr id="7" name="Google Shape;7;p1"/>
-          <p:cNvSpPr txBox="1"/>
+          <p:cNvSpPr txBox="1">
+            <a:spLocks noGrp="1"/>
+          </p:cNvSpPr>
           <p:nvPr>
-            <p:ph idx="1" type="body"/>
+            <p:ph type="body" idx="1"/>
           </p:nvPr>
         </p:nvSpPr>
         <p:spPr>
@@ -4411,11 +4533,11 @@
           </a:ln>
         </p:spPr>
         <p:txBody>
-          <a:bodyPr anchorCtr="0" anchor="t" bIns="91425" lIns="91425" spcFirstLastPara="1" rIns="91425" wrap="square" tIns="91425">
+          <a:bodyPr spcFirstLastPara="1" wrap="square" lIns="91425" tIns="91425" rIns="91425" bIns="91425" anchor="t" anchorCtr="0">
             <a:noAutofit/>
           </a:bodyPr>
           <a:lstStyle>
-            <a:lvl1pPr indent="-342900" lvl="0" marL="457200">
+            <a:lvl1pPr marL="457200" lvl="0" indent="-342900">
               <a:lnSpc>
                 <a:spcPct val="115000"/>
               </a:lnSpc>
@@ -4436,7 +4558,7 @@
                 </a:solidFill>
               </a:defRPr>
             </a:lvl1pPr>
-            <a:lvl2pPr indent="-317500" lvl="1" marL="914400">
+            <a:lvl2pPr marL="914400" lvl="1" indent="-317500">
               <a:lnSpc>
                 <a:spcPct val="115000"/>
               </a:lnSpc>
@@ -4457,7 +4579,7 @@
                 </a:solidFill>
               </a:defRPr>
             </a:lvl2pPr>
-            <a:lvl3pPr indent="-317500" lvl="2" marL="1371600">
+            <a:lvl3pPr marL="1371600" lvl="2" indent="-317500">
               <a:lnSpc>
                 <a:spcPct val="115000"/>
               </a:lnSpc>
@@ -4478,7 +4600,7 @@
                 </a:solidFill>
               </a:defRPr>
             </a:lvl3pPr>
-            <a:lvl4pPr indent="-317500" lvl="3" marL="1828800">
+            <a:lvl4pPr marL="1828800" lvl="3" indent="-317500">
               <a:lnSpc>
                 <a:spcPct val="115000"/>
               </a:lnSpc>
@@ -4499,7 +4621,7 @@
                 </a:solidFill>
               </a:defRPr>
             </a:lvl4pPr>
-            <a:lvl5pPr indent="-317500" lvl="4" marL="2286000">
+            <a:lvl5pPr marL="2286000" lvl="4" indent="-317500">
               <a:lnSpc>
                 <a:spcPct val="115000"/>
               </a:lnSpc>
@@ -4520,7 +4642,7 @@
                 </a:solidFill>
               </a:defRPr>
             </a:lvl5pPr>
-            <a:lvl6pPr indent="-317500" lvl="5" marL="2743200">
+            <a:lvl6pPr marL="2743200" lvl="5" indent="-317500">
               <a:lnSpc>
                 <a:spcPct val="115000"/>
               </a:lnSpc>
@@ -4541,7 +4663,7 @@
                 </a:solidFill>
               </a:defRPr>
             </a:lvl6pPr>
-            <a:lvl7pPr indent="-317500" lvl="6" marL="3200400">
+            <a:lvl7pPr marL="3200400" lvl="6" indent="-317500">
               <a:lnSpc>
                 <a:spcPct val="115000"/>
               </a:lnSpc>
@@ -4562,7 +4684,7 @@
                 </a:solidFill>
               </a:defRPr>
             </a:lvl7pPr>
-            <a:lvl8pPr indent="-317500" lvl="7" marL="3657600">
+            <a:lvl8pPr marL="3657600" lvl="7" indent="-317500">
               <a:lnSpc>
                 <a:spcPct val="115000"/>
               </a:lnSpc>
@@ -4583,7 +4705,7 @@
                 </a:solidFill>
               </a:defRPr>
             </a:lvl8pPr>
-            <a:lvl9pPr indent="-317500" lvl="8" marL="4114800">
+            <a:lvl9pPr marL="4114800" lvl="8" indent="-317500">
               <a:lnSpc>
                 <a:spcPct val="115000"/>
               </a:lnSpc>
@@ -4605,15 +4727,19 @@
               </a:defRPr>
             </a:lvl9pPr>
           </a:lstStyle>
-          <a:p/>
+          <a:p>
+            <a:endParaRPr/>
+          </a:p>
         </p:txBody>
       </p:sp>
       <p:sp>
         <p:nvSpPr>
           <p:cNvPr id="8" name="Google Shape;8;p1"/>
-          <p:cNvSpPr txBox="1"/>
+          <p:cNvSpPr txBox="1">
+            <a:spLocks noGrp="1"/>
+          </p:cNvSpPr>
           <p:nvPr>
-            <p:ph idx="12" type="sldNum"/>
+            <p:ph type="sldNum" idx="12"/>
           </p:nvPr>
         </p:nvSpPr>
         <p:spPr>
@@ -4630,7 +4756,7 @@
           </a:ln>
         </p:spPr>
         <p:txBody>
-          <a:bodyPr anchorCtr="0" anchor="ctr" bIns="91425" lIns="91425" spcFirstLastPara="1" rIns="91425" wrap="square" tIns="91425">
+          <a:bodyPr spcFirstLastPara="1" wrap="square" lIns="91425" tIns="91425" rIns="91425" bIns="91425" anchor="ctr" anchorCtr="0">
             <a:noAutofit/>
           </a:bodyPr>
           <a:lstStyle>
@@ -4708,7 +4834,7 @@
             </a:lvl9pPr>
           </a:lstStyle>
           <a:p>
-            <a:pPr indent="0" lvl="0" marL="0" rtl="0" algn="r">
+            <a:pPr marL="0" lvl="0" indent="0" algn="r" rtl="0">
               <a:spcBef>
                 <a:spcPts val="0"/>
               </a:spcBef>
@@ -4727,7 +4853,7 @@
       </p:sp>
     </p:spTree>
   </p:cSld>
-  <p:clrMap accent1="accent1" accent2="accent2" accent3="accent3" accent4="accent4" accent5="accent5" accent6="accent6" bg1="lt1" bg2="dk2" tx1="dk1" tx2="lt2" folHlink="folHlink" hlink="hlink"/>
+  <p:clrMap bg1="lt1" tx1="dk1" bg2="dk2" tx2="lt2" accent1="accent1" accent2="accent2" accent3="accent3" accent4="accent4" accent5="accent5" accent6="accent6" hlink="hlink" folHlink="folHlink"/>
   <p:sldLayoutIdLst>
     <p:sldLayoutId id="2147483648" r:id="rId1"/>
     <p:sldLayoutId id="2147483649" r:id="rId2"/>
@@ -4741,10 +4867,10 @@
     <p:sldLayoutId id="2147483657" r:id="rId10"/>
     <p:sldLayoutId id="2147483658" r:id="rId11"/>
   </p:sldLayoutIdLst>
-  <p:hf dt="0" ftr="0" hdr="0" sldNum="0"/>
+  <p:hf sldNum="0" hdr="0" ftr="0" dt="0"/>
   <p:txStyles>
     <p:titleStyle>
-      <a:defPPr lvl="0" marR="0" rtl="0" algn="l">
+      <a:defPPr marR="0" lvl="0" algn="l" rtl="0">
         <a:lnSpc>
           <a:spcPct val="100000"/>
         </a:lnSpc>
@@ -4755,7 +4881,7 @@
           <a:spcPts val="0"/>
         </a:spcAft>
       </a:defPPr>
-      <a:lvl1pPr lvl="0" marR="0" rtl="0" algn="l">
+      <a:lvl1pPr marR="0" lvl="0" algn="l" rtl="0">
         <a:lnSpc>
           <a:spcPct val="100000"/>
         </a:lnSpc>
@@ -4769,7 +4895,7 @@
           <a:srgbClr val="000000"/>
         </a:buClr>
         <a:buFont typeface="Arial"/>
-        <a:defRPr b="0" i="0" sz="1400" u="none" cap="none" strike="noStrike">
+        <a:defRPr sz="1400" b="0" i="0" u="none" strike="noStrike" cap="none">
           <a:solidFill>
             <a:srgbClr val="000000"/>
           </a:solidFill>
@@ -4779,7 +4905,7 @@
           <a:sym typeface="Arial"/>
         </a:defRPr>
       </a:lvl1pPr>
-      <a:lvl2pPr lvl="1" marR="0" rtl="0" algn="l">
+      <a:lvl2pPr marR="0" lvl="1" algn="l" rtl="0">
         <a:lnSpc>
           <a:spcPct val="100000"/>
         </a:lnSpc>
@@ -4793,7 +4919,7 @@
           <a:srgbClr val="000000"/>
         </a:buClr>
         <a:buFont typeface="Arial"/>
-        <a:defRPr b="0" i="0" sz="1400" u="none" cap="none" strike="noStrike">
+        <a:defRPr sz="1400" b="0" i="0" u="none" strike="noStrike" cap="none">
           <a:solidFill>
             <a:srgbClr val="000000"/>
           </a:solidFill>
@@ -4803,7 +4929,7 @@
           <a:sym typeface="Arial"/>
         </a:defRPr>
       </a:lvl2pPr>
-      <a:lvl3pPr lvl="2" marR="0" rtl="0" algn="l">
+      <a:lvl3pPr marR="0" lvl="2" algn="l" rtl="0">
         <a:lnSpc>
           <a:spcPct val="100000"/>
         </a:lnSpc>
@@ -4817,7 +4943,7 @@
           <a:srgbClr val="000000"/>
         </a:buClr>
         <a:buFont typeface="Arial"/>
-        <a:defRPr b="0" i="0" sz="1400" u="none" cap="none" strike="noStrike">
+        <a:defRPr sz="1400" b="0" i="0" u="none" strike="noStrike" cap="none">
           <a:solidFill>
             <a:srgbClr val="000000"/>
           </a:solidFill>
@@ -4827,7 +4953,7 @@
           <a:sym typeface="Arial"/>
         </a:defRPr>
       </a:lvl3pPr>
-      <a:lvl4pPr lvl="3" marR="0" rtl="0" algn="l">
+      <a:lvl4pPr marR="0" lvl="3" algn="l" rtl="0">
         <a:lnSpc>
           <a:spcPct val="100000"/>
         </a:lnSpc>
@@ -4841,7 +4967,7 @@
           <a:srgbClr val="000000"/>
         </a:buClr>
         <a:buFont typeface="Arial"/>
-        <a:defRPr b="0" i="0" sz="1400" u="none" cap="none" strike="noStrike">
+        <a:defRPr sz="1400" b="0" i="0" u="none" strike="noStrike" cap="none">
           <a:solidFill>
             <a:srgbClr val="000000"/>
           </a:solidFill>
@@ -4851,7 +4977,7 @@
           <a:sym typeface="Arial"/>
         </a:defRPr>
       </a:lvl4pPr>
-      <a:lvl5pPr lvl="4" marR="0" rtl="0" algn="l">
+      <a:lvl5pPr marR="0" lvl="4" algn="l" rtl="0">
         <a:lnSpc>
           <a:spcPct val="100000"/>
         </a:lnSpc>
@@ -4865,7 +4991,7 @@
           <a:srgbClr val="000000"/>
         </a:buClr>
         <a:buFont typeface="Arial"/>
-        <a:defRPr b="0" i="0" sz="1400" u="none" cap="none" strike="noStrike">
+        <a:defRPr sz="1400" b="0" i="0" u="none" strike="noStrike" cap="none">
           <a:solidFill>
             <a:srgbClr val="000000"/>
           </a:solidFill>
@@ -4875,7 +5001,7 @@
           <a:sym typeface="Arial"/>
         </a:defRPr>
       </a:lvl5pPr>
-      <a:lvl6pPr lvl="5" marR="0" rtl="0" algn="l">
+      <a:lvl6pPr marR="0" lvl="5" algn="l" rtl="0">
         <a:lnSpc>
           <a:spcPct val="100000"/>
         </a:lnSpc>
@@ -4889,7 +5015,7 @@
           <a:srgbClr val="000000"/>
         </a:buClr>
         <a:buFont typeface="Arial"/>
-        <a:defRPr b="0" i="0" sz="1400" u="none" cap="none" strike="noStrike">
+        <a:defRPr sz="1400" b="0" i="0" u="none" strike="noStrike" cap="none">
           <a:solidFill>
             <a:srgbClr val="000000"/>
           </a:solidFill>
@@ -4899,7 +5025,7 @@
           <a:sym typeface="Arial"/>
         </a:defRPr>
       </a:lvl6pPr>
-      <a:lvl7pPr lvl="6" marR="0" rtl="0" algn="l">
+      <a:lvl7pPr marR="0" lvl="6" algn="l" rtl="0">
         <a:lnSpc>
           <a:spcPct val="100000"/>
         </a:lnSpc>
@@ -4913,7 +5039,7 @@
           <a:srgbClr val="000000"/>
         </a:buClr>
         <a:buFont typeface="Arial"/>
-        <a:defRPr b="0" i="0" sz="1400" u="none" cap="none" strike="noStrike">
+        <a:defRPr sz="1400" b="0" i="0" u="none" strike="noStrike" cap="none">
           <a:solidFill>
             <a:srgbClr val="000000"/>
           </a:solidFill>
@@ -4923,7 +5049,7 @@
           <a:sym typeface="Arial"/>
         </a:defRPr>
       </a:lvl7pPr>
-      <a:lvl8pPr lvl="7" marR="0" rtl="0" algn="l">
+      <a:lvl8pPr marR="0" lvl="7" algn="l" rtl="0">
         <a:lnSpc>
           <a:spcPct val="100000"/>
         </a:lnSpc>
@@ -4937,7 +5063,7 @@
           <a:srgbClr val="000000"/>
         </a:buClr>
         <a:buFont typeface="Arial"/>
-        <a:defRPr b="0" i="0" sz="1400" u="none" cap="none" strike="noStrike">
+        <a:defRPr sz="1400" b="0" i="0" u="none" strike="noStrike" cap="none">
           <a:solidFill>
             <a:srgbClr val="000000"/>
           </a:solidFill>
@@ -4947,7 +5073,7 @@
           <a:sym typeface="Arial"/>
         </a:defRPr>
       </a:lvl8pPr>
-      <a:lvl9pPr lvl="8" marR="0" rtl="0" algn="l">
+      <a:lvl9pPr marR="0" lvl="8" algn="l" rtl="0">
         <a:lnSpc>
           <a:spcPct val="100000"/>
         </a:lnSpc>
@@ -4961,7 +5087,7 @@
           <a:srgbClr val="000000"/>
         </a:buClr>
         <a:buFont typeface="Arial"/>
-        <a:defRPr b="0" i="0" sz="1400" u="none" cap="none" strike="noStrike">
+        <a:defRPr sz="1400" b="0" i="0" u="none" strike="noStrike" cap="none">
           <a:solidFill>
             <a:srgbClr val="000000"/>
           </a:solidFill>
@@ -4973,7 +5099,7 @@
       </a:lvl9pPr>
     </p:titleStyle>
     <p:bodyStyle>
-      <a:defPPr lvl="0" marR="0" rtl="0" algn="l">
+      <a:defPPr marR="0" lvl="0" algn="l" rtl="0">
         <a:lnSpc>
           <a:spcPct val="100000"/>
         </a:lnSpc>
@@ -4984,7 +5110,7 @@
           <a:spcPts val="0"/>
         </a:spcAft>
       </a:defPPr>
-      <a:lvl1pPr lvl="0" marR="0" rtl="0" algn="l">
+      <a:lvl1pPr marR="0" lvl="0" algn="l" rtl="0">
         <a:lnSpc>
           <a:spcPct val="100000"/>
         </a:lnSpc>
@@ -4998,7 +5124,7 @@
           <a:srgbClr val="000000"/>
         </a:buClr>
         <a:buFont typeface="Arial"/>
-        <a:defRPr b="0" i="0" sz="1400" u="none" cap="none" strike="noStrike">
+        <a:defRPr sz="1400" b="0" i="0" u="none" strike="noStrike" cap="none">
           <a:solidFill>
             <a:srgbClr val="000000"/>
           </a:solidFill>
@@ -5008,7 +5134,7 @@
           <a:sym typeface="Arial"/>
         </a:defRPr>
       </a:lvl1pPr>
-      <a:lvl2pPr lvl="1" marR="0" rtl="0" algn="l">
+      <a:lvl2pPr marR="0" lvl="1" algn="l" rtl="0">
         <a:lnSpc>
           <a:spcPct val="100000"/>
         </a:lnSpc>
@@ -5022,7 +5148,7 @@
           <a:srgbClr val="000000"/>
         </a:buClr>
         <a:buFont typeface="Arial"/>
-        <a:defRPr b="0" i="0" sz="1400" u="none" cap="none" strike="noStrike">
+        <a:defRPr sz="1400" b="0" i="0" u="none" strike="noStrike" cap="none">
           <a:solidFill>
             <a:srgbClr val="000000"/>
           </a:solidFill>
@@ -5032,7 +5158,7 @@
           <a:sym typeface="Arial"/>
         </a:defRPr>
       </a:lvl2pPr>
-      <a:lvl3pPr lvl="2" marR="0" rtl="0" algn="l">
+      <a:lvl3pPr marR="0" lvl="2" algn="l" rtl="0">
         <a:lnSpc>
           <a:spcPct val="100000"/>
         </a:lnSpc>
@@ -5046,7 +5172,7 @@
           <a:srgbClr val="000000"/>
         </a:buClr>
         <a:buFont typeface="Arial"/>
-        <a:defRPr b="0" i="0" sz="1400" u="none" cap="none" strike="noStrike">
+        <a:defRPr sz="1400" b="0" i="0" u="none" strike="noStrike" cap="none">
           <a:solidFill>
             <a:srgbClr val="000000"/>
           </a:solidFill>
@@ -5056,7 +5182,7 @@
           <a:sym typeface="Arial"/>
         </a:defRPr>
       </a:lvl3pPr>
-      <a:lvl4pPr lvl="3" marR="0" rtl="0" algn="l">
+      <a:lvl4pPr marR="0" lvl="3" algn="l" rtl="0">
         <a:lnSpc>
           <a:spcPct val="100000"/>
         </a:lnSpc>
@@ -5070,7 +5196,7 @@
           <a:srgbClr val="000000"/>
         </a:buClr>
         <a:buFont typeface="Arial"/>
-        <a:defRPr b="0" i="0" sz="1400" u="none" cap="none" strike="noStrike">
+        <a:defRPr sz="1400" b="0" i="0" u="none" strike="noStrike" cap="none">
           <a:solidFill>
             <a:srgbClr val="000000"/>
           </a:solidFill>
@@ -5080,7 +5206,7 @@
           <a:sym typeface="Arial"/>
         </a:defRPr>
       </a:lvl4pPr>
-      <a:lvl5pPr lvl="4" marR="0" rtl="0" algn="l">
+      <a:lvl5pPr marR="0" lvl="4" algn="l" rtl="0">
         <a:lnSpc>
           <a:spcPct val="100000"/>
         </a:lnSpc>
@@ -5094,7 +5220,7 @@
           <a:srgbClr val="000000"/>
         </a:buClr>
         <a:buFont typeface="Arial"/>
-        <a:defRPr b="0" i="0" sz="1400" u="none" cap="none" strike="noStrike">
+        <a:defRPr sz="1400" b="0" i="0" u="none" strike="noStrike" cap="none">
           <a:solidFill>
             <a:srgbClr val="000000"/>
           </a:solidFill>
@@ -5104,7 +5230,7 @@
           <a:sym typeface="Arial"/>
         </a:defRPr>
       </a:lvl5pPr>
-      <a:lvl6pPr lvl="5" marR="0" rtl="0" algn="l">
+      <a:lvl6pPr marR="0" lvl="5" algn="l" rtl="0">
         <a:lnSpc>
           <a:spcPct val="100000"/>
         </a:lnSpc>
@@ -5118,7 +5244,7 @@
           <a:srgbClr val="000000"/>
         </a:buClr>
         <a:buFont typeface="Arial"/>
-        <a:defRPr b="0" i="0" sz="1400" u="none" cap="none" strike="noStrike">
+        <a:defRPr sz="1400" b="0" i="0" u="none" strike="noStrike" cap="none">
           <a:solidFill>
             <a:srgbClr val="000000"/>
           </a:solidFill>
@@ -5128,7 +5254,7 @@
           <a:sym typeface="Arial"/>
         </a:defRPr>
       </a:lvl6pPr>
-      <a:lvl7pPr lvl="6" marR="0" rtl="0" algn="l">
+      <a:lvl7pPr marR="0" lvl="6" algn="l" rtl="0">
         <a:lnSpc>
           <a:spcPct val="100000"/>
         </a:lnSpc>
@@ -5142,7 +5268,7 @@
           <a:srgbClr val="000000"/>
         </a:buClr>
         <a:buFont typeface="Arial"/>
-        <a:defRPr b="0" i="0" sz="1400" u="none" cap="none" strike="noStrike">
+        <a:defRPr sz="1400" b="0" i="0" u="none" strike="noStrike" cap="none">
           <a:solidFill>
             <a:srgbClr val="000000"/>
           </a:solidFill>
@@ -5152,7 +5278,7 @@
           <a:sym typeface="Arial"/>
         </a:defRPr>
       </a:lvl7pPr>
-      <a:lvl8pPr lvl="7" marR="0" rtl="0" algn="l">
+      <a:lvl8pPr marR="0" lvl="7" algn="l" rtl="0">
         <a:lnSpc>
           <a:spcPct val="100000"/>
         </a:lnSpc>
@@ -5166,7 +5292,7 @@
           <a:srgbClr val="000000"/>
         </a:buClr>
         <a:buFont typeface="Arial"/>
-        <a:defRPr b="0" i="0" sz="1400" u="none" cap="none" strike="noStrike">
+        <a:defRPr sz="1400" b="0" i="0" u="none" strike="noStrike" cap="none">
           <a:solidFill>
             <a:srgbClr val="000000"/>
           </a:solidFill>
@@ -5176,7 +5302,7 @@
           <a:sym typeface="Arial"/>
         </a:defRPr>
       </a:lvl8pPr>
-      <a:lvl9pPr lvl="8" marR="0" rtl="0" algn="l">
+      <a:lvl9pPr marR="0" lvl="8" algn="l" rtl="0">
         <a:lnSpc>
           <a:spcPct val="100000"/>
         </a:lnSpc>
@@ -5190,7 +5316,7 @@
           <a:srgbClr val="000000"/>
         </a:buClr>
         <a:buFont typeface="Arial"/>
-        <a:defRPr b="0" i="0" sz="1400" u="none" cap="none" strike="noStrike">
+        <a:defRPr sz="1400" b="0" i="0" u="none" strike="noStrike" cap="none">
           <a:solidFill>
             <a:srgbClr val="000000"/>
           </a:solidFill>
@@ -5202,7 +5328,7 @@
       </a:lvl9pPr>
     </p:bodyStyle>
     <p:otherStyle>
-      <a:defPPr lvl="0" marR="0" rtl="0" algn="l">
+      <a:defPPr marR="0" lvl="0" algn="l" rtl="0">
         <a:lnSpc>
           <a:spcPct val="100000"/>
         </a:lnSpc>
@@ -5213,7 +5339,7 @@
           <a:spcPts val="0"/>
         </a:spcAft>
       </a:defPPr>
-      <a:lvl1pPr lvl="0" marR="0" rtl="0" algn="l">
+      <a:lvl1pPr marR="0" lvl="0" algn="l" rtl="0">
         <a:lnSpc>
           <a:spcPct val="100000"/>
         </a:lnSpc>
@@ -5227,7 +5353,7 @@
           <a:srgbClr val="000000"/>
         </a:buClr>
         <a:buFont typeface="Arial"/>
-        <a:defRPr b="0" i="0" sz="1400" u="none" cap="none" strike="noStrike">
+        <a:defRPr sz="1400" b="0" i="0" u="none" strike="noStrike" cap="none">
           <a:solidFill>
             <a:srgbClr val="000000"/>
           </a:solidFill>
@@ -5237,7 +5363,7 @@
           <a:sym typeface="Arial"/>
         </a:defRPr>
       </a:lvl1pPr>
-      <a:lvl2pPr lvl="1" marR="0" rtl="0" algn="l">
+      <a:lvl2pPr marR="0" lvl="1" algn="l" rtl="0">
         <a:lnSpc>
           <a:spcPct val="100000"/>
         </a:lnSpc>
@@ -5251,7 +5377,7 @@
           <a:srgbClr val="000000"/>
         </a:buClr>
         <a:buFont typeface="Arial"/>
-        <a:defRPr b="0" i="0" sz="1400" u="none" cap="none" strike="noStrike">
+        <a:defRPr sz="1400" b="0" i="0" u="none" strike="noStrike" cap="none">
           <a:solidFill>
             <a:srgbClr val="000000"/>
           </a:solidFill>
@@ -5261,7 +5387,7 @@
           <a:sym typeface="Arial"/>
         </a:defRPr>
       </a:lvl2pPr>
-      <a:lvl3pPr lvl="2" marR="0" rtl="0" algn="l">
+      <a:lvl3pPr marR="0" lvl="2" algn="l" rtl="0">
         <a:lnSpc>
           <a:spcPct val="100000"/>
         </a:lnSpc>
@@ -5275,7 +5401,7 @@
           <a:srgbClr val="000000"/>
         </a:buClr>
         <a:buFont typeface="Arial"/>
-        <a:defRPr b="0" i="0" sz="1400" u="none" cap="none" strike="noStrike">
+        <a:defRPr sz="1400" b="0" i="0" u="none" strike="noStrike" cap="none">
           <a:solidFill>
             <a:srgbClr val="000000"/>
           </a:solidFill>
@@ -5285,7 +5411,7 @@
           <a:sym typeface="Arial"/>
         </a:defRPr>
       </a:lvl3pPr>
-      <a:lvl4pPr lvl="3" marR="0" rtl="0" algn="l">
+      <a:lvl4pPr marR="0" lvl="3" algn="l" rtl="0">
         <a:lnSpc>
           <a:spcPct val="100000"/>
         </a:lnSpc>
@@ -5299,7 +5425,7 @@
           <a:srgbClr val="000000"/>
         </a:buClr>
         <a:buFont typeface="Arial"/>
-        <a:defRPr b="0" i="0" sz="1400" u="none" cap="none" strike="noStrike">
+        <a:defRPr sz="1400" b="0" i="0" u="none" strike="noStrike" cap="none">
           <a:solidFill>
             <a:srgbClr val="000000"/>
           </a:solidFill>
@@ -5309,7 +5435,7 @@
           <a:sym typeface="Arial"/>
         </a:defRPr>
       </a:lvl4pPr>
-      <a:lvl5pPr lvl="4" marR="0" rtl="0" algn="l">
+      <a:lvl5pPr marR="0" lvl="4" algn="l" rtl="0">
         <a:lnSpc>
           <a:spcPct val="100000"/>
         </a:lnSpc>
@@ -5323,7 +5449,7 @@
           <a:srgbClr val="000000"/>
         </a:buClr>
         <a:buFont typeface="Arial"/>
-        <a:defRPr b="0" i="0" sz="1400" u="none" cap="none" strike="noStrike">
+        <a:defRPr sz="1400" b="0" i="0" u="none" strike="noStrike" cap="none">
           <a:solidFill>
             <a:srgbClr val="000000"/>
           </a:solidFill>
@@ -5333,7 +5459,7 @@
           <a:sym typeface="Arial"/>
         </a:defRPr>
       </a:lvl5pPr>
-      <a:lvl6pPr lvl="5" marR="0" rtl="0" algn="l">
+      <a:lvl6pPr marR="0" lvl="5" algn="l" rtl="0">
         <a:lnSpc>
           <a:spcPct val="100000"/>
         </a:lnSpc>
@@ -5347,7 +5473,7 @@
           <a:srgbClr val="000000"/>
         </a:buClr>
         <a:buFont typeface="Arial"/>
-        <a:defRPr b="0" i="0" sz="1400" u="none" cap="none" strike="noStrike">
+        <a:defRPr sz="1400" b="0" i="0" u="none" strike="noStrike" cap="none">
           <a:solidFill>
             <a:srgbClr val="000000"/>
           </a:solidFill>
@@ -5357,7 +5483,7 @@
           <a:sym typeface="Arial"/>
         </a:defRPr>
       </a:lvl6pPr>
-      <a:lvl7pPr lvl="6" marR="0" rtl="0" algn="l">
+      <a:lvl7pPr marR="0" lvl="6" algn="l" rtl="0">
         <a:lnSpc>
           <a:spcPct val="100000"/>
         </a:lnSpc>
@@ -5371,7 +5497,7 @@
           <a:srgbClr val="000000"/>
         </a:buClr>
         <a:buFont typeface="Arial"/>
-        <a:defRPr b="0" i="0" sz="1400" u="none" cap="none" strike="noStrike">
+        <a:defRPr sz="1400" b="0" i="0" u="none" strike="noStrike" cap="none">
           <a:solidFill>
             <a:srgbClr val="000000"/>
           </a:solidFill>
@@ -5381,7 +5507,7 @@
           <a:sym typeface="Arial"/>
         </a:defRPr>
       </a:lvl7pPr>
-      <a:lvl8pPr lvl="7" marR="0" rtl="0" algn="l">
+      <a:lvl8pPr marR="0" lvl="7" algn="l" rtl="0">
         <a:lnSpc>
           <a:spcPct val="100000"/>
         </a:lnSpc>
@@ -5395,7 +5521,7 @@
           <a:srgbClr val="000000"/>
         </a:buClr>
         <a:buFont typeface="Arial"/>
-        <a:defRPr b="0" i="0" sz="1400" u="none" cap="none" strike="noStrike">
+        <a:defRPr sz="1400" b="0" i="0" u="none" strike="noStrike" cap="none">
           <a:solidFill>
             <a:srgbClr val="000000"/>
           </a:solidFill>
@@ -5405,7 +5531,7 @@
           <a:sym typeface="Arial"/>
         </a:defRPr>
       </a:lvl8pPr>
-      <a:lvl9pPr lvl="8" marR="0" rtl="0" algn="l">
+      <a:lvl9pPr marR="0" lvl="8" algn="l" rtl="0">
         <a:lnSpc>
           <a:spcPct val="100000"/>
         </a:lnSpc>
@@ -5419,7 +5545,7 @@
           <a:srgbClr val="000000"/>
         </a:buClr>
         <a:buFont typeface="Arial"/>
-        <a:defRPr b="0" i="0" sz="1400" u="none" cap="none" strike="noStrike">
+        <a:defRPr sz="1400" b="0" i="0" u="none" strike="noStrike" cap="none">
           <a:solidFill>
             <a:srgbClr val="000000"/>
           </a:solidFill>
@@ -5435,11 +5561,11 @@
 </file>
 
 <file path=ppt/slides/slide1.xml><?xml version="1.0" encoding="utf-8"?>
-<p:sld xmlns:a="http://schemas.openxmlformats.org/drawingml/2006/main" xmlns:r="http://schemas.openxmlformats.org/officeDocument/2006/relationships" xmlns:mc="http://schemas.openxmlformats.org/markup-compatibility/2006" xmlns:mv="urn:schemas-microsoft-com:mac:vml" xmlns:p="http://schemas.openxmlformats.org/presentationml/2006/main" xmlns:c="http://schemas.openxmlformats.org/drawingml/2006/chart" xmlns:dgm="http://schemas.openxmlformats.org/drawingml/2006/diagram" xmlns:o="urn:schemas-microsoft-com:office:office" xmlns:v="urn:schemas-microsoft-com:vml" xmlns:pvml="urn:schemas-microsoft-com:office:powerpoint" xmlns:com="http://schemas.openxmlformats.org/drawingml/2006/compatibility" xmlns:p14="http://schemas.microsoft.com/office/powerpoint/2010/main" xmlns:p15="http://schemas.microsoft.com/office/powerpoint/2012/main">
+<p:sld xmlns:a="http://schemas.openxmlformats.org/drawingml/2006/main" xmlns:r="http://schemas.openxmlformats.org/officeDocument/2006/relationships" xmlns:p="http://schemas.openxmlformats.org/presentationml/2006/main">
   <p:cSld>
     <p:spTree>
       <p:nvGrpSpPr>
-        <p:cNvPr id="53" name="Shape 53"/>
+        <p:cNvPr id="1" name="Shape 53"/>
         <p:cNvGrpSpPr/>
         <p:nvPr/>
       </p:nvGrpSpPr>
@@ -5487,8 +5613,323 @@
 </p:sld>
 </file>
 
+<file path=ppt/slides/slide2.xml><?xml version="1.0" encoding="utf-8"?>
+<p:sld xmlns:a="http://schemas.openxmlformats.org/drawingml/2006/main" xmlns:r="http://schemas.openxmlformats.org/officeDocument/2006/relationships" xmlns:p="http://schemas.openxmlformats.org/presentationml/2006/main">
+  <p:cSld>
+    <p:spTree>
+      <p:nvGrpSpPr>
+        <p:cNvPr id="1" name=""/>
+        <p:cNvGrpSpPr/>
+        <p:nvPr/>
+      </p:nvGrpSpPr>
+      <p:grpSpPr>
+        <a:xfrm>
+          <a:off x="0" y="0"/>
+          <a:ext cx="0" cy="0"/>
+          <a:chOff x="0" y="0"/>
+          <a:chExt cx="0" cy="0"/>
+        </a:xfrm>
+      </p:grpSpPr>
+      <p:sp>
+        <p:nvSpPr>
+          <p:cNvPr id="4" name="Oval 3"/>
+          <p:cNvSpPr/>
+          <p:nvPr/>
+        </p:nvSpPr>
+        <p:spPr>
+          <a:xfrm>
+            <a:off x="3630714" y="1210227"/>
+            <a:ext cx="1351431" cy="1351431"/>
+          </a:xfrm>
+          <a:prstGeom prst="ellipse">
+            <a:avLst/>
+          </a:prstGeom>
+        </p:spPr>
+        <p:style>
+          <a:lnRef idx="2">
+            <a:schemeClr val="accent1">
+              <a:shade val="50000"/>
+            </a:schemeClr>
+          </a:lnRef>
+          <a:fillRef idx="1">
+            <a:schemeClr val="accent1"/>
+          </a:fillRef>
+          <a:effectRef idx="0">
+            <a:schemeClr val="accent1"/>
+          </a:effectRef>
+          <a:fontRef idx="minor">
+            <a:schemeClr val="lt1"/>
+          </a:fontRef>
+        </p:style>
+        <p:txBody>
+          <a:bodyPr lIns="0" tIns="0" rIns="0" bIns="0" rtlCol="0" anchor="ctr"/>
+          <a:lstStyle/>
+          <a:p>
+            <a:pPr algn="ctr"/>
+            <a:r>
+              <a:rPr lang="nl-NL" sz="2400" b="1" smtClean="0"/>
+              <a:t>SHA-1</a:t>
+            </a:r>
+            <a:endParaRPr lang="nl-NL" sz="2400" b="1"/>
+          </a:p>
+        </p:txBody>
+      </p:sp>
+      <p:sp>
+        <p:nvSpPr>
+          <p:cNvPr id="5" name="TextBox 4"/>
+          <p:cNvSpPr txBox="1"/>
+          <p:nvPr/>
+        </p:nvSpPr>
+        <p:spPr>
+          <a:xfrm>
+            <a:off x="1066811" y="1718981"/>
+            <a:ext cx="1366080" cy="307777"/>
+          </a:xfrm>
+          <a:prstGeom prst="rect">
+            <a:avLst/>
+          </a:prstGeom>
+          <a:noFill/>
+        </p:spPr>
+        <p:txBody>
+          <a:bodyPr wrap="none" rtlCol="0">
+            <a:spAutoFit/>
+          </a:bodyPr>
+          <a:lstStyle/>
+          <a:p>
+            <a:r>
+              <a:rPr lang="nl-NL" b="1" smtClean="0">
+                <a:latin typeface="Courier New" panose="02070309020205020404" pitchFamily="49" charset="0"/>
+                <a:cs typeface="Courier New" panose="02070309020205020404" pitchFamily="49" charset="0"/>
+              </a:rPr>
+              <a:t>100001001……</a:t>
+            </a:r>
+            <a:endParaRPr lang="nl-NL" b="1">
+              <a:latin typeface="Courier New" panose="02070309020205020404" pitchFamily="49" charset="0"/>
+              <a:cs typeface="Courier New" panose="02070309020205020404" pitchFamily="49" charset="0"/>
+            </a:endParaRPr>
+          </a:p>
+        </p:txBody>
+      </p:sp>
+      <p:sp>
+        <p:nvSpPr>
+          <p:cNvPr id="2" name="Right Arrow 1"/>
+          <p:cNvSpPr/>
+          <p:nvPr/>
+        </p:nvSpPr>
+        <p:spPr>
+          <a:xfrm>
+            <a:off x="2568399" y="1754841"/>
+            <a:ext cx="860612" cy="221876"/>
+          </a:xfrm>
+          <a:prstGeom prst="rightArrow">
+            <a:avLst/>
+          </a:prstGeom>
+          <a:noFill/>
+          <a:ln>
+            <a:solidFill>
+              <a:schemeClr val="tx1"/>
+            </a:solidFill>
+          </a:ln>
+        </p:spPr>
+        <p:style>
+          <a:lnRef idx="2">
+            <a:schemeClr val="accent1">
+              <a:shade val="50000"/>
+            </a:schemeClr>
+          </a:lnRef>
+          <a:fillRef idx="1">
+            <a:schemeClr val="accent1"/>
+          </a:fillRef>
+          <a:effectRef idx="0">
+            <a:schemeClr val="accent1"/>
+          </a:effectRef>
+          <a:fontRef idx="minor">
+            <a:schemeClr val="lt1"/>
+          </a:fontRef>
+        </p:style>
+        <p:txBody>
+          <a:bodyPr rtlCol="0" anchor="ctr"/>
+          <a:lstStyle/>
+          <a:p>
+            <a:pPr algn="ctr"/>
+            <a:endParaRPr lang="nl-NL"/>
+          </a:p>
+        </p:txBody>
+      </p:sp>
+      <p:sp>
+        <p:nvSpPr>
+          <p:cNvPr id="6" name="Right Arrow 5"/>
+          <p:cNvSpPr/>
+          <p:nvPr/>
+        </p:nvSpPr>
+        <p:spPr>
+          <a:xfrm>
+            <a:off x="5134546" y="1739151"/>
+            <a:ext cx="860612" cy="221876"/>
+          </a:xfrm>
+          <a:prstGeom prst="rightArrow">
+            <a:avLst/>
+          </a:prstGeom>
+          <a:noFill/>
+          <a:ln>
+            <a:solidFill>
+              <a:schemeClr val="tx1"/>
+            </a:solidFill>
+          </a:ln>
+        </p:spPr>
+        <p:style>
+          <a:lnRef idx="2">
+            <a:schemeClr val="accent1">
+              <a:shade val="50000"/>
+            </a:schemeClr>
+          </a:lnRef>
+          <a:fillRef idx="1">
+            <a:schemeClr val="accent1"/>
+          </a:fillRef>
+          <a:effectRef idx="0">
+            <a:schemeClr val="accent1"/>
+          </a:effectRef>
+          <a:fontRef idx="minor">
+            <a:schemeClr val="lt1"/>
+          </a:fontRef>
+        </p:style>
+        <p:txBody>
+          <a:bodyPr rtlCol="0" anchor="ctr"/>
+          <a:lstStyle/>
+          <a:p>
+            <a:pPr algn="ctr"/>
+            <a:endParaRPr lang="nl-NL"/>
+          </a:p>
+        </p:txBody>
+      </p:sp>
+      <p:sp>
+        <p:nvSpPr>
+          <p:cNvPr id="7" name="TextBox 6"/>
+          <p:cNvSpPr txBox="1"/>
+          <p:nvPr/>
+        </p:nvSpPr>
+        <p:spPr>
+          <a:xfrm>
+            <a:off x="6347012" y="793377"/>
+            <a:ext cx="1903085" cy="2246769"/>
+          </a:xfrm>
+          <a:prstGeom prst="rect">
+            <a:avLst/>
+          </a:prstGeom>
+          <a:noFill/>
+        </p:spPr>
+        <p:txBody>
+          <a:bodyPr wrap="none" rtlCol="0">
+            <a:spAutoFit/>
+          </a:bodyPr>
+          <a:lstStyle/>
+          <a:p>
+            <a:r>
+              <a:rPr lang="nl-NL" b="1">
+                <a:latin typeface="Courier New" panose="02070309020205020404" pitchFamily="49" charset="0"/>
+                <a:cs typeface="Courier New" panose="02070309020205020404" pitchFamily="49" charset="0"/>
+              </a:rPr>
+              <a:t>1011000000111001</a:t>
+            </a:r>
+          </a:p>
+          <a:p>
+            <a:r>
+              <a:rPr lang="nl-NL" b="1">
+                <a:latin typeface="Courier New" panose="02070309020205020404" pitchFamily="49" charset="0"/>
+                <a:cs typeface="Courier New" panose="02070309020205020404" pitchFamily="49" charset="0"/>
+              </a:rPr>
+              <a:t>1100001010111010</a:t>
+            </a:r>
+          </a:p>
+          <a:p>
+            <a:r>
+              <a:rPr lang="nl-NL" b="1">
+                <a:latin typeface="Courier New" panose="02070309020205020404" pitchFamily="49" charset="0"/>
+                <a:cs typeface="Courier New" panose="02070309020205020404" pitchFamily="49" charset="0"/>
+              </a:rPr>
+              <a:t>1010000110011100</a:t>
+            </a:r>
+          </a:p>
+          <a:p>
+            <a:r>
+              <a:rPr lang="nl-NL" b="1">
+                <a:latin typeface="Courier New" panose="02070309020205020404" pitchFamily="49" charset="0"/>
+                <a:cs typeface="Courier New" panose="02070309020205020404" pitchFamily="49" charset="0"/>
+              </a:rPr>
+              <a:t>1000100001011110</a:t>
+            </a:r>
+          </a:p>
+          <a:p>
+            <a:r>
+              <a:rPr lang="nl-NL" b="1">
+                <a:latin typeface="Courier New" panose="02070309020205020404" pitchFamily="49" charset="0"/>
+                <a:cs typeface="Courier New" panose="02070309020205020404" pitchFamily="49" charset="0"/>
+              </a:rPr>
+              <a:t>1000100111010000</a:t>
+            </a:r>
+          </a:p>
+          <a:p>
+            <a:r>
+              <a:rPr lang="nl-NL" b="1">
+                <a:latin typeface="Courier New" panose="02070309020205020404" pitchFamily="49" charset="0"/>
+                <a:cs typeface="Courier New" panose="02070309020205020404" pitchFamily="49" charset="0"/>
+              </a:rPr>
+              <a:t>1101101011000110</a:t>
+            </a:r>
+          </a:p>
+          <a:p>
+            <a:r>
+              <a:rPr lang="nl-NL" b="1">
+                <a:latin typeface="Courier New" panose="02070309020205020404" pitchFamily="49" charset="0"/>
+                <a:cs typeface="Courier New" panose="02070309020205020404" pitchFamily="49" charset="0"/>
+              </a:rPr>
+              <a:t>0010111110011111</a:t>
+            </a:r>
+          </a:p>
+          <a:p>
+            <a:r>
+              <a:rPr lang="nl-NL" b="1">
+                <a:latin typeface="Courier New" panose="02070309020205020404" pitchFamily="49" charset="0"/>
+                <a:cs typeface="Courier New" panose="02070309020205020404" pitchFamily="49" charset="0"/>
+              </a:rPr>
+              <a:t>1110100100010000</a:t>
+            </a:r>
+          </a:p>
+          <a:p>
+            <a:r>
+              <a:rPr lang="nl-NL" b="1">
+                <a:latin typeface="Courier New" panose="02070309020205020404" pitchFamily="49" charset="0"/>
+                <a:cs typeface="Courier New" panose="02070309020205020404" pitchFamily="49" charset="0"/>
+              </a:rPr>
+              <a:t>1101100001100001</a:t>
+            </a:r>
+          </a:p>
+          <a:p>
+            <a:r>
+              <a:rPr lang="nl-NL" b="1">
+                <a:latin typeface="Courier New" panose="02070309020205020404" pitchFamily="49" charset="0"/>
+                <a:cs typeface="Courier New" panose="02070309020205020404" pitchFamily="49" charset="0"/>
+              </a:rPr>
+              <a:t>1101111101011001</a:t>
+            </a:r>
+          </a:p>
+        </p:txBody>
+      </p:sp>
+    </p:spTree>
+    <p:extLst>
+      <p:ext uri="{BB962C8B-B14F-4D97-AF65-F5344CB8AC3E}">
+        <p14:creationId xmlns:p14="http://schemas.microsoft.com/office/powerpoint/2010/main" val="1405115426"/>
+      </p:ext>
+    </p:extLst>
+  </p:cSld>
+  <p:clrMapOvr>
+    <a:masterClrMapping/>
+  </p:clrMapOvr>
+</p:sld>
+</file>
+
 <file path=ppt/theme/theme1.xml><?xml version="1.0" encoding="utf-8"?>
-<a:theme xmlns:a="http://schemas.openxmlformats.org/drawingml/2006/main" xmlns:r="http://schemas.openxmlformats.org/officeDocument/2006/relationships" name="Simple Light">
+<a:theme xmlns:a="http://schemas.openxmlformats.org/drawingml/2006/main" name="Simple Light">
   <a:themeElements>
     <a:clrScheme name="Simple Light">
       <a:dk1>
@@ -5763,11 +6204,13 @@
       </a:bgFillStyleLst>
     </a:fmtScheme>
   </a:themeElements>
+  <a:objectDefaults/>
+  <a:extraClrSchemeLst/>
 </a:theme>
 </file>
 
 <file path=ppt/theme/theme2.xml><?xml version="1.0" encoding="utf-8"?>
-<a:theme xmlns:a="http://schemas.openxmlformats.org/drawingml/2006/main" xmlns:r="http://schemas.openxmlformats.org/officeDocument/2006/relationships">
+<a:theme xmlns:a="http://schemas.openxmlformats.org/drawingml/2006/main">
   <a:themeElements>
     <a:clrScheme name="Default">
       <a:dk1>
@@ -6042,5 +6485,7 @@
       </a:bgFillStyleLst>
     </a:fmtScheme>
   </a:themeElements>
+  <a:objectDefaults/>
+  <a:extraClrSchemeLst/>
 </a:theme>
 </file>
--- a/git-workshop-uitleg-chain-of-commit.pptx
+++ b/git-workshop-uitleg-chain-of-commit.pptx
@@ -1,20 +1,21 @@
 
 <file path=ppt/presentation.xml><?xml version="1.0" encoding="utf-8"?>
-<p:presentation xmlns:a="http://schemas.openxmlformats.org/drawingml/2006/main" xmlns:r="http://schemas.openxmlformats.org/officeDocument/2006/relationships" xmlns:p="http://schemas.openxmlformats.org/presentationml/2006/main" strictFirstAndLastChars="0" saveSubsetFonts="1" autoCompressPictures="0">
+<p:presentation xmlns:a="http://schemas.openxmlformats.org/drawingml/2006/main" xmlns:r="http://schemas.openxmlformats.org/officeDocument/2006/relationships" xmlns:mc="http://schemas.openxmlformats.org/markup-compatibility/2006" xmlns:mv="urn:schemas-microsoft-com:mac:vml" xmlns:p="http://schemas.openxmlformats.org/presentationml/2006/main" xmlns:c="http://schemas.openxmlformats.org/drawingml/2006/chart" xmlns:dgm="http://schemas.openxmlformats.org/drawingml/2006/diagram" xmlns:o="urn:schemas-microsoft-com:office:office" xmlns:v="urn:schemas-microsoft-com:vml" xmlns:pvml="urn:schemas-microsoft-com:office:powerpoint" xmlns:com="http://schemas.openxmlformats.org/drawingml/2006/compatibility" xmlns:p14="http://schemas.microsoft.com/office/powerpoint/2010/main" xmlns:p15="http://schemas.microsoft.com/office/powerpoint/2012/main" autoCompressPictures="0" strictFirstAndLastChars="0" saveSubsetFonts="1">
   <p:sldMasterIdLst>
-    <p:sldMasterId id="2147483659" r:id="rId1"/>
+    <p:sldMasterId id="2147483648" r:id="rId4"/>
   </p:sldMasterIdLst>
   <p:notesMasterIdLst>
-    <p:notesMasterId r:id="rId4"/>
+    <p:notesMasterId r:id="rId5"/>
   </p:notesMasterIdLst>
   <p:sldIdLst>
-    <p:sldId id="256" r:id="rId2"/>
-    <p:sldId id="257" r:id="rId3"/>
+    <p:sldId id="256" r:id="rId6"/>
+    <p:sldId id="257" r:id="rId7"/>
+    <p:sldId id="258" r:id="rId8"/>
   </p:sldIdLst>
-  <p:sldSz cx="9144000" cy="5143500" type="screen16x9"/>
+  <p:sldSz cy="5143500" cx="9144000"/>
   <p:notesSz cx="6858000" cy="9144000"/>
   <p:defaultTextStyle>
-    <a:defPPr marR="0" lvl="0" algn="l" rtl="0">
+    <a:defPPr lvl="0" marR="0" rtl="0" algn="l">
       <a:lnSpc>
         <a:spcPct val="100000"/>
       </a:lnSpc>
@@ -25,7 +26,7 @@
         <a:spcPts val="0"/>
       </a:spcAft>
     </a:defPPr>
-    <a:lvl1pPr marR="0" lvl="0" algn="l" rtl="0">
+    <a:lvl1pPr lvl="0" marR="0" rtl="0" algn="l">
       <a:lnSpc>
         <a:spcPct val="100000"/>
       </a:lnSpc>
@@ -39,7 +40,7 @@
         <a:srgbClr val="000000"/>
       </a:buClr>
       <a:buFont typeface="Arial"/>
-      <a:defRPr sz="1400" b="0" i="0" u="none" strike="noStrike" cap="none">
+      <a:defRPr b="0" i="0" sz="1400" u="none" cap="none" strike="noStrike">
         <a:solidFill>
           <a:srgbClr val="000000"/>
         </a:solidFill>
@@ -49,7 +50,7 @@
         <a:sym typeface="Arial"/>
       </a:defRPr>
     </a:lvl1pPr>
-    <a:lvl2pPr marR="0" lvl="1" algn="l" rtl="0">
+    <a:lvl2pPr lvl="1" marR="0" rtl="0" algn="l">
       <a:lnSpc>
         <a:spcPct val="100000"/>
       </a:lnSpc>
@@ -63,7 +64,7 @@
         <a:srgbClr val="000000"/>
       </a:buClr>
       <a:buFont typeface="Arial"/>
-      <a:defRPr sz="1400" b="0" i="0" u="none" strike="noStrike" cap="none">
+      <a:defRPr b="0" i="0" sz="1400" u="none" cap="none" strike="noStrike">
         <a:solidFill>
           <a:srgbClr val="000000"/>
         </a:solidFill>
@@ -73,7 +74,7 @@
         <a:sym typeface="Arial"/>
       </a:defRPr>
     </a:lvl2pPr>
-    <a:lvl3pPr marR="0" lvl="2" algn="l" rtl="0">
+    <a:lvl3pPr lvl="2" marR="0" rtl="0" algn="l">
       <a:lnSpc>
         <a:spcPct val="100000"/>
       </a:lnSpc>
@@ -87,7 +88,7 @@
         <a:srgbClr val="000000"/>
       </a:buClr>
       <a:buFont typeface="Arial"/>
-      <a:defRPr sz="1400" b="0" i="0" u="none" strike="noStrike" cap="none">
+      <a:defRPr b="0" i="0" sz="1400" u="none" cap="none" strike="noStrike">
         <a:solidFill>
           <a:srgbClr val="000000"/>
         </a:solidFill>
@@ -97,7 +98,7 @@
         <a:sym typeface="Arial"/>
       </a:defRPr>
     </a:lvl3pPr>
-    <a:lvl4pPr marR="0" lvl="3" algn="l" rtl="0">
+    <a:lvl4pPr lvl="3" marR="0" rtl="0" algn="l">
       <a:lnSpc>
         <a:spcPct val="100000"/>
       </a:lnSpc>
@@ -111,7 +112,7 @@
         <a:srgbClr val="000000"/>
       </a:buClr>
       <a:buFont typeface="Arial"/>
-      <a:defRPr sz="1400" b="0" i="0" u="none" strike="noStrike" cap="none">
+      <a:defRPr b="0" i="0" sz="1400" u="none" cap="none" strike="noStrike">
         <a:solidFill>
           <a:srgbClr val="000000"/>
         </a:solidFill>
@@ -121,7 +122,7 @@
         <a:sym typeface="Arial"/>
       </a:defRPr>
     </a:lvl4pPr>
-    <a:lvl5pPr marR="0" lvl="4" algn="l" rtl="0">
+    <a:lvl5pPr lvl="4" marR="0" rtl="0" algn="l">
       <a:lnSpc>
         <a:spcPct val="100000"/>
       </a:lnSpc>
@@ -135,7 +136,7 @@
         <a:srgbClr val="000000"/>
       </a:buClr>
       <a:buFont typeface="Arial"/>
-      <a:defRPr sz="1400" b="0" i="0" u="none" strike="noStrike" cap="none">
+      <a:defRPr b="0" i="0" sz="1400" u="none" cap="none" strike="noStrike">
         <a:solidFill>
           <a:srgbClr val="000000"/>
         </a:solidFill>
@@ -145,7 +146,7 @@
         <a:sym typeface="Arial"/>
       </a:defRPr>
     </a:lvl5pPr>
-    <a:lvl6pPr marR="0" lvl="5" algn="l" rtl="0">
+    <a:lvl6pPr lvl="5" marR="0" rtl="0" algn="l">
       <a:lnSpc>
         <a:spcPct val="100000"/>
       </a:lnSpc>
@@ -159,7 +160,7 @@
         <a:srgbClr val="000000"/>
       </a:buClr>
       <a:buFont typeface="Arial"/>
-      <a:defRPr sz="1400" b="0" i="0" u="none" strike="noStrike" cap="none">
+      <a:defRPr b="0" i="0" sz="1400" u="none" cap="none" strike="noStrike">
         <a:solidFill>
           <a:srgbClr val="000000"/>
         </a:solidFill>
@@ -169,7 +170,7 @@
         <a:sym typeface="Arial"/>
       </a:defRPr>
     </a:lvl6pPr>
-    <a:lvl7pPr marR="0" lvl="6" algn="l" rtl="0">
+    <a:lvl7pPr lvl="6" marR="0" rtl="0" algn="l">
       <a:lnSpc>
         <a:spcPct val="100000"/>
       </a:lnSpc>
@@ -183,7 +184,7 @@
         <a:srgbClr val="000000"/>
       </a:buClr>
       <a:buFont typeface="Arial"/>
-      <a:defRPr sz="1400" b="0" i="0" u="none" strike="noStrike" cap="none">
+      <a:defRPr b="0" i="0" sz="1400" u="none" cap="none" strike="noStrike">
         <a:solidFill>
           <a:srgbClr val="000000"/>
         </a:solidFill>
@@ -193,7 +194,7 @@
         <a:sym typeface="Arial"/>
       </a:defRPr>
     </a:lvl7pPr>
-    <a:lvl8pPr marR="0" lvl="7" algn="l" rtl="0">
+    <a:lvl8pPr lvl="7" marR="0" rtl="0" algn="l">
       <a:lnSpc>
         <a:spcPct val="100000"/>
       </a:lnSpc>
@@ -207,7 +208,7 @@
         <a:srgbClr val="000000"/>
       </a:buClr>
       <a:buFont typeface="Arial"/>
-      <a:defRPr sz="1400" b="0" i="0" u="none" strike="noStrike" cap="none">
+      <a:defRPr b="0" i="0" sz="1400" u="none" cap="none" strike="noStrike">
         <a:solidFill>
           <a:srgbClr val="000000"/>
         </a:solidFill>
@@ -217,7 +218,7 @@
         <a:sym typeface="Arial"/>
       </a:defRPr>
     </a:lvl8pPr>
-    <a:lvl9pPr marR="0" lvl="8" algn="l" rtl="0">
+    <a:lvl9pPr lvl="8" marR="0" rtl="0" algn="l">
       <a:lnSpc>
         <a:spcPct val="100000"/>
       </a:lnSpc>
@@ -231,7 +232,7 @@
         <a:srgbClr val="000000"/>
       </a:buClr>
       <a:buFont typeface="Arial"/>
-      <a:defRPr sz="1400" b="0" i="0" u="none" strike="noStrike" cap="none">
+      <a:defRPr b="0" i="0" sz="1400" u="none" cap="none" strike="noStrike">
         <a:solidFill>
           <a:srgbClr val="000000"/>
         </a:solidFill>
@@ -244,7 +245,7 @@
   </p:defaultTextStyle>
   <p:extLst>
     <p:ext uri="{EFAFB233-063F-42B5-8137-9DF3F51BA10A}">
-      <p15:sldGuideLst xmlns:p15="http://schemas.microsoft.com/office/powerpoint/2012/main" xmlns:p14="http://schemas.microsoft.com/office/powerpoint/2010/main" xmlns:com="http://schemas.openxmlformats.org/drawingml/2006/compatibility" xmlns:pvml="urn:schemas-microsoft-com:office:powerpoint" xmlns:v="urn:schemas-microsoft-com:vml" xmlns:o="urn:schemas-microsoft-com:office:office" xmlns:dgm="http://schemas.openxmlformats.org/drawingml/2006/diagram" xmlns:c="http://schemas.openxmlformats.org/drawingml/2006/chart" xmlns:mv="urn:schemas-microsoft-com:mac:vml" xmlns:mc="http://schemas.openxmlformats.org/markup-compatibility/2006" xmlns="">
+      <p15:sldGuideLst>
         <p15:guide id="1" orient="horz" pos="1620">
           <p15:clr>
             <a:srgbClr val="A4A3A4"/>
@@ -257,21 +258,26 @@
         </p15:guide>
       </p15:sldGuideLst>
     </p:ext>
+    <p:ext uri="http://customooxmlschemas.google.com/">
+      <go:slidesCustomData xmlns:go="http://customooxmlschemas.google.com/" r:id="rId9" roundtripDataSignature="AMtx7mgo8HQcWwsnG/jWa1GZYxeSnyKhiQ=="/>
+    </p:ext>
   </p:extLst>
 </p:presentation>
 </file>
 
 <file path=ppt/notesMasters/notesMaster1.xml><?xml version="1.0" encoding="utf-8"?>
-<p:notesMaster xmlns:a="http://schemas.openxmlformats.org/drawingml/2006/main" xmlns:r="http://schemas.openxmlformats.org/officeDocument/2006/relationships" xmlns:p="http://schemas.openxmlformats.org/presentationml/2006/main">
+<p:notesMaster xmlns:a="http://schemas.openxmlformats.org/drawingml/2006/main" xmlns:r="http://schemas.openxmlformats.org/officeDocument/2006/relationships" xmlns:mc="http://schemas.openxmlformats.org/markup-compatibility/2006" xmlns:mv="urn:schemas-microsoft-com:mac:vml" xmlns:p="http://schemas.openxmlformats.org/presentationml/2006/main" xmlns:c="http://schemas.openxmlformats.org/drawingml/2006/chart" xmlns:dgm="http://schemas.openxmlformats.org/drawingml/2006/diagram" xmlns:o="urn:schemas-microsoft-com:office:office" xmlns:v="urn:schemas-microsoft-com:vml" xmlns:pvml="urn:schemas-microsoft-com:office:powerpoint" xmlns:com="http://schemas.openxmlformats.org/drawingml/2006/compatibility" xmlns:p14="http://schemas.microsoft.com/office/powerpoint/2010/main" xmlns:p15="http://schemas.microsoft.com/office/powerpoint/2012/main">
   <p:cSld>
     <p:bg>
-      <p:bgRef idx="1001">
-        <a:schemeClr val="bg1"/>
-      </p:bgRef>
+      <p:bgPr>
+        <a:solidFill>
+          <a:schemeClr val="lt1"/>
+        </a:solidFill>
+      </p:bgPr>
     </p:bg>
     <p:spTree>
       <p:nvGrpSpPr>
-        <p:cNvPr id="1" name="Shape 2"/>
+        <p:cNvPr id="2" name="Shape 2"/>
         <p:cNvGrpSpPr/>
         <p:nvPr/>
       </p:nvGrpSpPr>
@@ -286,11 +292,9 @@
       <p:sp>
         <p:nvSpPr>
           <p:cNvPr id="3" name="Google Shape;3;n"/>
-          <p:cNvSpPr>
-            <a:spLocks noGrp="1" noRot="1" noChangeAspect="1"/>
-          </p:cNvSpPr>
+          <p:cNvSpPr/>
           <p:nvPr>
-            <p:ph type="sldImg" idx="2"/>
+            <p:ph idx="2" type="sldImg"/>
           </p:nvPr>
         </p:nvSpPr>
         <p:spPr>
@@ -299,13 +303,9 @@
             <a:ext cx="6096075" cy="3429000"/>
           </a:xfrm>
           <a:custGeom>
-            <a:avLst/>
-            <a:gdLst/>
-            <a:ahLst/>
-            <a:cxnLst/>
-            <a:rect l="l" t="t" r="r" b="b"/>
+            <a:rect b="b" l="l" r="r" t="t"/>
             <a:pathLst>
-              <a:path w="120000" h="120000" extrusionOk="0">
+              <a:path extrusionOk="0" h="120000" w="120000">
                 <a:moveTo>
                   <a:pt x="0" y="0"/>
                 </a:moveTo>
@@ -323,25 +323,23 @@
             </a:pathLst>
           </a:custGeom>
           <a:noFill/>
-          <a:ln w="9525" cap="flat" cmpd="sng">
+          <a:ln cap="flat" cmpd="sng" w="9525">
             <a:solidFill>
               <a:srgbClr val="000000"/>
             </a:solidFill>
             <a:prstDash val="solid"/>
             <a:round/>
-            <a:headEnd type="none" w="sm" len="sm"/>
-            <a:tailEnd type="none" w="sm" len="sm"/>
+            <a:headEnd len="sm" w="sm" type="none"/>
+            <a:tailEnd len="sm" w="sm" type="none"/>
           </a:ln>
         </p:spPr>
       </p:sp>
       <p:sp>
         <p:nvSpPr>
           <p:cNvPr id="4" name="Google Shape;4;n"/>
-          <p:cNvSpPr txBox="1">
-            <a:spLocks noGrp="1"/>
-          </p:cNvSpPr>
+          <p:cNvSpPr txBox="1"/>
           <p:nvPr>
-            <p:ph type="body" idx="1"/>
+            <p:ph idx="1" type="body"/>
           </p:nvPr>
         </p:nvSpPr>
         <p:spPr>
@@ -358,125 +356,253 @@
           </a:ln>
         </p:spPr>
         <p:txBody>
-          <a:bodyPr spcFirstLastPara="1" wrap="square" lIns="91425" tIns="91425" rIns="91425" bIns="91425" anchor="t" anchorCtr="0">
+          <a:bodyPr anchorCtr="0" anchor="t" bIns="91425" lIns="91425" spcFirstLastPara="1" rIns="91425" wrap="square" tIns="91425">
             <a:noAutofit/>
           </a:bodyPr>
           <a:lstStyle>
-            <a:lvl1pPr marL="457200" lvl="0" indent="-298450">
-              <a:spcBef>
-                <a:spcPts val="0"/>
-              </a:spcBef>
-              <a:spcAft>
-                <a:spcPts val="0"/>
-              </a:spcAft>
+            <a:lvl1pPr indent="-298450" lvl="0" marL="457200" marR="0" rtl="0" algn="l">
+              <a:lnSpc>
+                <a:spcPct val="100000"/>
+              </a:lnSpc>
+              <a:spcBef>
+                <a:spcPts val="0"/>
+              </a:spcBef>
+              <a:spcAft>
+                <a:spcPts val="0"/>
+              </a:spcAft>
+              <a:buClr>
+                <a:srgbClr val="000000"/>
+              </a:buClr>
               <a:buSzPts val="1100"/>
+              <a:buFont typeface="Arial"/>
               <a:buChar char="●"/>
-              <a:defRPr sz="1100"/>
+              <a:defRPr b="0" i="0" sz="1100" u="none" cap="none" strike="noStrike">
+                <a:solidFill>
+                  <a:srgbClr val="000000"/>
+                </a:solidFill>
+                <a:latin typeface="Arial"/>
+                <a:ea typeface="Arial"/>
+                <a:cs typeface="Arial"/>
+                <a:sym typeface="Arial"/>
+              </a:defRPr>
             </a:lvl1pPr>
-            <a:lvl2pPr marL="914400" lvl="1" indent="-298450">
-              <a:spcBef>
-                <a:spcPts val="0"/>
-              </a:spcBef>
-              <a:spcAft>
-                <a:spcPts val="0"/>
-              </a:spcAft>
+            <a:lvl2pPr indent="-298450" lvl="1" marL="914400" marR="0" rtl="0" algn="l">
+              <a:lnSpc>
+                <a:spcPct val="100000"/>
+              </a:lnSpc>
+              <a:spcBef>
+                <a:spcPts val="0"/>
+              </a:spcBef>
+              <a:spcAft>
+                <a:spcPts val="0"/>
+              </a:spcAft>
+              <a:buClr>
+                <a:srgbClr val="000000"/>
+              </a:buClr>
               <a:buSzPts val="1100"/>
+              <a:buFont typeface="Arial"/>
               <a:buChar char="○"/>
-              <a:defRPr sz="1100"/>
+              <a:defRPr b="0" i="0" sz="1100" u="none" cap="none" strike="noStrike">
+                <a:solidFill>
+                  <a:srgbClr val="000000"/>
+                </a:solidFill>
+                <a:latin typeface="Arial"/>
+                <a:ea typeface="Arial"/>
+                <a:cs typeface="Arial"/>
+                <a:sym typeface="Arial"/>
+              </a:defRPr>
             </a:lvl2pPr>
-            <a:lvl3pPr marL="1371600" lvl="2" indent="-298450">
-              <a:spcBef>
-                <a:spcPts val="0"/>
-              </a:spcBef>
-              <a:spcAft>
-                <a:spcPts val="0"/>
-              </a:spcAft>
+            <a:lvl3pPr indent="-298450" lvl="2" marL="1371600" marR="0" rtl="0" algn="l">
+              <a:lnSpc>
+                <a:spcPct val="100000"/>
+              </a:lnSpc>
+              <a:spcBef>
+                <a:spcPts val="0"/>
+              </a:spcBef>
+              <a:spcAft>
+                <a:spcPts val="0"/>
+              </a:spcAft>
+              <a:buClr>
+                <a:srgbClr val="000000"/>
+              </a:buClr>
               <a:buSzPts val="1100"/>
+              <a:buFont typeface="Arial"/>
               <a:buChar char="■"/>
-              <a:defRPr sz="1100"/>
+              <a:defRPr b="0" i="0" sz="1100" u="none" cap="none" strike="noStrike">
+                <a:solidFill>
+                  <a:srgbClr val="000000"/>
+                </a:solidFill>
+                <a:latin typeface="Arial"/>
+                <a:ea typeface="Arial"/>
+                <a:cs typeface="Arial"/>
+                <a:sym typeface="Arial"/>
+              </a:defRPr>
             </a:lvl3pPr>
-            <a:lvl4pPr marL="1828800" lvl="3" indent="-298450">
-              <a:spcBef>
-                <a:spcPts val="0"/>
-              </a:spcBef>
-              <a:spcAft>
-                <a:spcPts val="0"/>
-              </a:spcAft>
+            <a:lvl4pPr indent="-298450" lvl="3" marL="1828800" marR="0" rtl="0" algn="l">
+              <a:lnSpc>
+                <a:spcPct val="100000"/>
+              </a:lnSpc>
+              <a:spcBef>
+                <a:spcPts val="0"/>
+              </a:spcBef>
+              <a:spcAft>
+                <a:spcPts val="0"/>
+              </a:spcAft>
+              <a:buClr>
+                <a:srgbClr val="000000"/>
+              </a:buClr>
               <a:buSzPts val="1100"/>
+              <a:buFont typeface="Arial"/>
               <a:buChar char="●"/>
-              <a:defRPr sz="1100"/>
+              <a:defRPr b="0" i="0" sz="1100" u="none" cap="none" strike="noStrike">
+                <a:solidFill>
+                  <a:srgbClr val="000000"/>
+                </a:solidFill>
+                <a:latin typeface="Arial"/>
+                <a:ea typeface="Arial"/>
+                <a:cs typeface="Arial"/>
+                <a:sym typeface="Arial"/>
+              </a:defRPr>
             </a:lvl4pPr>
-            <a:lvl5pPr marL="2286000" lvl="4" indent="-298450">
-              <a:spcBef>
-                <a:spcPts val="0"/>
-              </a:spcBef>
-              <a:spcAft>
-                <a:spcPts val="0"/>
-              </a:spcAft>
+            <a:lvl5pPr indent="-298450" lvl="4" marL="2286000" marR="0" rtl="0" algn="l">
+              <a:lnSpc>
+                <a:spcPct val="100000"/>
+              </a:lnSpc>
+              <a:spcBef>
+                <a:spcPts val="0"/>
+              </a:spcBef>
+              <a:spcAft>
+                <a:spcPts val="0"/>
+              </a:spcAft>
+              <a:buClr>
+                <a:srgbClr val="000000"/>
+              </a:buClr>
               <a:buSzPts val="1100"/>
+              <a:buFont typeface="Arial"/>
               <a:buChar char="○"/>
-              <a:defRPr sz="1100"/>
+              <a:defRPr b="0" i="0" sz="1100" u="none" cap="none" strike="noStrike">
+                <a:solidFill>
+                  <a:srgbClr val="000000"/>
+                </a:solidFill>
+                <a:latin typeface="Arial"/>
+                <a:ea typeface="Arial"/>
+                <a:cs typeface="Arial"/>
+                <a:sym typeface="Arial"/>
+              </a:defRPr>
             </a:lvl5pPr>
-            <a:lvl6pPr marL="2743200" lvl="5" indent="-298450">
-              <a:spcBef>
-                <a:spcPts val="0"/>
-              </a:spcBef>
-              <a:spcAft>
-                <a:spcPts val="0"/>
-              </a:spcAft>
+            <a:lvl6pPr indent="-298450" lvl="5" marL="2743200" marR="0" rtl="0" algn="l">
+              <a:lnSpc>
+                <a:spcPct val="100000"/>
+              </a:lnSpc>
+              <a:spcBef>
+                <a:spcPts val="0"/>
+              </a:spcBef>
+              <a:spcAft>
+                <a:spcPts val="0"/>
+              </a:spcAft>
+              <a:buClr>
+                <a:srgbClr val="000000"/>
+              </a:buClr>
               <a:buSzPts val="1100"/>
+              <a:buFont typeface="Arial"/>
               <a:buChar char="■"/>
-              <a:defRPr sz="1100"/>
+              <a:defRPr b="0" i="0" sz="1100" u="none" cap="none" strike="noStrike">
+                <a:solidFill>
+                  <a:srgbClr val="000000"/>
+                </a:solidFill>
+                <a:latin typeface="Arial"/>
+                <a:ea typeface="Arial"/>
+                <a:cs typeface="Arial"/>
+                <a:sym typeface="Arial"/>
+              </a:defRPr>
             </a:lvl6pPr>
-            <a:lvl7pPr marL="3200400" lvl="6" indent="-298450">
-              <a:spcBef>
-                <a:spcPts val="0"/>
-              </a:spcBef>
-              <a:spcAft>
-                <a:spcPts val="0"/>
-              </a:spcAft>
+            <a:lvl7pPr indent="-298450" lvl="6" marL="3200400" marR="0" rtl="0" algn="l">
+              <a:lnSpc>
+                <a:spcPct val="100000"/>
+              </a:lnSpc>
+              <a:spcBef>
+                <a:spcPts val="0"/>
+              </a:spcBef>
+              <a:spcAft>
+                <a:spcPts val="0"/>
+              </a:spcAft>
+              <a:buClr>
+                <a:srgbClr val="000000"/>
+              </a:buClr>
               <a:buSzPts val="1100"/>
+              <a:buFont typeface="Arial"/>
               <a:buChar char="●"/>
-              <a:defRPr sz="1100"/>
+              <a:defRPr b="0" i="0" sz="1100" u="none" cap="none" strike="noStrike">
+                <a:solidFill>
+                  <a:srgbClr val="000000"/>
+                </a:solidFill>
+                <a:latin typeface="Arial"/>
+                <a:ea typeface="Arial"/>
+                <a:cs typeface="Arial"/>
+                <a:sym typeface="Arial"/>
+              </a:defRPr>
             </a:lvl7pPr>
-            <a:lvl8pPr marL="3657600" lvl="7" indent="-298450">
-              <a:spcBef>
-                <a:spcPts val="0"/>
-              </a:spcBef>
-              <a:spcAft>
-                <a:spcPts val="0"/>
-              </a:spcAft>
+            <a:lvl8pPr indent="-298450" lvl="7" marL="3657600" marR="0" rtl="0" algn="l">
+              <a:lnSpc>
+                <a:spcPct val="100000"/>
+              </a:lnSpc>
+              <a:spcBef>
+                <a:spcPts val="0"/>
+              </a:spcBef>
+              <a:spcAft>
+                <a:spcPts val="0"/>
+              </a:spcAft>
+              <a:buClr>
+                <a:srgbClr val="000000"/>
+              </a:buClr>
               <a:buSzPts val="1100"/>
+              <a:buFont typeface="Arial"/>
               <a:buChar char="○"/>
-              <a:defRPr sz="1100"/>
+              <a:defRPr b="0" i="0" sz="1100" u="none" cap="none" strike="noStrike">
+                <a:solidFill>
+                  <a:srgbClr val="000000"/>
+                </a:solidFill>
+                <a:latin typeface="Arial"/>
+                <a:ea typeface="Arial"/>
+                <a:cs typeface="Arial"/>
+                <a:sym typeface="Arial"/>
+              </a:defRPr>
             </a:lvl8pPr>
-            <a:lvl9pPr marL="4114800" lvl="8" indent="-298450">
-              <a:spcBef>
-                <a:spcPts val="0"/>
-              </a:spcBef>
-              <a:spcAft>
-                <a:spcPts val="0"/>
-              </a:spcAft>
+            <a:lvl9pPr indent="-298450" lvl="8" marL="4114800" marR="0" rtl="0" algn="l">
+              <a:lnSpc>
+                <a:spcPct val="100000"/>
+              </a:lnSpc>
+              <a:spcBef>
+                <a:spcPts val="0"/>
+              </a:spcBef>
+              <a:spcAft>
+                <a:spcPts val="0"/>
+              </a:spcAft>
+              <a:buClr>
+                <a:srgbClr val="000000"/>
+              </a:buClr>
               <a:buSzPts val="1100"/>
+              <a:buFont typeface="Arial"/>
               <a:buChar char="■"/>
-              <a:defRPr sz="1100"/>
+              <a:defRPr b="0" i="0" sz="1100" u="none" cap="none" strike="noStrike">
+                <a:solidFill>
+                  <a:srgbClr val="000000"/>
+                </a:solidFill>
+                <a:latin typeface="Arial"/>
+                <a:ea typeface="Arial"/>
+                <a:cs typeface="Arial"/>
+                <a:sym typeface="Arial"/>
+              </a:defRPr>
             </a:lvl9pPr>
           </a:lstStyle>
-          <a:p>
-            <a:endParaRPr/>
-          </a:p>
+          <a:p/>
         </p:txBody>
       </p:sp>
     </p:spTree>
-    <p:extLst>
-      <p:ext uri="{BB962C8B-B14F-4D97-AF65-F5344CB8AC3E}">
-        <p14:creationId xmlns:p14="http://schemas.microsoft.com/office/powerpoint/2010/main" val="1847820072"/>
-      </p:ext>
-    </p:extLst>
   </p:cSld>
-  <p:clrMap bg1="lt1" tx1="dk1" bg2="dk2" tx2="lt2" accent1="accent1" accent2="accent2" accent3="accent3" accent4="accent4" accent5="accent5" accent6="accent6" hlink="hlink" folHlink="folHlink"/>
+  <p:clrMap accent1="accent1" accent2="accent2" accent3="accent3" accent4="accent4" accent5="accent5" accent6="accent6" bg1="lt1" bg2="dk2" tx1="dk1" tx2="lt2" folHlink="folHlink" hlink="hlink"/>
   <p:notesStyle>
-    <a:defPPr marR="0" lvl="0" algn="l" rtl="0">
+    <a:defPPr lvl="0" marR="0" rtl="0" algn="l">
       <a:lnSpc>
         <a:spcPct val="100000"/>
       </a:lnSpc>
@@ -487,7 +613,7 @@
         <a:spcPts val="0"/>
       </a:spcAft>
     </a:defPPr>
-    <a:lvl1pPr marR="0" lvl="0" algn="l" rtl="0">
+    <a:lvl1pPr lvl="0" marR="0" rtl="0" algn="l">
       <a:lnSpc>
         <a:spcPct val="100000"/>
       </a:lnSpc>
@@ -501,7 +627,7 @@
         <a:srgbClr val="000000"/>
       </a:buClr>
       <a:buFont typeface="Arial"/>
-      <a:defRPr sz="1400" b="0" i="0" u="none" strike="noStrike" cap="none">
+      <a:defRPr b="0" i="0" sz="1400" u="none" cap="none" strike="noStrike">
         <a:solidFill>
           <a:srgbClr val="000000"/>
         </a:solidFill>
@@ -511,7 +637,7 @@
         <a:sym typeface="Arial"/>
       </a:defRPr>
     </a:lvl1pPr>
-    <a:lvl2pPr marR="0" lvl="1" algn="l" rtl="0">
+    <a:lvl2pPr lvl="1" marR="0" rtl="0" algn="l">
       <a:lnSpc>
         <a:spcPct val="100000"/>
       </a:lnSpc>
@@ -525,7 +651,7 @@
         <a:srgbClr val="000000"/>
       </a:buClr>
       <a:buFont typeface="Arial"/>
-      <a:defRPr sz="1400" b="0" i="0" u="none" strike="noStrike" cap="none">
+      <a:defRPr b="0" i="0" sz="1400" u="none" cap="none" strike="noStrike">
         <a:solidFill>
           <a:srgbClr val="000000"/>
         </a:solidFill>
@@ -535,7 +661,7 @@
         <a:sym typeface="Arial"/>
       </a:defRPr>
     </a:lvl2pPr>
-    <a:lvl3pPr marR="0" lvl="2" algn="l" rtl="0">
+    <a:lvl3pPr lvl="2" marR="0" rtl="0" algn="l">
       <a:lnSpc>
         <a:spcPct val="100000"/>
       </a:lnSpc>
@@ -549,7 +675,7 @@
         <a:srgbClr val="000000"/>
       </a:buClr>
       <a:buFont typeface="Arial"/>
-      <a:defRPr sz="1400" b="0" i="0" u="none" strike="noStrike" cap="none">
+      <a:defRPr b="0" i="0" sz="1400" u="none" cap="none" strike="noStrike">
         <a:solidFill>
           <a:srgbClr val="000000"/>
         </a:solidFill>
@@ -559,7 +685,7 @@
         <a:sym typeface="Arial"/>
       </a:defRPr>
     </a:lvl3pPr>
-    <a:lvl4pPr marR="0" lvl="3" algn="l" rtl="0">
+    <a:lvl4pPr lvl="3" marR="0" rtl="0" algn="l">
       <a:lnSpc>
         <a:spcPct val="100000"/>
       </a:lnSpc>
@@ -573,7 +699,7 @@
         <a:srgbClr val="000000"/>
       </a:buClr>
       <a:buFont typeface="Arial"/>
-      <a:defRPr sz="1400" b="0" i="0" u="none" strike="noStrike" cap="none">
+      <a:defRPr b="0" i="0" sz="1400" u="none" cap="none" strike="noStrike">
         <a:solidFill>
           <a:srgbClr val="000000"/>
         </a:solidFill>
@@ -583,7 +709,7 @@
         <a:sym typeface="Arial"/>
       </a:defRPr>
     </a:lvl4pPr>
-    <a:lvl5pPr marR="0" lvl="4" algn="l" rtl="0">
+    <a:lvl5pPr lvl="4" marR="0" rtl="0" algn="l">
       <a:lnSpc>
         <a:spcPct val="100000"/>
       </a:lnSpc>
@@ -597,7 +723,7 @@
         <a:srgbClr val="000000"/>
       </a:buClr>
       <a:buFont typeface="Arial"/>
-      <a:defRPr sz="1400" b="0" i="0" u="none" strike="noStrike" cap="none">
+      <a:defRPr b="0" i="0" sz="1400" u="none" cap="none" strike="noStrike">
         <a:solidFill>
           <a:srgbClr val="000000"/>
         </a:solidFill>
@@ -607,7 +733,7 @@
         <a:sym typeface="Arial"/>
       </a:defRPr>
     </a:lvl5pPr>
-    <a:lvl6pPr marR="0" lvl="5" algn="l" rtl="0">
+    <a:lvl6pPr lvl="5" marR="0" rtl="0" algn="l">
       <a:lnSpc>
         <a:spcPct val="100000"/>
       </a:lnSpc>
@@ -621,7 +747,7 @@
         <a:srgbClr val="000000"/>
       </a:buClr>
       <a:buFont typeface="Arial"/>
-      <a:defRPr sz="1400" b="0" i="0" u="none" strike="noStrike" cap="none">
+      <a:defRPr b="0" i="0" sz="1400" u="none" cap="none" strike="noStrike">
         <a:solidFill>
           <a:srgbClr val="000000"/>
         </a:solidFill>
@@ -631,7 +757,7 @@
         <a:sym typeface="Arial"/>
       </a:defRPr>
     </a:lvl6pPr>
-    <a:lvl7pPr marR="0" lvl="6" algn="l" rtl="0">
+    <a:lvl7pPr lvl="6" marR="0" rtl="0" algn="l">
       <a:lnSpc>
         <a:spcPct val="100000"/>
       </a:lnSpc>
@@ -645,7 +771,7 @@
         <a:srgbClr val="000000"/>
       </a:buClr>
       <a:buFont typeface="Arial"/>
-      <a:defRPr sz="1400" b="0" i="0" u="none" strike="noStrike" cap="none">
+      <a:defRPr b="0" i="0" sz="1400" u="none" cap="none" strike="noStrike">
         <a:solidFill>
           <a:srgbClr val="000000"/>
         </a:solidFill>
@@ -655,7 +781,7 @@
         <a:sym typeface="Arial"/>
       </a:defRPr>
     </a:lvl7pPr>
-    <a:lvl8pPr marR="0" lvl="7" algn="l" rtl="0">
+    <a:lvl8pPr lvl="7" marR="0" rtl="0" algn="l">
       <a:lnSpc>
         <a:spcPct val="100000"/>
       </a:lnSpc>
@@ -669,7 +795,7 @@
         <a:srgbClr val="000000"/>
       </a:buClr>
       <a:buFont typeface="Arial"/>
-      <a:defRPr sz="1400" b="0" i="0" u="none" strike="noStrike" cap="none">
+      <a:defRPr b="0" i="0" sz="1400" u="none" cap="none" strike="noStrike">
         <a:solidFill>
           <a:srgbClr val="000000"/>
         </a:solidFill>
@@ -679,7 +805,7 @@
         <a:sym typeface="Arial"/>
       </a:defRPr>
     </a:lvl8pPr>
-    <a:lvl9pPr marR="0" lvl="8" algn="l" rtl="0">
+    <a:lvl9pPr lvl="8" marR="0" rtl="0" algn="l">
       <a:lnSpc>
         <a:spcPct val="100000"/>
       </a:lnSpc>
@@ -693,7 +819,7 @@
         <a:srgbClr val="000000"/>
       </a:buClr>
       <a:buFont typeface="Arial"/>
-      <a:defRPr sz="1400" b="0" i="0" u="none" strike="noStrike" cap="none">
+      <a:defRPr b="0" i="0" sz="1400" u="none" cap="none" strike="noStrike">
         <a:solidFill>
           <a:srgbClr val="000000"/>
         </a:solidFill>
@@ -708,11 +834,11 @@
 </file>
 
 <file path=ppt/notesSlides/notesSlide1.xml><?xml version="1.0" encoding="utf-8"?>
-<p:notes xmlns:a="http://schemas.openxmlformats.org/drawingml/2006/main" xmlns:r="http://schemas.openxmlformats.org/officeDocument/2006/relationships" xmlns:p="http://schemas.openxmlformats.org/presentationml/2006/main" showMasterSp="0" showMasterPhAnim="0">
+<p:notes xmlns:a="http://schemas.openxmlformats.org/drawingml/2006/main" xmlns:r="http://schemas.openxmlformats.org/officeDocument/2006/relationships" xmlns:mc="http://schemas.openxmlformats.org/markup-compatibility/2006" xmlns:mv="urn:schemas-microsoft-com:mac:vml" xmlns:p="http://schemas.openxmlformats.org/presentationml/2006/main" xmlns:c="http://schemas.openxmlformats.org/drawingml/2006/chart" xmlns:dgm="http://schemas.openxmlformats.org/drawingml/2006/diagram" xmlns:o="urn:schemas-microsoft-com:office:office" xmlns:v="urn:schemas-microsoft-com:vml" xmlns:pvml="urn:schemas-microsoft-com:office:powerpoint" xmlns:com="http://schemas.openxmlformats.org/drawingml/2006/compatibility" xmlns:p14="http://schemas.microsoft.com/office/powerpoint/2010/main" xmlns:p15="http://schemas.microsoft.com/office/powerpoint/2012/main" showMasterPhAnim="0" showMasterSp="0">
   <p:cSld>
     <p:spTree>
       <p:nvGrpSpPr>
-        <p:cNvPr id="1" name="Shape 50"/>
+        <p:cNvPr id="50" name="Shape 50"/>
         <p:cNvGrpSpPr/>
         <p:nvPr/>
       </p:nvGrpSpPr>
@@ -726,12 +852,10 @@
       </p:grpSpPr>
       <p:sp>
         <p:nvSpPr>
-          <p:cNvPr id="51" name="Google Shape;51;g6235b5f1ed_0_0:notes"/>
-          <p:cNvSpPr>
-            <a:spLocks noGrp="1" noRot="1" noChangeAspect="1"/>
-          </p:cNvSpPr>
+          <p:cNvPr id="51" name="Google Shape;51;p1:notes"/>
+          <p:cNvSpPr/>
           <p:nvPr>
-            <p:ph type="sldImg" idx="2"/>
+            <p:ph idx="2" type="sldImg"/>
           </p:nvPr>
         </p:nvSpPr>
         <p:spPr>
@@ -740,13 +864,165 @@
             <a:ext cx="6096000" cy="3429000"/>
           </a:xfrm>
           <a:custGeom>
+            <a:rect b="b" l="l" r="r" t="t"/>
+            <a:pathLst>
+              <a:path extrusionOk="0" h="120000" w="120000">
+                <a:moveTo>
+                  <a:pt x="0" y="0"/>
+                </a:moveTo>
+                <a:lnTo>
+                  <a:pt x="120000" y="0"/>
+                </a:lnTo>
+                <a:lnTo>
+                  <a:pt x="120000" y="120000"/>
+                </a:lnTo>
+                <a:lnTo>
+                  <a:pt x="0" y="120000"/>
+                </a:lnTo>
+                <a:close/>
+              </a:path>
+            </a:pathLst>
+          </a:custGeom>
+          <a:noFill/>
+          <a:ln cap="flat" cmpd="sng" w="9525">
+            <a:solidFill>
+              <a:srgbClr val="000000"/>
+            </a:solidFill>
+            <a:prstDash val="solid"/>
+            <a:round/>
+            <a:headEnd len="sm" w="sm" type="none"/>
+            <a:tailEnd len="sm" w="sm" type="none"/>
+          </a:ln>
+        </p:spPr>
+      </p:sp>
+      <p:sp>
+        <p:nvSpPr>
+          <p:cNvPr id="52" name="Google Shape;52;p1:notes"/>
+          <p:cNvSpPr txBox="1"/>
+          <p:nvPr>
+            <p:ph idx="1" type="body"/>
+          </p:nvPr>
+        </p:nvSpPr>
+        <p:spPr>
+          <a:xfrm>
+            <a:off x="685800" y="4343400"/>
+            <a:ext cx="5486400" cy="4114800"/>
+          </a:xfrm>
+          <a:prstGeom prst="rect">
             <a:avLst/>
-            <a:gdLst/>
-            <a:ahLst/>
-            <a:cxnLst/>
-            <a:rect l="l" t="t" r="r" b="b"/>
+          </a:prstGeom>
+          <a:noFill/>
+          <a:ln>
+            <a:noFill/>
+          </a:ln>
+        </p:spPr>
+        <p:txBody>
+          <a:bodyPr anchorCtr="0" anchor="t" bIns="91425" lIns="91425" spcFirstLastPara="1" rIns="91425" wrap="square" tIns="91425">
+            <a:noAutofit/>
+          </a:bodyPr>
+          <a:lstStyle/>
+          <a:p>
+            <a:pPr indent="0" lvl="0" marL="0" rtl="0" algn="l">
+              <a:lnSpc>
+                <a:spcPct val="100000"/>
+              </a:lnSpc>
+              <a:spcBef>
+                <a:spcPts val="0"/>
+              </a:spcBef>
+              <a:spcAft>
+                <a:spcPts val="0"/>
+              </a:spcAft>
+              <a:buSzPts val="1100"/>
+              <a:buNone/>
+            </a:pPr>
+            <a:r>
+              <a:t/>
+            </a:r>
+            <a:endParaRPr/>
+          </a:p>
+        </p:txBody>
+      </p:sp>
+    </p:spTree>
+  </p:cSld>
+  <p:clrMapOvr>
+    <a:masterClrMapping/>
+  </p:clrMapOvr>
+</p:notes>
+</file>
+
+<file path=ppt/notesSlides/notesSlide2.xml><?xml version="1.0" encoding="utf-8"?>
+<p:notes xmlns:a="http://schemas.openxmlformats.org/drawingml/2006/main" xmlns:r="http://schemas.openxmlformats.org/officeDocument/2006/relationships" xmlns:mc="http://schemas.openxmlformats.org/markup-compatibility/2006" xmlns:mv="urn:schemas-microsoft-com:mac:vml" xmlns:p="http://schemas.openxmlformats.org/presentationml/2006/main" xmlns:c="http://schemas.openxmlformats.org/drawingml/2006/chart" xmlns:dgm="http://schemas.openxmlformats.org/drawingml/2006/diagram" xmlns:o="urn:schemas-microsoft-com:office:office" xmlns:v="urn:schemas-microsoft-com:vml" xmlns:pvml="urn:schemas-microsoft-com:office:powerpoint" xmlns:com="http://schemas.openxmlformats.org/drawingml/2006/compatibility" xmlns:p14="http://schemas.microsoft.com/office/powerpoint/2010/main" xmlns:p15="http://schemas.microsoft.com/office/powerpoint/2012/main" showMasterPhAnim="0" showMasterSp="0">
+  <p:cSld>
+    <p:spTree>
+      <p:nvGrpSpPr>
+        <p:cNvPr id="55" name="Shape 55"/>
+        <p:cNvGrpSpPr/>
+        <p:nvPr/>
+      </p:nvGrpSpPr>
+      <p:grpSpPr>
+        <a:xfrm>
+          <a:off x="0" y="0"/>
+          <a:ext cx="0" cy="0"/>
+          <a:chOff x="0" y="0"/>
+          <a:chExt cx="0" cy="0"/>
+        </a:xfrm>
+      </p:grpSpPr>
+      <p:sp>
+        <p:nvSpPr>
+          <p:cNvPr id="56" name="Google Shape;56;p2:notes"/>
+          <p:cNvSpPr txBox="1"/>
+          <p:nvPr>
+            <p:ph idx="1" type="body"/>
+          </p:nvPr>
+        </p:nvSpPr>
+        <p:spPr>
+          <a:xfrm>
+            <a:off x="685800" y="4343400"/>
+            <a:ext cx="5486400" cy="4114800"/>
+          </a:xfrm>
+          <a:prstGeom prst="rect">
+            <a:avLst/>
+          </a:prstGeom>
+        </p:spPr>
+        <p:txBody>
+          <a:bodyPr anchorCtr="0" anchor="t" bIns="91425" lIns="91425" spcFirstLastPara="1" rIns="91425" wrap="square" tIns="91425">
+            <a:noAutofit/>
+          </a:bodyPr>
+          <a:lstStyle/>
+          <a:p>
+            <a:pPr indent="0" lvl="0" marL="0" rtl="0" algn="l">
+              <a:spcBef>
+                <a:spcPts val="0"/>
+              </a:spcBef>
+              <a:spcAft>
+                <a:spcPts val="0"/>
+              </a:spcAft>
+              <a:buNone/>
+            </a:pPr>
+            <a:r>
+              <a:t/>
+            </a:r>
+            <a:endParaRPr/>
+          </a:p>
+        </p:txBody>
+      </p:sp>
+      <p:sp>
+        <p:nvSpPr>
+          <p:cNvPr id="57" name="Google Shape;57;p2:notes"/>
+          <p:cNvSpPr/>
+          <p:nvPr>
+            <p:ph idx="2" type="sldImg"/>
+          </p:nvPr>
+        </p:nvSpPr>
+        <p:spPr>
+          <a:xfrm>
+            <a:off x="381300" y="685800"/>
+            <a:ext cx="6096075" cy="3429000"/>
+          </a:xfrm>
+          <a:custGeom>
+            <a:rect b="b" l="l" r="r" t="t"/>
             <a:pathLst>
-              <a:path w="120000" h="120000" extrusionOk="0">
+              <a:path extrusionOk="0" h="120000" w="120000">
                 <a:moveTo>
                   <a:pt x="0" y="0"/>
                 </a:moveTo>
@@ -765,44 +1041,6 @@
           </a:custGeom>
         </p:spPr>
       </p:sp>
-      <p:sp>
-        <p:nvSpPr>
-          <p:cNvPr id="52" name="Google Shape;52;g6235b5f1ed_0_0:notes"/>
-          <p:cNvSpPr txBox="1">
-            <a:spLocks noGrp="1"/>
-          </p:cNvSpPr>
-          <p:nvPr>
-            <p:ph type="body" idx="1"/>
-          </p:nvPr>
-        </p:nvSpPr>
-        <p:spPr>
-          <a:xfrm>
-            <a:off x="685800" y="4343400"/>
-            <a:ext cx="5486400" cy="4114800"/>
-          </a:xfrm>
-          <a:prstGeom prst="rect">
-            <a:avLst/>
-          </a:prstGeom>
-        </p:spPr>
-        <p:txBody>
-          <a:bodyPr spcFirstLastPara="1" wrap="square" lIns="91425" tIns="91425" rIns="91425" bIns="91425" anchor="t" anchorCtr="0">
-            <a:noAutofit/>
-          </a:bodyPr>
-          <a:lstStyle/>
-          <a:p>
-            <a:pPr marL="0" lvl="0" indent="0" algn="l" rtl="0">
-              <a:spcBef>
-                <a:spcPts val="0"/>
-              </a:spcBef>
-              <a:spcAft>
-                <a:spcPts val="0"/>
-              </a:spcAft>
-              <a:buNone/>
-            </a:pPr>
-            <a:endParaRPr/>
-          </a:p>
-        </p:txBody>
-      </p:sp>
     </p:spTree>
   </p:cSld>
   <p:clrMapOvr>
@@ -811,12 +1049,12 @@
 </p:notes>
 </file>
 
-<file path=ppt/slideLayouts/slideLayout1.xml><?xml version="1.0" encoding="utf-8"?>
-<p:sldLayout xmlns:a="http://schemas.openxmlformats.org/drawingml/2006/main" xmlns:r="http://schemas.openxmlformats.org/officeDocument/2006/relationships" xmlns:p="http://schemas.openxmlformats.org/presentationml/2006/main" matchingName="Title slide" type="title">
-  <p:cSld name="TITLE">
+<file path=ppt/notesSlides/notesSlide3.xml><?xml version="1.0" encoding="utf-8"?>
+<p:notes xmlns:a="http://schemas.openxmlformats.org/drawingml/2006/main" xmlns:r="http://schemas.openxmlformats.org/officeDocument/2006/relationships" xmlns:mc="http://schemas.openxmlformats.org/markup-compatibility/2006" xmlns:mv="urn:schemas-microsoft-com:mac:vml" xmlns:p="http://schemas.openxmlformats.org/presentationml/2006/main" xmlns:c="http://schemas.openxmlformats.org/drawingml/2006/chart" xmlns:dgm="http://schemas.openxmlformats.org/drawingml/2006/diagram" xmlns:o="urn:schemas-microsoft-com:office:office" xmlns:v="urn:schemas-microsoft-com:vml" xmlns:pvml="urn:schemas-microsoft-com:office:powerpoint" xmlns:com="http://schemas.openxmlformats.org/drawingml/2006/compatibility" xmlns:p14="http://schemas.microsoft.com/office/powerpoint/2010/main" xmlns:p15="http://schemas.microsoft.com/office/powerpoint/2012/main" showMasterPhAnim="0" showMasterSp="0">
+  <p:cSld>
     <p:spTree>
       <p:nvGrpSpPr>
-        <p:cNvPr id="1" name="Shape 9"/>
+        <p:cNvPr id="64" name="Shape 64"/>
         <p:cNvGrpSpPr/>
         <p:nvPr/>
       </p:nvGrpSpPr>
@@ -830,10 +1068,107 @@
       </p:grpSpPr>
       <p:sp>
         <p:nvSpPr>
-          <p:cNvPr id="10" name="Google Shape;10;p2"/>
-          <p:cNvSpPr txBox="1">
-            <a:spLocks noGrp="1"/>
-          </p:cNvSpPr>
+          <p:cNvPr id="65" name="Google Shape;65;g6247b6dd70_0_0:notes"/>
+          <p:cNvSpPr txBox="1"/>
+          <p:nvPr>
+            <p:ph idx="1" type="body"/>
+          </p:nvPr>
+        </p:nvSpPr>
+        <p:spPr>
+          <a:xfrm>
+            <a:off x="685800" y="4343400"/>
+            <a:ext cx="5486400" cy="4114800"/>
+          </a:xfrm>
+          <a:prstGeom prst="rect">
+            <a:avLst/>
+          </a:prstGeom>
+        </p:spPr>
+        <p:txBody>
+          <a:bodyPr anchorCtr="0" anchor="t" bIns="91425" lIns="91425" spcFirstLastPara="1" rIns="91425" wrap="square" tIns="91425">
+            <a:noAutofit/>
+          </a:bodyPr>
+          <a:lstStyle/>
+          <a:p>
+            <a:pPr indent="0" lvl="0" marL="0" rtl="0" algn="l">
+              <a:spcBef>
+                <a:spcPts val="0"/>
+              </a:spcBef>
+              <a:spcAft>
+                <a:spcPts val="0"/>
+              </a:spcAft>
+              <a:buNone/>
+            </a:pPr>
+            <a:r>
+              <a:t/>
+            </a:r>
+            <a:endParaRPr/>
+          </a:p>
+        </p:txBody>
+      </p:sp>
+      <p:sp>
+        <p:nvSpPr>
+          <p:cNvPr id="66" name="Google Shape;66;g6247b6dd70_0_0:notes"/>
+          <p:cNvSpPr/>
+          <p:nvPr>
+            <p:ph idx="2" type="sldImg"/>
+          </p:nvPr>
+        </p:nvSpPr>
+        <p:spPr>
+          <a:xfrm>
+            <a:off x="381300" y="685800"/>
+            <a:ext cx="6096000" cy="3429000"/>
+          </a:xfrm>
+          <a:custGeom>
+            <a:rect b="b" l="l" r="r" t="t"/>
+            <a:pathLst>
+              <a:path extrusionOk="0" h="120000" w="120000">
+                <a:moveTo>
+                  <a:pt x="0" y="0"/>
+                </a:moveTo>
+                <a:lnTo>
+                  <a:pt x="120000" y="0"/>
+                </a:lnTo>
+                <a:lnTo>
+                  <a:pt x="120000" y="120000"/>
+                </a:lnTo>
+                <a:lnTo>
+                  <a:pt x="0" y="120000"/>
+                </a:lnTo>
+                <a:close/>
+              </a:path>
+            </a:pathLst>
+          </a:custGeom>
+        </p:spPr>
+      </p:sp>
+    </p:spTree>
+  </p:cSld>
+  <p:clrMapOvr>
+    <a:masterClrMapping/>
+  </p:clrMapOvr>
+</p:notes>
+</file>
+
+<file path=ppt/slideLayouts/slideLayout1.xml><?xml version="1.0" encoding="utf-8"?>
+<p:sldLayout xmlns:a="http://schemas.openxmlformats.org/drawingml/2006/main" xmlns:r="http://schemas.openxmlformats.org/officeDocument/2006/relationships" xmlns:mc="http://schemas.openxmlformats.org/markup-compatibility/2006" xmlns:mv="urn:schemas-microsoft-com:mac:vml" xmlns:p="http://schemas.openxmlformats.org/presentationml/2006/main" xmlns:c="http://schemas.openxmlformats.org/drawingml/2006/chart" xmlns:dgm="http://schemas.openxmlformats.org/drawingml/2006/diagram" xmlns:o="urn:schemas-microsoft-com:office:office" xmlns:v="urn:schemas-microsoft-com:vml" xmlns:pvml="urn:schemas-microsoft-com:office:powerpoint" xmlns:com="http://schemas.openxmlformats.org/drawingml/2006/compatibility" xmlns:p14="http://schemas.microsoft.com/office/powerpoint/2010/main" xmlns:p15="http://schemas.microsoft.com/office/powerpoint/2012/main" matchingName="Title slide" type="title">
+  <p:cSld name="TITLE">
+    <p:spTree>
+      <p:nvGrpSpPr>
+        <p:cNvPr id="9" name="Shape 9"/>
+        <p:cNvGrpSpPr/>
+        <p:nvPr/>
+      </p:nvGrpSpPr>
+      <p:grpSpPr>
+        <a:xfrm>
+          <a:off x="0" y="0"/>
+          <a:ext cx="0" cy="0"/>
+          <a:chOff x="0" y="0"/>
+          <a:chExt cx="0" cy="0"/>
+        </a:xfrm>
+      </p:grpSpPr>
+      <p:sp>
+        <p:nvSpPr>
+          <p:cNvPr id="10" name="Google Shape;10;p4"/>
+          <p:cNvSpPr txBox="1"/>
           <p:nvPr>
             <p:ph type="ctrTitle"/>
           </p:nvPr>
@@ -846,13 +1181,20 @@
           <a:prstGeom prst="rect">
             <a:avLst/>
           </a:prstGeom>
+          <a:noFill/>
+          <a:ln>
+            <a:noFill/>
+          </a:ln>
         </p:spPr>
         <p:txBody>
-          <a:bodyPr spcFirstLastPara="1" wrap="square" lIns="91425" tIns="91425" rIns="91425" bIns="91425" anchor="b" anchorCtr="0">
+          <a:bodyPr anchorCtr="0" anchor="b" bIns="91425" lIns="91425" spcFirstLastPara="1" rIns="91425" wrap="square" tIns="91425">
             <a:noAutofit/>
           </a:bodyPr>
           <a:lstStyle>
             <a:lvl1pPr lvl="0" algn="ctr">
+              <a:lnSpc>
+                <a:spcPct val="100000"/>
+              </a:lnSpc>
               <a:spcBef>
                 <a:spcPts val="0"/>
               </a:spcBef>
@@ -864,6 +1206,9 @@
               <a:defRPr sz="5200"/>
             </a:lvl1pPr>
             <a:lvl2pPr lvl="1" algn="ctr">
+              <a:lnSpc>
+                <a:spcPct val="100000"/>
+              </a:lnSpc>
               <a:spcBef>
                 <a:spcPts val="0"/>
               </a:spcBef>
@@ -875,6 +1220,9 @@
               <a:defRPr sz="5200"/>
             </a:lvl2pPr>
             <a:lvl3pPr lvl="2" algn="ctr">
+              <a:lnSpc>
+                <a:spcPct val="100000"/>
+              </a:lnSpc>
               <a:spcBef>
                 <a:spcPts val="0"/>
               </a:spcBef>
@@ -886,6 +1234,9 @@
               <a:defRPr sz="5200"/>
             </a:lvl3pPr>
             <a:lvl4pPr lvl="3" algn="ctr">
+              <a:lnSpc>
+                <a:spcPct val="100000"/>
+              </a:lnSpc>
               <a:spcBef>
                 <a:spcPts val="0"/>
               </a:spcBef>
@@ -897,6 +1248,9 @@
               <a:defRPr sz="5200"/>
             </a:lvl4pPr>
             <a:lvl5pPr lvl="4" algn="ctr">
+              <a:lnSpc>
+                <a:spcPct val="100000"/>
+              </a:lnSpc>
               <a:spcBef>
                 <a:spcPts val="0"/>
               </a:spcBef>
@@ -908,6 +1262,9 @@
               <a:defRPr sz="5200"/>
             </a:lvl5pPr>
             <a:lvl6pPr lvl="5" algn="ctr">
+              <a:lnSpc>
+                <a:spcPct val="100000"/>
+              </a:lnSpc>
               <a:spcBef>
                 <a:spcPts val="0"/>
               </a:spcBef>
@@ -919,6 +1276,9 @@
               <a:defRPr sz="5200"/>
             </a:lvl6pPr>
             <a:lvl7pPr lvl="6" algn="ctr">
+              <a:lnSpc>
+                <a:spcPct val="100000"/>
+              </a:lnSpc>
               <a:spcBef>
                 <a:spcPts val="0"/>
               </a:spcBef>
@@ -930,6 +1290,9 @@
               <a:defRPr sz="5200"/>
             </a:lvl7pPr>
             <a:lvl8pPr lvl="7" algn="ctr">
+              <a:lnSpc>
+                <a:spcPct val="100000"/>
+              </a:lnSpc>
               <a:spcBef>
                 <a:spcPts val="0"/>
               </a:spcBef>
@@ -941,6 +1304,9 @@
               <a:defRPr sz="5200"/>
             </a:lvl8pPr>
             <a:lvl9pPr lvl="8" algn="ctr">
+              <a:lnSpc>
+                <a:spcPct val="100000"/>
+              </a:lnSpc>
               <a:spcBef>
                 <a:spcPts val="0"/>
               </a:spcBef>
@@ -952,19 +1318,15 @@
               <a:defRPr sz="5200"/>
             </a:lvl9pPr>
           </a:lstStyle>
-          <a:p>
-            <a:endParaRPr/>
-          </a:p>
+          <a:p/>
         </p:txBody>
       </p:sp>
       <p:sp>
         <p:nvSpPr>
-          <p:cNvPr id="11" name="Google Shape;11;p2"/>
-          <p:cNvSpPr txBox="1">
-            <a:spLocks noGrp="1"/>
-          </p:cNvSpPr>
+          <p:cNvPr id="11" name="Google Shape;11;p4"/>
+          <p:cNvSpPr txBox="1"/>
           <p:nvPr>
-            <p:ph type="subTitle" idx="1"/>
+            <p:ph idx="1" type="subTitle"/>
           </p:nvPr>
         </p:nvSpPr>
         <p:spPr>
@@ -975,9 +1337,13 @@
           <a:prstGeom prst="rect">
             <a:avLst/>
           </a:prstGeom>
+          <a:noFill/>
+          <a:ln>
+            <a:noFill/>
+          </a:ln>
         </p:spPr>
         <p:txBody>
-          <a:bodyPr spcFirstLastPara="1" wrap="square" lIns="91425" tIns="91425" rIns="91425" bIns="91425" anchor="t" anchorCtr="0">
+          <a:bodyPr anchorCtr="0" anchor="t" bIns="91425" lIns="91425" spcFirstLastPara="1" rIns="91425" wrap="square" tIns="91425">
             <a:noAutofit/>
           </a:bodyPr>
           <a:lstStyle>
@@ -1108,19 +1474,15 @@
               <a:defRPr sz="2800"/>
             </a:lvl9pPr>
           </a:lstStyle>
-          <a:p>
-            <a:endParaRPr/>
-          </a:p>
+          <a:p/>
         </p:txBody>
       </p:sp>
       <p:sp>
         <p:nvSpPr>
-          <p:cNvPr id="12" name="Google Shape;12;p2"/>
-          <p:cNvSpPr txBox="1">
-            <a:spLocks noGrp="1"/>
-          </p:cNvSpPr>
+          <p:cNvPr id="12" name="Google Shape;12;p4"/>
+          <p:cNvSpPr txBox="1"/>
           <p:nvPr>
-            <p:ph type="sldNum" idx="12"/>
+            <p:ph idx="12" type="sldNum"/>
           </p:nvPr>
         </p:nvSpPr>
         <p:spPr>
@@ -1131,51 +1493,253 @@
           <a:prstGeom prst="rect">
             <a:avLst/>
           </a:prstGeom>
+          <a:noFill/>
+          <a:ln>
+            <a:noFill/>
+          </a:ln>
         </p:spPr>
         <p:txBody>
-          <a:bodyPr spcFirstLastPara="1" wrap="square" lIns="91425" tIns="91425" rIns="91425" bIns="91425" anchor="ctr" anchorCtr="0">
+          <a:bodyPr anchorCtr="0" anchor="ctr" bIns="91425" lIns="91425" spcFirstLastPara="1" rIns="91425" wrap="square" tIns="91425">
             <a:noAutofit/>
           </a:bodyPr>
           <a:lstStyle>
-            <a:lvl1pPr lvl="0">
-              <a:buNone/>
-              <a:defRPr/>
+            <a:lvl1pPr indent="0" lvl="0" marL="0" marR="0" algn="r">
+              <a:lnSpc>
+                <a:spcPct val="100000"/>
+              </a:lnSpc>
+              <a:spcBef>
+                <a:spcPts val="0"/>
+              </a:spcBef>
+              <a:spcAft>
+                <a:spcPts val="0"/>
+              </a:spcAft>
+              <a:buClr>
+                <a:srgbClr val="000000"/>
+              </a:buClr>
+              <a:buSzPts val="1000"/>
+              <a:buFont typeface="Arial"/>
+              <a:buNone/>
+              <a:defRPr b="0" i="0" sz="1000" u="none" cap="none" strike="noStrike">
+                <a:solidFill>
+                  <a:schemeClr val="dk2"/>
+                </a:solidFill>
+                <a:latin typeface="Arial"/>
+                <a:ea typeface="Arial"/>
+                <a:cs typeface="Arial"/>
+                <a:sym typeface="Arial"/>
+              </a:defRPr>
             </a:lvl1pPr>
-            <a:lvl2pPr lvl="1">
-              <a:buNone/>
-              <a:defRPr/>
+            <a:lvl2pPr indent="0" lvl="1" marL="0" marR="0" algn="r">
+              <a:lnSpc>
+                <a:spcPct val="100000"/>
+              </a:lnSpc>
+              <a:spcBef>
+                <a:spcPts val="0"/>
+              </a:spcBef>
+              <a:spcAft>
+                <a:spcPts val="0"/>
+              </a:spcAft>
+              <a:buClr>
+                <a:srgbClr val="000000"/>
+              </a:buClr>
+              <a:buSzPts val="1000"/>
+              <a:buFont typeface="Arial"/>
+              <a:buNone/>
+              <a:defRPr b="0" i="0" sz="1000" u="none" cap="none" strike="noStrike">
+                <a:solidFill>
+                  <a:schemeClr val="dk2"/>
+                </a:solidFill>
+                <a:latin typeface="Arial"/>
+                <a:ea typeface="Arial"/>
+                <a:cs typeface="Arial"/>
+                <a:sym typeface="Arial"/>
+              </a:defRPr>
             </a:lvl2pPr>
-            <a:lvl3pPr lvl="2">
-              <a:buNone/>
-              <a:defRPr/>
+            <a:lvl3pPr indent="0" lvl="2" marL="0" marR="0" algn="r">
+              <a:lnSpc>
+                <a:spcPct val="100000"/>
+              </a:lnSpc>
+              <a:spcBef>
+                <a:spcPts val="0"/>
+              </a:spcBef>
+              <a:spcAft>
+                <a:spcPts val="0"/>
+              </a:spcAft>
+              <a:buClr>
+                <a:srgbClr val="000000"/>
+              </a:buClr>
+              <a:buSzPts val="1000"/>
+              <a:buFont typeface="Arial"/>
+              <a:buNone/>
+              <a:defRPr b="0" i="0" sz="1000" u="none" cap="none" strike="noStrike">
+                <a:solidFill>
+                  <a:schemeClr val="dk2"/>
+                </a:solidFill>
+                <a:latin typeface="Arial"/>
+                <a:ea typeface="Arial"/>
+                <a:cs typeface="Arial"/>
+                <a:sym typeface="Arial"/>
+              </a:defRPr>
             </a:lvl3pPr>
-            <a:lvl4pPr lvl="3">
-              <a:buNone/>
-              <a:defRPr/>
+            <a:lvl4pPr indent="0" lvl="3" marL="0" marR="0" algn="r">
+              <a:lnSpc>
+                <a:spcPct val="100000"/>
+              </a:lnSpc>
+              <a:spcBef>
+                <a:spcPts val="0"/>
+              </a:spcBef>
+              <a:spcAft>
+                <a:spcPts val="0"/>
+              </a:spcAft>
+              <a:buClr>
+                <a:srgbClr val="000000"/>
+              </a:buClr>
+              <a:buSzPts val="1000"/>
+              <a:buFont typeface="Arial"/>
+              <a:buNone/>
+              <a:defRPr b="0" i="0" sz="1000" u="none" cap="none" strike="noStrike">
+                <a:solidFill>
+                  <a:schemeClr val="dk2"/>
+                </a:solidFill>
+                <a:latin typeface="Arial"/>
+                <a:ea typeface="Arial"/>
+                <a:cs typeface="Arial"/>
+                <a:sym typeface="Arial"/>
+              </a:defRPr>
             </a:lvl4pPr>
-            <a:lvl5pPr lvl="4">
-              <a:buNone/>
-              <a:defRPr/>
+            <a:lvl5pPr indent="0" lvl="4" marL="0" marR="0" algn="r">
+              <a:lnSpc>
+                <a:spcPct val="100000"/>
+              </a:lnSpc>
+              <a:spcBef>
+                <a:spcPts val="0"/>
+              </a:spcBef>
+              <a:spcAft>
+                <a:spcPts val="0"/>
+              </a:spcAft>
+              <a:buClr>
+                <a:srgbClr val="000000"/>
+              </a:buClr>
+              <a:buSzPts val="1000"/>
+              <a:buFont typeface="Arial"/>
+              <a:buNone/>
+              <a:defRPr b="0" i="0" sz="1000" u="none" cap="none" strike="noStrike">
+                <a:solidFill>
+                  <a:schemeClr val="dk2"/>
+                </a:solidFill>
+                <a:latin typeface="Arial"/>
+                <a:ea typeface="Arial"/>
+                <a:cs typeface="Arial"/>
+                <a:sym typeface="Arial"/>
+              </a:defRPr>
             </a:lvl5pPr>
-            <a:lvl6pPr lvl="5">
-              <a:buNone/>
-              <a:defRPr/>
+            <a:lvl6pPr indent="0" lvl="5" marL="0" marR="0" algn="r">
+              <a:lnSpc>
+                <a:spcPct val="100000"/>
+              </a:lnSpc>
+              <a:spcBef>
+                <a:spcPts val="0"/>
+              </a:spcBef>
+              <a:spcAft>
+                <a:spcPts val="0"/>
+              </a:spcAft>
+              <a:buClr>
+                <a:srgbClr val="000000"/>
+              </a:buClr>
+              <a:buSzPts val="1000"/>
+              <a:buFont typeface="Arial"/>
+              <a:buNone/>
+              <a:defRPr b="0" i="0" sz="1000" u="none" cap="none" strike="noStrike">
+                <a:solidFill>
+                  <a:schemeClr val="dk2"/>
+                </a:solidFill>
+                <a:latin typeface="Arial"/>
+                <a:ea typeface="Arial"/>
+                <a:cs typeface="Arial"/>
+                <a:sym typeface="Arial"/>
+              </a:defRPr>
             </a:lvl6pPr>
-            <a:lvl7pPr lvl="6">
-              <a:buNone/>
-              <a:defRPr/>
+            <a:lvl7pPr indent="0" lvl="6" marL="0" marR="0" algn="r">
+              <a:lnSpc>
+                <a:spcPct val="100000"/>
+              </a:lnSpc>
+              <a:spcBef>
+                <a:spcPts val="0"/>
+              </a:spcBef>
+              <a:spcAft>
+                <a:spcPts val="0"/>
+              </a:spcAft>
+              <a:buClr>
+                <a:srgbClr val="000000"/>
+              </a:buClr>
+              <a:buSzPts val="1000"/>
+              <a:buFont typeface="Arial"/>
+              <a:buNone/>
+              <a:defRPr b="0" i="0" sz="1000" u="none" cap="none" strike="noStrike">
+                <a:solidFill>
+                  <a:schemeClr val="dk2"/>
+                </a:solidFill>
+                <a:latin typeface="Arial"/>
+                <a:ea typeface="Arial"/>
+                <a:cs typeface="Arial"/>
+                <a:sym typeface="Arial"/>
+              </a:defRPr>
             </a:lvl7pPr>
-            <a:lvl8pPr lvl="7">
-              <a:buNone/>
-              <a:defRPr/>
+            <a:lvl8pPr indent="0" lvl="7" marL="0" marR="0" algn="r">
+              <a:lnSpc>
+                <a:spcPct val="100000"/>
+              </a:lnSpc>
+              <a:spcBef>
+                <a:spcPts val="0"/>
+              </a:spcBef>
+              <a:spcAft>
+                <a:spcPts val="0"/>
+              </a:spcAft>
+              <a:buClr>
+                <a:srgbClr val="000000"/>
+              </a:buClr>
+              <a:buSzPts val="1000"/>
+              <a:buFont typeface="Arial"/>
+              <a:buNone/>
+              <a:defRPr b="0" i="0" sz="1000" u="none" cap="none" strike="noStrike">
+                <a:solidFill>
+                  <a:schemeClr val="dk2"/>
+                </a:solidFill>
+                <a:latin typeface="Arial"/>
+                <a:ea typeface="Arial"/>
+                <a:cs typeface="Arial"/>
+                <a:sym typeface="Arial"/>
+              </a:defRPr>
             </a:lvl8pPr>
-            <a:lvl9pPr lvl="8">
-              <a:buNone/>
-              <a:defRPr/>
+            <a:lvl9pPr indent="0" lvl="8" marL="0" marR="0" algn="r">
+              <a:lnSpc>
+                <a:spcPct val="100000"/>
+              </a:lnSpc>
+              <a:spcBef>
+                <a:spcPts val="0"/>
+              </a:spcBef>
+              <a:spcAft>
+                <a:spcPts val="0"/>
+              </a:spcAft>
+              <a:buClr>
+                <a:srgbClr val="000000"/>
+              </a:buClr>
+              <a:buSzPts val="1000"/>
+              <a:buFont typeface="Arial"/>
+              <a:buNone/>
+              <a:defRPr b="0" i="0" sz="1000" u="none" cap="none" strike="noStrike">
+                <a:solidFill>
+                  <a:schemeClr val="dk2"/>
+                </a:solidFill>
+                <a:latin typeface="Arial"/>
+                <a:ea typeface="Arial"/>
+                <a:cs typeface="Arial"/>
+                <a:sym typeface="Arial"/>
+              </a:defRPr>
             </a:lvl9pPr>
           </a:lstStyle>
           <a:p>
-            <a:pPr marL="0" lvl="0" indent="0" algn="r" rtl="0">
+            <a:pPr indent="0" lvl="0" marL="0" rtl="0" algn="r">
               <a:spcBef>
                 <a:spcPts val="0"/>
               </a:spcBef>
@@ -1185,7 +1749,7 @@
               <a:buNone/>
             </a:pPr>
             <a:fld id="{00000000-1234-1234-1234-123412341234}" type="slidenum">
-              <a:rPr lang="en"/>
+              <a:rPr lang="nl-NL"/>
               <a:t>‹#›</a:t>
             </a:fld>
             <a:endParaRPr/>
@@ -1201,11 +1765,11 @@
 </file>
 
 <file path=ppt/slideLayouts/slideLayout10.xml><?xml version="1.0" encoding="utf-8"?>
-<p:sldLayout xmlns:a="http://schemas.openxmlformats.org/drawingml/2006/main" xmlns:r="http://schemas.openxmlformats.org/officeDocument/2006/relationships" xmlns:p="http://schemas.openxmlformats.org/presentationml/2006/main" matchingName="Big number">
+<p:sldLayout xmlns:a="http://schemas.openxmlformats.org/drawingml/2006/main" xmlns:r="http://schemas.openxmlformats.org/officeDocument/2006/relationships" xmlns:mc="http://schemas.openxmlformats.org/markup-compatibility/2006" xmlns:mv="urn:schemas-microsoft-com:mac:vml" xmlns:p="http://schemas.openxmlformats.org/presentationml/2006/main" xmlns:c="http://schemas.openxmlformats.org/drawingml/2006/chart" xmlns:dgm="http://schemas.openxmlformats.org/drawingml/2006/diagram" xmlns:o="urn:schemas-microsoft-com:office:office" xmlns:v="urn:schemas-microsoft-com:vml" xmlns:pvml="urn:schemas-microsoft-com:office:powerpoint" xmlns:com="http://schemas.openxmlformats.org/drawingml/2006/compatibility" xmlns:p14="http://schemas.microsoft.com/office/powerpoint/2010/main" xmlns:p15="http://schemas.microsoft.com/office/powerpoint/2012/main" matchingName="Big number">
   <p:cSld name="BIG_NUMBER">
     <p:spTree>
       <p:nvGrpSpPr>
-        <p:cNvPr id="1" name="Shape 44"/>
+        <p:cNvPr id="44" name="Shape 44"/>
         <p:cNvGrpSpPr/>
         <p:nvPr/>
       </p:nvGrpSpPr>
@@ -1219,12 +1783,10 @@
       </p:grpSpPr>
       <p:sp>
         <p:nvSpPr>
-          <p:cNvPr id="45" name="Google Shape;45;p11"/>
-          <p:cNvSpPr txBox="1">
-            <a:spLocks noGrp="1"/>
-          </p:cNvSpPr>
+          <p:cNvPr id="45" name="Google Shape;45;p13"/>
+          <p:cNvSpPr txBox="1"/>
           <p:nvPr>
-            <p:ph type="title" hasCustomPrompt="1"/>
+            <p:ph hasCustomPrompt="1" type="title"/>
           </p:nvPr>
         </p:nvSpPr>
         <p:spPr>
@@ -1235,13 +1797,20 @@
           <a:prstGeom prst="rect">
             <a:avLst/>
           </a:prstGeom>
+          <a:noFill/>
+          <a:ln>
+            <a:noFill/>
+          </a:ln>
         </p:spPr>
         <p:txBody>
-          <a:bodyPr spcFirstLastPara="1" wrap="square" lIns="91425" tIns="91425" rIns="91425" bIns="91425" anchor="b" anchorCtr="0">
+          <a:bodyPr anchorCtr="0" anchor="b" bIns="91425" lIns="91425" spcFirstLastPara="1" rIns="91425" wrap="square" tIns="91425">
             <a:noAutofit/>
           </a:bodyPr>
           <a:lstStyle>
             <a:lvl1pPr lvl="0" algn="ctr">
+              <a:lnSpc>
+                <a:spcPct val="100000"/>
+              </a:lnSpc>
               <a:spcBef>
                 <a:spcPts val="0"/>
               </a:spcBef>
@@ -1253,6 +1822,9 @@
               <a:defRPr sz="12000"/>
             </a:lvl1pPr>
             <a:lvl2pPr lvl="1" algn="ctr">
+              <a:lnSpc>
+                <a:spcPct val="100000"/>
+              </a:lnSpc>
               <a:spcBef>
                 <a:spcPts val="0"/>
               </a:spcBef>
@@ -1264,6 +1836,9 @@
               <a:defRPr sz="12000"/>
             </a:lvl2pPr>
             <a:lvl3pPr lvl="2" algn="ctr">
+              <a:lnSpc>
+                <a:spcPct val="100000"/>
+              </a:lnSpc>
               <a:spcBef>
                 <a:spcPts val="0"/>
               </a:spcBef>
@@ -1275,6 +1850,9 @@
               <a:defRPr sz="12000"/>
             </a:lvl3pPr>
             <a:lvl4pPr lvl="3" algn="ctr">
+              <a:lnSpc>
+                <a:spcPct val="100000"/>
+              </a:lnSpc>
               <a:spcBef>
                 <a:spcPts val="0"/>
               </a:spcBef>
@@ -1286,6 +1864,9 @@
               <a:defRPr sz="12000"/>
             </a:lvl4pPr>
             <a:lvl5pPr lvl="4" algn="ctr">
+              <a:lnSpc>
+                <a:spcPct val="100000"/>
+              </a:lnSpc>
               <a:spcBef>
                 <a:spcPts val="0"/>
               </a:spcBef>
@@ -1297,6 +1878,9 @@
               <a:defRPr sz="12000"/>
             </a:lvl5pPr>
             <a:lvl6pPr lvl="5" algn="ctr">
+              <a:lnSpc>
+                <a:spcPct val="100000"/>
+              </a:lnSpc>
               <a:spcBef>
                 <a:spcPts val="0"/>
               </a:spcBef>
@@ -1308,6 +1892,9 @@
               <a:defRPr sz="12000"/>
             </a:lvl6pPr>
             <a:lvl7pPr lvl="6" algn="ctr">
+              <a:lnSpc>
+                <a:spcPct val="100000"/>
+              </a:lnSpc>
               <a:spcBef>
                 <a:spcPts val="0"/>
               </a:spcBef>
@@ -1319,6 +1906,9 @@
               <a:defRPr sz="12000"/>
             </a:lvl7pPr>
             <a:lvl8pPr lvl="7" algn="ctr">
+              <a:lnSpc>
+                <a:spcPct val="100000"/>
+              </a:lnSpc>
               <a:spcBef>
                 <a:spcPts val="0"/>
               </a:spcBef>
@@ -1330,6 +1920,9 @@
               <a:defRPr sz="12000"/>
             </a:lvl8pPr>
             <a:lvl9pPr lvl="8" algn="ctr">
+              <a:lnSpc>
+                <a:spcPct val="100000"/>
+              </a:lnSpc>
               <a:spcBef>
                 <a:spcPts val="0"/>
               </a:spcBef>
@@ -1350,12 +1943,10 @@
       </p:sp>
       <p:sp>
         <p:nvSpPr>
-          <p:cNvPr id="46" name="Google Shape;46;p11"/>
-          <p:cNvSpPr txBox="1">
-            <a:spLocks noGrp="1"/>
-          </p:cNvSpPr>
+          <p:cNvPr id="46" name="Google Shape;46;p13"/>
+          <p:cNvSpPr txBox="1"/>
           <p:nvPr>
-            <p:ph type="body" idx="1"/>
+            <p:ph idx="1" type="body"/>
           </p:nvPr>
         </p:nvSpPr>
         <p:spPr>
@@ -1366,13 +1957,20 @@
           <a:prstGeom prst="rect">
             <a:avLst/>
           </a:prstGeom>
+          <a:noFill/>
+          <a:ln>
+            <a:noFill/>
+          </a:ln>
         </p:spPr>
         <p:txBody>
-          <a:bodyPr spcFirstLastPara="1" wrap="square" lIns="91425" tIns="91425" rIns="91425" bIns="91425" anchor="t" anchorCtr="0">
+          <a:bodyPr anchorCtr="0" anchor="t" bIns="91425" lIns="91425" spcFirstLastPara="1" rIns="91425" wrap="square" tIns="91425">
             <a:noAutofit/>
           </a:bodyPr>
           <a:lstStyle>
-            <a:lvl1pPr marL="457200" lvl="0" indent="-342900" algn="ctr">
+            <a:lvl1pPr indent="-342900" lvl="0" marL="457200" algn="ctr">
+              <a:lnSpc>
+                <a:spcPct val="115000"/>
+              </a:lnSpc>
               <a:spcBef>
                 <a:spcPts val="0"/>
               </a:spcBef>
@@ -1383,7 +1981,10 @@
               <a:buChar char="●"/>
               <a:defRPr/>
             </a:lvl1pPr>
-            <a:lvl2pPr marL="914400" lvl="1" indent="-317500" algn="ctr">
+            <a:lvl2pPr indent="-317500" lvl="1" marL="914400" algn="ctr">
+              <a:lnSpc>
+                <a:spcPct val="115000"/>
+              </a:lnSpc>
               <a:spcBef>
                 <a:spcPts val="1600"/>
               </a:spcBef>
@@ -1394,7 +1995,10 @@
               <a:buChar char="○"/>
               <a:defRPr/>
             </a:lvl2pPr>
-            <a:lvl3pPr marL="1371600" lvl="2" indent="-317500" algn="ctr">
+            <a:lvl3pPr indent="-317500" lvl="2" marL="1371600" algn="ctr">
+              <a:lnSpc>
+                <a:spcPct val="115000"/>
+              </a:lnSpc>
               <a:spcBef>
                 <a:spcPts val="1600"/>
               </a:spcBef>
@@ -1405,7 +2009,10 @@
               <a:buChar char="■"/>
               <a:defRPr/>
             </a:lvl3pPr>
-            <a:lvl4pPr marL="1828800" lvl="3" indent="-317500" algn="ctr">
+            <a:lvl4pPr indent="-317500" lvl="3" marL="1828800" algn="ctr">
+              <a:lnSpc>
+                <a:spcPct val="115000"/>
+              </a:lnSpc>
               <a:spcBef>
                 <a:spcPts val="1600"/>
               </a:spcBef>
@@ -1416,7 +2023,10 @@
               <a:buChar char="●"/>
               <a:defRPr/>
             </a:lvl4pPr>
-            <a:lvl5pPr marL="2286000" lvl="4" indent="-317500" algn="ctr">
+            <a:lvl5pPr indent="-317500" lvl="4" marL="2286000" algn="ctr">
+              <a:lnSpc>
+                <a:spcPct val="115000"/>
+              </a:lnSpc>
               <a:spcBef>
                 <a:spcPts val="1600"/>
               </a:spcBef>
@@ -1427,7 +2037,10 @@
               <a:buChar char="○"/>
               <a:defRPr/>
             </a:lvl5pPr>
-            <a:lvl6pPr marL="2743200" lvl="5" indent="-317500" algn="ctr">
+            <a:lvl6pPr indent="-317500" lvl="5" marL="2743200" algn="ctr">
+              <a:lnSpc>
+                <a:spcPct val="115000"/>
+              </a:lnSpc>
               <a:spcBef>
                 <a:spcPts val="1600"/>
               </a:spcBef>
@@ -1438,7 +2051,10 @@
               <a:buChar char="■"/>
               <a:defRPr/>
             </a:lvl6pPr>
-            <a:lvl7pPr marL="3200400" lvl="6" indent="-317500" algn="ctr">
+            <a:lvl7pPr indent="-317500" lvl="6" marL="3200400" algn="ctr">
+              <a:lnSpc>
+                <a:spcPct val="115000"/>
+              </a:lnSpc>
               <a:spcBef>
                 <a:spcPts val="1600"/>
               </a:spcBef>
@@ -1449,7 +2065,10 @@
               <a:buChar char="●"/>
               <a:defRPr/>
             </a:lvl7pPr>
-            <a:lvl8pPr marL="3657600" lvl="7" indent="-317500" algn="ctr">
+            <a:lvl8pPr indent="-317500" lvl="7" marL="3657600" algn="ctr">
+              <a:lnSpc>
+                <a:spcPct val="115000"/>
+              </a:lnSpc>
               <a:spcBef>
                 <a:spcPts val="1600"/>
               </a:spcBef>
@@ -1460,7 +2079,10 @@
               <a:buChar char="○"/>
               <a:defRPr/>
             </a:lvl8pPr>
-            <a:lvl9pPr marL="4114800" lvl="8" indent="-317500" algn="ctr">
+            <a:lvl9pPr indent="-317500" lvl="8" marL="4114800" algn="ctr">
+              <a:lnSpc>
+                <a:spcPct val="115000"/>
+              </a:lnSpc>
               <a:spcBef>
                 <a:spcPts val="1600"/>
               </a:spcBef>
@@ -1472,19 +2094,15 @@
               <a:defRPr/>
             </a:lvl9pPr>
           </a:lstStyle>
-          <a:p>
-            <a:endParaRPr/>
-          </a:p>
+          <a:p/>
         </p:txBody>
       </p:sp>
       <p:sp>
         <p:nvSpPr>
-          <p:cNvPr id="47" name="Google Shape;47;p11"/>
-          <p:cNvSpPr txBox="1">
-            <a:spLocks noGrp="1"/>
-          </p:cNvSpPr>
+          <p:cNvPr id="47" name="Google Shape;47;p13"/>
+          <p:cNvSpPr txBox="1"/>
           <p:nvPr>
-            <p:ph type="sldNum" idx="12"/>
+            <p:ph idx="12" type="sldNum"/>
           </p:nvPr>
         </p:nvSpPr>
         <p:spPr>
@@ -1495,51 +2113,253 @@
           <a:prstGeom prst="rect">
             <a:avLst/>
           </a:prstGeom>
+          <a:noFill/>
+          <a:ln>
+            <a:noFill/>
+          </a:ln>
         </p:spPr>
         <p:txBody>
-          <a:bodyPr spcFirstLastPara="1" wrap="square" lIns="91425" tIns="91425" rIns="91425" bIns="91425" anchor="ctr" anchorCtr="0">
+          <a:bodyPr anchorCtr="0" anchor="ctr" bIns="91425" lIns="91425" spcFirstLastPara="1" rIns="91425" wrap="square" tIns="91425">
             <a:noAutofit/>
           </a:bodyPr>
           <a:lstStyle>
-            <a:lvl1pPr lvl="0">
-              <a:buNone/>
-              <a:defRPr/>
+            <a:lvl1pPr indent="0" lvl="0" marL="0" marR="0" algn="r">
+              <a:lnSpc>
+                <a:spcPct val="100000"/>
+              </a:lnSpc>
+              <a:spcBef>
+                <a:spcPts val="0"/>
+              </a:spcBef>
+              <a:spcAft>
+                <a:spcPts val="0"/>
+              </a:spcAft>
+              <a:buClr>
+                <a:srgbClr val="000000"/>
+              </a:buClr>
+              <a:buSzPts val="1000"/>
+              <a:buFont typeface="Arial"/>
+              <a:buNone/>
+              <a:defRPr b="0" i="0" sz="1000" u="none" cap="none" strike="noStrike">
+                <a:solidFill>
+                  <a:schemeClr val="dk2"/>
+                </a:solidFill>
+                <a:latin typeface="Arial"/>
+                <a:ea typeface="Arial"/>
+                <a:cs typeface="Arial"/>
+                <a:sym typeface="Arial"/>
+              </a:defRPr>
             </a:lvl1pPr>
-            <a:lvl2pPr lvl="1">
-              <a:buNone/>
-              <a:defRPr/>
+            <a:lvl2pPr indent="0" lvl="1" marL="0" marR="0" algn="r">
+              <a:lnSpc>
+                <a:spcPct val="100000"/>
+              </a:lnSpc>
+              <a:spcBef>
+                <a:spcPts val="0"/>
+              </a:spcBef>
+              <a:spcAft>
+                <a:spcPts val="0"/>
+              </a:spcAft>
+              <a:buClr>
+                <a:srgbClr val="000000"/>
+              </a:buClr>
+              <a:buSzPts val="1000"/>
+              <a:buFont typeface="Arial"/>
+              <a:buNone/>
+              <a:defRPr b="0" i="0" sz="1000" u="none" cap="none" strike="noStrike">
+                <a:solidFill>
+                  <a:schemeClr val="dk2"/>
+                </a:solidFill>
+                <a:latin typeface="Arial"/>
+                <a:ea typeface="Arial"/>
+                <a:cs typeface="Arial"/>
+                <a:sym typeface="Arial"/>
+              </a:defRPr>
             </a:lvl2pPr>
-            <a:lvl3pPr lvl="2">
-              <a:buNone/>
-              <a:defRPr/>
+            <a:lvl3pPr indent="0" lvl="2" marL="0" marR="0" algn="r">
+              <a:lnSpc>
+                <a:spcPct val="100000"/>
+              </a:lnSpc>
+              <a:spcBef>
+                <a:spcPts val="0"/>
+              </a:spcBef>
+              <a:spcAft>
+                <a:spcPts val="0"/>
+              </a:spcAft>
+              <a:buClr>
+                <a:srgbClr val="000000"/>
+              </a:buClr>
+              <a:buSzPts val="1000"/>
+              <a:buFont typeface="Arial"/>
+              <a:buNone/>
+              <a:defRPr b="0" i="0" sz="1000" u="none" cap="none" strike="noStrike">
+                <a:solidFill>
+                  <a:schemeClr val="dk2"/>
+                </a:solidFill>
+                <a:latin typeface="Arial"/>
+                <a:ea typeface="Arial"/>
+                <a:cs typeface="Arial"/>
+                <a:sym typeface="Arial"/>
+              </a:defRPr>
             </a:lvl3pPr>
-            <a:lvl4pPr lvl="3">
-              <a:buNone/>
-              <a:defRPr/>
+            <a:lvl4pPr indent="0" lvl="3" marL="0" marR="0" algn="r">
+              <a:lnSpc>
+                <a:spcPct val="100000"/>
+              </a:lnSpc>
+              <a:spcBef>
+                <a:spcPts val="0"/>
+              </a:spcBef>
+              <a:spcAft>
+                <a:spcPts val="0"/>
+              </a:spcAft>
+              <a:buClr>
+                <a:srgbClr val="000000"/>
+              </a:buClr>
+              <a:buSzPts val="1000"/>
+              <a:buFont typeface="Arial"/>
+              <a:buNone/>
+              <a:defRPr b="0" i="0" sz="1000" u="none" cap="none" strike="noStrike">
+                <a:solidFill>
+                  <a:schemeClr val="dk2"/>
+                </a:solidFill>
+                <a:latin typeface="Arial"/>
+                <a:ea typeface="Arial"/>
+                <a:cs typeface="Arial"/>
+                <a:sym typeface="Arial"/>
+              </a:defRPr>
             </a:lvl4pPr>
-            <a:lvl5pPr lvl="4">
-              <a:buNone/>
-              <a:defRPr/>
+            <a:lvl5pPr indent="0" lvl="4" marL="0" marR="0" algn="r">
+              <a:lnSpc>
+                <a:spcPct val="100000"/>
+              </a:lnSpc>
+              <a:spcBef>
+                <a:spcPts val="0"/>
+              </a:spcBef>
+              <a:spcAft>
+                <a:spcPts val="0"/>
+              </a:spcAft>
+              <a:buClr>
+                <a:srgbClr val="000000"/>
+              </a:buClr>
+              <a:buSzPts val="1000"/>
+              <a:buFont typeface="Arial"/>
+              <a:buNone/>
+              <a:defRPr b="0" i="0" sz="1000" u="none" cap="none" strike="noStrike">
+                <a:solidFill>
+                  <a:schemeClr val="dk2"/>
+                </a:solidFill>
+                <a:latin typeface="Arial"/>
+                <a:ea typeface="Arial"/>
+                <a:cs typeface="Arial"/>
+                <a:sym typeface="Arial"/>
+              </a:defRPr>
             </a:lvl5pPr>
-            <a:lvl6pPr lvl="5">
-              <a:buNone/>
-              <a:defRPr/>
+            <a:lvl6pPr indent="0" lvl="5" marL="0" marR="0" algn="r">
+              <a:lnSpc>
+                <a:spcPct val="100000"/>
+              </a:lnSpc>
+              <a:spcBef>
+                <a:spcPts val="0"/>
+              </a:spcBef>
+              <a:spcAft>
+                <a:spcPts val="0"/>
+              </a:spcAft>
+              <a:buClr>
+                <a:srgbClr val="000000"/>
+              </a:buClr>
+              <a:buSzPts val="1000"/>
+              <a:buFont typeface="Arial"/>
+              <a:buNone/>
+              <a:defRPr b="0" i="0" sz="1000" u="none" cap="none" strike="noStrike">
+                <a:solidFill>
+                  <a:schemeClr val="dk2"/>
+                </a:solidFill>
+                <a:latin typeface="Arial"/>
+                <a:ea typeface="Arial"/>
+                <a:cs typeface="Arial"/>
+                <a:sym typeface="Arial"/>
+              </a:defRPr>
             </a:lvl6pPr>
-            <a:lvl7pPr lvl="6">
-              <a:buNone/>
-              <a:defRPr/>
+            <a:lvl7pPr indent="0" lvl="6" marL="0" marR="0" algn="r">
+              <a:lnSpc>
+                <a:spcPct val="100000"/>
+              </a:lnSpc>
+              <a:spcBef>
+                <a:spcPts val="0"/>
+              </a:spcBef>
+              <a:spcAft>
+                <a:spcPts val="0"/>
+              </a:spcAft>
+              <a:buClr>
+                <a:srgbClr val="000000"/>
+              </a:buClr>
+              <a:buSzPts val="1000"/>
+              <a:buFont typeface="Arial"/>
+              <a:buNone/>
+              <a:defRPr b="0" i="0" sz="1000" u="none" cap="none" strike="noStrike">
+                <a:solidFill>
+                  <a:schemeClr val="dk2"/>
+                </a:solidFill>
+                <a:latin typeface="Arial"/>
+                <a:ea typeface="Arial"/>
+                <a:cs typeface="Arial"/>
+                <a:sym typeface="Arial"/>
+              </a:defRPr>
             </a:lvl7pPr>
-            <a:lvl8pPr lvl="7">
-              <a:buNone/>
-              <a:defRPr/>
+            <a:lvl8pPr indent="0" lvl="7" marL="0" marR="0" algn="r">
+              <a:lnSpc>
+                <a:spcPct val="100000"/>
+              </a:lnSpc>
+              <a:spcBef>
+                <a:spcPts val="0"/>
+              </a:spcBef>
+              <a:spcAft>
+                <a:spcPts val="0"/>
+              </a:spcAft>
+              <a:buClr>
+                <a:srgbClr val="000000"/>
+              </a:buClr>
+              <a:buSzPts val="1000"/>
+              <a:buFont typeface="Arial"/>
+              <a:buNone/>
+              <a:defRPr b="0" i="0" sz="1000" u="none" cap="none" strike="noStrike">
+                <a:solidFill>
+                  <a:schemeClr val="dk2"/>
+                </a:solidFill>
+                <a:latin typeface="Arial"/>
+                <a:ea typeface="Arial"/>
+                <a:cs typeface="Arial"/>
+                <a:sym typeface="Arial"/>
+              </a:defRPr>
             </a:lvl8pPr>
-            <a:lvl9pPr lvl="8">
-              <a:buNone/>
-              <a:defRPr/>
+            <a:lvl9pPr indent="0" lvl="8" marL="0" marR="0" algn="r">
+              <a:lnSpc>
+                <a:spcPct val="100000"/>
+              </a:lnSpc>
+              <a:spcBef>
+                <a:spcPts val="0"/>
+              </a:spcBef>
+              <a:spcAft>
+                <a:spcPts val="0"/>
+              </a:spcAft>
+              <a:buClr>
+                <a:srgbClr val="000000"/>
+              </a:buClr>
+              <a:buSzPts val="1000"/>
+              <a:buFont typeface="Arial"/>
+              <a:buNone/>
+              <a:defRPr b="0" i="0" sz="1000" u="none" cap="none" strike="noStrike">
+                <a:solidFill>
+                  <a:schemeClr val="dk2"/>
+                </a:solidFill>
+                <a:latin typeface="Arial"/>
+                <a:ea typeface="Arial"/>
+                <a:cs typeface="Arial"/>
+                <a:sym typeface="Arial"/>
+              </a:defRPr>
             </a:lvl9pPr>
           </a:lstStyle>
           <a:p>
-            <a:pPr marL="0" lvl="0" indent="0" algn="r" rtl="0">
+            <a:pPr indent="0" lvl="0" marL="0" rtl="0" algn="r">
               <a:spcBef>
                 <a:spcPts val="0"/>
               </a:spcBef>
@@ -1549,7 +2369,7 @@
               <a:buNone/>
             </a:pPr>
             <a:fld id="{00000000-1234-1234-1234-123412341234}" type="slidenum">
-              <a:rPr lang="en"/>
+              <a:rPr lang="nl-NL"/>
               <a:t>‹#›</a:t>
             </a:fld>
             <a:endParaRPr/>
@@ -1565,11 +2385,11 @@
 </file>
 
 <file path=ppt/slideLayouts/slideLayout11.xml><?xml version="1.0" encoding="utf-8"?>
-<p:sldLayout xmlns:a="http://schemas.openxmlformats.org/drawingml/2006/main" xmlns:r="http://schemas.openxmlformats.org/officeDocument/2006/relationships" xmlns:p="http://schemas.openxmlformats.org/presentationml/2006/main" matchingName="Blank" type="blank">
+<p:sldLayout xmlns:a="http://schemas.openxmlformats.org/drawingml/2006/main" xmlns:r="http://schemas.openxmlformats.org/officeDocument/2006/relationships" xmlns:mc="http://schemas.openxmlformats.org/markup-compatibility/2006" xmlns:mv="urn:schemas-microsoft-com:mac:vml" xmlns:p="http://schemas.openxmlformats.org/presentationml/2006/main" xmlns:c="http://schemas.openxmlformats.org/drawingml/2006/chart" xmlns:dgm="http://schemas.openxmlformats.org/drawingml/2006/diagram" xmlns:o="urn:schemas-microsoft-com:office:office" xmlns:v="urn:schemas-microsoft-com:vml" xmlns:pvml="urn:schemas-microsoft-com:office:powerpoint" xmlns:com="http://schemas.openxmlformats.org/drawingml/2006/compatibility" xmlns:p14="http://schemas.microsoft.com/office/powerpoint/2010/main" xmlns:p15="http://schemas.microsoft.com/office/powerpoint/2012/main" matchingName="Blank" type="blank">
   <p:cSld name="BLANK">
     <p:spTree>
       <p:nvGrpSpPr>
-        <p:cNvPr id="1" name="Shape 48"/>
+        <p:cNvPr id="48" name="Shape 48"/>
         <p:cNvGrpSpPr/>
         <p:nvPr/>
       </p:nvGrpSpPr>
@@ -1583,12 +2403,10 @@
       </p:grpSpPr>
       <p:sp>
         <p:nvSpPr>
-          <p:cNvPr id="49" name="Google Shape;49;p12"/>
-          <p:cNvSpPr txBox="1">
-            <a:spLocks noGrp="1"/>
-          </p:cNvSpPr>
+          <p:cNvPr id="49" name="Google Shape;49;p14"/>
+          <p:cNvSpPr txBox="1"/>
           <p:nvPr>
-            <p:ph type="sldNum" idx="12"/>
+            <p:ph idx="12" type="sldNum"/>
           </p:nvPr>
         </p:nvSpPr>
         <p:spPr>
@@ -1599,51 +2417,253 @@
           <a:prstGeom prst="rect">
             <a:avLst/>
           </a:prstGeom>
+          <a:noFill/>
+          <a:ln>
+            <a:noFill/>
+          </a:ln>
         </p:spPr>
         <p:txBody>
-          <a:bodyPr spcFirstLastPara="1" wrap="square" lIns="91425" tIns="91425" rIns="91425" bIns="91425" anchor="ctr" anchorCtr="0">
+          <a:bodyPr anchorCtr="0" anchor="ctr" bIns="91425" lIns="91425" spcFirstLastPara="1" rIns="91425" wrap="square" tIns="91425">
             <a:noAutofit/>
           </a:bodyPr>
           <a:lstStyle>
-            <a:lvl1pPr lvl="0">
-              <a:buNone/>
-              <a:defRPr/>
+            <a:lvl1pPr indent="0" lvl="0" marL="0" marR="0" algn="r">
+              <a:lnSpc>
+                <a:spcPct val="100000"/>
+              </a:lnSpc>
+              <a:spcBef>
+                <a:spcPts val="0"/>
+              </a:spcBef>
+              <a:spcAft>
+                <a:spcPts val="0"/>
+              </a:spcAft>
+              <a:buClr>
+                <a:srgbClr val="000000"/>
+              </a:buClr>
+              <a:buSzPts val="1000"/>
+              <a:buFont typeface="Arial"/>
+              <a:buNone/>
+              <a:defRPr b="0" i="0" sz="1000" u="none" cap="none" strike="noStrike">
+                <a:solidFill>
+                  <a:schemeClr val="dk2"/>
+                </a:solidFill>
+                <a:latin typeface="Arial"/>
+                <a:ea typeface="Arial"/>
+                <a:cs typeface="Arial"/>
+                <a:sym typeface="Arial"/>
+              </a:defRPr>
             </a:lvl1pPr>
-            <a:lvl2pPr lvl="1">
-              <a:buNone/>
-              <a:defRPr/>
+            <a:lvl2pPr indent="0" lvl="1" marL="0" marR="0" algn="r">
+              <a:lnSpc>
+                <a:spcPct val="100000"/>
+              </a:lnSpc>
+              <a:spcBef>
+                <a:spcPts val="0"/>
+              </a:spcBef>
+              <a:spcAft>
+                <a:spcPts val="0"/>
+              </a:spcAft>
+              <a:buClr>
+                <a:srgbClr val="000000"/>
+              </a:buClr>
+              <a:buSzPts val="1000"/>
+              <a:buFont typeface="Arial"/>
+              <a:buNone/>
+              <a:defRPr b="0" i="0" sz="1000" u="none" cap="none" strike="noStrike">
+                <a:solidFill>
+                  <a:schemeClr val="dk2"/>
+                </a:solidFill>
+                <a:latin typeface="Arial"/>
+                <a:ea typeface="Arial"/>
+                <a:cs typeface="Arial"/>
+                <a:sym typeface="Arial"/>
+              </a:defRPr>
             </a:lvl2pPr>
-            <a:lvl3pPr lvl="2">
-              <a:buNone/>
-              <a:defRPr/>
+            <a:lvl3pPr indent="0" lvl="2" marL="0" marR="0" algn="r">
+              <a:lnSpc>
+                <a:spcPct val="100000"/>
+              </a:lnSpc>
+              <a:spcBef>
+                <a:spcPts val="0"/>
+              </a:spcBef>
+              <a:spcAft>
+                <a:spcPts val="0"/>
+              </a:spcAft>
+              <a:buClr>
+                <a:srgbClr val="000000"/>
+              </a:buClr>
+              <a:buSzPts val="1000"/>
+              <a:buFont typeface="Arial"/>
+              <a:buNone/>
+              <a:defRPr b="0" i="0" sz="1000" u="none" cap="none" strike="noStrike">
+                <a:solidFill>
+                  <a:schemeClr val="dk2"/>
+                </a:solidFill>
+                <a:latin typeface="Arial"/>
+                <a:ea typeface="Arial"/>
+                <a:cs typeface="Arial"/>
+                <a:sym typeface="Arial"/>
+              </a:defRPr>
             </a:lvl3pPr>
-            <a:lvl4pPr lvl="3">
-              <a:buNone/>
-              <a:defRPr/>
+            <a:lvl4pPr indent="0" lvl="3" marL="0" marR="0" algn="r">
+              <a:lnSpc>
+                <a:spcPct val="100000"/>
+              </a:lnSpc>
+              <a:spcBef>
+                <a:spcPts val="0"/>
+              </a:spcBef>
+              <a:spcAft>
+                <a:spcPts val="0"/>
+              </a:spcAft>
+              <a:buClr>
+                <a:srgbClr val="000000"/>
+              </a:buClr>
+              <a:buSzPts val="1000"/>
+              <a:buFont typeface="Arial"/>
+              <a:buNone/>
+              <a:defRPr b="0" i="0" sz="1000" u="none" cap="none" strike="noStrike">
+                <a:solidFill>
+                  <a:schemeClr val="dk2"/>
+                </a:solidFill>
+                <a:latin typeface="Arial"/>
+                <a:ea typeface="Arial"/>
+                <a:cs typeface="Arial"/>
+                <a:sym typeface="Arial"/>
+              </a:defRPr>
             </a:lvl4pPr>
-            <a:lvl5pPr lvl="4">
-              <a:buNone/>
-              <a:defRPr/>
+            <a:lvl5pPr indent="0" lvl="4" marL="0" marR="0" algn="r">
+              <a:lnSpc>
+                <a:spcPct val="100000"/>
+              </a:lnSpc>
+              <a:spcBef>
+                <a:spcPts val="0"/>
+              </a:spcBef>
+              <a:spcAft>
+                <a:spcPts val="0"/>
+              </a:spcAft>
+              <a:buClr>
+                <a:srgbClr val="000000"/>
+              </a:buClr>
+              <a:buSzPts val="1000"/>
+              <a:buFont typeface="Arial"/>
+              <a:buNone/>
+              <a:defRPr b="0" i="0" sz="1000" u="none" cap="none" strike="noStrike">
+                <a:solidFill>
+                  <a:schemeClr val="dk2"/>
+                </a:solidFill>
+                <a:latin typeface="Arial"/>
+                <a:ea typeface="Arial"/>
+                <a:cs typeface="Arial"/>
+                <a:sym typeface="Arial"/>
+              </a:defRPr>
             </a:lvl5pPr>
-            <a:lvl6pPr lvl="5">
-              <a:buNone/>
-              <a:defRPr/>
+            <a:lvl6pPr indent="0" lvl="5" marL="0" marR="0" algn="r">
+              <a:lnSpc>
+                <a:spcPct val="100000"/>
+              </a:lnSpc>
+              <a:spcBef>
+                <a:spcPts val="0"/>
+              </a:spcBef>
+              <a:spcAft>
+                <a:spcPts val="0"/>
+              </a:spcAft>
+              <a:buClr>
+                <a:srgbClr val="000000"/>
+              </a:buClr>
+              <a:buSzPts val="1000"/>
+              <a:buFont typeface="Arial"/>
+              <a:buNone/>
+              <a:defRPr b="0" i="0" sz="1000" u="none" cap="none" strike="noStrike">
+                <a:solidFill>
+                  <a:schemeClr val="dk2"/>
+                </a:solidFill>
+                <a:latin typeface="Arial"/>
+                <a:ea typeface="Arial"/>
+                <a:cs typeface="Arial"/>
+                <a:sym typeface="Arial"/>
+              </a:defRPr>
             </a:lvl6pPr>
-            <a:lvl7pPr lvl="6">
-              <a:buNone/>
-              <a:defRPr/>
+            <a:lvl7pPr indent="0" lvl="6" marL="0" marR="0" algn="r">
+              <a:lnSpc>
+                <a:spcPct val="100000"/>
+              </a:lnSpc>
+              <a:spcBef>
+                <a:spcPts val="0"/>
+              </a:spcBef>
+              <a:spcAft>
+                <a:spcPts val="0"/>
+              </a:spcAft>
+              <a:buClr>
+                <a:srgbClr val="000000"/>
+              </a:buClr>
+              <a:buSzPts val="1000"/>
+              <a:buFont typeface="Arial"/>
+              <a:buNone/>
+              <a:defRPr b="0" i="0" sz="1000" u="none" cap="none" strike="noStrike">
+                <a:solidFill>
+                  <a:schemeClr val="dk2"/>
+                </a:solidFill>
+                <a:latin typeface="Arial"/>
+                <a:ea typeface="Arial"/>
+                <a:cs typeface="Arial"/>
+                <a:sym typeface="Arial"/>
+              </a:defRPr>
             </a:lvl7pPr>
-            <a:lvl8pPr lvl="7">
-              <a:buNone/>
-              <a:defRPr/>
+            <a:lvl8pPr indent="0" lvl="7" marL="0" marR="0" algn="r">
+              <a:lnSpc>
+                <a:spcPct val="100000"/>
+              </a:lnSpc>
+              <a:spcBef>
+                <a:spcPts val="0"/>
+              </a:spcBef>
+              <a:spcAft>
+                <a:spcPts val="0"/>
+              </a:spcAft>
+              <a:buClr>
+                <a:srgbClr val="000000"/>
+              </a:buClr>
+              <a:buSzPts val="1000"/>
+              <a:buFont typeface="Arial"/>
+              <a:buNone/>
+              <a:defRPr b="0" i="0" sz="1000" u="none" cap="none" strike="noStrike">
+                <a:solidFill>
+                  <a:schemeClr val="dk2"/>
+                </a:solidFill>
+                <a:latin typeface="Arial"/>
+                <a:ea typeface="Arial"/>
+                <a:cs typeface="Arial"/>
+                <a:sym typeface="Arial"/>
+              </a:defRPr>
             </a:lvl8pPr>
-            <a:lvl9pPr lvl="8">
-              <a:buNone/>
-              <a:defRPr/>
+            <a:lvl9pPr indent="0" lvl="8" marL="0" marR="0" algn="r">
+              <a:lnSpc>
+                <a:spcPct val="100000"/>
+              </a:lnSpc>
+              <a:spcBef>
+                <a:spcPts val="0"/>
+              </a:spcBef>
+              <a:spcAft>
+                <a:spcPts val="0"/>
+              </a:spcAft>
+              <a:buClr>
+                <a:srgbClr val="000000"/>
+              </a:buClr>
+              <a:buSzPts val="1000"/>
+              <a:buFont typeface="Arial"/>
+              <a:buNone/>
+              <a:defRPr b="0" i="0" sz="1000" u="none" cap="none" strike="noStrike">
+                <a:solidFill>
+                  <a:schemeClr val="dk2"/>
+                </a:solidFill>
+                <a:latin typeface="Arial"/>
+                <a:ea typeface="Arial"/>
+                <a:cs typeface="Arial"/>
+                <a:sym typeface="Arial"/>
+              </a:defRPr>
             </a:lvl9pPr>
           </a:lstStyle>
           <a:p>
-            <a:pPr marL="0" lvl="0" indent="0" algn="r" rtl="0">
+            <a:pPr indent="0" lvl="0" marL="0" rtl="0" algn="r">
               <a:spcBef>
                 <a:spcPts val="0"/>
               </a:spcBef>
@@ -1653,7 +2673,7 @@
               <a:buNone/>
             </a:pPr>
             <a:fld id="{00000000-1234-1234-1234-123412341234}" type="slidenum">
-              <a:rPr lang="en"/>
+              <a:rPr lang="nl-NL"/>
               <a:t>‹#›</a:t>
             </a:fld>
             <a:endParaRPr/>
@@ -1669,11 +2689,11 @@
 </file>
 
 <file path=ppt/slideLayouts/slideLayout2.xml><?xml version="1.0" encoding="utf-8"?>
-<p:sldLayout xmlns:a="http://schemas.openxmlformats.org/drawingml/2006/main" xmlns:r="http://schemas.openxmlformats.org/officeDocument/2006/relationships" xmlns:p="http://schemas.openxmlformats.org/presentationml/2006/main" matchingName="Section header" type="secHead">
+<p:sldLayout xmlns:a="http://schemas.openxmlformats.org/drawingml/2006/main" xmlns:r="http://schemas.openxmlformats.org/officeDocument/2006/relationships" xmlns:mc="http://schemas.openxmlformats.org/markup-compatibility/2006" xmlns:mv="urn:schemas-microsoft-com:mac:vml" xmlns:p="http://schemas.openxmlformats.org/presentationml/2006/main" xmlns:c="http://schemas.openxmlformats.org/drawingml/2006/chart" xmlns:dgm="http://schemas.openxmlformats.org/drawingml/2006/diagram" xmlns:o="urn:schemas-microsoft-com:office:office" xmlns:v="urn:schemas-microsoft-com:vml" xmlns:pvml="urn:schemas-microsoft-com:office:powerpoint" xmlns:com="http://schemas.openxmlformats.org/drawingml/2006/compatibility" xmlns:p14="http://schemas.microsoft.com/office/powerpoint/2010/main" xmlns:p15="http://schemas.microsoft.com/office/powerpoint/2012/main" matchingName="Section header" type="secHead">
   <p:cSld name="SECTION_HEADER">
     <p:spTree>
       <p:nvGrpSpPr>
-        <p:cNvPr id="1" name="Shape 13"/>
+        <p:cNvPr id="13" name="Shape 13"/>
         <p:cNvGrpSpPr/>
         <p:nvPr/>
       </p:nvGrpSpPr>
@@ -1687,10 +2707,8 @@
       </p:grpSpPr>
       <p:sp>
         <p:nvSpPr>
-          <p:cNvPr id="14" name="Google Shape;14;p3"/>
-          <p:cNvSpPr txBox="1">
-            <a:spLocks noGrp="1"/>
-          </p:cNvSpPr>
+          <p:cNvPr id="14" name="Google Shape;14;p5"/>
+          <p:cNvSpPr txBox="1"/>
           <p:nvPr>
             <p:ph type="title"/>
           </p:nvPr>
@@ -1703,13 +2721,20 @@
           <a:prstGeom prst="rect">
             <a:avLst/>
           </a:prstGeom>
+          <a:noFill/>
+          <a:ln>
+            <a:noFill/>
+          </a:ln>
         </p:spPr>
         <p:txBody>
-          <a:bodyPr spcFirstLastPara="1" wrap="square" lIns="91425" tIns="91425" rIns="91425" bIns="91425" anchor="ctr" anchorCtr="0">
+          <a:bodyPr anchorCtr="0" anchor="ctr" bIns="91425" lIns="91425" spcFirstLastPara="1" rIns="91425" wrap="square" tIns="91425">
             <a:noAutofit/>
           </a:bodyPr>
           <a:lstStyle>
             <a:lvl1pPr lvl="0" algn="ctr">
+              <a:lnSpc>
+                <a:spcPct val="100000"/>
+              </a:lnSpc>
               <a:spcBef>
                 <a:spcPts val="0"/>
               </a:spcBef>
@@ -1721,6 +2746,9 @@
               <a:defRPr sz="3600"/>
             </a:lvl1pPr>
             <a:lvl2pPr lvl="1" algn="ctr">
+              <a:lnSpc>
+                <a:spcPct val="100000"/>
+              </a:lnSpc>
               <a:spcBef>
                 <a:spcPts val="0"/>
               </a:spcBef>
@@ -1732,6 +2760,9 @@
               <a:defRPr sz="3600"/>
             </a:lvl2pPr>
             <a:lvl3pPr lvl="2" algn="ctr">
+              <a:lnSpc>
+                <a:spcPct val="100000"/>
+              </a:lnSpc>
               <a:spcBef>
                 <a:spcPts val="0"/>
               </a:spcBef>
@@ -1743,6 +2774,9 @@
               <a:defRPr sz="3600"/>
             </a:lvl3pPr>
             <a:lvl4pPr lvl="3" algn="ctr">
+              <a:lnSpc>
+                <a:spcPct val="100000"/>
+              </a:lnSpc>
               <a:spcBef>
                 <a:spcPts val="0"/>
               </a:spcBef>
@@ -1754,6 +2788,9 @@
               <a:defRPr sz="3600"/>
             </a:lvl4pPr>
             <a:lvl5pPr lvl="4" algn="ctr">
+              <a:lnSpc>
+                <a:spcPct val="100000"/>
+              </a:lnSpc>
               <a:spcBef>
                 <a:spcPts val="0"/>
               </a:spcBef>
@@ -1765,6 +2802,9 @@
               <a:defRPr sz="3600"/>
             </a:lvl5pPr>
             <a:lvl6pPr lvl="5" algn="ctr">
+              <a:lnSpc>
+                <a:spcPct val="100000"/>
+              </a:lnSpc>
               <a:spcBef>
                 <a:spcPts val="0"/>
               </a:spcBef>
@@ -1776,6 +2816,9 @@
               <a:defRPr sz="3600"/>
             </a:lvl6pPr>
             <a:lvl7pPr lvl="6" algn="ctr">
+              <a:lnSpc>
+                <a:spcPct val="100000"/>
+              </a:lnSpc>
               <a:spcBef>
                 <a:spcPts val="0"/>
               </a:spcBef>
@@ -1787,6 +2830,9 @@
               <a:defRPr sz="3600"/>
             </a:lvl7pPr>
             <a:lvl8pPr lvl="7" algn="ctr">
+              <a:lnSpc>
+                <a:spcPct val="100000"/>
+              </a:lnSpc>
               <a:spcBef>
                 <a:spcPts val="0"/>
               </a:spcBef>
@@ -1798,6 +2844,9 @@
               <a:defRPr sz="3600"/>
             </a:lvl8pPr>
             <a:lvl9pPr lvl="8" algn="ctr">
+              <a:lnSpc>
+                <a:spcPct val="100000"/>
+              </a:lnSpc>
               <a:spcBef>
                 <a:spcPts val="0"/>
               </a:spcBef>
@@ -1809,19 +2858,15 @@
               <a:defRPr sz="3600"/>
             </a:lvl9pPr>
           </a:lstStyle>
-          <a:p>
-            <a:endParaRPr/>
-          </a:p>
+          <a:p/>
         </p:txBody>
       </p:sp>
       <p:sp>
         <p:nvSpPr>
-          <p:cNvPr id="15" name="Google Shape;15;p3"/>
-          <p:cNvSpPr txBox="1">
-            <a:spLocks noGrp="1"/>
-          </p:cNvSpPr>
+          <p:cNvPr id="15" name="Google Shape;15;p5"/>
+          <p:cNvSpPr txBox="1"/>
           <p:nvPr>
-            <p:ph type="sldNum" idx="12"/>
+            <p:ph idx="12" type="sldNum"/>
           </p:nvPr>
         </p:nvSpPr>
         <p:spPr>
@@ -1832,51 +2877,253 @@
           <a:prstGeom prst="rect">
             <a:avLst/>
           </a:prstGeom>
+          <a:noFill/>
+          <a:ln>
+            <a:noFill/>
+          </a:ln>
         </p:spPr>
         <p:txBody>
-          <a:bodyPr spcFirstLastPara="1" wrap="square" lIns="91425" tIns="91425" rIns="91425" bIns="91425" anchor="ctr" anchorCtr="0">
+          <a:bodyPr anchorCtr="0" anchor="ctr" bIns="91425" lIns="91425" spcFirstLastPara="1" rIns="91425" wrap="square" tIns="91425">
             <a:noAutofit/>
           </a:bodyPr>
           <a:lstStyle>
-            <a:lvl1pPr lvl="0">
-              <a:buNone/>
-              <a:defRPr/>
+            <a:lvl1pPr indent="0" lvl="0" marL="0" marR="0" algn="r">
+              <a:lnSpc>
+                <a:spcPct val="100000"/>
+              </a:lnSpc>
+              <a:spcBef>
+                <a:spcPts val="0"/>
+              </a:spcBef>
+              <a:spcAft>
+                <a:spcPts val="0"/>
+              </a:spcAft>
+              <a:buClr>
+                <a:srgbClr val="000000"/>
+              </a:buClr>
+              <a:buSzPts val="1000"/>
+              <a:buFont typeface="Arial"/>
+              <a:buNone/>
+              <a:defRPr b="0" i="0" sz="1000" u="none" cap="none" strike="noStrike">
+                <a:solidFill>
+                  <a:schemeClr val="dk2"/>
+                </a:solidFill>
+                <a:latin typeface="Arial"/>
+                <a:ea typeface="Arial"/>
+                <a:cs typeface="Arial"/>
+                <a:sym typeface="Arial"/>
+              </a:defRPr>
             </a:lvl1pPr>
-            <a:lvl2pPr lvl="1">
-              <a:buNone/>
-              <a:defRPr/>
+            <a:lvl2pPr indent="0" lvl="1" marL="0" marR="0" algn="r">
+              <a:lnSpc>
+                <a:spcPct val="100000"/>
+              </a:lnSpc>
+              <a:spcBef>
+                <a:spcPts val="0"/>
+              </a:spcBef>
+              <a:spcAft>
+                <a:spcPts val="0"/>
+              </a:spcAft>
+              <a:buClr>
+                <a:srgbClr val="000000"/>
+              </a:buClr>
+              <a:buSzPts val="1000"/>
+              <a:buFont typeface="Arial"/>
+              <a:buNone/>
+              <a:defRPr b="0" i="0" sz="1000" u="none" cap="none" strike="noStrike">
+                <a:solidFill>
+                  <a:schemeClr val="dk2"/>
+                </a:solidFill>
+                <a:latin typeface="Arial"/>
+                <a:ea typeface="Arial"/>
+                <a:cs typeface="Arial"/>
+                <a:sym typeface="Arial"/>
+              </a:defRPr>
             </a:lvl2pPr>
-            <a:lvl3pPr lvl="2">
-              <a:buNone/>
-              <a:defRPr/>
+            <a:lvl3pPr indent="0" lvl="2" marL="0" marR="0" algn="r">
+              <a:lnSpc>
+                <a:spcPct val="100000"/>
+              </a:lnSpc>
+              <a:spcBef>
+                <a:spcPts val="0"/>
+              </a:spcBef>
+              <a:spcAft>
+                <a:spcPts val="0"/>
+              </a:spcAft>
+              <a:buClr>
+                <a:srgbClr val="000000"/>
+              </a:buClr>
+              <a:buSzPts val="1000"/>
+              <a:buFont typeface="Arial"/>
+              <a:buNone/>
+              <a:defRPr b="0" i="0" sz="1000" u="none" cap="none" strike="noStrike">
+                <a:solidFill>
+                  <a:schemeClr val="dk2"/>
+                </a:solidFill>
+                <a:latin typeface="Arial"/>
+                <a:ea typeface="Arial"/>
+                <a:cs typeface="Arial"/>
+                <a:sym typeface="Arial"/>
+              </a:defRPr>
             </a:lvl3pPr>
-            <a:lvl4pPr lvl="3">
-              <a:buNone/>
-              <a:defRPr/>
+            <a:lvl4pPr indent="0" lvl="3" marL="0" marR="0" algn="r">
+              <a:lnSpc>
+                <a:spcPct val="100000"/>
+              </a:lnSpc>
+              <a:spcBef>
+                <a:spcPts val="0"/>
+              </a:spcBef>
+              <a:spcAft>
+                <a:spcPts val="0"/>
+              </a:spcAft>
+              <a:buClr>
+                <a:srgbClr val="000000"/>
+              </a:buClr>
+              <a:buSzPts val="1000"/>
+              <a:buFont typeface="Arial"/>
+              <a:buNone/>
+              <a:defRPr b="0" i="0" sz="1000" u="none" cap="none" strike="noStrike">
+                <a:solidFill>
+                  <a:schemeClr val="dk2"/>
+                </a:solidFill>
+                <a:latin typeface="Arial"/>
+                <a:ea typeface="Arial"/>
+                <a:cs typeface="Arial"/>
+                <a:sym typeface="Arial"/>
+              </a:defRPr>
             </a:lvl4pPr>
-            <a:lvl5pPr lvl="4">
-              <a:buNone/>
-              <a:defRPr/>
+            <a:lvl5pPr indent="0" lvl="4" marL="0" marR="0" algn="r">
+              <a:lnSpc>
+                <a:spcPct val="100000"/>
+              </a:lnSpc>
+              <a:spcBef>
+                <a:spcPts val="0"/>
+              </a:spcBef>
+              <a:spcAft>
+                <a:spcPts val="0"/>
+              </a:spcAft>
+              <a:buClr>
+                <a:srgbClr val="000000"/>
+              </a:buClr>
+              <a:buSzPts val="1000"/>
+              <a:buFont typeface="Arial"/>
+              <a:buNone/>
+              <a:defRPr b="0" i="0" sz="1000" u="none" cap="none" strike="noStrike">
+                <a:solidFill>
+                  <a:schemeClr val="dk2"/>
+                </a:solidFill>
+                <a:latin typeface="Arial"/>
+                <a:ea typeface="Arial"/>
+                <a:cs typeface="Arial"/>
+                <a:sym typeface="Arial"/>
+              </a:defRPr>
             </a:lvl5pPr>
-            <a:lvl6pPr lvl="5">
-              <a:buNone/>
-              <a:defRPr/>
+            <a:lvl6pPr indent="0" lvl="5" marL="0" marR="0" algn="r">
+              <a:lnSpc>
+                <a:spcPct val="100000"/>
+              </a:lnSpc>
+              <a:spcBef>
+                <a:spcPts val="0"/>
+              </a:spcBef>
+              <a:spcAft>
+                <a:spcPts val="0"/>
+              </a:spcAft>
+              <a:buClr>
+                <a:srgbClr val="000000"/>
+              </a:buClr>
+              <a:buSzPts val="1000"/>
+              <a:buFont typeface="Arial"/>
+              <a:buNone/>
+              <a:defRPr b="0" i="0" sz="1000" u="none" cap="none" strike="noStrike">
+                <a:solidFill>
+                  <a:schemeClr val="dk2"/>
+                </a:solidFill>
+                <a:latin typeface="Arial"/>
+                <a:ea typeface="Arial"/>
+                <a:cs typeface="Arial"/>
+                <a:sym typeface="Arial"/>
+              </a:defRPr>
             </a:lvl6pPr>
-            <a:lvl7pPr lvl="6">
-              <a:buNone/>
-              <a:defRPr/>
+            <a:lvl7pPr indent="0" lvl="6" marL="0" marR="0" algn="r">
+              <a:lnSpc>
+                <a:spcPct val="100000"/>
+              </a:lnSpc>
+              <a:spcBef>
+                <a:spcPts val="0"/>
+              </a:spcBef>
+              <a:spcAft>
+                <a:spcPts val="0"/>
+              </a:spcAft>
+              <a:buClr>
+                <a:srgbClr val="000000"/>
+              </a:buClr>
+              <a:buSzPts val="1000"/>
+              <a:buFont typeface="Arial"/>
+              <a:buNone/>
+              <a:defRPr b="0" i="0" sz="1000" u="none" cap="none" strike="noStrike">
+                <a:solidFill>
+                  <a:schemeClr val="dk2"/>
+                </a:solidFill>
+                <a:latin typeface="Arial"/>
+                <a:ea typeface="Arial"/>
+                <a:cs typeface="Arial"/>
+                <a:sym typeface="Arial"/>
+              </a:defRPr>
             </a:lvl7pPr>
-            <a:lvl8pPr lvl="7">
-              <a:buNone/>
-              <a:defRPr/>
+            <a:lvl8pPr indent="0" lvl="7" marL="0" marR="0" algn="r">
+              <a:lnSpc>
+                <a:spcPct val="100000"/>
+              </a:lnSpc>
+              <a:spcBef>
+                <a:spcPts val="0"/>
+              </a:spcBef>
+              <a:spcAft>
+                <a:spcPts val="0"/>
+              </a:spcAft>
+              <a:buClr>
+                <a:srgbClr val="000000"/>
+              </a:buClr>
+              <a:buSzPts val="1000"/>
+              <a:buFont typeface="Arial"/>
+              <a:buNone/>
+              <a:defRPr b="0" i="0" sz="1000" u="none" cap="none" strike="noStrike">
+                <a:solidFill>
+                  <a:schemeClr val="dk2"/>
+                </a:solidFill>
+                <a:latin typeface="Arial"/>
+                <a:ea typeface="Arial"/>
+                <a:cs typeface="Arial"/>
+                <a:sym typeface="Arial"/>
+              </a:defRPr>
             </a:lvl8pPr>
-            <a:lvl9pPr lvl="8">
-              <a:buNone/>
-              <a:defRPr/>
+            <a:lvl9pPr indent="0" lvl="8" marL="0" marR="0" algn="r">
+              <a:lnSpc>
+                <a:spcPct val="100000"/>
+              </a:lnSpc>
+              <a:spcBef>
+                <a:spcPts val="0"/>
+              </a:spcBef>
+              <a:spcAft>
+                <a:spcPts val="0"/>
+              </a:spcAft>
+              <a:buClr>
+                <a:srgbClr val="000000"/>
+              </a:buClr>
+              <a:buSzPts val="1000"/>
+              <a:buFont typeface="Arial"/>
+              <a:buNone/>
+              <a:defRPr b="0" i="0" sz="1000" u="none" cap="none" strike="noStrike">
+                <a:solidFill>
+                  <a:schemeClr val="dk2"/>
+                </a:solidFill>
+                <a:latin typeface="Arial"/>
+                <a:ea typeface="Arial"/>
+                <a:cs typeface="Arial"/>
+                <a:sym typeface="Arial"/>
+              </a:defRPr>
             </a:lvl9pPr>
           </a:lstStyle>
           <a:p>
-            <a:pPr marL="0" lvl="0" indent="0" algn="r" rtl="0">
+            <a:pPr indent="0" lvl="0" marL="0" rtl="0" algn="r">
               <a:spcBef>
                 <a:spcPts val="0"/>
               </a:spcBef>
@@ -1886,7 +3133,7 @@
               <a:buNone/>
             </a:pPr>
             <a:fld id="{00000000-1234-1234-1234-123412341234}" type="slidenum">
-              <a:rPr lang="en"/>
+              <a:rPr lang="nl-NL"/>
               <a:t>‹#›</a:t>
             </a:fld>
             <a:endParaRPr/>
@@ -1902,11 +3149,11 @@
 </file>
 
 <file path=ppt/slideLayouts/slideLayout3.xml><?xml version="1.0" encoding="utf-8"?>
-<p:sldLayout xmlns:a="http://schemas.openxmlformats.org/drawingml/2006/main" xmlns:r="http://schemas.openxmlformats.org/officeDocument/2006/relationships" xmlns:p="http://schemas.openxmlformats.org/presentationml/2006/main" matchingName="Title and body" type="tx">
+<p:sldLayout xmlns:a="http://schemas.openxmlformats.org/drawingml/2006/main" xmlns:r="http://schemas.openxmlformats.org/officeDocument/2006/relationships" xmlns:mc="http://schemas.openxmlformats.org/markup-compatibility/2006" xmlns:mv="urn:schemas-microsoft-com:mac:vml" xmlns:p="http://schemas.openxmlformats.org/presentationml/2006/main" xmlns:c="http://schemas.openxmlformats.org/drawingml/2006/chart" xmlns:dgm="http://schemas.openxmlformats.org/drawingml/2006/diagram" xmlns:o="urn:schemas-microsoft-com:office:office" xmlns:v="urn:schemas-microsoft-com:vml" xmlns:pvml="urn:schemas-microsoft-com:office:powerpoint" xmlns:com="http://schemas.openxmlformats.org/drawingml/2006/compatibility" xmlns:p14="http://schemas.microsoft.com/office/powerpoint/2010/main" xmlns:p15="http://schemas.microsoft.com/office/powerpoint/2012/main" matchingName="Title and body" type="tx">
   <p:cSld name="TITLE_AND_BODY">
     <p:spTree>
       <p:nvGrpSpPr>
-        <p:cNvPr id="1" name="Shape 16"/>
+        <p:cNvPr id="16" name="Shape 16"/>
         <p:cNvGrpSpPr/>
         <p:nvPr/>
       </p:nvGrpSpPr>
@@ -1920,10 +3167,8 @@
       </p:grpSpPr>
       <p:sp>
         <p:nvSpPr>
-          <p:cNvPr id="17" name="Google Shape;17;p4"/>
-          <p:cNvSpPr txBox="1">
-            <a:spLocks noGrp="1"/>
-          </p:cNvSpPr>
+          <p:cNvPr id="17" name="Google Shape;17;p6"/>
+          <p:cNvSpPr txBox="1"/>
           <p:nvPr>
             <p:ph type="title"/>
           </p:nvPr>
@@ -1936,13 +3181,20 @@
           <a:prstGeom prst="rect">
             <a:avLst/>
           </a:prstGeom>
+          <a:noFill/>
+          <a:ln>
+            <a:noFill/>
+          </a:ln>
         </p:spPr>
         <p:txBody>
-          <a:bodyPr spcFirstLastPara="1" wrap="square" lIns="91425" tIns="91425" rIns="91425" bIns="91425" anchor="t" anchorCtr="0">
+          <a:bodyPr anchorCtr="0" anchor="t" bIns="91425" lIns="91425" spcFirstLastPara="1" rIns="91425" wrap="square" tIns="91425">
             <a:noAutofit/>
           </a:bodyPr>
           <a:lstStyle>
-            <a:lvl1pPr lvl="0">
+            <a:lvl1pPr lvl="0" algn="l">
+              <a:lnSpc>
+                <a:spcPct val="100000"/>
+              </a:lnSpc>
               <a:spcBef>
                 <a:spcPts val="0"/>
               </a:spcBef>
@@ -1953,7 +3205,10 @@
               <a:buNone/>
               <a:defRPr/>
             </a:lvl1pPr>
-            <a:lvl2pPr lvl="1">
+            <a:lvl2pPr lvl="1" algn="l">
+              <a:lnSpc>
+                <a:spcPct val="100000"/>
+              </a:lnSpc>
               <a:spcBef>
                 <a:spcPts val="0"/>
               </a:spcBef>
@@ -1964,7 +3219,10 @@
               <a:buNone/>
               <a:defRPr/>
             </a:lvl2pPr>
-            <a:lvl3pPr lvl="2">
+            <a:lvl3pPr lvl="2" algn="l">
+              <a:lnSpc>
+                <a:spcPct val="100000"/>
+              </a:lnSpc>
               <a:spcBef>
                 <a:spcPts val="0"/>
               </a:spcBef>
@@ -1975,7 +3233,10 @@
               <a:buNone/>
               <a:defRPr/>
             </a:lvl3pPr>
-            <a:lvl4pPr lvl="3">
+            <a:lvl4pPr lvl="3" algn="l">
+              <a:lnSpc>
+                <a:spcPct val="100000"/>
+              </a:lnSpc>
               <a:spcBef>
                 <a:spcPts val="0"/>
               </a:spcBef>
@@ -1986,7 +3247,10 @@
               <a:buNone/>
               <a:defRPr/>
             </a:lvl4pPr>
-            <a:lvl5pPr lvl="4">
+            <a:lvl5pPr lvl="4" algn="l">
+              <a:lnSpc>
+                <a:spcPct val="100000"/>
+              </a:lnSpc>
               <a:spcBef>
                 <a:spcPts val="0"/>
               </a:spcBef>
@@ -1997,7 +3261,10 @@
               <a:buNone/>
               <a:defRPr/>
             </a:lvl5pPr>
-            <a:lvl6pPr lvl="5">
+            <a:lvl6pPr lvl="5" algn="l">
+              <a:lnSpc>
+                <a:spcPct val="100000"/>
+              </a:lnSpc>
               <a:spcBef>
                 <a:spcPts val="0"/>
               </a:spcBef>
@@ -2008,7 +3275,10 @@
               <a:buNone/>
               <a:defRPr/>
             </a:lvl6pPr>
-            <a:lvl7pPr lvl="6">
+            <a:lvl7pPr lvl="6" algn="l">
+              <a:lnSpc>
+                <a:spcPct val="100000"/>
+              </a:lnSpc>
               <a:spcBef>
                 <a:spcPts val="0"/>
               </a:spcBef>
@@ -2019,7 +3289,10 @@
               <a:buNone/>
               <a:defRPr/>
             </a:lvl7pPr>
-            <a:lvl8pPr lvl="7">
+            <a:lvl8pPr lvl="7" algn="l">
+              <a:lnSpc>
+                <a:spcPct val="100000"/>
+              </a:lnSpc>
               <a:spcBef>
                 <a:spcPts val="0"/>
               </a:spcBef>
@@ -2030,7 +3303,10 @@
               <a:buNone/>
               <a:defRPr/>
             </a:lvl8pPr>
-            <a:lvl9pPr lvl="8">
+            <a:lvl9pPr lvl="8" algn="l">
+              <a:lnSpc>
+                <a:spcPct val="100000"/>
+              </a:lnSpc>
               <a:spcBef>
                 <a:spcPts val="0"/>
               </a:spcBef>
@@ -2042,19 +3318,15 @@
               <a:defRPr/>
             </a:lvl9pPr>
           </a:lstStyle>
-          <a:p>
-            <a:endParaRPr/>
-          </a:p>
+          <a:p/>
         </p:txBody>
       </p:sp>
       <p:sp>
         <p:nvSpPr>
-          <p:cNvPr id="18" name="Google Shape;18;p4"/>
-          <p:cNvSpPr txBox="1">
-            <a:spLocks noGrp="1"/>
-          </p:cNvSpPr>
+          <p:cNvPr id="18" name="Google Shape;18;p6"/>
+          <p:cNvSpPr txBox="1"/>
           <p:nvPr>
-            <p:ph type="body" idx="1"/>
+            <p:ph idx="1" type="body"/>
           </p:nvPr>
         </p:nvSpPr>
         <p:spPr>
@@ -2065,13 +3337,20 @@
           <a:prstGeom prst="rect">
             <a:avLst/>
           </a:prstGeom>
+          <a:noFill/>
+          <a:ln>
+            <a:noFill/>
+          </a:ln>
         </p:spPr>
         <p:txBody>
-          <a:bodyPr spcFirstLastPara="1" wrap="square" lIns="91425" tIns="91425" rIns="91425" bIns="91425" anchor="t" anchorCtr="0">
+          <a:bodyPr anchorCtr="0" anchor="t" bIns="91425" lIns="91425" spcFirstLastPara="1" rIns="91425" wrap="square" tIns="91425">
             <a:noAutofit/>
           </a:bodyPr>
           <a:lstStyle>
-            <a:lvl1pPr marL="457200" lvl="0" indent="-342900">
+            <a:lvl1pPr indent="-342900" lvl="0" marL="457200" algn="l">
+              <a:lnSpc>
+                <a:spcPct val="115000"/>
+              </a:lnSpc>
               <a:spcBef>
                 <a:spcPts val="0"/>
               </a:spcBef>
@@ -2082,7 +3361,10 @@
               <a:buChar char="●"/>
               <a:defRPr/>
             </a:lvl1pPr>
-            <a:lvl2pPr marL="914400" lvl="1" indent="-317500">
+            <a:lvl2pPr indent="-317500" lvl="1" marL="914400" algn="l">
+              <a:lnSpc>
+                <a:spcPct val="115000"/>
+              </a:lnSpc>
               <a:spcBef>
                 <a:spcPts val="1600"/>
               </a:spcBef>
@@ -2093,7 +3375,10 @@
               <a:buChar char="○"/>
               <a:defRPr/>
             </a:lvl2pPr>
-            <a:lvl3pPr marL="1371600" lvl="2" indent="-317500">
+            <a:lvl3pPr indent="-317500" lvl="2" marL="1371600" algn="l">
+              <a:lnSpc>
+                <a:spcPct val="115000"/>
+              </a:lnSpc>
               <a:spcBef>
                 <a:spcPts val="1600"/>
               </a:spcBef>
@@ -2104,7 +3389,10 @@
               <a:buChar char="■"/>
               <a:defRPr/>
             </a:lvl3pPr>
-            <a:lvl4pPr marL="1828800" lvl="3" indent="-317500">
+            <a:lvl4pPr indent="-317500" lvl="3" marL="1828800" algn="l">
+              <a:lnSpc>
+                <a:spcPct val="115000"/>
+              </a:lnSpc>
               <a:spcBef>
                 <a:spcPts val="1600"/>
               </a:spcBef>
@@ -2115,7 +3403,10 @@
               <a:buChar char="●"/>
               <a:defRPr/>
             </a:lvl4pPr>
-            <a:lvl5pPr marL="2286000" lvl="4" indent="-317500">
+            <a:lvl5pPr indent="-317500" lvl="4" marL="2286000" algn="l">
+              <a:lnSpc>
+                <a:spcPct val="115000"/>
+              </a:lnSpc>
               <a:spcBef>
                 <a:spcPts val="1600"/>
               </a:spcBef>
@@ -2126,7 +3417,10 @@
               <a:buChar char="○"/>
               <a:defRPr/>
             </a:lvl5pPr>
-            <a:lvl6pPr marL="2743200" lvl="5" indent="-317500">
+            <a:lvl6pPr indent="-317500" lvl="5" marL="2743200" algn="l">
+              <a:lnSpc>
+                <a:spcPct val="115000"/>
+              </a:lnSpc>
               <a:spcBef>
                 <a:spcPts val="1600"/>
               </a:spcBef>
@@ -2137,7 +3431,10 @@
               <a:buChar char="■"/>
               <a:defRPr/>
             </a:lvl6pPr>
-            <a:lvl7pPr marL="3200400" lvl="6" indent="-317500">
+            <a:lvl7pPr indent="-317500" lvl="6" marL="3200400" algn="l">
+              <a:lnSpc>
+                <a:spcPct val="115000"/>
+              </a:lnSpc>
               <a:spcBef>
                 <a:spcPts val="1600"/>
               </a:spcBef>
@@ -2148,7 +3445,10 @@
               <a:buChar char="●"/>
               <a:defRPr/>
             </a:lvl7pPr>
-            <a:lvl8pPr marL="3657600" lvl="7" indent="-317500">
+            <a:lvl8pPr indent="-317500" lvl="7" marL="3657600" algn="l">
+              <a:lnSpc>
+                <a:spcPct val="115000"/>
+              </a:lnSpc>
               <a:spcBef>
                 <a:spcPts val="1600"/>
               </a:spcBef>
@@ -2159,7 +3459,10 @@
               <a:buChar char="○"/>
               <a:defRPr/>
             </a:lvl8pPr>
-            <a:lvl9pPr marL="4114800" lvl="8" indent="-317500">
+            <a:lvl9pPr indent="-317500" lvl="8" marL="4114800" algn="l">
+              <a:lnSpc>
+                <a:spcPct val="115000"/>
+              </a:lnSpc>
               <a:spcBef>
                 <a:spcPts val="1600"/>
               </a:spcBef>
@@ -2171,19 +3474,15 @@
               <a:defRPr/>
             </a:lvl9pPr>
           </a:lstStyle>
-          <a:p>
-            <a:endParaRPr/>
-          </a:p>
+          <a:p/>
         </p:txBody>
       </p:sp>
       <p:sp>
         <p:nvSpPr>
-          <p:cNvPr id="19" name="Google Shape;19;p4"/>
-          <p:cNvSpPr txBox="1">
-            <a:spLocks noGrp="1"/>
-          </p:cNvSpPr>
+          <p:cNvPr id="19" name="Google Shape;19;p6"/>
+          <p:cNvSpPr txBox="1"/>
           <p:nvPr>
-            <p:ph type="sldNum" idx="12"/>
+            <p:ph idx="12" type="sldNum"/>
           </p:nvPr>
         </p:nvSpPr>
         <p:spPr>
@@ -2194,51 +3493,253 @@
           <a:prstGeom prst="rect">
             <a:avLst/>
           </a:prstGeom>
+          <a:noFill/>
+          <a:ln>
+            <a:noFill/>
+          </a:ln>
         </p:spPr>
         <p:txBody>
-          <a:bodyPr spcFirstLastPara="1" wrap="square" lIns="91425" tIns="91425" rIns="91425" bIns="91425" anchor="ctr" anchorCtr="0">
+          <a:bodyPr anchorCtr="0" anchor="ctr" bIns="91425" lIns="91425" spcFirstLastPara="1" rIns="91425" wrap="square" tIns="91425">
             <a:noAutofit/>
           </a:bodyPr>
           <a:lstStyle>
-            <a:lvl1pPr lvl="0">
-              <a:buNone/>
-              <a:defRPr/>
+            <a:lvl1pPr indent="0" lvl="0" marL="0" marR="0" algn="r">
+              <a:lnSpc>
+                <a:spcPct val="100000"/>
+              </a:lnSpc>
+              <a:spcBef>
+                <a:spcPts val="0"/>
+              </a:spcBef>
+              <a:spcAft>
+                <a:spcPts val="0"/>
+              </a:spcAft>
+              <a:buClr>
+                <a:srgbClr val="000000"/>
+              </a:buClr>
+              <a:buSzPts val="1000"/>
+              <a:buFont typeface="Arial"/>
+              <a:buNone/>
+              <a:defRPr b="0" i="0" sz="1000" u="none" cap="none" strike="noStrike">
+                <a:solidFill>
+                  <a:schemeClr val="dk2"/>
+                </a:solidFill>
+                <a:latin typeface="Arial"/>
+                <a:ea typeface="Arial"/>
+                <a:cs typeface="Arial"/>
+                <a:sym typeface="Arial"/>
+              </a:defRPr>
             </a:lvl1pPr>
-            <a:lvl2pPr lvl="1">
-              <a:buNone/>
-              <a:defRPr/>
+            <a:lvl2pPr indent="0" lvl="1" marL="0" marR="0" algn="r">
+              <a:lnSpc>
+                <a:spcPct val="100000"/>
+              </a:lnSpc>
+              <a:spcBef>
+                <a:spcPts val="0"/>
+              </a:spcBef>
+              <a:spcAft>
+                <a:spcPts val="0"/>
+              </a:spcAft>
+              <a:buClr>
+                <a:srgbClr val="000000"/>
+              </a:buClr>
+              <a:buSzPts val="1000"/>
+              <a:buFont typeface="Arial"/>
+              <a:buNone/>
+              <a:defRPr b="0" i="0" sz="1000" u="none" cap="none" strike="noStrike">
+                <a:solidFill>
+                  <a:schemeClr val="dk2"/>
+                </a:solidFill>
+                <a:latin typeface="Arial"/>
+                <a:ea typeface="Arial"/>
+                <a:cs typeface="Arial"/>
+                <a:sym typeface="Arial"/>
+              </a:defRPr>
             </a:lvl2pPr>
-            <a:lvl3pPr lvl="2">
-              <a:buNone/>
-              <a:defRPr/>
+            <a:lvl3pPr indent="0" lvl="2" marL="0" marR="0" algn="r">
+              <a:lnSpc>
+                <a:spcPct val="100000"/>
+              </a:lnSpc>
+              <a:spcBef>
+                <a:spcPts val="0"/>
+              </a:spcBef>
+              <a:spcAft>
+                <a:spcPts val="0"/>
+              </a:spcAft>
+              <a:buClr>
+                <a:srgbClr val="000000"/>
+              </a:buClr>
+              <a:buSzPts val="1000"/>
+              <a:buFont typeface="Arial"/>
+              <a:buNone/>
+              <a:defRPr b="0" i="0" sz="1000" u="none" cap="none" strike="noStrike">
+                <a:solidFill>
+                  <a:schemeClr val="dk2"/>
+                </a:solidFill>
+                <a:latin typeface="Arial"/>
+                <a:ea typeface="Arial"/>
+                <a:cs typeface="Arial"/>
+                <a:sym typeface="Arial"/>
+              </a:defRPr>
             </a:lvl3pPr>
-            <a:lvl4pPr lvl="3">
-              <a:buNone/>
-              <a:defRPr/>
+            <a:lvl4pPr indent="0" lvl="3" marL="0" marR="0" algn="r">
+              <a:lnSpc>
+                <a:spcPct val="100000"/>
+              </a:lnSpc>
+              <a:spcBef>
+                <a:spcPts val="0"/>
+              </a:spcBef>
+              <a:spcAft>
+                <a:spcPts val="0"/>
+              </a:spcAft>
+              <a:buClr>
+                <a:srgbClr val="000000"/>
+              </a:buClr>
+              <a:buSzPts val="1000"/>
+              <a:buFont typeface="Arial"/>
+              <a:buNone/>
+              <a:defRPr b="0" i="0" sz="1000" u="none" cap="none" strike="noStrike">
+                <a:solidFill>
+                  <a:schemeClr val="dk2"/>
+                </a:solidFill>
+                <a:latin typeface="Arial"/>
+                <a:ea typeface="Arial"/>
+                <a:cs typeface="Arial"/>
+                <a:sym typeface="Arial"/>
+              </a:defRPr>
             </a:lvl4pPr>
-            <a:lvl5pPr lvl="4">
-              <a:buNone/>
-              <a:defRPr/>
+            <a:lvl5pPr indent="0" lvl="4" marL="0" marR="0" algn="r">
+              <a:lnSpc>
+                <a:spcPct val="100000"/>
+              </a:lnSpc>
+              <a:spcBef>
+                <a:spcPts val="0"/>
+              </a:spcBef>
+              <a:spcAft>
+                <a:spcPts val="0"/>
+              </a:spcAft>
+              <a:buClr>
+                <a:srgbClr val="000000"/>
+              </a:buClr>
+              <a:buSzPts val="1000"/>
+              <a:buFont typeface="Arial"/>
+              <a:buNone/>
+              <a:defRPr b="0" i="0" sz="1000" u="none" cap="none" strike="noStrike">
+                <a:solidFill>
+                  <a:schemeClr val="dk2"/>
+                </a:solidFill>
+                <a:latin typeface="Arial"/>
+                <a:ea typeface="Arial"/>
+                <a:cs typeface="Arial"/>
+                <a:sym typeface="Arial"/>
+              </a:defRPr>
             </a:lvl5pPr>
-            <a:lvl6pPr lvl="5">
-              <a:buNone/>
-              <a:defRPr/>
+            <a:lvl6pPr indent="0" lvl="5" marL="0" marR="0" algn="r">
+              <a:lnSpc>
+                <a:spcPct val="100000"/>
+              </a:lnSpc>
+              <a:spcBef>
+                <a:spcPts val="0"/>
+              </a:spcBef>
+              <a:spcAft>
+                <a:spcPts val="0"/>
+              </a:spcAft>
+              <a:buClr>
+                <a:srgbClr val="000000"/>
+              </a:buClr>
+              <a:buSzPts val="1000"/>
+              <a:buFont typeface="Arial"/>
+              <a:buNone/>
+              <a:defRPr b="0" i="0" sz="1000" u="none" cap="none" strike="noStrike">
+                <a:solidFill>
+                  <a:schemeClr val="dk2"/>
+                </a:solidFill>
+                <a:latin typeface="Arial"/>
+                <a:ea typeface="Arial"/>
+                <a:cs typeface="Arial"/>
+                <a:sym typeface="Arial"/>
+              </a:defRPr>
             </a:lvl6pPr>
-            <a:lvl7pPr lvl="6">
-              <a:buNone/>
-              <a:defRPr/>
+            <a:lvl7pPr indent="0" lvl="6" marL="0" marR="0" algn="r">
+              <a:lnSpc>
+                <a:spcPct val="100000"/>
+              </a:lnSpc>
+              <a:spcBef>
+                <a:spcPts val="0"/>
+              </a:spcBef>
+              <a:spcAft>
+                <a:spcPts val="0"/>
+              </a:spcAft>
+              <a:buClr>
+                <a:srgbClr val="000000"/>
+              </a:buClr>
+              <a:buSzPts val="1000"/>
+              <a:buFont typeface="Arial"/>
+              <a:buNone/>
+              <a:defRPr b="0" i="0" sz="1000" u="none" cap="none" strike="noStrike">
+                <a:solidFill>
+                  <a:schemeClr val="dk2"/>
+                </a:solidFill>
+                <a:latin typeface="Arial"/>
+                <a:ea typeface="Arial"/>
+                <a:cs typeface="Arial"/>
+                <a:sym typeface="Arial"/>
+              </a:defRPr>
             </a:lvl7pPr>
-            <a:lvl8pPr lvl="7">
-              <a:buNone/>
-              <a:defRPr/>
+            <a:lvl8pPr indent="0" lvl="7" marL="0" marR="0" algn="r">
+              <a:lnSpc>
+                <a:spcPct val="100000"/>
+              </a:lnSpc>
+              <a:spcBef>
+                <a:spcPts val="0"/>
+              </a:spcBef>
+              <a:spcAft>
+                <a:spcPts val="0"/>
+              </a:spcAft>
+              <a:buClr>
+                <a:srgbClr val="000000"/>
+              </a:buClr>
+              <a:buSzPts val="1000"/>
+              <a:buFont typeface="Arial"/>
+              <a:buNone/>
+              <a:defRPr b="0" i="0" sz="1000" u="none" cap="none" strike="noStrike">
+                <a:solidFill>
+                  <a:schemeClr val="dk2"/>
+                </a:solidFill>
+                <a:latin typeface="Arial"/>
+                <a:ea typeface="Arial"/>
+                <a:cs typeface="Arial"/>
+                <a:sym typeface="Arial"/>
+              </a:defRPr>
             </a:lvl8pPr>
-            <a:lvl9pPr lvl="8">
-              <a:buNone/>
-              <a:defRPr/>
+            <a:lvl9pPr indent="0" lvl="8" marL="0" marR="0" algn="r">
+              <a:lnSpc>
+                <a:spcPct val="100000"/>
+              </a:lnSpc>
+              <a:spcBef>
+                <a:spcPts val="0"/>
+              </a:spcBef>
+              <a:spcAft>
+                <a:spcPts val="0"/>
+              </a:spcAft>
+              <a:buClr>
+                <a:srgbClr val="000000"/>
+              </a:buClr>
+              <a:buSzPts val="1000"/>
+              <a:buFont typeface="Arial"/>
+              <a:buNone/>
+              <a:defRPr b="0" i="0" sz="1000" u="none" cap="none" strike="noStrike">
+                <a:solidFill>
+                  <a:schemeClr val="dk2"/>
+                </a:solidFill>
+                <a:latin typeface="Arial"/>
+                <a:ea typeface="Arial"/>
+                <a:cs typeface="Arial"/>
+                <a:sym typeface="Arial"/>
+              </a:defRPr>
             </a:lvl9pPr>
           </a:lstStyle>
           <a:p>
-            <a:pPr marL="0" lvl="0" indent="0" algn="r" rtl="0">
+            <a:pPr indent="0" lvl="0" marL="0" rtl="0" algn="r">
               <a:spcBef>
                 <a:spcPts val="0"/>
               </a:spcBef>
@@ -2248,7 +3749,7 @@
               <a:buNone/>
             </a:pPr>
             <a:fld id="{00000000-1234-1234-1234-123412341234}" type="slidenum">
-              <a:rPr lang="en"/>
+              <a:rPr lang="nl-NL"/>
               <a:t>‹#›</a:t>
             </a:fld>
             <a:endParaRPr/>
@@ -2264,11 +3765,11 @@
 </file>
 
 <file path=ppt/slideLayouts/slideLayout4.xml><?xml version="1.0" encoding="utf-8"?>
-<p:sldLayout xmlns:a="http://schemas.openxmlformats.org/drawingml/2006/main" xmlns:r="http://schemas.openxmlformats.org/officeDocument/2006/relationships" xmlns:p="http://schemas.openxmlformats.org/presentationml/2006/main" matchingName="Title and two columns" type="twoColTx">
+<p:sldLayout xmlns:a="http://schemas.openxmlformats.org/drawingml/2006/main" xmlns:r="http://schemas.openxmlformats.org/officeDocument/2006/relationships" xmlns:mc="http://schemas.openxmlformats.org/markup-compatibility/2006" xmlns:mv="urn:schemas-microsoft-com:mac:vml" xmlns:p="http://schemas.openxmlformats.org/presentationml/2006/main" xmlns:c="http://schemas.openxmlformats.org/drawingml/2006/chart" xmlns:dgm="http://schemas.openxmlformats.org/drawingml/2006/diagram" xmlns:o="urn:schemas-microsoft-com:office:office" xmlns:v="urn:schemas-microsoft-com:vml" xmlns:pvml="urn:schemas-microsoft-com:office:powerpoint" xmlns:com="http://schemas.openxmlformats.org/drawingml/2006/compatibility" xmlns:p14="http://schemas.microsoft.com/office/powerpoint/2010/main" xmlns:p15="http://schemas.microsoft.com/office/powerpoint/2012/main" matchingName="Title and two columns" type="twoColTx">
   <p:cSld name="TITLE_AND_TWO_COLUMNS">
     <p:spTree>
       <p:nvGrpSpPr>
-        <p:cNvPr id="1" name="Shape 20"/>
+        <p:cNvPr id="20" name="Shape 20"/>
         <p:cNvGrpSpPr/>
         <p:nvPr/>
       </p:nvGrpSpPr>
@@ -2282,10 +3783,8 @@
       </p:grpSpPr>
       <p:sp>
         <p:nvSpPr>
-          <p:cNvPr id="21" name="Google Shape;21;p5"/>
-          <p:cNvSpPr txBox="1">
-            <a:spLocks noGrp="1"/>
-          </p:cNvSpPr>
+          <p:cNvPr id="21" name="Google Shape;21;p7"/>
+          <p:cNvSpPr txBox="1"/>
           <p:nvPr>
             <p:ph type="title"/>
           </p:nvPr>
@@ -2298,13 +3797,20 @@
           <a:prstGeom prst="rect">
             <a:avLst/>
           </a:prstGeom>
+          <a:noFill/>
+          <a:ln>
+            <a:noFill/>
+          </a:ln>
         </p:spPr>
         <p:txBody>
-          <a:bodyPr spcFirstLastPara="1" wrap="square" lIns="91425" tIns="91425" rIns="91425" bIns="91425" anchor="t" anchorCtr="0">
+          <a:bodyPr anchorCtr="0" anchor="t" bIns="91425" lIns="91425" spcFirstLastPara="1" rIns="91425" wrap="square" tIns="91425">
             <a:noAutofit/>
           </a:bodyPr>
           <a:lstStyle>
-            <a:lvl1pPr lvl="0">
+            <a:lvl1pPr lvl="0" algn="l">
+              <a:lnSpc>
+                <a:spcPct val="100000"/>
+              </a:lnSpc>
               <a:spcBef>
                 <a:spcPts val="0"/>
               </a:spcBef>
@@ -2315,7 +3821,10 @@
               <a:buNone/>
               <a:defRPr/>
             </a:lvl1pPr>
-            <a:lvl2pPr lvl="1">
+            <a:lvl2pPr lvl="1" algn="l">
+              <a:lnSpc>
+                <a:spcPct val="100000"/>
+              </a:lnSpc>
               <a:spcBef>
                 <a:spcPts val="0"/>
               </a:spcBef>
@@ -2326,7 +3835,10 @@
               <a:buNone/>
               <a:defRPr/>
             </a:lvl2pPr>
-            <a:lvl3pPr lvl="2">
+            <a:lvl3pPr lvl="2" algn="l">
+              <a:lnSpc>
+                <a:spcPct val="100000"/>
+              </a:lnSpc>
               <a:spcBef>
                 <a:spcPts val="0"/>
               </a:spcBef>
@@ -2337,7 +3849,10 @@
               <a:buNone/>
               <a:defRPr/>
             </a:lvl3pPr>
-            <a:lvl4pPr lvl="3">
+            <a:lvl4pPr lvl="3" algn="l">
+              <a:lnSpc>
+                <a:spcPct val="100000"/>
+              </a:lnSpc>
               <a:spcBef>
                 <a:spcPts val="0"/>
               </a:spcBef>
@@ -2348,7 +3863,10 @@
               <a:buNone/>
               <a:defRPr/>
             </a:lvl4pPr>
-            <a:lvl5pPr lvl="4">
+            <a:lvl5pPr lvl="4" algn="l">
+              <a:lnSpc>
+                <a:spcPct val="100000"/>
+              </a:lnSpc>
               <a:spcBef>
                 <a:spcPts val="0"/>
               </a:spcBef>
@@ -2359,7 +3877,10 @@
               <a:buNone/>
               <a:defRPr/>
             </a:lvl5pPr>
-            <a:lvl6pPr lvl="5">
+            <a:lvl6pPr lvl="5" algn="l">
+              <a:lnSpc>
+                <a:spcPct val="100000"/>
+              </a:lnSpc>
               <a:spcBef>
                 <a:spcPts val="0"/>
               </a:spcBef>
@@ -2370,7 +3891,10 @@
               <a:buNone/>
               <a:defRPr/>
             </a:lvl6pPr>
-            <a:lvl7pPr lvl="6">
+            <a:lvl7pPr lvl="6" algn="l">
+              <a:lnSpc>
+                <a:spcPct val="100000"/>
+              </a:lnSpc>
               <a:spcBef>
                 <a:spcPts val="0"/>
               </a:spcBef>
@@ -2381,7 +3905,10 @@
               <a:buNone/>
               <a:defRPr/>
             </a:lvl7pPr>
-            <a:lvl8pPr lvl="7">
+            <a:lvl8pPr lvl="7" algn="l">
+              <a:lnSpc>
+                <a:spcPct val="100000"/>
+              </a:lnSpc>
               <a:spcBef>
                 <a:spcPts val="0"/>
               </a:spcBef>
@@ -2392,7 +3919,10 @@
               <a:buNone/>
               <a:defRPr/>
             </a:lvl8pPr>
-            <a:lvl9pPr lvl="8">
+            <a:lvl9pPr lvl="8" algn="l">
+              <a:lnSpc>
+                <a:spcPct val="100000"/>
+              </a:lnSpc>
               <a:spcBef>
                 <a:spcPts val="0"/>
               </a:spcBef>
@@ -2404,19 +3934,15 @@
               <a:defRPr/>
             </a:lvl9pPr>
           </a:lstStyle>
-          <a:p>
-            <a:endParaRPr/>
-          </a:p>
+          <a:p/>
         </p:txBody>
       </p:sp>
       <p:sp>
         <p:nvSpPr>
-          <p:cNvPr id="22" name="Google Shape;22;p5"/>
-          <p:cNvSpPr txBox="1">
-            <a:spLocks noGrp="1"/>
-          </p:cNvSpPr>
+          <p:cNvPr id="22" name="Google Shape;22;p7"/>
+          <p:cNvSpPr txBox="1"/>
           <p:nvPr>
-            <p:ph type="body" idx="1"/>
+            <p:ph idx="1" type="body"/>
           </p:nvPr>
         </p:nvSpPr>
         <p:spPr>
@@ -2427,13 +3953,20 @@
           <a:prstGeom prst="rect">
             <a:avLst/>
           </a:prstGeom>
+          <a:noFill/>
+          <a:ln>
+            <a:noFill/>
+          </a:ln>
         </p:spPr>
         <p:txBody>
-          <a:bodyPr spcFirstLastPara="1" wrap="square" lIns="91425" tIns="91425" rIns="91425" bIns="91425" anchor="t" anchorCtr="0">
+          <a:bodyPr anchorCtr="0" anchor="t" bIns="91425" lIns="91425" spcFirstLastPara="1" rIns="91425" wrap="square" tIns="91425">
             <a:noAutofit/>
           </a:bodyPr>
           <a:lstStyle>
-            <a:lvl1pPr marL="457200" lvl="0" indent="-317500">
+            <a:lvl1pPr indent="-317500" lvl="0" marL="457200" algn="l">
+              <a:lnSpc>
+                <a:spcPct val="115000"/>
+              </a:lnSpc>
               <a:spcBef>
                 <a:spcPts val="0"/>
               </a:spcBef>
@@ -2444,7 +3977,10 @@
               <a:buChar char="●"/>
               <a:defRPr sz="1400"/>
             </a:lvl1pPr>
-            <a:lvl2pPr marL="914400" lvl="1" indent="-304800">
+            <a:lvl2pPr indent="-304800" lvl="1" marL="914400" algn="l">
+              <a:lnSpc>
+                <a:spcPct val="115000"/>
+              </a:lnSpc>
               <a:spcBef>
                 <a:spcPts val="1600"/>
               </a:spcBef>
@@ -2455,7 +3991,10 @@
               <a:buChar char="○"/>
               <a:defRPr sz="1200"/>
             </a:lvl2pPr>
-            <a:lvl3pPr marL="1371600" lvl="2" indent="-304800">
+            <a:lvl3pPr indent="-304800" lvl="2" marL="1371600" algn="l">
+              <a:lnSpc>
+                <a:spcPct val="115000"/>
+              </a:lnSpc>
               <a:spcBef>
                 <a:spcPts val="1600"/>
               </a:spcBef>
@@ -2466,7 +4005,10 @@
               <a:buChar char="■"/>
               <a:defRPr sz="1200"/>
             </a:lvl3pPr>
-            <a:lvl4pPr marL="1828800" lvl="3" indent="-304800">
+            <a:lvl4pPr indent="-304800" lvl="3" marL="1828800" algn="l">
+              <a:lnSpc>
+                <a:spcPct val="115000"/>
+              </a:lnSpc>
               <a:spcBef>
                 <a:spcPts val="1600"/>
               </a:spcBef>
@@ -2477,7 +4019,10 @@
               <a:buChar char="●"/>
               <a:defRPr sz="1200"/>
             </a:lvl4pPr>
-            <a:lvl5pPr marL="2286000" lvl="4" indent="-304800">
+            <a:lvl5pPr indent="-304800" lvl="4" marL="2286000" algn="l">
+              <a:lnSpc>
+                <a:spcPct val="115000"/>
+              </a:lnSpc>
               <a:spcBef>
                 <a:spcPts val="1600"/>
               </a:spcBef>
@@ -2488,7 +4033,10 @@
               <a:buChar char="○"/>
               <a:defRPr sz="1200"/>
             </a:lvl5pPr>
-            <a:lvl6pPr marL="2743200" lvl="5" indent="-304800">
+            <a:lvl6pPr indent="-304800" lvl="5" marL="2743200" algn="l">
+              <a:lnSpc>
+                <a:spcPct val="115000"/>
+              </a:lnSpc>
               <a:spcBef>
                 <a:spcPts val="1600"/>
               </a:spcBef>
@@ -2499,7 +4047,10 @@
               <a:buChar char="■"/>
               <a:defRPr sz="1200"/>
             </a:lvl6pPr>
-            <a:lvl7pPr marL="3200400" lvl="6" indent="-304800">
+            <a:lvl7pPr indent="-304800" lvl="6" marL="3200400" algn="l">
+              <a:lnSpc>
+                <a:spcPct val="115000"/>
+              </a:lnSpc>
               <a:spcBef>
                 <a:spcPts val="1600"/>
               </a:spcBef>
@@ -2510,7 +4061,10 @@
               <a:buChar char="●"/>
               <a:defRPr sz="1200"/>
             </a:lvl7pPr>
-            <a:lvl8pPr marL="3657600" lvl="7" indent="-304800">
+            <a:lvl8pPr indent="-304800" lvl="7" marL="3657600" algn="l">
+              <a:lnSpc>
+                <a:spcPct val="115000"/>
+              </a:lnSpc>
               <a:spcBef>
                 <a:spcPts val="1600"/>
               </a:spcBef>
@@ -2521,7 +4075,10 @@
               <a:buChar char="○"/>
               <a:defRPr sz="1200"/>
             </a:lvl8pPr>
-            <a:lvl9pPr marL="4114800" lvl="8" indent="-304800">
+            <a:lvl9pPr indent="-304800" lvl="8" marL="4114800" algn="l">
+              <a:lnSpc>
+                <a:spcPct val="115000"/>
+              </a:lnSpc>
               <a:spcBef>
                 <a:spcPts val="1600"/>
               </a:spcBef>
@@ -2533,19 +4090,15 @@
               <a:defRPr sz="1200"/>
             </a:lvl9pPr>
           </a:lstStyle>
-          <a:p>
-            <a:endParaRPr/>
-          </a:p>
+          <a:p/>
         </p:txBody>
       </p:sp>
       <p:sp>
         <p:nvSpPr>
-          <p:cNvPr id="23" name="Google Shape;23;p5"/>
-          <p:cNvSpPr txBox="1">
-            <a:spLocks noGrp="1"/>
-          </p:cNvSpPr>
+          <p:cNvPr id="23" name="Google Shape;23;p7"/>
+          <p:cNvSpPr txBox="1"/>
           <p:nvPr>
-            <p:ph type="body" idx="2"/>
+            <p:ph idx="2" type="body"/>
           </p:nvPr>
         </p:nvSpPr>
         <p:spPr>
@@ -2556,13 +4109,20 @@
           <a:prstGeom prst="rect">
             <a:avLst/>
           </a:prstGeom>
+          <a:noFill/>
+          <a:ln>
+            <a:noFill/>
+          </a:ln>
         </p:spPr>
         <p:txBody>
-          <a:bodyPr spcFirstLastPara="1" wrap="square" lIns="91425" tIns="91425" rIns="91425" bIns="91425" anchor="t" anchorCtr="0">
+          <a:bodyPr anchorCtr="0" anchor="t" bIns="91425" lIns="91425" spcFirstLastPara="1" rIns="91425" wrap="square" tIns="91425">
             <a:noAutofit/>
           </a:bodyPr>
           <a:lstStyle>
-            <a:lvl1pPr marL="457200" lvl="0" indent="-317500">
+            <a:lvl1pPr indent="-317500" lvl="0" marL="457200" algn="l">
+              <a:lnSpc>
+                <a:spcPct val="115000"/>
+              </a:lnSpc>
               <a:spcBef>
                 <a:spcPts val="0"/>
               </a:spcBef>
@@ -2573,7 +4133,10 @@
               <a:buChar char="●"/>
               <a:defRPr sz="1400"/>
             </a:lvl1pPr>
-            <a:lvl2pPr marL="914400" lvl="1" indent="-304800">
+            <a:lvl2pPr indent="-304800" lvl="1" marL="914400" algn="l">
+              <a:lnSpc>
+                <a:spcPct val="115000"/>
+              </a:lnSpc>
               <a:spcBef>
                 <a:spcPts val="1600"/>
               </a:spcBef>
@@ -2584,7 +4147,10 @@
               <a:buChar char="○"/>
               <a:defRPr sz="1200"/>
             </a:lvl2pPr>
-            <a:lvl3pPr marL="1371600" lvl="2" indent="-304800">
+            <a:lvl3pPr indent="-304800" lvl="2" marL="1371600" algn="l">
+              <a:lnSpc>
+                <a:spcPct val="115000"/>
+              </a:lnSpc>
               <a:spcBef>
                 <a:spcPts val="1600"/>
               </a:spcBef>
@@ -2595,7 +4161,10 @@
               <a:buChar char="■"/>
               <a:defRPr sz="1200"/>
             </a:lvl3pPr>
-            <a:lvl4pPr marL="1828800" lvl="3" indent="-304800">
+            <a:lvl4pPr indent="-304800" lvl="3" marL="1828800" algn="l">
+              <a:lnSpc>
+                <a:spcPct val="115000"/>
+              </a:lnSpc>
               <a:spcBef>
                 <a:spcPts val="1600"/>
               </a:spcBef>
@@ -2606,7 +4175,10 @@
               <a:buChar char="●"/>
               <a:defRPr sz="1200"/>
             </a:lvl4pPr>
-            <a:lvl5pPr marL="2286000" lvl="4" indent="-304800">
+            <a:lvl5pPr indent="-304800" lvl="4" marL="2286000" algn="l">
+              <a:lnSpc>
+                <a:spcPct val="115000"/>
+              </a:lnSpc>
               <a:spcBef>
                 <a:spcPts val="1600"/>
               </a:spcBef>
@@ -2617,7 +4189,10 @@
               <a:buChar char="○"/>
               <a:defRPr sz="1200"/>
             </a:lvl5pPr>
-            <a:lvl6pPr marL="2743200" lvl="5" indent="-304800">
+            <a:lvl6pPr indent="-304800" lvl="5" marL="2743200" algn="l">
+              <a:lnSpc>
+                <a:spcPct val="115000"/>
+              </a:lnSpc>
               <a:spcBef>
                 <a:spcPts val="1600"/>
               </a:spcBef>
@@ -2628,7 +4203,10 @@
               <a:buChar char="■"/>
               <a:defRPr sz="1200"/>
             </a:lvl6pPr>
-            <a:lvl7pPr marL="3200400" lvl="6" indent="-304800">
+            <a:lvl7pPr indent="-304800" lvl="6" marL="3200400" algn="l">
+              <a:lnSpc>
+                <a:spcPct val="115000"/>
+              </a:lnSpc>
               <a:spcBef>
                 <a:spcPts val="1600"/>
               </a:spcBef>
@@ -2639,7 +4217,10 @@
               <a:buChar char="●"/>
               <a:defRPr sz="1200"/>
             </a:lvl7pPr>
-            <a:lvl8pPr marL="3657600" lvl="7" indent="-304800">
+            <a:lvl8pPr indent="-304800" lvl="7" marL="3657600" algn="l">
+              <a:lnSpc>
+                <a:spcPct val="115000"/>
+              </a:lnSpc>
               <a:spcBef>
                 <a:spcPts val="1600"/>
               </a:spcBef>
@@ -2650,7 +4231,10 @@
               <a:buChar char="○"/>
               <a:defRPr sz="1200"/>
             </a:lvl8pPr>
-            <a:lvl9pPr marL="4114800" lvl="8" indent="-304800">
+            <a:lvl9pPr indent="-304800" lvl="8" marL="4114800" algn="l">
+              <a:lnSpc>
+                <a:spcPct val="115000"/>
+              </a:lnSpc>
               <a:spcBef>
                 <a:spcPts val="1600"/>
               </a:spcBef>
@@ -2662,19 +4246,15 @@
               <a:defRPr sz="1200"/>
             </a:lvl9pPr>
           </a:lstStyle>
-          <a:p>
-            <a:endParaRPr/>
-          </a:p>
+          <a:p/>
         </p:txBody>
       </p:sp>
       <p:sp>
         <p:nvSpPr>
-          <p:cNvPr id="24" name="Google Shape;24;p5"/>
-          <p:cNvSpPr txBox="1">
-            <a:spLocks noGrp="1"/>
-          </p:cNvSpPr>
+          <p:cNvPr id="24" name="Google Shape;24;p7"/>
+          <p:cNvSpPr txBox="1"/>
           <p:nvPr>
-            <p:ph type="sldNum" idx="12"/>
+            <p:ph idx="12" type="sldNum"/>
           </p:nvPr>
         </p:nvSpPr>
         <p:spPr>
@@ -2685,51 +4265,253 @@
           <a:prstGeom prst="rect">
             <a:avLst/>
           </a:prstGeom>
+          <a:noFill/>
+          <a:ln>
+            <a:noFill/>
+          </a:ln>
         </p:spPr>
         <p:txBody>
-          <a:bodyPr spcFirstLastPara="1" wrap="square" lIns="91425" tIns="91425" rIns="91425" bIns="91425" anchor="ctr" anchorCtr="0">
+          <a:bodyPr anchorCtr="0" anchor="ctr" bIns="91425" lIns="91425" spcFirstLastPara="1" rIns="91425" wrap="square" tIns="91425">
             <a:noAutofit/>
           </a:bodyPr>
           <a:lstStyle>
-            <a:lvl1pPr lvl="0">
-              <a:buNone/>
-              <a:defRPr/>
+            <a:lvl1pPr indent="0" lvl="0" marL="0" marR="0" algn="r">
+              <a:lnSpc>
+                <a:spcPct val="100000"/>
+              </a:lnSpc>
+              <a:spcBef>
+                <a:spcPts val="0"/>
+              </a:spcBef>
+              <a:spcAft>
+                <a:spcPts val="0"/>
+              </a:spcAft>
+              <a:buClr>
+                <a:srgbClr val="000000"/>
+              </a:buClr>
+              <a:buSzPts val="1000"/>
+              <a:buFont typeface="Arial"/>
+              <a:buNone/>
+              <a:defRPr b="0" i="0" sz="1000" u="none" cap="none" strike="noStrike">
+                <a:solidFill>
+                  <a:schemeClr val="dk2"/>
+                </a:solidFill>
+                <a:latin typeface="Arial"/>
+                <a:ea typeface="Arial"/>
+                <a:cs typeface="Arial"/>
+                <a:sym typeface="Arial"/>
+              </a:defRPr>
             </a:lvl1pPr>
-            <a:lvl2pPr lvl="1">
-              <a:buNone/>
-              <a:defRPr/>
+            <a:lvl2pPr indent="0" lvl="1" marL="0" marR="0" algn="r">
+              <a:lnSpc>
+                <a:spcPct val="100000"/>
+              </a:lnSpc>
+              <a:spcBef>
+                <a:spcPts val="0"/>
+              </a:spcBef>
+              <a:spcAft>
+                <a:spcPts val="0"/>
+              </a:spcAft>
+              <a:buClr>
+                <a:srgbClr val="000000"/>
+              </a:buClr>
+              <a:buSzPts val="1000"/>
+              <a:buFont typeface="Arial"/>
+              <a:buNone/>
+              <a:defRPr b="0" i="0" sz="1000" u="none" cap="none" strike="noStrike">
+                <a:solidFill>
+                  <a:schemeClr val="dk2"/>
+                </a:solidFill>
+                <a:latin typeface="Arial"/>
+                <a:ea typeface="Arial"/>
+                <a:cs typeface="Arial"/>
+                <a:sym typeface="Arial"/>
+              </a:defRPr>
             </a:lvl2pPr>
-            <a:lvl3pPr lvl="2">
-              <a:buNone/>
-              <a:defRPr/>
+            <a:lvl3pPr indent="0" lvl="2" marL="0" marR="0" algn="r">
+              <a:lnSpc>
+                <a:spcPct val="100000"/>
+              </a:lnSpc>
+              <a:spcBef>
+                <a:spcPts val="0"/>
+              </a:spcBef>
+              <a:spcAft>
+                <a:spcPts val="0"/>
+              </a:spcAft>
+              <a:buClr>
+                <a:srgbClr val="000000"/>
+              </a:buClr>
+              <a:buSzPts val="1000"/>
+              <a:buFont typeface="Arial"/>
+              <a:buNone/>
+              <a:defRPr b="0" i="0" sz="1000" u="none" cap="none" strike="noStrike">
+                <a:solidFill>
+                  <a:schemeClr val="dk2"/>
+                </a:solidFill>
+                <a:latin typeface="Arial"/>
+                <a:ea typeface="Arial"/>
+                <a:cs typeface="Arial"/>
+                <a:sym typeface="Arial"/>
+              </a:defRPr>
             </a:lvl3pPr>
-            <a:lvl4pPr lvl="3">
-              <a:buNone/>
-              <a:defRPr/>
+            <a:lvl4pPr indent="0" lvl="3" marL="0" marR="0" algn="r">
+              <a:lnSpc>
+                <a:spcPct val="100000"/>
+              </a:lnSpc>
+              <a:spcBef>
+                <a:spcPts val="0"/>
+              </a:spcBef>
+              <a:spcAft>
+                <a:spcPts val="0"/>
+              </a:spcAft>
+              <a:buClr>
+                <a:srgbClr val="000000"/>
+              </a:buClr>
+              <a:buSzPts val="1000"/>
+              <a:buFont typeface="Arial"/>
+              <a:buNone/>
+              <a:defRPr b="0" i="0" sz="1000" u="none" cap="none" strike="noStrike">
+                <a:solidFill>
+                  <a:schemeClr val="dk2"/>
+                </a:solidFill>
+                <a:latin typeface="Arial"/>
+                <a:ea typeface="Arial"/>
+                <a:cs typeface="Arial"/>
+                <a:sym typeface="Arial"/>
+              </a:defRPr>
             </a:lvl4pPr>
-            <a:lvl5pPr lvl="4">
-              <a:buNone/>
-              <a:defRPr/>
+            <a:lvl5pPr indent="0" lvl="4" marL="0" marR="0" algn="r">
+              <a:lnSpc>
+                <a:spcPct val="100000"/>
+              </a:lnSpc>
+              <a:spcBef>
+                <a:spcPts val="0"/>
+              </a:spcBef>
+              <a:spcAft>
+                <a:spcPts val="0"/>
+              </a:spcAft>
+              <a:buClr>
+                <a:srgbClr val="000000"/>
+              </a:buClr>
+              <a:buSzPts val="1000"/>
+              <a:buFont typeface="Arial"/>
+              <a:buNone/>
+              <a:defRPr b="0" i="0" sz="1000" u="none" cap="none" strike="noStrike">
+                <a:solidFill>
+                  <a:schemeClr val="dk2"/>
+                </a:solidFill>
+                <a:latin typeface="Arial"/>
+                <a:ea typeface="Arial"/>
+                <a:cs typeface="Arial"/>
+                <a:sym typeface="Arial"/>
+              </a:defRPr>
             </a:lvl5pPr>
-            <a:lvl6pPr lvl="5">
-              <a:buNone/>
-              <a:defRPr/>
+            <a:lvl6pPr indent="0" lvl="5" marL="0" marR="0" algn="r">
+              <a:lnSpc>
+                <a:spcPct val="100000"/>
+              </a:lnSpc>
+              <a:spcBef>
+                <a:spcPts val="0"/>
+              </a:spcBef>
+              <a:spcAft>
+                <a:spcPts val="0"/>
+              </a:spcAft>
+              <a:buClr>
+                <a:srgbClr val="000000"/>
+              </a:buClr>
+              <a:buSzPts val="1000"/>
+              <a:buFont typeface="Arial"/>
+              <a:buNone/>
+              <a:defRPr b="0" i="0" sz="1000" u="none" cap="none" strike="noStrike">
+                <a:solidFill>
+                  <a:schemeClr val="dk2"/>
+                </a:solidFill>
+                <a:latin typeface="Arial"/>
+                <a:ea typeface="Arial"/>
+                <a:cs typeface="Arial"/>
+                <a:sym typeface="Arial"/>
+              </a:defRPr>
             </a:lvl6pPr>
-            <a:lvl7pPr lvl="6">
-              <a:buNone/>
-              <a:defRPr/>
+            <a:lvl7pPr indent="0" lvl="6" marL="0" marR="0" algn="r">
+              <a:lnSpc>
+                <a:spcPct val="100000"/>
+              </a:lnSpc>
+              <a:spcBef>
+                <a:spcPts val="0"/>
+              </a:spcBef>
+              <a:spcAft>
+                <a:spcPts val="0"/>
+              </a:spcAft>
+              <a:buClr>
+                <a:srgbClr val="000000"/>
+              </a:buClr>
+              <a:buSzPts val="1000"/>
+              <a:buFont typeface="Arial"/>
+              <a:buNone/>
+              <a:defRPr b="0" i="0" sz="1000" u="none" cap="none" strike="noStrike">
+                <a:solidFill>
+                  <a:schemeClr val="dk2"/>
+                </a:solidFill>
+                <a:latin typeface="Arial"/>
+                <a:ea typeface="Arial"/>
+                <a:cs typeface="Arial"/>
+                <a:sym typeface="Arial"/>
+              </a:defRPr>
             </a:lvl7pPr>
-            <a:lvl8pPr lvl="7">
-              <a:buNone/>
-              <a:defRPr/>
+            <a:lvl8pPr indent="0" lvl="7" marL="0" marR="0" algn="r">
+              <a:lnSpc>
+                <a:spcPct val="100000"/>
+              </a:lnSpc>
+              <a:spcBef>
+                <a:spcPts val="0"/>
+              </a:spcBef>
+              <a:spcAft>
+                <a:spcPts val="0"/>
+              </a:spcAft>
+              <a:buClr>
+                <a:srgbClr val="000000"/>
+              </a:buClr>
+              <a:buSzPts val="1000"/>
+              <a:buFont typeface="Arial"/>
+              <a:buNone/>
+              <a:defRPr b="0" i="0" sz="1000" u="none" cap="none" strike="noStrike">
+                <a:solidFill>
+                  <a:schemeClr val="dk2"/>
+                </a:solidFill>
+                <a:latin typeface="Arial"/>
+                <a:ea typeface="Arial"/>
+                <a:cs typeface="Arial"/>
+                <a:sym typeface="Arial"/>
+              </a:defRPr>
             </a:lvl8pPr>
-            <a:lvl9pPr lvl="8">
-              <a:buNone/>
-              <a:defRPr/>
+            <a:lvl9pPr indent="0" lvl="8" marL="0" marR="0" algn="r">
+              <a:lnSpc>
+                <a:spcPct val="100000"/>
+              </a:lnSpc>
+              <a:spcBef>
+                <a:spcPts val="0"/>
+              </a:spcBef>
+              <a:spcAft>
+                <a:spcPts val="0"/>
+              </a:spcAft>
+              <a:buClr>
+                <a:srgbClr val="000000"/>
+              </a:buClr>
+              <a:buSzPts val="1000"/>
+              <a:buFont typeface="Arial"/>
+              <a:buNone/>
+              <a:defRPr b="0" i="0" sz="1000" u="none" cap="none" strike="noStrike">
+                <a:solidFill>
+                  <a:schemeClr val="dk2"/>
+                </a:solidFill>
+                <a:latin typeface="Arial"/>
+                <a:ea typeface="Arial"/>
+                <a:cs typeface="Arial"/>
+                <a:sym typeface="Arial"/>
+              </a:defRPr>
             </a:lvl9pPr>
           </a:lstStyle>
           <a:p>
-            <a:pPr marL="0" lvl="0" indent="0" algn="r" rtl="0">
+            <a:pPr indent="0" lvl="0" marL="0" rtl="0" algn="r">
               <a:spcBef>
                 <a:spcPts val="0"/>
               </a:spcBef>
@@ -2739,7 +4521,7 @@
               <a:buNone/>
             </a:pPr>
             <a:fld id="{00000000-1234-1234-1234-123412341234}" type="slidenum">
-              <a:rPr lang="en"/>
+              <a:rPr lang="nl-NL"/>
               <a:t>‹#›</a:t>
             </a:fld>
             <a:endParaRPr/>
@@ -2755,11 +4537,11 @@
 </file>
 
 <file path=ppt/slideLayouts/slideLayout5.xml><?xml version="1.0" encoding="utf-8"?>
-<p:sldLayout xmlns:a="http://schemas.openxmlformats.org/drawingml/2006/main" xmlns:r="http://schemas.openxmlformats.org/officeDocument/2006/relationships" xmlns:p="http://schemas.openxmlformats.org/presentationml/2006/main" matchingName="Title only" type="titleOnly">
+<p:sldLayout xmlns:a="http://schemas.openxmlformats.org/drawingml/2006/main" xmlns:r="http://schemas.openxmlformats.org/officeDocument/2006/relationships" xmlns:mc="http://schemas.openxmlformats.org/markup-compatibility/2006" xmlns:mv="urn:schemas-microsoft-com:mac:vml" xmlns:p="http://schemas.openxmlformats.org/presentationml/2006/main" xmlns:c="http://schemas.openxmlformats.org/drawingml/2006/chart" xmlns:dgm="http://schemas.openxmlformats.org/drawingml/2006/diagram" xmlns:o="urn:schemas-microsoft-com:office:office" xmlns:v="urn:schemas-microsoft-com:vml" xmlns:pvml="urn:schemas-microsoft-com:office:powerpoint" xmlns:com="http://schemas.openxmlformats.org/drawingml/2006/compatibility" xmlns:p14="http://schemas.microsoft.com/office/powerpoint/2010/main" xmlns:p15="http://schemas.microsoft.com/office/powerpoint/2012/main" matchingName="Title only" type="titleOnly">
   <p:cSld name="TITLE_ONLY">
     <p:spTree>
       <p:nvGrpSpPr>
-        <p:cNvPr id="1" name="Shape 25"/>
+        <p:cNvPr id="25" name="Shape 25"/>
         <p:cNvGrpSpPr/>
         <p:nvPr/>
       </p:nvGrpSpPr>
@@ -2773,10 +4555,8 @@
       </p:grpSpPr>
       <p:sp>
         <p:nvSpPr>
-          <p:cNvPr id="26" name="Google Shape;26;p6"/>
-          <p:cNvSpPr txBox="1">
-            <a:spLocks noGrp="1"/>
-          </p:cNvSpPr>
+          <p:cNvPr id="26" name="Google Shape;26;p8"/>
+          <p:cNvSpPr txBox="1"/>
           <p:nvPr>
             <p:ph type="title"/>
           </p:nvPr>
@@ -2789,13 +4569,20 @@
           <a:prstGeom prst="rect">
             <a:avLst/>
           </a:prstGeom>
+          <a:noFill/>
+          <a:ln>
+            <a:noFill/>
+          </a:ln>
         </p:spPr>
         <p:txBody>
-          <a:bodyPr spcFirstLastPara="1" wrap="square" lIns="91425" tIns="91425" rIns="91425" bIns="91425" anchor="t" anchorCtr="0">
+          <a:bodyPr anchorCtr="0" anchor="t" bIns="91425" lIns="91425" spcFirstLastPara="1" rIns="91425" wrap="square" tIns="91425">
             <a:noAutofit/>
           </a:bodyPr>
           <a:lstStyle>
-            <a:lvl1pPr lvl="0">
+            <a:lvl1pPr lvl="0" algn="l">
+              <a:lnSpc>
+                <a:spcPct val="100000"/>
+              </a:lnSpc>
               <a:spcBef>
                 <a:spcPts val="0"/>
               </a:spcBef>
@@ -2806,7 +4593,10 @@
               <a:buNone/>
               <a:defRPr/>
             </a:lvl1pPr>
-            <a:lvl2pPr lvl="1">
+            <a:lvl2pPr lvl="1" algn="l">
+              <a:lnSpc>
+                <a:spcPct val="100000"/>
+              </a:lnSpc>
               <a:spcBef>
                 <a:spcPts val="0"/>
               </a:spcBef>
@@ -2817,7 +4607,10 @@
               <a:buNone/>
               <a:defRPr/>
             </a:lvl2pPr>
-            <a:lvl3pPr lvl="2">
+            <a:lvl3pPr lvl="2" algn="l">
+              <a:lnSpc>
+                <a:spcPct val="100000"/>
+              </a:lnSpc>
               <a:spcBef>
                 <a:spcPts val="0"/>
               </a:spcBef>
@@ -2828,7 +4621,10 @@
               <a:buNone/>
               <a:defRPr/>
             </a:lvl3pPr>
-            <a:lvl4pPr lvl="3">
+            <a:lvl4pPr lvl="3" algn="l">
+              <a:lnSpc>
+                <a:spcPct val="100000"/>
+              </a:lnSpc>
               <a:spcBef>
                 <a:spcPts val="0"/>
               </a:spcBef>
@@ -2839,7 +4635,10 @@
               <a:buNone/>
               <a:defRPr/>
             </a:lvl4pPr>
-            <a:lvl5pPr lvl="4">
+            <a:lvl5pPr lvl="4" algn="l">
+              <a:lnSpc>
+                <a:spcPct val="100000"/>
+              </a:lnSpc>
               <a:spcBef>
                 <a:spcPts val="0"/>
               </a:spcBef>
@@ -2850,7 +4649,10 @@
               <a:buNone/>
               <a:defRPr/>
             </a:lvl5pPr>
-            <a:lvl6pPr lvl="5">
+            <a:lvl6pPr lvl="5" algn="l">
+              <a:lnSpc>
+                <a:spcPct val="100000"/>
+              </a:lnSpc>
               <a:spcBef>
                 <a:spcPts val="0"/>
               </a:spcBef>
@@ -2861,7 +4663,10 @@
               <a:buNone/>
               <a:defRPr/>
             </a:lvl6pPr>
-            <a:lvl7pPr lvl="6">
+            <a:lvl7pPr lvl="6" algn="l">
+              <a:lnSpc>
+                <a:spcPct val="100000"/>
+              </a:lnSpc>
               <a:spcBef>
                 <a:spcPts val="0"/>
               </a:spcBef>
@@ -2872,7 +4677,10 @@
               <a:buNone/>
               <a:defRPr/>
             </a:lvl7pPr>
-            <a:lvl8pPr lvl="7">
+            <a:lvl8pPr lvl="7" algn="l">
+              <a:lnSpc>
+                <a:spcPct val="100000"/>
+              </a:lnSpc>
               <a:spcBef>
                 <a:spcPts val="0"/>
               </a:spcBef>
@@ -2883,7 +4691,10 @@
               <a:buNone/>
               <a:defRPr/>
             </a:lvl8pPr>
-            <a:lvl9pPr lvl="8">
+            <a:lvl9pPr lvl="8" algn="l">
+              <a:lnSpc>
+                <a:spcPct val="100000"/>
+              </a:lnSpc>
               <a:spcBef>
                 <a:spcPts val="0"/>
               </a:spcBef>
@@ -2895,19 +4706,15 @@
               <a:defRPr/>
             </a:lvl9pPr>
           </a:lstStyle>
-          <a:p>
-            <a:endParaRPr/>
-          </a:p>
+          <a:p/>
         </p:txBody>
       </p:sp>
       <p:sp>
         <p:nvSpPr>
-          <p:cNvPr id="27" name="Google Shape;27;p6"/>
-          <p:cNvSpPr txBox="1">
-            <a:spLocks noGrp="1"/>
-          </p:cNvSpPr>
+          <p:cNvPr id="27" name="Google Shape;27;p8"/>
+          <p:cNvSpPr txBox="1"/>
           <p:nvPr>
-            <p:ph type="sldNum" idx="12"/>
+            <p:ph idx="12" type="sldNum"/>
           </p:nvPr>
         </p:nvSpPr>
         <p:spPr>
@@ -2918,51 +4725,253 @@
           <a:prstGeom prst="rect">
             <a:avLst/>
           </a:prstGeom>
+          <a:noFill/>
+          <a:ln>
+            <a:noFill/>
+          </a:ln>
         </p:spPr>
         <p:txBody>
-          <a:bodyPr spcFirstLastPara="1" wrap="square" lIns="91425" tIns="91425" rIns="91425" bIns="91425" anchor="ctr" anchorCtr="0">
+          <a:bodyPr anchorCtr="0" anchor="ctr" bIns="91425" lIns="91425" spcFirstLastPara="1" rIns="91425" wrap="square" tIns="91425">
             <a:noAutofit/>
           </a:bodyPr>
           <a:lstStyle>
-            <a:lvl1pPr lvl="0">
-              <a:buNone/>
-              <a:defRPr/>
+            <a:lvl1pPr indent="0" lvl="0" marL="0" marR="0" algn="r">
+              <a:lnSpc>
+                <a:spcPct val="100000"/>
+              </a:lnSpc>
+              <a:spcBef>
+                <a:spcPts val="0"/>
+              </a:spcBef>
+              <a:spcAft>
+                <a:spcPts val="0"/>
+              </a:spcAft>
+              <a:buClr>
+                <a:srgbClr val="000000"/>
+              </a:buClr>
+              <a:buSzPts val="1000"/>
+              <a:buFont typeface="Arial"/>
+              <a:buNone/>
+              <a:defRPr b="0" i="0" sz="1000" u="none" cap="none" strike="noStrike">
+                <a:solidFill>
+                  <a:schemeClr val="dk2"/>
+                </a:solidFill>
+                <a:latin typeface="Arial"/>
+                <a:ea typeface="Arial"/>
+                <a:cs typeface="Arial"/>
+                <a:sym typeface="Arial"/>
+              </a:defRPr>
             </a:lvl1pPr>
-            <a:lvl2pPr lvl="1">
-              <a:buNone/>
-              <a:defRPr/>
+            <a:lvl2pPr indent="0" lvl="1" marL="0" marR="0" algn="r">
+              <a:lnSpc>
+                <a:spcPct val="100000"/>
+              </a:lnSpc>
+              <a:spcBef>
+                <a:spcPts val="0"/>
+              </a:spcBef>
+              <a:spcAft>
+                <a:spcPts val="0"/>
+              </a:spcAft>
+              <a:buClr>
+                <a:srgbClr val="000000"/>
+              </a:buClr>
+              <a:buSzPts val="1000"/>
+              <a:buFont typeface="Arial"/>
+              <a:buNone/>
+              <a:defRPr b="0" i="0" sz="1000" u="none" cap="none" strike="noStrike">
+                <a:solidFill>
+                  <a:schemeClr val="dk2"/>
+                </a:solidFill>
+                <a:latin typeface="Arial"/>
+                <a:ea typeface="Arial"/>
+                <a:cs typeface="Arial"/>
+                <a:sym typeface="Arial"/>
+              </a:defRPr>
             </a:lvl2pPr>
-            <a:lvl3pPr lvl="2">
-              <a:buNone/>
-              <a:defRPr/>
+            <a:lvl3pPr indent="0" lvl="2" marL="0" marR="0" algn="r">
+              <a:lnSpc>
+                <a:spcPct val="100000"/>
+              </a:lnSpc>
+              <a:spcBef>
+                <a:spcPts val="0"/>
+              </a:spcBef>
+              <a:spcAft>
+                <a:spcPts val="0"/>
+              </a:spcAft>
+              <a:buClr>
+                <a:srgbClr val="000000"/>
+              </a:buClr>
+              <a:buSzPts val="1000"/>
+              <a:buFont typeface="Arial"/>
+              <a:buNone/>
+              <a:defRPr b="0" i="0" sz="1000" u="none" cap="none" strike="noStrike">
+                <a:solidFill>
+                  <a:schemeClr val="dk2"/>
+                </a:solidFill>
+                <a:latin typeface="Arial"/>
+                <a:ea typeface="Arial"/>
+                <a:cs typeface="Arial"/>
+                <a:sym typeface="Arial"/>
+              </a:defRPr>
             </a:lvl3pPr>
-            <a:lvl4pPr lvl="3">
-              <a:buNone/>
-              <a:defRPr/>
+            <a:lvl4pPr indent="0" lvl="3" marL="0" marR="0" algn="r">
+              <a:lnSpc>
+                <a:spcPct val="100000"/>
+              </a:lnSpc>
+              <a:spcBef>
+                <a:spcPts val="0"/>
+              </a:spcBef>
+              <a:spcAft>
+                <a:spcPts val="0"/>
+              </a:spcAft>
+              <a:buClr>
+                <a:srgbClr val="000000"/>
+              </a:buClr>
+              <a:buSzPts val="1000"/>
+              <a:buFont typeface="Arial"/>
+              <a:buNone/>
+              <a:defRPr b="0" i="0" sz="1000" u="none" cap="none" strike="noStrike">
+                <a:solidFill>
+                  <a:schemeClr val="dk2"/>
+                </a:solidFill>
+                <a:latin typeface="Arial"/>
+                <a:ea typeface="Arial"/>
+                <a:cs typeface="Arial"/>
+                <a:sym typeface="Arial"/>
+              </a:defRPr>
             </a:lvl4pPr>
-            <a:lvl5pPr lvl="4">
-              <a:buNone/>
-              <a:defRPr/>
+            <a:lvl5pPr indent="0" lvl="4" marL="0" marR="0" algn="r">
+              <a:lnSpc>
+                <a:spcPct val="100000"/>
+              </a:lnSpc>
+              <a:spcBef>
+                <a:spcPts val="0"/>
+              </a:spcBef>
+              <a:spcAft>
+                <a:spcPts val="0"/>
+              </a:spcAft>
+              <a:buClr>
+                <a:srgbClr val="000000"/>
+              </a:buClr>
+              <a:buSzPts val="1000"/>
+              <a:buFont typeface="Arial"/>
+              <a:buNone/>
+              <a:defRPr b="0" i="0" sz="1000" u="none" cap="none" strike="noStrike">
+                <a:solidFill>
+                  <a:schemeClr val="dk2"/>
+                </a:solidFill>
+                <a:latin typeface="Arial"/>
+                <a:ea typeface="Arial"/>
+                <a:cs typeface="Arial"/>
+                <a:sym typeface="Arial"/>
+              </a:defRPr>
             </a:lvl5pPr>
-            <a:lvl6pPr lvl="5">
-              <a:buNone/>
-              <a:defRPr/>
+            <a:lvl6pPr indent="0" lvl="5" marL="0" marR="0" algn="r">
+              <a:lnSpc>
+                <a:spcPct val="100000"/>
+              </a:lnSpc>
+              <a:spcBef>
+                <a:spcPts val="0"/>
+              </a:spcBef>
+              <a:spcAft>
+                <a:spcPts val="0"/>
+              </a:spcAft>
+              <a:buClr>
+                <a:srgbClr val="000000"/>
+              </a:buClr>
+              <a:buSzPts val="1000"/>
+              <a:buFont typeface="Arial"/>
+              <a:buNone/>
+              <a:defRPr b="0" i="0" sz="1000" u="none" cap="none" strike="noStrike">
+                <a:solidFill>
+                  <a:schemeClr val="dk2"/>
+                </a:solidFill>
+                <a:latin typeface="Arial"/>
+                <a:ea typeface="Arial"/>
+                <a:cs typeface="Arial"/>
+                <a:sym typeface="Arial"/>
+              </a:defRPr>
             </a:lvl6pPr>
-            <a:lvl7pPr lvl="6">
-              <a:buNone/>
-              <a:defRPr/>
+            <a:lvl7pPr indent="0" lvl="6" marL="0" marR="0" algn="r">
+              <a:lnSpc>
+                <a:spcPct val="100000"/>
+              </a:lnSpc>
+              <a:spcBef>
+                <a:spcPts val="0"/>
+              </a:spcBef>
+              <a:spcAft>
+                <a:spcPts val="0"/>
+              </a:spcAft>
+              <a:buClr>
+                <a:srgbClr val="000000"/>
+              </a:buClr>
+              <a:buSzPts val="1000"/>
+              <a:buFont typeface="Arial"/>
+              <a:buNone/>
+              <a:defRPr b="0" i="0" sz="1000" u="none" cap="none" strike="noStrike">
+                <a:solidFill>
+                  <a:schemeClr val="dk2"/>
+                </a:solidFill>
+                <a:latin typeface="Arial"/>
+                <a:ea typeface="Arial"/>
+                <a:cs typeface="Arial"/>
+                <a:sym typeface="Arial"/>
+              </a:defRPr>
             </a:lvl7pPr>
-            <a:lvl8pPr lvl="7">
-              <a:buNone/>
-              <a:defRPr/>
+            <a:lvl8pPr indent="0" lvl="7" marL="0" marR="0" algn="r">
+              <a:lnSpc>
+                <a:spcPct val="100000"/>
+              </a:lnSpc>
+              <a:spcBef>
+                <a:spcPts val="0"/>
+              </a:spcBef>
+              <a:spcAft>
+                <a:spcPts val="0"/>
+              </a:spcAft>
+              <a:buClr>
+                <a:srgbClr val="000000"/>
+              </a:buClr>
+              <a:buSzPts val="1000"/>
+              <a:buFont typeface="Arial"/>
+              <a:buNone/>
+              <a:defRPr b="0" i="0" sz="1000" u="none" cap="none" strike="noStrike">
+                <a:solidFill>
+                  <a:schemeClr val="dk2"/>
+                </a:solidFill>
+                <a:latin typeface="Arial"/>
+                <a:ea typeface="Arial"/>
+                <a:cs typeface="Arial"/>
+                <a:sym typeface="Arial"/>
+              </a:defRPr>
             </a:lvl8pPr>
-            <a:lvl9pPr lvl="8">
-              <a:buNone/>
-              <a:defRPr/>
+            <a:lvl9pPr indent="0" lvl="8" marL="0" marR="0" algn="r">
+              <a:lnSpc>
+                <a:spcPct val="100000"/>
+              </a:lnSpc>
+              <a:spcBef>
+                <a:spcPts val="0"/>
+              </a:spcBef>
+              <a:spcAft>
+                <a:spcPts val="0"/>
+              </a:spcAft>
+              <a:buClr>
+                <a:srgbClr val="000000"/>
+              </a:buClr>
+              <a:buSzPts val="1000"/>
+              <a:buFont typeface="Arial"/>
+              <a:buNone/>
+              <a:defRPr b="0" i="0" sz="1000" u="none" cap="none" strike="noStrike">
+                <a:solidFill>
+                  <a:schemeClr val="dk2"/>
+                </a:solidFill>
+                <a:latin typeface="Arial"/>
+                <a:ea typeface="Arial"/>
+                <a:cs typeface="Arial"/>
+                <a:sym typeface="Arial"/>
+              </a:defRPr>
             </a:lvl9pPr>
           </a:lstStyle>
           <a:p>
-            <a:pPr marL="0" lvl="0" indent="0" algn="r" rtl="0">
+            <a:pPr indent="0" lvl="0" marL="0" rtl="0" algn="r">
               <a:spcBef>
                 <a:spcPts val="0"/>
               </a:spcBef>
@@ -2972,7 +4981,7 @@
               <a:buNone/>
             </a:pPr>
             <a:fld id="{00000000-1234-1234-1234-123412341234}" type="slidenum">
-              <a:rPr lang="en"/>
+              <a:rPr lang="nl-NL"/>
               <a:t>‹#›</a:t>
             </a:fld>
             <a:endParaRPr/>
@@ -2988,11 +4997,11 @@
 </file>
 
 <file path=ppt/slideLayouts/slideLayout6.xml><?xml version="1.0" encoding="utf-8"?>
-<p:sldLayout xmlns:a="http://schemas.openxmlformats.org/drawingml/2006/main" xmlns:r="http://schemas.openxmlformats.org/officeDocument/2006/relationships" xmlns:p="http://schemas.openxmlformats.org/presentationml/2006/main" matchingName="One column text">
+<p:sldLayout xmlns:a="http://schemas.openxmlformats.org/drawingml/2006/main" xmlns:r="http://schemas.openxmlformats.org/officeDocument/2006/relationships" xmlns:mc="http://schemas.openxmlformats.org/markup-compatibility/2006" xmlns:mv="urn:schemas-microsoft-com:mac:vml" xmlns:p="http://schemas.openxmlformats.org/presentationml/2006/main" xmlns:c="http://schemas.openxmlformats.org/drawingml/2006/chart" xmlns:dgm="http://schemas.openxmlformats.org/drawingml/2006/diagram" xmlns:o="urn:schemas-microsoft-com:office:office" xmlns:v="urn:schemas-microsoft-com:vml" xmlns:pvml="urn:schemas-microsoft-com:office:powerpoint" xmlns:com="http://schemas.openxmlformats.org/drawingml/2006/compatibility" xmlns:p14="http://schemas.microsoft.com/office/powerpoint/2010/main" xmlns:p15="http://schemas.microsoft.com/office/powerpoint/2012/main" matchingName="One column text">
   <p:cSld name="ONE_COLUMN_TEXT">
     <p:spTree>
       <p:nvGrpSpPr>
-        <p:cNvPr id="1" name="Shape 28"/>
+        <p:cNvPr id="28" name="Shape 28"/>
         <p:cNvGrpSpPr/>
         <p:nvPr/>
       </p:nvGrpSpPr>
@@ -3006,10 +5015,8 @@
       </p:grpSpPr>
       <p:sp>
         <p:nvSpPr>
-          <p:cNvPr id="29" name="Google Shape;29;p7"/>
-          <p:cNvSpPr txBox="1">
-            <a:spLocks noGrp="1"/>
-          </p:cNvSpPr>
+          <p:cNvPr id="29" name="Google Shape;29;p9"/>
+          <p:cNvSpPr txBox="1"/>
           <p:nvPr>
             <p:ph type="title"/>
           </p:nvPr>
@@ -3022,13 +5029,20 @@
           <a:prstGeom prst="rect">
             <a:avLst/>
           </a:prstGeom>
+          <a:noFill/>
+          <a:ln>
+            <a:noFill/>
+          </a:ln>
         </p:spPr>
         <p:txBody>
-          <a:bodyPr spcFirstLastPara="1" wrap="square" lIns="91425" tIns="91425" rIns="91425" bIns="91425" anchor="b" anchorCtr="0">
+          <a:bodyPr anchorCtr="0" anchor="b" bIns="91425" lIns="91425" spcFirstLastPara="1" rIns="91425" wrap="square" tIns="91425">
             <a:noAutofit/>
           </a:bodyPr>
           <a:lstStyle>
-            <a:lvl1pPr lvl="0">
+            <a:lvl1pPr lvl="0" algn="l">
+              <a:lnSpc>
+                <a:spcPct val="100000"/>
+              </a:lnSpc>
               <a:spcBef>
                 <a:spcPts val="0"/>
               </a:spcBef>
@@ -3039,7 +5053,10 @@
               <a:buNone/>
               <a:defRPr sz="2400"/>
             </a:lvl1pPr>
-            <a:lvl2pPr lvl="1">
+            <a:lvl2pPr lvl="1" algn="l">
+              <a:lnSpc>
+                <a:spcPct val="100000"/>
+              </a:lnSpc>
               <a:spcBef>
                 <a:spcPts val="0"/>
               </a:spcBef>
@@ -3050,7 +5067,10 @@
               <a:buNone/>
               <a:defRPr sz="2400"/>
             </a:lvl2pPr>
-            <a:lvl3pPr lvl="2">
+            <a:lvl3pPr lvl="2" algn="l">
+              <a:lnSpc>
+                <a:spcPct val="100000"/>
+              </a:lnSpc>
               <a:spcBef>
                 <a:spcPts val="0"/>
               </a:spcBef>
@@ -3061,7 +5081,10 @@
               <a:buNone/>
               <a:defRPr sz="2400"/>
             </a:lvl3pPr>
-            <a:lvl4pPr lvl="3">
+            <a:lvl4pPr lvl="3" algn="l">
+              <a:lnSpc>
+                <a:spcPct val="100000"/>
+              </a:lnSpc>
               <a:spcBef>
                 <a:spcPts val="0"/>
               </a:spcBef>
@@ -3072,7 +5095,10 @@
               <a:buNone/>
               <a:defRPr sz="2400"/>
             </a:lvl4pPr>
-            <a:lvl5pPr lvl="4">
+            <a:lvl5pPr lvl="4" algn="l">
+              <a:lnSpc>
+                <a:spcPct val="100000"/>
+              </a:lnSpc>
               <a:spcBef>
                 <a:spcPts val="0"/>
               </a:spcBef>
@@ -3083,7 +5109,10 @@
               <a:buNone/>
               <a:defRPr sz="2400"/>
             </a:lvl5pPr>
-            <a:lvl6pPr lvl="5">
+            <a:lvl6pPr lvl="5" algn="l">
+              <a:lnSpc>
+                <a:spcPct val="100000"/>
+              </a:lnSpc>
               <a:spcBef>
                 <a:spcPts val="0"/>
               </a:spcBef>
@@ -3094,7 +5123,10 @@
               <a:buNone/>
               <a:defRPr sz="2400"/>
             </a:lvl6pPr>
-            <a:lvl7pPr lvl="6">
+            <a:lvl7pPr lvl="6" algn="l">
+              <a:lnSpc>
+                <a:spcPct val="100000"/>
+              </a:lnSpc>
               <a:spcBef>
                 <a:spcPts val="0"/>
               </a:spcBef>
@@ -3105,7 +5137,10 @@
               <a:buNone/>
               <a:defRPr sz="2400"/>
             </a:lvl7pPr>
-            <a:lvl8pPr lvl="7">
+            <a:lvl8pPr lvl="7" algn="l">
+              <a:lnSpc>
+                <a:spcPct val="100000"/>
+              </a:lnSpc>
               <a:spcBef>
                 <a:spcPts val="0"/>
               </a:spcBef>
@@ -3116,7 +5151,10 @@
               <a:buNone/>
               <a:defRPr sz="2400"/>
             </a:lvl8pPr>
-            <a:lvl9pPr lvl="8">
+            <a:lvl9pPr lvl="8" algn="l">
+              <a:lnSpc>
+                <a:spcPct val="100000"/>
+              </a:lnSpc>
               <a:spcBef>
                 <a:spcPts val="0"/>
               </a:spcBef>
@@ -3128,19 +5166,15 @@
               <a:defRPr sz="2400"/>
             </a:lvl9pPr>
           </a:lstStyle>
-          <a:p>
-            <a:endParaRPr/>
-          </a:p>
+          <a:p/>
         </p:txBody>
       </p:sp>
       <p:sp>
         <p:nvSpPr>
-          <p:cNvPr id="30" name="Google Shape;30;p7"/>
-          <p:cNvSpPr txBox="1">
-            <a:spLocks noGrp="1"/>
-          </p:cNvSpPr>
+          <p:cNvPr id="30" name="Google Shape;30;p9"/>
+          <p:cNvSpPr txBox="1"/>
           <p:nvPr>
-            <p:ph type="body" idx="1"/>
+            <p:ph idx="1" type="body"/>
           </p:nvPr>
         </p:nvSpPr>
         <p:spPr>
@@ -3151,13 +5185,20 @@
           <a:prstGeom prst="rect">
             <a:avLst/>
           </a:prstGeom>
+          <a:noFill/>
+          <a:ln>
+            <a:noFill/>
+          </a:ln>
         </p:spPr>
         <p:txBody>
-          <a:bodyPr spcFirstLastPara="1" wrap="square" lIns="91425" tIns="91425" rIns="91425" bIns="91425" anchor="t" anchorCtr="0">
+          <a:bodyPr anchorCtr="0" anchor="t" bIns="91425" lIns="91425" spcFirstLastPara="1" rIns="91425" wrap="square" tIns="91425">
             <a:noAutofit/>
           </a:bodyPr>
           <a:lstStyle>
-            <a:lvl1pPr marL="457200" lvl="0" indent="-304800">
+            <a:lvl1pPr indent="-304800" lvl="0" marL="457200" algn="l">
+              <a:lnSpc>
+                <a:spcPct val="115000"/>
+              </a:lnSpc>
               <a:spcBef>
                 <a:spcPts val="0"/>
               </a:spcBef>
@@ -3168,7 +5209,10 @@
               <a:buChar char="●"/>
               <a:defRPr sz="1200"/>
             </a:lvl1pPr>
-            <a:lvl2pPr marL="914400" lvl="1" indent="-304800">
+            <a:lvl2pPr indent="-304800" lvl="1" marL="914400" algn="l">
+              <a:lnSpc>
+                <a:spcPct val="115000"/>
+              </a:lnSpc>
               <a:spcBef>
                 <a:spcPts val="1600"/>
               </a:spcBef>
@@ -3179,7 +5223,10 @@
               <a:buChar char="○"/>
               <a:defRPr sz="1200"/>
             </a:lvl2pPr>
-            <a:lvl3pPr marL="1371600" lvl="2" indent="-304800">
+            <a:lvl3pPr indent="-304800" lvl="2" marL="1371600" algn="l">
+              <a:lnSpc>
+                <a:spcPct val="115000"/>
+              </a:lnSpc>
               <a:spcBef>
                 <a:spcPts val="1600"/>
               </a:spcBef>
@@ -3190,7 +5237,10 @@
               <a:buChar char="■"/>
               <a:defRPr sz="1200"/>
             </a:lvl3pPr>
-            <a:lvl4pPr marL="1828800" lvl="3" indent="-304800">
+            <a:lvl4pPr indent="-304800" lvl="3" marL="1828800" algn="l">
+              <a:lnSpc>
+                <a:spcPct val="115000"/>
+              </a:lnSpc>
               <a:spcBef>
                 <a:spcPts val="1600"/>
               </a:spcBef>
@@ -3201,7 +5251,10 @@
               <a:buChar char="●"/>
               <a:defRPr sz="1200"/>
             </a:lvl4pPr>
-            <a:lvl5pPr marL="2286000" lvl="4" indent="-304800">
+            <a:lvl5pPr indent="-304800" lvl="4" marL="2286000" algn="l">
+              <a:lnSpc>
+                <a:spcPct val="115000"/>
+              </a:lnSpc>
               <a:spcBef>
                 <a:spcPts val="1600"/>
               </a:spcBef>
@@ -3212,7 +5265,10 @@
               <a:buChar char="○"/>
               <a:defRPr sz="1200"/>
             </a:lvl5pPr>
-            <a:lvl6pPr marL="2743200" lvl="5" indent="-304800">
+            <a:lvl6pPr indent="-304800" lvl="5" marL="2743200" algn="l">
+              <a:lnSpc>
+                <a:spcPct val="115000"/>
+              </a:lnSpc>
               <a:spcBef>
                 <a:spcPts val="1600"/>
               </a:spcBef>
@@ -3223,7 +5279,10 @@
               <a:buChar char="■"/>
               <a:defRPr sz="1200"/>
             </a:lvl6pPr>
-            <a:lvl7pPr marL="3200400" lvl="6" indent="-304800">
+            <a:lvl7pPr indent="-304800" lvl="6" marL="3200400" algn="l">
+              <a:lnSpc>
+                <a:spcPct val="115000"/>
+              </a:lnSpc>
               <a:spcBef>
                 <a:spcPts val="1600"/>
               </a:spcBef>
@@ -3234,7 +5293,10 @@
               <a:buChar char="●"/>
               <a:defRPr sz="1200"/>
             </a:lvl7pPr>
-            <a:lvl8pPr marL="3657600" lvl="7" indent="-304800">
+            <a:lvl8pPr indent="-304800" lvl="7" marL="3657600" algn="l">
+              <a:lnSpc>
+                <a:spcPct val="115000"/>
+              </a:lnSpc>
               <a:spcBef>
                 <a:spcPts val="1600"/>
               </a:spcBef>
@@ -3245,7 +5307,10 @@
               <a:buChar char="○"/>
               <a:defRPr sz="1200"/>
             </a:lvl8pPr>
-            <a:lvl9pPr marL="4114800" lvl="8" indent="-304800">
+            <a:lvl9pPr indent="-304800" lvl="8" marL="4114800" algn="l">
+              <a:lnSpc>
+                <a:spcPct val="115000"/>
+              </a:lnSpc>
               <a:spcBef>
                 <a:spcPts val="1600"/>
               </a:spcBef>
@@ -3257,19 +5322,15 @@
               <a:defRPr sz="1200"/>
             </a:lvl9pPr>
           </a:lstStyle>
-          <a:p>
-            <a:endParaRPr/>
-          </a:p>
+          <a:p/>
         </p:txBody>
       </p:sp>
       <p:sp>
         <p:nvSpPr>
-          <p:cNvPr id="31" name="Google Shape;31;p7"/>
-          <p:cNvSpPr txBox="1">
-            <a:spLocks noGrp="1"/>
-          </p:cNvSpPr>
+          <p:cNvPr id="31" name="Google Shape;31;p9"/>
+          <p:cNvSpPr txBox="1"/>
           <p:nvPr>
-            <p:ph type="sldNum" idx="12"/>
+            <p:ph idx="12" type="sldNum"/>
           </p:nvPr>
         </p:nvSpPr>
         <p:spPr>
@@ -3280,51 +5341,253 @@
           <a:prstGeom prst="rect">
             <a:avLst/>
           </a:prstGeom>
+          <a:noFill/>
+          <a:ln>
+            <a:noFill/>
+          </a:ln>
         </p:spPr>
         <p:txBody>
-          <a:bodyPr spcFirstLastPara="1" wrap="square" lIns="91425" tIns="91425" rIns="91425" bIns="91425" anchor="ctr" anchorCtr="0">
+          <a:bodyPr anchorCtr="0" anchor="ctr" bIns="91425" lIns="91425" spcFirstLastPara="1" rIns="91425" wrap="square" tIns="91425">
             <a:noAutofit/>
           </a:bodyPr>
           <a:lstStyle>
-            <a:lvl1pPr lvl="0">
-              <a:buNone/>
-              <a:defRPr/>
+            <a:lvl1pPr indent="0" lvl="0" marL="0" marR="0" algn="r">
+              <a:lnSpc>
+                <a:spcPct val="100000"/>
+              </a:lnSpc>
+              <a:spcBef>
+                <a:spcPts val="0"/>
+              </a:spcBef>
+              <a:spcAft>
+                <a:spcPts val="0"/>
+              </a:spcAft>
+              <a:buClr>
+                <a:srgbClr val="000000"/>
+              </a:buClr>
+              <a:buSzPts val="1000"/>
+              <a:buFont typeface="Arial"/>
+              <a:buNone/>
+              <a:defRPr b="0" i="0" sz="1000" u="none" cap="none" strike="noStrike">
+                <a:solidFill>
+                  <a:schemeClr val="dk2"/>
+                </a:solidFill>
+                <a:latin typeface="Arial"/>
+                <a:ea typeface="Arial"/>
+                <a:cs typeface="Arial"/>
+                <a:sym typeface="Arial"/>
+              </a:defRPr>
             </a:lvl1pPr>
-            <a:lvl2pPr lvl="1">
-              <a:buNone/>
-              <a:defRPr/>
+            <a:lvl2pPr indent="0" lvl="1" marL="0" marR="0" algn="r">
+              <a:lnSpc>
+                <a:spcPct val="100000"/>
+              </a:lnSpc>
+              <a:spcBef>
+                <a:spcPts val="0"/>
+              </a:spcBef>
+              <a:spcAft>
+                <a:spcPts val="0"/>
+              </a:spcAft>
+              <a:buClr>
+                <a:srgbClr val="000000"/>
+              </a:buClr>
+              <a:buSzPts val="1000"/>
+              <a:buFont typeface="Arial"/>
+              <a:buNone/>
+              <a:defRPr b="0" i="0" sz="1000" u="none" cap="none" strike="noStrike">
+                <a:solidFill>
+                  <a:schemeClr val="dk2"/>
+                </a:solidFill>
+                <a:latin typeface="Arial"/>
+                <a:ea typeface="Arial"/>
+                <a:cs typeface="Arial"/>
+                <a:sym typeface="Arial"/>
+              </a:defRPr>
             </a:lvl2pPr>
-            <a:lvl3pPr lvl="2">
-              <a:buNone/>
-              <a:defRPr/>
+            <a:lvl3pPr indent="0" lvl="2" marL="0" marR="0" algn="r">
+              <a:lnSpc>
+                <a:spcPct val="100000"/>
+              </a:lnSpc>
+              <a:spcBef>
+                <a:spcPts val="0"/>
+              </a:spcBef>
+              <a:spcAft>
+                <a:spcPts val="0"/>
+              </a:spcAft>
+              <a:buClr>
+                <a:srgbClr val="000000"/>
+              </a:buClr>
+              <a:buSzPts val="1000"/>
+              <a:buFont typeface="Arial"/>
+              <a:buNone/>
+              <a:defRPr b="0" i="0" sz="1000" u="none" cap="none" strike="noStrike">
+                <a:solidFill>
+                  <a:schemeClr val="dk2"/>
+                </a:solidFill>
+                <a:latin typeface="Arial"/>
+                <a:ea typeface="Arial"/>
+                <a:cs typeface="Arial"/>
+                <a:sym typeface="Arial"/>
+              </a:defRPr>
             </a:lvl3pPr>
-            <a:lvl4pPr lvl="3">
-              <a:buNone/>
-              <a:defRPr/>
+            <a:lvl4pPr indent="0" lvl="3" marL="0" marR="0" algn="r">
+              <a:lnSpc>
+                <a:spcPct val="100000"/>
+              </a:lnSpc>
+              <a:spcBef>
+                <a:spcPts val="0"/>
+              </a:spcBef>
+              <a:spcAft>
+                <a:spcPts val="0"/>
+              </a:spcAft>
+              <a:buClr>
+                <a:srgbClr val="000000"/>
+              </a:buClr>
+              <a:buSzPts val="1000"/>
+              <a:buFont typeface="Arial"/>
+              <a:buNone/>
+              <a:defRPr b="0" i="0" sz="1000" u="none" cap="none" strike="noStrike">
+                <a:solidFill>
+                  <a:schemeClr val="dk2"/>
+                </a:solidFill>
+                <a:latin typeface="Arial"/>
+                <a:ea typeface="Arial"/>
+                <a:cs typeface="Arial"/>
+                <a:sym typeface="Arial"/>
+              </a:defRPr>
             </a:lvl4pPr>
-            <a:lvl5pPr lvl="4">
-              <a:buNone/>
-              <a:defRPr/>
+            <a:lvl5pPr indent="0" lvl="4" marL="0" marR="0" algn="r">
+              <a:lnSpc>
+                <a:spcPct val="100000"/>
+              </a:lnSpc>
+              <a:spcBef>
+                <a:spcPts val="0"/>
+              </a:spcBef>
+              <a:spcAft>
+                <a:spcPts val="0"/>
+              </a:spcAft>
+              <a:buClr>
+                <a:srgbClr val="000000"/>
+              </a:buClr>
+              <a:buSzPts val="1000"/>
+              <a:buFont typeface="Arial"/>
+              <a:buNone/>
+              <a:defRPr b="0" i="0" sz="1000" u="none" cap="none" strike="noStrike">
+                <a:solidFill>
+                  <a:schemeClr val="dk2"/>
+                </a:solidFill>
+                <a:latin typeface="Arial"/>
+                <a:ea typeface="Arial"/>
+                <a:cs typeface="Arial"/>
+                <a:sym typeface="Arial"/>
+              </a:defRPr>
             </a:lvl5pPr>
-            <a:lvl6pPr lvl="5">
-              <a:buNone/>
-              <a:defRPr/>
+            <a:lvl6pPr indent="0" lvl="5" marL="0" marR="0" algn="r">
+              <a:lnSpc>
+                <a:spcPct val="100000"/>
+              </a:lnSpc>
+              <a:spcBef>
+                <a:spcPts val="0"/>
+              </a:spcBef>
+              <a:spcAft>
+                <a:spcPts val="0"/>
+              </a:spcAft>
+              <a:buClr>
+                <a:srgbClr val="000000"/>
+              </a:buClr>
+              <a:buSzPts val="1000"/>
+              <a:buFont typeface="Arial"/>
+              <a:buNone/>
+              <a:defRPr b="0" i="0" sz="1000" u="none" cap="none" strike="noStrike">
+                <a:solidFill>
+                  <a:schemeClr val="dk2"/>
+                </a:solidFill>
+                <a:latin typeface="Arial"/>
+                <a:ea typeface="Arial"/>
+                <a:cs typeface="Arial"/>
+                <a:sym typeface="Arial"/>
+              </a:defRPr>
             </a:lvl6pPr>
-            <a:lvl7pPr lvl="6">
-              <a:buNone/>
-              <a:defRPr/>
+            <a:lvl7pPr indent="0" lvl="6" marL="0" marR="0" algn="r">
+              <a:lnSpc>
+                <a:spcPct val="100000"/>
+              </a:lnSpc>
+              <a:spcBef>
+                <a:spcPts val="0"/>
+              </a:spcBef>
+              <a:spcAft>
+                <a:spcPts val="0"/>
+              </a:spcAft>
+              <a:buClr>
+                <a:srgbClr val="000000"/>
+              </a:buClr>
+              <a:buSzPts val="1000"/>
+              <a:buFont typeface="Arial"/>
+              <a:buNone/>
+              <a:defRPr b="0" i="0" sz="1000" u="none" cap="none" strike="noStrike">
+                <a:solidFill>
+                  <a:schemeClr val="dk2"/>
+                </a:solidFill>
+                <a:latin typeface="Arial"/>
+                <a:ea typeface="Arial"/>
+                <a:cs typeface="Arial"/>
+                <a:sym typeface="Arial"/>
+              </a:defRPr>
             </a:lvl7pPr>
-            <a:lvl8pPr lvl="7">
-              <a:buNone/>
-              <a:defRPr/>
+            <a:lvl8pPr indent="0" lvl="7" marL="0" marR="0" algn="r">
+              <a:lnSpc>
+                <a:spcPct val="100000"/>
+              </a:lnSpc>
+              <a:spcBef>
+                <a:spcPts val="0"/>
+              </a:spcBef>
+              <a:spcAft>
+                <a:spcPts val="0"/>
+              </a:spcAft>
+              <a:buClr>
+                <a:srgbClr val="000000"/>
+              </a:buClr>
+              <a:buSzPts val="1000"/>
+              <a:buFont typeface="Arial"/>
+              <a:buNone/>
+              <a:defRPr b="0" i="0" sz="1000" u="none" cap="none" strike="noStrike">
+                <a:solidFill>
+                  <a:schemeClr val="dk2"/>
+                </a:solidFill>
+                <a:latin typeface="Arial"/>
+                <a:ea typeface="Arial"/>
+                <a:cs typeface="Arial"/>
+                <a:sym typeface="Arial"/>
+              </a:defRPr>
             </a:lvl8pPr>
-            <a:lvl9pPr lvl="8">
-              <a:buNone/>
-              <a:defRPr/>
+            <a:lvl9pPr indent="0" lvl="8" marL="0" marR="0" algn="r">
+              <a:lnSpc>
+                <a:spcPct val="100000"/>
+              </a:lnSpc>
+              <a:spcBef>
+                <a:spcPts val="0"/>
+              </a:spcBef>
+              <a:spcAft>
+                <a:spcPts val="0"/>
+              </a:spcAft>
+              <a:buClr>
+                <a:srgbClr val="000000"/>
+              </a:buClr>
+              <a:buSzPts val="1000"/>
+              <a:buFont typeface="Arial"/>
+              <a:buNone/>
+              <a:defRPr b="0" i="0" sz="1000" u="none" cap="none" strike="noStrike">
+                <a:solidFill>
+                  <a:schemeClr val="dk2"/>
+                </a:solidFill>
+                <a:latin typeface="Arial"/>
+                <a:ea typeface="Arial"/>
+                <a:cs typeface="Arial"/>
+                <a:sym typeface="Arial"/>
+              </a:defRPr>
             </a:lvl9pPr>
           </a:lstStyle>
           <a:p>
-            <a:pPr marL="0" lvl="0" indent="0" algn="r" rtl="0">
+            <a:pPr indent="0" lvl="0" marL="0" rtl="0" algn="r">
               <a:spcBef>
                 <a:spcPts val="0"/>
               </a:spcBef>
@@ -3334,7 +5597,7 @@
               <a:buNone/>
             </a:pPr>
             <a:fld id="{00000000-1234-1234-1234-123412341234}" type="slidenum">
-              <a:rPr lang="en"/>
+              <a:rPr lang="nl-NL"/>
               <a:t>‹#›</a:t>
             </a:fld>
             <a:endParaRPr/>
@@ -3350,11 +5613,11 @@
 </file>
 
 <file path=ppt/slideLayouts/slideLayout7.xml><?xml version="1.0" encoding="utf-8"?>
-<p:sldLayout xmlns:a="http://schemas.openxmlformats.org/drawingml/2006/main" xmlns:r="http://schemas.openxmlformats.org/officeDocument/2006/relationships" xmlns:p="http://schemas.openxmlformats.org/presentationml/2006/main" matchingName="Main point">
+<p:sldLayout xmlns:a="http://schemas.openxmlformats.org/drawingml/2006/main" xmlns:r="http://schemas.openxmlformats.org/officeDocument/2006/relationships" xmlns:mc="http://schemas.openxmlformats.org/markup-compatibility/2006" xmlns:mv="urn:schemas-microsoft-com:mac:vml" xmlns:p="http://schemas.openxmlformats.org/presentationml/2006/main" xmlns:c="http://schemas.openxmlformats.org/drawingml/2006/chart" xmlns:dgm="http://schemas.openxmlformats.org/drawingml/2006/diagram" xmlns:o="urn:schemas-microsoft-com:office:office" xmlns:v="urn:schemas-microsoft-com:vml" xmlns:pvml="urn:schemas-microsoft-com:office:powerpoint" xmlns:com="http://schemas.openxmlformats.org/drawingml/2006/compatibility" xmlns:p14="http://schemas.microsoft.com/office/powerpoint/2010/main" xmlns:p15="http://schemas.microsoft.com/office/powerpoint/2012/main" matchingName="Main point">
   <p:cSld name="MAIN_POINT">
     <p:spTree>
       <p:nvGrpSpPr>
-        <p:cNvPr id="1" name="Shape 32"/>
+        <p:cNvPr id="32" name="Shape 32"/>
         <p:cNvGrpSpPr/>
         <p:nvPr/>
       </p:nvGrpSpPr>
@@ -3368,10 +5631,8 @@
       </p:grpSpPr>
       <p:sp>
         <p:nvSpPr>
-          <p:cNvPr id="33" name="Google Shape;33;p8"/>
-          <p:cNvSpPr txBox="1">
-            <a:spLocks noGrp="1"/>
-          </p:cNvSpPr>
+          <p:cNvPr id="33" name="Google Shape;33;p10"/>
+          <p:cNvSpPr txBox="1"/>
           <p:nvPr>
             <p:ph type="title"/>
           </p:nvPr>
@@ -3384,13 +5645,20 @@
           <a:prstGeom prst="rect">
             <a:avLst/>
           </a:prstGeom>
+          <a:noFill/>
+          <a:ln>
+            <a:noFill/>
+          </a:ln>
         </p:spPr>
         <p:txBody>
-          <a:bodyPr spcFirstLastPara="1" wrap="square" lIns="91425" tIns="91425" rIns="91425" bIns="91425" anchor="ctr" anchorCtr="0">
+          <a:bodyPr anchorCtr="0" anchor="ctr" bIns="91425" lIns="91425" spcFirstLastPara="1" rIns="91425" wrap="square" tIns="91425">
             <a:noAutofit/>
           </a:bodyPr>
           <a:lstStyle>
-            <a:lvl1pPr lvl="0">
+            <a:lvl1pPr lvl="0" algn="l">
+              <a:lnSpc>
+                <a:spcPct val="100000"/>
+              </a:lnSpc>
               <a:spcBef>
                 <a:spcPts val="0"/>
               </a:spcBef>
@@ -3401,7 +5669,10 @@
               <a:buNone/>
               <a:defRPr sz="4800"/>
             </a:lvl1pPr>
-            <a:lvl2pPr lvl="1">
+            <a:lvl2pPr lvl="1" algn="l">
+              <a:lnSpc>
+                <a:spcPct val="100000"/>
+              </a:lnSpc>
               <a:spcBef>
                 <a:spcPts val="0"/>
               </a:spcBef>
@@ -3412,7 +5683,10 @@
               <a:buNone/>
               <a:defRPr sz="4800"/>
             </a:lvl2pPr>
-            <a:lvl3pPr lvl="2">
+            <a:lvl3pPr lvl="2" algn="l">
+              <a:lnSpc>
+                <a:spcPct val="100000"/>
+              </a:lnSpc>
               <a:spcBef>
                 <a:spcPts val="0"/>
               </a:spcBef>
@@ -3423,7 +5697,10 @@
               <a:buNone/>
               <a:defRPr sz="4800"/>
             </a:lvl3pPr>
-            <a:lvl4pPr lvl="3">
+            <a:lvl4pPr lvl="3" algn="l">
+              <a:lnSpc>
+                <a:spcPct val="100000"/>
+              </a:lnSpc>
               <a:spcBef>
                 <a:spcPts val="0"/>
               </a:spcBef>
@@ -3434,7 +5711,10 @@
               <a:buNone/>
               <a:defRPr sz="4800"/>
             </a:lvl4pPr>
-            <a:lvl5pPr lvl="4">
+            <a:lvl5pPr lvl="4" algn="l">
+              <a:lnSpc>
+                <a:spcPct val="100000"/>
+              </a:lnSpc>
               <a:spcBef>
                 <a:spcPts val="0"/>
               </a:spcBef>
@@ -3445,7 +5725,10 @@
               <a:buNone/>
               <a:defRPr sz="4800"/>
             </a:lvl5pPr>
-            <a:lvl6pPr lvl="5">
+            <a:lvl6pPr lvl="5" algn="l">
+              <a:lnSpc>
+                <a:spcPct val="100000"/>
+              </a:lnSpc>
               <a:spcBef>
                 <a:spcPts val="0"/>
               </a:spcBef>
@@ -3456,7 +5739,10 @@
               <a:buNone/>
               <a:defRPr sz="4800"/>
             </a:lvl6pPr>
-            <a:lvl7pPr lvl="6">
+            <a:lvl7pPr lvl="6" algn="l">
+              <a:lnSpc>
+                <a:spcPct val="100000"/>
+              </a:lnSpc>
               <a:spcBef>
                 <a:spcPts val="0"/>
               </a:spcBef>
@@ -3467,7 +5753,10 @@
               <a:buNone/>
               <a:defRPr sz="4800"/>
             </a:lvl7pPr>
-            <a:lvl8pPr lvl="7">
+            <a:lvl8pPr lvl="7" algn="l">
+              <a:lnSpc>
+                <a:spcPct val="100000"/>
+              </a:lnSpc>
               <a:spcBef>
                 <a:spcPts val="0"/>
               </a:spcBef>
@@ -3478,7 +5767,10 @@
               <a:buNone/>
               <a:defRPr sz="4800"/>
             </a:lvl8pPr>
-            <a:lvl9pPr lvl="8">
+            <a:lvl9pPr lvl="8" algn="l">
+              <a:lnSpc>
+                <a:spcPct val="100000"/>
+              </a:lnSpc>
               <a:spcBef>
                 <a:spcPts val="0"/>
               </a:spcBef>
@@ -3490,19 +5782,15 @@
               <a:defRPr sz="4800"/>
             </a:lvl9pPr>
           </a:lstStyle>
-          <a:p>
-            <a:endParaRPr/>
-          </a:p>
+          <a:p/>
         </p:txBody>
       </p:sp>
       <p:sp>
         <p:nvSpPr>
-          <p:cNvPr id="34" name="Google Shape;34;p8"/>
-          <p:cNvSpPr txBox="1">
-            <a:spLocks noGrp="1"/>
-          </p:cNvSpPr>
+          <p:cNvPr id="34" name="Google Shape;34;p10"/>
+          <p:cNvSpPr txBox="1"/>
           <p:nvPr>
-            <p:ph type="sldNum" idx="12"/>
+            <p:ph idx="12" type="sldNum"/>
           </p:nvPr>
         </p:nvSpPr>
         <p:spPr>
@@ -3513,51 +5801,253 @@
           <a:prstGeom prst="rect">
             <a:avLst/>
           </a:prstGeom>
+          <a:noFill/>
+          <a:ln>
+            <a:noFill/>
+          </a:ln>
         </p:spPr>
         <p:txBody>
-          <a:bodyPr spcFirstLastPara="1" wrap="square" lIns="91425" tIns="91425" rIns="91425" bIns="91425" anchor="ctr" anchorCtr="0">
+          <a:bodyPr anchorCtr="0" anchor="ctr" bIns="91425" lIns="91425" spcFirstLastPara="1" rIns="91425" wrap="square" tIns="91425">
             <a:noAutofit/>
           </a:bodyPr>
           <a:lstStyle>
-            <a:lvl1pPr lvl="0">
-              <a:buNone/>
-              <a:defRPr/>
+            <a:lvl1pPr indent="0" lvl="0" marL="0" marR="0" algn="r">
+              <a:lnSpc>
+                <a:spcPct val="100000"/>
+              </a:lnSpc>
+              <a:spcBef>
+                <a:spcPts val="0"/>
+              </a:spcBef>
+              <a:spcAft>
+                <a:spcPts val="0"/>
+              </a:spcAft>
+              <a:buClr>
+                <a:srgbClr val="000000"/>
+              </a:buClr>
+              <a:buSzPts val="1000"/>
+              <a:buFont typeface="Arial"/>
+              <a:buNone/>
+              <a:defRPr b="0" i="0" sz="1000" u="none" cap="none" strike="noStrike">
+                <a:solidFill>
+                  <a:schemeClr val="dk2"/>
+                </a:solidFill>
+                <a:latin typeface="Arial"/>
+                <a:ea typeface="Arial"/>
+                <a:cs typeface="Arial"/>
+                <a:sym typeface="Arial"/>
+              </a:defRPr>
             </a:lvl1pPr>
-            <a:lvl2pPr lvl="1">
-              <a:buNone/>
-              <a:defRPr/>
+            <a:lvl2pPr indent="0" lvl="1" marL="0" marR="0" algn="r">
+              <a:lnSpc>
+                <a:spcPct val="100000"/>
+              </a:lnSpc>
+              <a:spcBef>
+                <a:spcPts val="0"/>
+              </a:spcBef>
+              <a:spcAft>
+                <a:spcPts val="0"/>
+              </a:spcAft>
+              <a:buClr>
+                <a:srgbClr val="000000"/>
+              </a:buClr>
+              <a:buSzPts val="1000"/>
+              <a:buFont typeface="Arial"/>
+              <a:buNone/>
+              <a:defRPr b="0" i="0" sz="1000" u="none" cap="none" strike="noStrike">
+                <a:solidFill>
+                  <a:schemeClr val="dk2"/>
+                </a:solidFill>
+                <a:latin typeface="Arial"/>
+                <a:ea typeface="Arial"/>
+                <a:cs typeface="Arial"/>
+                <a:sym typeface="Arial"/>
+              </a:defRPr>
             </a:lvl2pPr>
-            <a:lvl3pPr lvl="2">
-              <a:buNone/>
-              <a:defRPr/>
+            <a:lvl3pPr indent="0" lvl="2" marL="0" marR="0" algn="r">
+              <a:lnSpc>
+                <a:spcPct val="100000"/>
+              </a:lnSpc>
+              <a:spcBef>
+                <a:spcPts val="0"/>
+              </a:spcBef>
+              <a:spcAft>
+                <a:spcPts val="0"/>
+              </a:spcAft>
+              <a:buClr>
+                <a:srgbClr val="000000"/>
+              </a:buClr>
+              <a:buSzPts val="1000"/>
+              <a:buFont typeface="Arial"/>
+              <a:buNone/>
+              <a:defRPr b="0" i="0" sz="1000" u="none" cap="none" strike="noStrike">
+                <a:solidFill>
+                  <a:schemeClr val="dk2"/>
+                </a:solidFill>
+                <a:latin typeface="Arial"/>
+                <a:ea typeface="Arial"/>
+                <a:cs typeface="Arial"/>
+                <a:sym typeface="Arial"/>
+              </a:defRPr>
             </a:lvl3pPr>
-            <a:lvl4pPr lvl="3">
-              <a:buNone/>
-              <a:defRPr/>
+            <a:lvl4pPr indent="0" lvl="3" marL="0" marR="0" algn="r">
+              <a:lnSpc>
+                <a:spcPct val="100000"/>
+              </a:lnSpc>
+              <a:spcBef>
+                <a:spcPts val="0"/>
+              </a:spcBef>
+              <a:spcAft>
+                <a:spcPts val="0"/>
+              </a:spcAft>
+              <a:buClr>
+                <a:srgbClr val="000000"/>
+              </a:buClr>
+              <a:buSzPts val="1000"/>
+              <a:buFont typeface="Arial"/>
+              <a:buNone/>
+              <a:defRPr b="0" i="0" sz="1000" u="none" cap="none" strike="noStrike">
+                <a:solidFill>
+                  <a:schemeClr val="dk2"/>
+                </a:solidFill>
+                <a:latin typeface="Arial"/>
+                <a:ea typeface="Arial"/>
+                <a:cs typeface="Arial"/>
+                <a:sym typeface="Arial"/>
+              </a:defRPr>
             </a:lvl4pPr>
-            <a:lvl5pPr lvl="4">
-              <a:buNone/>
-              <a:defRPr/>
+            <a:lvl5pPr indent="0" lvl="4" marL="0" marR="0" algn="r">
+              <a:lnSpc>
+                <a:spcPct val="100000"/>
+              </a:lnSpc>
+              <a:spcBef>
+                <a:spcPts val="0"/>
+              </a:spcBef>
+              <a:spcAft>
+                <a:spcPts val="0"/>
+              </a:spcAft>
+              <a:buClr>
+                <a:srgbClr val="000000"/>
+              </a:buClr>
+              <a:buSzPts val="1000"/>
+              <a:buFont typeface="Arial"/>
+              <a:buNone/>
+              <a:defRPr b="0" i="0" sz="1000" u="none" cap="none" strike="noStrike">
+                <a:solidFill>
+                  <a:schemeClr val="dk2"/>
+                </a:solidFill>
+                <a:latin typeface="Arial"/>
+                <a:ea typeface="Arial"/>
+                <a:cs typeface="Arial"/>
+                <a:sym typeface="Arial"/>
+              </a:defRPr>
             </a:lvl5pPr>
-            <a:lvl6pPr lvl="5">
-              <a:buNone/>
-              <a:defRPr/>
+            <a:lvl6pPr indent="0" lvl="5" marL="0" marR="0" algn="r">
+              <a:lnSpc>
+                <a:spcPct val="100000"/>
+              </a:lnSpc>
+              <a:spcBef>
+                <a:spcPts val="0"/>
+              </a:spcBef>
+              <a:spcAft>
+                <a:spcPts val="0"/>
+              </a:spcAft>
+              <a:buClr>
+                <a:srgbClr val="000000"/>
+              </a:buClr>
+              <a:buSzPts val="1000"/>
+              <a:buFont typeface="Arial"/>
+              <a:buNone/>
+              <a:defRPr b="0" i="0" sz="1000" u="none" cap="none" strike="noStrike">
+                <a:solidFill>
+                  <a:schemeClr val="dk2"/>
+                </a:solidFill>
+                <a:latin typeface="Arial"/>
+                <a:ea typeface="Arial"/>
+                <a:cs typeface="Arial"/>
+                <a:sym typeface="Arial"/>
+              </a:defRPr>
             </a:lvl6pPr>
-            <a:lvl7pPr lvl="6">
-              <a:buNone/>
-              <a:defRPr/>
+            <a:lvl7pPr indent="0" lvl="6" marL="0" marR="0" algn="r">
+              <a:lnSpc>
+                <a:spcPct val="100000"/>
+              </a:lnSpc>
+              <a:spcBef>
+                <a:spcPts val="0"/>
+              </a:spcBef>
+              <a:spcAft>
+                <a:spcPts val="0"/>
+              </a:spcAft>
+              <a:buClr>
+                <a:srgbClr val="000000"/>
+              </a:buClr>
+              <a:buSzPts val="1000"/>
+              <a:buFont typeface="Arial"/>
+              <a:buNone/>
+              <a:defRPr b="0" i="0" sz="1000" u="none" cap="none" strike="noStrike">
+                <a:solidFill>
+                  <a:schemeClr val="dk2"/>
+                </a:solidFill>
+                <a:latin typeface="Arial"/>
+                <a:ea typeface="Arial"/>
+                <a:cs typeface="Arial"/>
+                <a:sym typeface="Arial"/>
+              </a:defRPr>
             </a:lvl7pPr>
-            <a:lvl8pPr lvl="7">
-              <a:buNone/>
-              <a:defRPr/>
+            <a:lvl8pPr indent="0" lvl="7" marL="0" marR="0" algn="r">
+              <a:lnSpc>
+                <a:spcPct val="100000"/>
+              </a:lnSpc>
+              <a:spcBef>
+                <a:spcPts val="0"/>
+              </a:spcBef>
+              <a:spcAft>
+                <a:spcPts val="0"/>
+              </a:spcAft>
+              <a:buClr>
+                <a:srgbClr val="000000"/>
+              </a:buClr>
+              <a:buSzPts val="1000"/>
+              <a:buFont typeface="Arial"/>
+              <a:buNone/>
+              <a:defRPr b="0" i="0" sz="1000" u="none" cap="none" strike="noStrike">
+                <a:solidFill>
+                  <a:schemeClr val="dk2"/>
+                </a:solidFill>
+                <a:latin typeface="Arial"/>
+                <a:ea typeface="Arial"/>
+                <a:cs typeface="Arial"/>
+                <a:sym typeface="Arial"/>
+              </a:defRPr>
             </a:lvl8pPr>
-            <a:lvl9pPr lvl="8">
-              <a:buNone/>
-              <a:defRPr/>
+            <a:lvl9pPr indent="0" lvl="8" marL="0" marR="0" algn="r">
+              <a:lnSpc>
+                <a:spcPct val="100000"/>
+              </a:lnSpc>
+              <a:spcBef>
+                <a:spcPts val="0"/>
+              </a:spcBef>
+              <a:spcAft>
+                <a:spcPts val="0"/>
+              </a:spcAft>
+              <a:buClr>
+                <a:srgbClr val="000000"/>
+              </a:buClr>
+              <a:buSzPts val="1000"/>
+              <a:buFont typeface="Arial"/>
+              <a:buNone/>
+              <a:defRPr b="0" i="0" sz="1000" u="none" cap="none" strike="noStrike">
+                <a:solidFill>
+                  <a:schemeClr val="dk2"/>
+                </a:solidFill>
+                <a:latin typeface="Arial"/>
+                <a:ea typeface="Arial"/>
+                <a:cs typeface="Arial"/>
+                <a:sym typeface="Arial"/>
+              </a:defRPr>
             </a:lvl9pPr>
           </a:lstStyle>
           <a:p>
-            <a:pPr marL="0" lvl="0" indent="0" algn="r" rtl="0">
+            <a:pPr indent="0" lvl="0" marL="0" rtl="0" algn="r">
               <a:spcBef>
                 <a:spcPts val="0"/>
               </a:spcBef>
@@ -3567,7 +6057,7 @@
               <a:buNone/>
             </a:pPr>
             <a:fld id="{00000000-1234-1234-1234-123412341234}" type="slidenum">
-              <a:rPr lang="en"/>
+              <a:rPr lang="nl-NL"/>
               <a:t>‹#›</a:t>
             </a:fld>
             <a:endParaRPr/>
@@ -3583,11 +6073,11 @@
 </file>
 
 <file path=ppt/slideLayouts/slideLayout8.xml><?xml version="1.0" encoding="utf-8"?>
-<p:sldLayout xmlns:a="http://schemas.openxmlformats.org/drawingml/2006/main" xmlns:r="http://schemas.openxmlformats.org/officeDocument/2006/relationships" xmlns:p="http://schemas.openxmlformats.org/presentationml/2006/main" matchingName="Section title and description">
+<p:sldLayout xmlns:a="http://schemas.openxmlformats.org/drawingml/2006/main" xmlns:r="http://schemas.openxmlformats.org/officeDocument/2006/relationships" xmlns:mc="http://schemas.openxmlformats.org/markup-compatibility/2006" xmlns:mv="urn:schemas-microsoft-com:mac:vml" xmlns:p="http://schemas.openxmlformats.org/presentationml/2006/main" xmlns:c="http://schemas.openxmlformats.org/drawingml/2006/chart" xmlns:dgm="http://schemas.openxmlformats.org/drawingml/2006/diagram" xmlns:o="urn:schemas-microsoft-com:office:office" xmlns:v="urn:schemas-microsoft-com:vml" xmlns:pvml="urn:schemas-microsoft-com:office:powerpoint" xmlns:com="http://schemas.openxmlformats.org/drawingml/2006/compatibility" xmlns:p14="http://schemas.microsoft.com/office/powerpoint/2010/main" xmlns:p15="http://schemas.microsoft.com/office/powerpoint/2012/main" matchingName="Section title and description">
   <p:cSld name="SECTION_TITLE_AND_DESCRIPTION">
     <p:spTree>
       <p:nvGrpSpPr>
-        <p:cNvPr id="1" name="Shape 35"/>
+        <p:cNvPr id="35" name="Shape 35"/>
         <p:cNvGrpSpPr/>
         <p:nvPr/>
       </p:nvGrpSpPr>
@@ -3601,7 +6091,7 @@
       </p:grpSpPr>
       <p:sp>
         <p:nvSpPr>
-          <p:cNvPr id="36" name="Google Shape;36;p9"/>
+          <p:cNvPr id="36" name="Google Shape;36;p11"/>
           <p:cNvSpPr/>
           <p:nvPr/>
         </p:nvSpPr>
@@ -3621,30 +6111,47 @@
           </a:ln>
         </p:spPr>
         <p:txBody>
-          <a:bodyPr spcFirstLastPara="1" wrap="square" lIns="91425" tIns="91425" rIns="91425" bIns="91425" anchor="ctr" anchorCtr="0">
+          <a:bodyPr anchorCtr="0" anchor="ctr" bIns="91425" lIns="91425" spcFirstLastPara="1" rIns="91425" wrap="square" tIns="91425">
             <a:noAutofit/>
           </a:bodyPr>
           <a:lstStyle/>
           <a:p>
-            <a:pPr marL="0" lvl="0" indent="0" algn="l" rtl="0">
-              <a:spcBef>
-                <a:spcPts val="0"/>
-              </a:spcBef>
-              <a:spcAft>
-                <a:spcPts val="0"/>
-              </a:spcAft>
+            <a:pPr indent="0" lvl="0" marL="0" marR="0" rtl="0" algn="l">
+              <a:lnSpc>
+                <a:spcPct val="100000"/>
+              </a:lnSpc>
+              <a:spcBef>
+                <a:spcPts val="0"/>
+              </a:spcBef>
+              <a:spcAft>
+                <a:spcPts val="0"/>
+              </a:spcAft>
+              <a:buClr>
+                <a:srgbClr val="000000"/>
+              </a:buClr>
+              <a:buSzPts val="1400"/>
+              <a:buFont typeface="Arial"/>
               <a:buNone/>
             </a:pPr>
-            <a:endParaRPr/>
+            <a:r>
+              <a:t/>
+            </a:r>
+            <a:endParaRPr b="0" i="0" sz="1400" u="none" cap="none" strike="noStrike">
+              <a:solidFill>
+                <a:srgbClr val="000000"/>
+              </a:solidFill>
+              <a:latin typeface="Arial"/>
+              <a:ea typeface="Arial"/>
+              <a:cs typeface="Arial"/>
+              <a:sym typeface="Arial"/>
+            </a:endParaRPr>
           </a:p>
         </p:txBody>
       </p:sp>
       <p:sp>
         <p:nvSpPr>
-          <p:cNvPr id="37" name="Google Shape;37;p9"/>
-          <p:cNvSpPr txBox="1">
-            <a:spLocks noGrp="1"/>
-          </p:cNvSpPr>
+          <p:cNvPr id="37" name="Google Shape;37;p11"/>
+          <p:cNvSpPr txBox="1"/>
           <p:nvPr>
             <p:ph type="title"/>
           </p:nvPr>
@@ -3657,13 +6164,20 @@
           <a:prstGeom prst="rect">
             <a:avLst/>
           </a:prstGeom>
+          <a:noFill/>
+          <a:ln>
+            <a:noFill/>
+          </a:ln>
         </p:spPr>
         <p:txBody>
-          <a:bodyPr spcFirstLastPara="1" wrap="square" lIns="91425" tIns="91425" rIns="91425" bIns="91425" anchor="b" anchorCtr="0">
+          <a:bodyPr anchorCtr="0" anchor="b" bIns="91425" lIns="91425" spcFirstLastPara="1" rIns="91425" wrap="square" tIns="91425">
             <a:noAutofit/>
           </a:bodyPr>
           <a:lstStyle>
             <a:lvl1pPr lvl="0" algn="ctr">
+              <a:lnSpc>
+                <a:spcPct val="100000"/>
+              </a:lnSpc>
               <a:spcBef>
                 <a:spcPts val="0"/>
               </a:spcBef>
@@ -3675,6 +6189,9 @@
               <a:defRPr sz="4200"/>
             </a:lvl1pPr>
             <a:lvl2pPr lvl="1" algn="ctr">
+              <a:lnSpc>
+                <a:spcPct val="100000"/>
+              </a:lnSpc>
               <a:spcBef>
                 <a:spcPts val="0"/>
               </a:spcBef>
@@ -3686,6 +6203,9 @@
               <a:defRPr sz="4200"/>
             </a:lvl2pPr>
             <a:lvl3pPr lvl="2" algn="ctr">
+              <a:lnSpc>
+                <a:spcPct val="100000"/>
+              </a:lnSpc>
               <a:spcBef>
                 <a:spcPts val="0"/>
               </a:spcBef>
@@ -3697,6 +6217,9 @@
               <a:defRPr sz="4200"/>
             </a:lvl3pPr>
             <a:lvl4pPr lvl="3" algn="ctr">
+              <a:lnSpc>
+                <a:spcPct val="100000"/>
+              </a:lnSpc>
               <a:spcBef>
                 <a:spcPts val="0"/>
               </a:spcBef>
@@ -3708,6 +6231,9 @@
               <a:defRPr sz="4200"/>
             </a:lvl4pPr>
             <a:lvl5pPr lvl="4" algn="ctr">
+              <a:lnSpc>
+                <a:spcPct val="100000"/>
+              </a:lnSpc>
               <a:spcBef>
                 <a:spcPts val="0"/>
               </a:spcBef>
@@ -3719,6 +6245,9 @@
               <a:defRPr sz="4200"/>
             </a:lvl5pPr>
             <a:lvl6pPr lvl="5" algn="ctr">
+              <a:lnSpc>
+                <a:spcPct val="100000"/>
+              </a:lnSpc>
               <a:spcBef>
                 <a:spcPts val="0"/>
               </a:spcBef>
@@ -3730,6 +6259,9 @@
               <a:defRPr sz="4200"/>
             </a:lvl6pPr>
             <a:lvl7pPr lvl="6" algn="ctr">
+              <a:lnSpc>
+                <a:spcPct val="100000"/>
+              </a:lnSpc>
               <a:spcBef>
                 <a:spcPts val="0"/>
               </a:spcBef>
@@ -3741,6 +6273,9 @@
               <a:defRPr sz="4200"/>
             </a:lvl7pPr>
             <a:lvl8pPr lvl="7" algn="ctr">
+              <a:lnSpc>
+                <a:spcPct val="100000"/>
+              </a:lnSpc>
               <a:spcBef>
                 <a:spcPts val="0"/>
               </a:spcBef>
@@ -3752,6 +6287,9 @@
               <a:defRPr sz="4200"/>
             </a:lvl8pPr>
             <a:lvl9pPr lvl="8" algn="ctr">
+              <a:lnSpc>
+                <a:spcPct val="100000"/>
+              </a:lnSpc>
               <a:spcBef>
                 <a:spcPts val="0"/>
               </a:spcBef>
@@ -3763,19 +6301,15 @@
               <a:defRPr sz="4200"/>
             </a:lvl9pPr>
           </a:lstStyle>
-          <a:p>
-            <a:endParaRPr/>
-          </a:p>
+          <a:p/>
         </p:txBody>
       </p:sp>
       <p:sp>
         <p:nvSpPr>
-          <p:cNvPr id="38" name="Google Shape;38;p9"/>
-          <p:cNvSpPr txBox="1">
-            <a:spLocks noGrp="1"/>
-          </p:cNvSpPr>
+          <p:cNvPr id="38" name="Google Shape;38;p11"/>
+          <p:cNvSpPr txBox="1"/>
           <p:nvPr>
-            <p:ph type="subTitle" idx="1"/>
+            <p:ph idx="1" type="subTitle"/>
           </p:nvPr>
         </p:nvSpPr>
         <p:spPr>
@@ -3786,9 +6320,13 @@
           <a:prstGeom prst="rect">
             <a:avLst/>
           </a:prstGeom>
+          <a:noFill/>
+          <a:ln>
+            <a:noFill/>
+          </a:ln>
         </p:spPr>
         <p:txBody>
-          <a:bodyPr spcFirstLastPara="1" wrap="square" lIns="91425" tIns="91425" rIns="91425" bIns="91425" anchor="t" anchorCtr="0">
+          <a:bodyPr anchorCtr="0" anchor="t" bIns="91425" lIns="91425" spcFirstLastPara="1" rIns="91425" wrap="square" tIns="91425">
             <a:noAutofit/>
           </a:bodyPr>
           <a:lstStyle>
@@ -3919,19 +6457,15 @@
               <a:defRPr sz="2100"/>
             </a:lvl9pPr>
           </a:lstStyle>
-          <a:p>
-            <a:endParaRPr/>
-          </a:p>
+          <a:p/>
         </p:txBody>
       </p:sp>
       <p:sp>
         <p:nvSpPr>
-          <p:cNvPr id="39" name="Google Shape;39;p9"/>
-          <p:cNvSpPr txBox="1">
-            <a:spLocks noGrp="1"/>
-          </p:cNvSpPr>
+          <p:cNvPr id="39" name="Google Shape;39;p11"/>
+          <p:cNvSpPr txBox="1"/>
           <p:nvPr>
-            <p:ph type="body" idx="2"/>
+            <p:ph idx="2" type="body"/>
           </p:nvPr>
         </p:nvSpPr>
         <p:spPr>
@@ -3942,13 +6476,20 @@
           <a:prstGeom prst="rect">
             <a:avLst/>
           </a:prstGeom>
+          <a:noFill/>
+          <a:ln>
+            <a:noFill/>
+          </a:ln>
         </p:spPr>
         <p:txBody>
-          <a:bodyPr spcFirstLastPara="1" wrap="square" lIns="91425" tIns="91425" rIns="91425" bIns="91425" anchor="ctr" anchorCtr="0">
+          <a:bodyPr anchorCtr="0" anchor="ctr" bIns="91425" lIns="91425" spcFirstLastPara="1" rIns="91425" wrap="square" tIns="91425">
             <a:noAutofit/>
           </a:bodyPr>
           <a:lstStyle>
-            <a:lvl1pPr marL="457200" lvl="0" indent="-342900">
+            <a:lvl1pPr indent="-342900" lvl="0" marL="457200" algn="l">
+              <a:lnSpc>
+                <a:spcPct val="115000"/>
+              </a:lnSpc>
               <a:spcBef>
                 <a:spcPts val="0"/>
               </a:spcBef>
@@ -3959,7 +6500,10 @@
               <a:buChar char="●"/>
               <a:defRPr/>
             </a:lvl1pPr>
-            <a:lvl2pPr marL="914400" lvl="1" indent="-317500">
+            <a:lvl2pPr indent="-317500" lvl="1" marL="914400" algn="l">
+              <a:lnSpc>
+                <a:spcPct val="115000"/>
+              </a:lnSpc>
               <a:spcBef>
                 <a:spcPts val="1600"/>
               </a:spcBef>
@@ -3970,7 +6514,10 @@
               <a:buChar char="○"/>
               <a:defRPr/>
             </a:lvl2pPr>
-            <a:lvl3pPr marL="1371600" lvl="2" indent="-317500">
+            <a:lvl3pPr indent="-317500" lvl="2" marL="1371600" algn="l">
+              <a:lnSpc>
+                <a:spcPct val="115000"/>
+              </a:lnSpc>
               <a:spcBef>
                 <a:spcPts val="1600"/>
               </a:spcBef>
@@ -3981,7 +6528,10 @@
               <a:buChar char="■"/>
               <a:defRPr/>
             </a:lvl3pPr>
-            <a:lvl4pPr marL="1828800" lvl="3" indent="-317500">
+            <a:lvl4pPr indent="-317500" lvl="3" marL="1828800" algn="l">
+              <a:lnSpc>
+                <a:spcPct val="115000"/>
+              </a:lnSpc>
               <a:spcBef>
                 <a:spcPts val="1600"/>
               </a:spcBef>
@@ -3992,7 +6542,10 @@
               <a:buChar char="●"/>
               <a:defRPr/>
             </a:lvl4pPr>
-            <a:lvl5pPr marL="2286000" lvl="4" indent="-317500">
+            <a:lvl5pPr indent="-317500" lvl="4" marL="2286000" algn="l">
+              <a:lnSpc>
+                <a:spcPct val="115000"/>
+              </a:lnSpc>
               <a:spcBef>
                 <a:spcPts val="1600"/>
               </a:spcBef>
@@ -4003,7 +6556,10 @@
               <a:buChar char="○"/>
               <a:defRPr/>
             </a:lvl5pPr>
-            <a:lvl6pPr marL="2743200" lvl="5" indent="-317500">
+            <a:lvl6pPr indent="-317500" lvl="5" marL="2743200" algn="l">
+              <a:lnSpc>
+                <a:spcPct val="115000"/>
+              </a:lnSpc>
               <a:spcBef>
                 <a:spcPts val="1600"/>
               </a:spcBef>
@@ -4014,7 +6570,10 @@
               <a:buChar char="■"/>
               <a:defRPr/>
             </a:lvl6pPr>
-            <a:lvl7pPr marL="3200400" lvl="6" indent="-317500">
+            <a:lvl7pPr indent="-317500" lvl="6" marL="3200400" algn="l">
+              <a:lnSpc>
+                <a:spcPct val="115000"/>
+              </a:lnSpc>
               <a:spcBef>
                 <a:spcPts val="1600"/>
               </a:spcBef>
@@ -4025,7 +6584,10 @@
               <a:buChar char="●"/>
               <a:defRPr/>
             </a:lvl7pPr>
-            <a:lvl8pPr marL="3657600" lvl="7" indent="-317500">
+            <a:lvl8pPr indent="-317500" lvl="7" marL="3657600" algn="l">
+              <a:lnSpc>
+                <a:spcPct val="115000"/>
+              </a:lnSpc>
               <a:spcBef>
                 <a:spcPts val="1600"/>
               </a:spcBef>
@@ -4036,7 +6598,10 @@
               <a:buChar char="○"/>
               <a:defRPr/>
             </a:lvl8pPr>
-            <a:lvl9pPr marL="4114800" lvl="8" indent="-317500">
+            <a:lvl9pPr indent="-317500" lvl="8" marL="4114800" algn="l">
+              <a:lnSpc>
+                <a:spcPct val="115000"/>
+              </a:lnSpc>
               <a:spcBef>
                 <a:spcPts val="1600"/>
               </a:spcBef>
@@ -4048,19 +6613,15 @@
               <a:defRPr/>
             </a:lvl9pPr>
           </a:lstStyle>
-          <a:p>
-            <a:endParaRPr/>
-          </a:p>
+          <a:p/>
         </p:txBody>
       </p:sp>
       <p:sp>
         <p:nvSpPr>
-          <p:cNvPr id="40" name="Google Shape;40;p9"/>
-          <p:cNvSpPr txBox="1">
-            <a:spLocks noGrp="1"/>
-          </p:cNvSpPr>
+          <p:cNvPr id="40" name="Google Shape;40;p11"/>
+          <p:cNvSpPr txBox="1"/>
           <p:nvPr>
-            <p:ph type="sldNum" idx="12"/>
+            <p:ph idx="12" type="sldNum"/>
           </p:nvPr>
         </p:nvSpPr>
         <p:spPr>
@@ -4071,51 +6632,253 @@
           <a:prstGeom prst="rect">
             <a:avLst/>
           </a:prstGeom>
+          <a:noFill/>
+          <a:ln>
+            <a:noFill/>
+          </a:ln>
         </p:spPr>
         <p:txBody>
-          <a:bodyPr spcFirstLastPara="1" wrap="square" lIns="91425" tIns="91425" rIns="91425" bIns="91425" anchor="ctr" anchorCtr="0">
+          <a:bodyPr anchorCtr="0" anchor="ctr" bIns="91425" lIns="91425" spcFirstLastPara="1" rIns="91425" wrap="square" tIns="91425">
             <a:noAutofit/>
           </a:bodyPr>
           <a:lstStyle>
-            <a:lvl1pPr lvl="0">
-              <a:buNone/>
-              <a:defRPr/>
+            <a:lvl1pPr indent="0" lvl="0" marL="0" marR="0" algn="r">
+              <a:lnSpc>
+                <a:spcPct val="100000"/>
+              </a:lnSpc>
+              <a:spcBef>
+                <a:spcPts val="0"/>
+              </a:spcBef>
+              <a:spcAft>
+                <a:spcPts val="0"/>
+              </a:spcAft>
+              <a:buClr>
+                <a:srgbClr val="000000"/>
+              </a:buClr>
+              <a:buSzPts val="1000"/>
+              <a:buFont typeface="Arial"/>
+              <a:buNone/>
+              <a:defRPr b="0" i="0" sz="1000" u="none" cap="none" strike="noStrike">
+                <a:solidFill>
+                  <a:schemeClr val="dk2"/>
+                </a:solidFill>
+                <a:latin typeface="Arial"/>
+                <a:ea typeface="Arial"/>
+                <a:cs typeface="Arial"/>
+                <a:sym typeface="Arial"/>
+              </a:defRPr>
             </a:lvl1pPr>
-            <a:lvl2pPr lvl="1">
-              <a:buNone/>
-              <a:defRPr/>
+            <a:lvl2pPr indent="0" lvl="1" marL="0" marR="0" algn="r">
+              <a:lnSpc>
+                <a:spcPct val="100000"/>
+              </a:lnSpc>
+              <a:spcBef>
+                <a:spcPts val="0"/>
+              </a:spcBef>
+              <a:spcAft>
+                <a:spcPts val="0"/>
+              </a:spcAft>
+              <a:buClr>
+                <a:srgbClr val="000000"/>
+              </a:buClr>
+              <a:buSzPts val="1000"/>
+              <a:buFont typeface="Arial"/>
+              <a:buNone/>
+              <a:defRPr b="0" i="0" sz="1000" u="none" cap="none" strike="noStrike">
+                <a:solidFill>
+                  <a:schemeClr val="dk2"/>
+                </a:solidFill>
+                <a:latin typeface="Arial"/>
+                <a:ea typeface="Arial"/>
+                <a:cs typeface="Arial"/>
+                <a:sym typeface="Arial"/>
+              </a:defRPr>
             </a:lvl2pPr>
-            <a:lvl3pPr lvl="2">
-              <a:buNone/>
-              <a:defRPr/>
+            <a:lvl3pPr indent="0" lvl="2" marL="0" marR="0" algn="r">
+              <a:lnSpc>
+                <a:spcPct val="100000"/>
+              </a:lnSpc>
+              <a:spcBef>
+                <a:spcPts val="0"/>
+              </a:spcBef>
+              <a:spcAft>
+                <a:spcPts val="0"/>
+              </a:spcAft>
+              <a:buClr>
+                <a:srgbClr val="000000"/>
+              </a:buClr>
+              <a:buSzPts val="1000"/>
+              <a:buFont typeface="Arial"/>
+              <a:buNone/>
+              <a:defRPr b="0" i="0" sz="1000" u="none" cap="none" strike="noStrike">
+                <a:solidFill>
+                  <a:schemeClr val="dk2"/>
+                </a:solidFill>
+                <a:latin typeface="Arial"/>
+                <a:ea typeface="Arial"/>
+                <a:cs typeface="Arial"/>
+                <a:sym typeface="Arial"/>
+              </a:defRPr>
             </a:lvl3pPr>
-            <a:lvl4pPr lvl="3">
-              <a:buNone/>
-              <a:defRPr/>
+            <a:lvl4pPr indent="0" lvl="3" marL="0" marR="0" algn="r">
+              <a:lnSpc>
+                <a:spcPct val="100000"/>
+              </a:lnSpc>
+              <a:spcBef>
+                <a:spcPts val="0"/>
+              </a:spcBef>
+              <a:spcAft>
+                <a:spcPts val="0"/>
+              </a:spcAft>
+              <a:buClr>
+                <a:srgbClr val="000000"/>
+              </a:buClr>
+              <a:buSzPts val="1000"/>
+              <a:buFont typeface="Arial"/>
+              <a:buNone/>
+              <a:defRPr b="0" i="0" sz="1000" u="none" cap="none" strike="noStrike">
+                <a:solidFill>
+                  <a:schemeClr val="dk2"/>
+                </a:solidFill>
+                <a:latin typeface="Arial"/>
+                <a:ea typeface="Arial"/>
+                <a:cs typeface="Arial"/>
+                <a:sym typeface="Arial"/>
+              </a:defRPr>
             </a:lvl4pPr>
-            <a:lvl5pPr lvl="4">
-              <a:buNone/>
-              <a:defRPr/>
+            <a:lvl5pPr indent="0" lvl="4" marL="0" marR="0" algn="r">
+              <a:lnSpc>
+                <a:spcPct val="100000"/>
+              </a:lnSpc>
+              <a:spcBef>
+                <a:spcPts val="0"/>
+              </a:spcBef>
+              <a:spcAft>
+                <a:spcPts val="0"/>
+              </a:spcAft>
+              <a:buClr>
+                <a:srgbClr val="000000"/>
+              </a:buClr>
+              <a:buSzPts val="1000"/>
+              <a:buFont typeface="Arial"/>
+              <a:buNone/>
+              <a:defRPr b="0" i="0" sz="1000" u="none" cap="none" strike="noStrike">
+                <a:solidFill>
+                  <a:schemeClr val="dk2"/>
+                </a:solidFill>
+                <a:latin typeface="Arial"/>
+                <a:ea typeface="Arial"/>
+                <a:cs typeface="Arial"/>
+                <a:sym typeface="Arial"/>
+              </a:defRPr>
             </a:lvl5pPr>
-            <a:lvl6pPr lvl="5">
-              <a:buNone/>
-              <a:defRPr/>
+            <a:lvl6pPr indent="0" lvl="5" marL="0" marR="0" algn="r">
+              <a:lnSpc>
+                <a:spcPct val="100000"/>
+              </a:lnSpc>
+              <a:spcBef>
+                <a:spcPts val="0"/>
+              </a:spcBef>
+              <a:spcAft>
+                <a:spcPts val="0"/>
+              </a:spcAft>
+              <a:buClr>
+                <a:srgbClr val="000000"/>
+              </a:buClr>
+              <a:buSzPts val="1000"/>
+              <a:buFont typeface="Arial"/>
+              <a:buNone/>
+              <a:defRPr b="0" i="0" sz="1000" u="none" cap="none" strike="noStrike">
+                <a:solidFill>
+                  <a:schemeClr val="dk2"/>
+                </a:solidFill>
+                <a:latin typeface="Arial"/>
+                <a:ea typeface="Arial"/>
+                <a:cs typeface="Arial"/>
+                <a:sym typeface="Arial"/>
+              </a:defRPr>
             </a:lvl6pPr>
-            <a:lvl7pPr lvl="6">
-              <a:buNone/>
-              <a:defRPr/>
+            <a:lvl7pPr indent="0" lvl="6" marL="0" marR="0" algn="r">
+              <a:lnSpc>
+                <a:spcPct val="100000"/>
+              </a:lnSpc>
+              <a:spcBef>
+                <a:spcPts val="0"/>
+              </a:spcBef>
+              <a:spcAft>
+                <a:spcPts val="0"/>
+              </a:spcAft>
+              <a:buClr>
+                <a:srgbClr val="000000"/>
+              </a:buClr>
+              <a:buSzPts val="1000"/>
+              <a:buFont typeface="Arial"/>
+              <a:buNone/>
+              <a:defRPr b="0" i="0" sz="1000" u="none" cap="none" strike="noStrike">
+                <a:solidFill>
+                  <a:schemeClr val="dk2"/>
+                </a:solidFill>
+                <a:latin typeface="Arial"/>
+                <a:ea typeface="Arial"/>
+                <a:cs typeface="Arial"/>
+                <a:sym typeface="Arial"/>
+              </a:defRPr>
             </a:lvl7pPr>
-            <a:lvl8pPr lvl="7">
-              <a:buNone/>
-              <a:defRPr/>
+            <a:lvl8pPr indent="0" lvl="7" marL="0" marR="0" algn="r">
+              <a:lnSpc>
+                <a:spcPct val="100000"/>
+              </a:lnSpc>
+              <a:spcBef>
+                <a:spcPts val="0"/>
+              </a:spcBef>
+              <a:spcAft>
+                <a:spcPts val="0"/>
+              </a:spcAft>
+              <a:buClr>
+                <a:srgbClr val="000000"/>
+              </a:buClr>
+              <a:buSzPts val="1000"/>
+              <a:buFont typeface="Arial"/>
+              <a:buNone/>
+              <a:defRPr b="0" i="0" sz="1000" u="none" cap="none" strike="noStrike">
+                <a:solidFill>
+                  <a:schemeClr val="dk2"/>
+                </a:solidFill>
+                <a:latin typeface="Arial"/>
+                <a:ea typeface="Arial"/>
+                <a:cs typeface="Arial"/>
+                <a:sym typeface="Arial"/>
+              </a:defRPr>
             </a:lvl8pPr>
-            <a:lvl9pPr lvl="8">
-              <a:buNone/>
-              <a:defRPr/>
+            <a:lvl9pPr indent="0" lvl="8" marL="0" marR="0" algn="r">
+              <a:lnSpc>
+                <a:spcPct val="100000"/>
+              </a:lnSpc>
+              <a:spcBef>
+                <a:spcPts val="0"/>
+              </a:spcBef>
+              <a:spcAft>
+                <a:spcPts val="0"/>
+              </a:spcAft>
+              <a:buClr>
+                <a:srgbClr val="000000"/>
+              </a:buClr>
+              <a:buSzPts val="1000"/>
+              <a:buFont typeface="Arial"/>
+              <a:buNone/>
+              <a:defRPr b="0" i="0" sz="1000" u="none" cap="none" strike="noStrike">
+                <a:solidFill>
+                  <a:schemeClr val="dk2"/>
+                </a:solidFill>
+                <a:latin typeface="Arial"/>
+                <a:ea typeface="Arial"/>
+                <a:cs typeface="Arial"/>
+                <a:sym typeface="Arial"/>
+              </a:defRPr>
             </a:lvl9pPr>
           </a:lstStyle>
           <a:p>
-            <a:pPr marL="0" lvl="0" indent="0" algn="r" rtl="0">
+            <a:pPr indent="0" lvl="0" marL="0" rtl="0" algn="r">
               <a:spcBef>
                 <a:spcPts val="0"/>
               </a:spcBef>
@@ -4125,7 +6888,7 @@
               <a:buNone/>
             </a:pPr>
             <a:fld id="{00000000-1234-1234-1234-123412341234}" type="slidenum">
-              <a:rPr lang="en"/>
+              <a:rPr lang="nl-NL"/>
               <a:t>‹#›</a:t>
             </a:fld>
             <a:endParaRPr/>
@@ -4141,11 +6904,11 @@
 </file>
 
 <file path=ppt/slideLayouts/slideLayout9.xml><?xml version="1.0" encoding="utf-8"?>
-<p:sldLayout xmlns:a="http://schemas.openxmlformats.org/drawingml/2006/main" xmlns:r="http://schemas.openxmlformats.org/officeDocument/2006/relationships" xmlns:p="http://schemas.openxmlformats.org/presentationml/2006/main" matchingName="Caption">
+<p:sldLayout xmlns:a="http://schemas.openxmlformats.org/drawingml/2006/main" xmlns:r="http://schemas.openxmlformats.org/officeDocument/2006/relationships" xmlns:mc="http://schemas.openxmlformats.org/markup-compatibility/2006" xmlns:mv="urn:schemas-microsoft-com:mac:vml" xmlns:p="http://schemas.openxmlformats.org/presentationml/2006/main" xmlns:c="http://schemas.openxmlformats.org/drawingml/2006/chart" xmlns:dgm="http://schemas.openxmlformats.org/drawingml/2006/diagram" xmlns:o="urn:schemas-microsoft-com:office:office" xmlns:v="urn:schemas-microsoft-com:vml" xmlns:pvml="urn:schemas-microsoft-com:office:powerpoint" xmlns:com="http://schemas.openxmlformats.org/drawingml/2006/compatibility" xmlns:p14="http://schemas.microsoft.com/office/powerpoint/2010/main" xmlns:p15="http://schemas.microsoft.com/office/powerpoint/2012/main" matchingName="Caption">
   <p:cSld name="CAPTION_ONLY">
     <p:spTree>
       <p:nvGrpSpPr>
-        <p:cNvPr id="1" name="Shape 41"/>
+        <p:cNvPr id="41" name="Shape 41"/>
         <p:cNvGrpSpPr/>
         <p:nvPr/>
       </p:nvGrpSpPr>
@@ -4159,12 +6922,10 @@
       </p:grpSpPr>
       <p:sp>
         <p:nvSpPr>
-          <p:cNvPr id="42" name="Google Shape;42;p10"/>
-          <p:cNvSpPr txBox="1">
-            <a:spLocks noGrp="1"/>
-          </p:cNvSpPr>
+          <p:cNvPr id="42" name="Google Shape;42;p12"/>
+          <p:cNvSpPr txBox="1"/>
           <p:nvPr>
-            <p:ph type="body" idx="1"/>
+            <p:ph idx="1" type="body"/>
           </p:nvPr>
         </p:nvSpPr>
         <p:spPr>
@@ -4175,13 +6936,17 @@
           <a:prstGeom prst="rect">
             <a:avLst/>
           </a:prstGeom>
+          <a:noFill/>
+          <a:ln>
+            <a:noFill/>
+          </a:ln>
         </p:spPr>
         <p:txBody>
-          <a:bodyPr spcFirstLastPara="1" wrap="square" lIns="91425" tIns="91425" rIns="91425" bIns="91425" anchor="ctr" anchorCtr="0">
+          <a:bodyPr anchorCtr="0" anchor="ctr" bIns="91425" lIns="91425" spcFirstLastPara="1" rIns="91425" wrap="square" tIns="91425">
             <a:noAutofit/>
           </a:bodyPr>
           <a:lstStyle>
-            <a:lvl1pPr marL="457200" lvl="0" indent="-228600">
+            <a:lvl1pPr indent="-228600" lvl="0" marL="457200" algn="l">
               <a:lnSpc>
                 <a:spcPct val="100000"/>
               </a:lnSpc>
@@ -4196,19 +6961,15 @@
               <a:defRPr/>
             </a:lvl1pPr>
           </a:lstStyle>
-          <a:p>
-            <a:endParaRPr/>
-          </a:p>
+          <a:p/>
         </p:txBody>
       </p:sp>
       <p:sp>
         <p:nvSpPr>
-          <p:cNvPr id="43" name="Google Shape;43;p10"/>
-          <p:cNvSpPr txBox="1">
-            <a:spLocks noGrp="1"/>
-          </p:cNvSpPr>
+          <p:cNvPr id="43" name="Google Shape;43;p12"/>
+          <p:cNvSpPr txBox="1"/>
           <p:nvPr>
-            <p:ph type="sldNum" idx="12"/>
+            <p:ph idx="12" type="sldNum"/>
           </p:nvPr>
         </p:nvSpPr>
         <p:spPr>
@@ -4219,51 +6980,253 @@
           <a:prstGeom prst="rect">
             <a:avLst/>
           </a:prstGeom>
+          <a:noFill/>
+          <a:ln>
+            <a:noFill/>
+          </a:ln>
         </p:spPr>
         <p:txBody>
-          <a:bodyPr spcFirstLastPara="1" wrap="square" lIns="91425" tIns="91425" rIns="91425" bIns="91425" anchor="ctr" anchorCtr="0">
+          <a:bodyPr anchorCtr="0" anchor="ctr" bIns="91425" lIns="91425" spcFirstLastPara="1" rIns="91425" wrap="square" tIns="91425">
             <a:noAutofit/>
           </a:bodyPr>
           <a:lstStyle>
-            <a:lvl1pPr lvl="0">
-              <a:buNone/>
-              <a:defRPr/>
+            <a:lvl1pPr indent="0" lvl="0" marL="0" marR="0" algn="r">
+              <a:lnSpc>
+                <a:spcPct val="100000"/>
+              </a:lnSpc>
+              <a:spcBef>
+                <a:spcPts val="0"/>
+              </a:spcBef>
+              <a:spcAft>
+                <a:spcPts val="0"/>
+              </a:spcAft>
+              <a:buClr>
+                <a:srgbClr val="000000"/>
+              </a:buClr>
+              <a:buSzPts val="1000"/>
+              <a:buFont typeface="Arial"/>
+              <a:buNone/>
+              <a:defRPr b="0" i="0" sz="1000" u="none" cap="none" strike="noStrike">
+                <a:solidFill>
+                  <a:schemeClr val="dk2"/>
+                </a:solidFill>
+                <a:latin typeface="Arial"/>
+                <a:ea typeface="Arial"/>
+                <a:cs typeface="Arial"/>
+                <a:sym typeface="Arial"/>
+              </a:defRPr>
             </a:lvl1pPr>
-            <a:lvl2pPr lvl="1">
-              <a:buNone/>
-              <a:defRPr/>
+            <a:lvl2pPr indent="0" lvl="1" marL="0" marR="0" algn="r">
+              <a:lnSpc>
+                <a:spcPct val="100000"/>
+              </a:lnSpc>
+              <a:spcBef>
+                <a:spcPts val="0"/>
+              </a:spcBef>
+              <a:spcAft>
+                <a:spcPts val="0"/>
+              </a:spcAft>
+              <a:buClr>
+                <a:srgbClr val="000000"/>
+              </a:buClr>
+              <a:buSzPts val="1000"/>
+              <a:buFont typeface="Arial"/>
+              <a:buNone/>
+              <a:defRPr b="0" i="0" sz="1000" u="none" cap="none" strike="noStrike">
+                <a:solidFill>
+                  <a:schemeClr val="dk2"/>
+                </a:solidFill>
+                <a:latin typeface="Arial"/>
+                <a:ea typeface="Arial"/>
+                <a:cs typeface="Arial"/>
+                <a:sym typeface="Arial"/>
+              </a:defRPr>
             </a:lvl2pPr>
-            <a:lvl3pPr lvl="2">
-              <a:buNone/>
-              <a:defRPr/>
+            <a:lvl3pPr indent="0" lvl="2" marL="0" marR="0" algn="r">
+              <a:lnSpc>
+                <a:spcPct val="100000"/>
+              </a:lnSpc>
+              <a:spcBef>
+                <a:spcPts val="0"/>
+              </a:spcBef>
+              <a:spcAft>
+                <a:spcPts val="0"/>
+              </a:spcAft>
+              <a:buClr>
+                <a:srgbClr val="000000"/>
+              </a:buClr>
+              <a:buSzPts val="1000"/>
+              <a:buFont typeface="Arial"/>
+              <a:buNone/>
+              <a:defRPr b="0" i="0" sz="1000" u="none" cap="none" strike="noStrike">
+                <a:solidFill>
+                  <a:schemeClr val="dk2"/>
+                </a:solidFill>
+                <a:latin typeface="Arial"/>
+                <a:ea typeface="Arial"/>
+                <a:cs typeface="Arial"/>
+                <a:sym typeface="Arial"/>
+              </a:defRPr>
             </a:lvl3pPr>
-            <a:lvl4pPr lvl="3">
-              <a:buNone/>
-              <a:defRPr/>
+            <a:lvl4pPr indent="0" lvl="3" marL="0" marR="0" algn="r">
+              <a:lnSpc>
+                <a:spcPct val="100000"/>
+              </a:lnSpc>
+              <a:spcBef>
+                <a:spcPts val="0"/>
+              </a:spcBef>
+              <a:spcAft>
+                <a:spcPts val="0"/>
+              </a:spcAft>
+              <a:buClr>
+                <a:srgbClr val="000000"/>
+              </a:buClr>
+              <a:buSzPts val="1000"/>
+              <a:buFont typeface="Arial"/>
+              <a:buNone/>
+              <a:defRPr b="0" i="0" sz="1000" u="none" cap="none" strike="noStrike">
+                <a:solidFill>
+                  <a:schemeClr val="dk2"/>
+                </a:solidFill>
+                <a:latin typeface="Arial"/>
+                <a:ea typeface="Arial"/>
+                <a:cs typeface="Arial"/>
+                <a:sym typeface="Arial"/>
+              </a:defRPr>
             </a:lvl4pPr>
-            <a:lvl5pPr lvl="4">
-              <a:buNone/>
-              <a:defRPr/>
+            <a:lvl5pPr indent="0" lvl="4" marL="0" marR="0" algn="r">
+              <a:lnSpc>
+                <a:spcPct val="100000"/>
+              </a:lnSpc>
+              <a:spcBef>
+                <a:spcPts val="0"/>
+              </a:spcBef>
+              <a:spcAft>
+                <a:spcPts val="0"/>
+              </a:spcAft>
+              <a:buClr>
+                <a:srgbClr val="000000"/>
+              </a:buClr>
+              <a:buSzPts val="1000"/>
+              <a:buFont typeface="Arial"/>
+              <a:buNone/>
+              <a:defRPr b="0" i="0" sz="1000" u="none" cap="none" strike="noStrike">
+                <a:solidFill>
+                  <a:schemeClr val="dk2"/>
+                </a:solidFill>
+                <a:latin typeface="Arial"/>
+                <a:ea typeface="Arial"/>
+                <a:cs typeface="Arial"/>
+                <a:sym typeface="Arial"/>
+              </a:defRPr>
             </a:lvl5pPr>
-            <a:lvl6pPr lvl="5">
-              <a:buNone/>
-              <a:defRPr/>
+            <a:lvl6pPr indent="0" lvl="5" marL="0" marR="0" algn="r">
+              <a:lnSpc>
+                <a:spcPct val="100000"/>
+              </a:lnSpc>
+              <a:spcBef>
+                <a:spcPts val="0"/>
+              </a:spcBef>
+              <a:spcAft>
+                <a:spcPts val="0"/>
+              </a:spcAft>
+              <a:buClr>
+                <a:srgbClr val="000000"/>
+              </a:buClr>
+              <a:buSzPts val="1000"/>
+              <a:buFont typeface="Arial"/>
+              <a:buNone/>
+              <a:defRPr b="0" i="0" sz="1000" u="none" cap="none" strike="noStrike">
+                <a:solidFill>
+                  <a:schemeClr val="dk2"/>
+                </a:solidFill>
+                <a:latin typeface="Arial"/>
+                <a:ea typeface="Arial"/>
+                <a:cs typeface="Arial"/>
+                <a:sym typeface="Arial"/>
+              </a:defRPr>
             </a:lvl6pPr>
-            <a:lvl7pPr lvl="6">
-              <a:buNone/>
-              <a:defRPr/>
+            <a:lvl7pPr indent="0" lvl="6" marL="0" marR="0" algn="r">
+              <a:lnSpc>
+                <a:spcPct val="100000"/>
+              </a:lnSpc>
+              <a:spcBef>
+                <a:spcPts val="0"/>
+              </a:spcBef>
+              <a:spcAft>
+                <a:spcPts val="0"/>
+              </a:spcAft>
+              <a:buClr>
+                <a:srgbClr val="000000"/>
+              </a:buClr>
+              <a:buSzPts val="1000"/>
+              <a:buFont typeface="Arial"/>
+              <a:buNone/>
+              <a:defRPr b="0" i="0" sz="1000" u="none" cap="none" strike="noStrike">
+                <a:solidFill>
+                  <a:schemeClr val="dk2"/>
+                </a:solidFill>
+                <a:latin typeface="Arial"/>
+                <a:ea typeface="Arial"/>
+                <a:cs typeface="Arial"/>
+                <a:sym typeface="Arial"/>
+              </a:defRPr>
             </a:lvl7pPr>
-            <a:lvl8pPr lvl="7">
-              <a:buNone/>
-              <a:defRPr/>
+            <a:lvl8pPr indent="0" lvl="7" marL="0" marR="0" algn="r">
+              <a:lnSpc>
+                <a:spcPct val="100000"/>
+              </a:lnSpc>
+              <a:spcBef>
+                <a:spcPts val="0"/>
+              </a:spcBef>
+              <a:spcAft>
+                <a:spcPts val="0"/>
+              </a:spcAft>
+              <a:buClr>
+                <a:srgbClr val="000000"/>
+              </a:buClr>
+              <a:buSzPts val="1000"/>
+              <a:buFont typeface="Arial"/>
+              <a:buNone/>
+              <a:defRPr b="0" i="0" sz="1000" u="none" cap="none" strike="noStrike">
+                <a:solidFill>
+                  <a:schemeClr val="dk2"/>
+                </a:solidFill>
+                <a:latin typeface="Arial"/>
+                <a:ea typeface="Arial"/>
+                <a:cs typeface="Arial"/>
+                <a:sym typeface="Arial"/>
+              </a:defRPr>
             </a:lvl8pPr>
-            <a:lvl9pPr lvl="8">
-              <a:buNone/>
-              <a:defRPr/>
+            <a:lvl9pPr indent="0" lvl="8" marL="0" marR="0" algn="r">
+              <a:lnSpc>
+                <a:spcPct val="100000"/>
+              </a:lnSpc>
+              <a:spcBef>
+                <a:spcPts val="0"/>
+              </a:spcBef>
+              <a:spcAft>
+                <a:spcPts val="0"/>
+              </a:spcAft>
+              <a:buClr>
+                <a:srgbClr val="000000"/>
+              </a:buClr>
+              <a:buSzPts val="1000"/>
+              <a:buFont typeface="Arial"/>
+              <a:buNone/>
+              <a:defRPr b="0" i="0" sz="1000" u="none" cap="none" strike="noStrike">
+                <a:solidFill>
+                  <a:schemeClr val="dk2"/>
+                </a:solidFill>
+                <a:latin typeface="Arial"/>
+                <a:ea typeface="Arial"/>
+                <a:cs typeface="Arial"/>
+                <a:sym typeface="Arial"/>
+              </a:defRPr>
             </a:lvl9pPr>
           </a:lstStyle>
           <a:p>
-            <a:pPr marL="0" lvl="0" indent="0" algn="r" rtl="0">
+            <a:pPr indent="0" lvl="0" marL="0" rtl="0" algn="r">
               <a:spcBef>
                 <a:spcPts val="0"/>
               </a:spcBef>
@@ -4273,7 +7236,7 @@
               <a:buNone/>
             </a:pPr>
             <a:fld id="{00000000-1234-1234-1234-123412341234}" type="slidenum">
-              <a:rPr lang="en"/>
+              <a:rPr lang="nl-NL"/>
               <a:t>‹#›</a:t>
             </a:fld>
             <a:endParaRPr/>
@@ -4289,19 +7252,18 @@
 </file>
 
 <file path=ppt/slideMasters/slideMaster1.xml><?xml version="1.0" encoding="utf-8"?>
-<p:sldMaster xmlns:a="http://schemas.openxmlformats.org/drawingml/2006/main" xmlns:r="http://schemas.openxmlformats.org/officeDocument/2006/relationships" xmlns:p="http://schemas.openxmlformats.org/presentationml/2006/main">
+<p:sldMaster xmlns:a="http://schemas.openxmlformats.org/drawingml/2006/main" xmlns:r="http://schemas.openxmlformats.org/officeDocument/2006/relationships" xmlns:mc="http://schemas.openxmlformats.org/markup-compatibility/2006" xmlns:mv="urn:schemas-microsoft-com:mac:vml" xmlns:p="http://schemas.openxmlformats.org/presentationml/2006/main" xmlns:c="http://schemas.openxmlformats.org/drawingml/2006/chart" xmlns:dgm="http://schemas.openxmlformats.org/drawingml/2006/diagram" xmlns:o="urn:schemas-microsoft-com:office:office" xmlns:v="urn:schemas-microsoft-com:vml" xmlns:pvml="urn:schemas-microsoft-com:office:powerpoint" xmlns:com="http://schemas.openxmlformats.org/drawingml/2006/compatibility" xmlns:p14="http://schemas.microsoft.com/office/powerpoint/2010/main" xmlns:p15="http://schemas.microsoft.com/office/powerpoint/2012/main">
   <p:cSld name="simple-light-2">
     <p:bg>
       <p:bgPr>
         <a:solidFill>
           <a:schemeClr val="lt1"/>
         </a:solidFill>
-        <a:effectLst/>
       </p:bgPr>
     </p:bg>
     <p:spTree>
       <p:nvGrpSpPr>
-        <p:cNvPr id="1" name="Shape 5"/>
+        <p:cNvPr id="5" name="Shape 5"/>
         <p:cNvGrpSpPr/>
         <p:nvPr/>
       </p:nvGrpSpPr>
@@ -4315,10 +7277,8 @@
       </p:grpSpPr>
       <p:sp>
         <p:nvSpPr>
-          <p:cNvPr id="6" name="Google Shape;6;p1"/>
-          <p:cNvSpPr txBox="1">
-            <a:spLocks noGrp="1"/>
-          </p:cNvSpPr>
+          <p:cNvPr id="6" name="Google Shape;6;p3"/>
+          <p:cNvSpPr txBox="1"/>
           <p:nvPr>
             <p:ph type="title"/>
           </p:nvPr>
@@ -4337,11 +7297,14 @@
           </a:ln>
         </p:spPr>
         <p:txBody>
-          <a:bodyPr spcFirstLastPara="1" wrap="square" lIns="91425" tIns="91425" rIns="91425" bIns="91425" anchor="t" anchorCtr="0">
+          <a:bodyPr anchorCtr="0" anchor="t" bIns="91425" lIns="91425" spcFirstLastPara="1" rIns="91425" wrap="square" tIns="91425">
             <a:noAutofit/>
           </a:bodyPr>
           <a:lstStyle>
-            <a:lvl1pPr lvl="0">
+            <a:lvl1pPr lvl="0" marR="0" rtl="0" algn="l">
+              <a:lnSpc>
+                <a:spcPct val="100000"/>
+              </a:lnSpc>
               <a:spcBef>
                 <a:spcPts val="0"/>
               </a:spcBef>
@@ -4352,14 +7315,22 @@
                 <a:schemeClr val="dk1"/>
               </a:buClr>
               <a:buSzPts val="2800"/>
-              <a:buNone/>
-              <a:defRPr sz="2800">
+              <a:buFont typeface="Arial"/>
+              <a:buNone/>
+              <a:defRPr b="0" i="0" sz="2800" u="none" cap="none" strike="noStrike">
                 <a:solidFill>
                   <a:schemeClr val="dk1"/>
                 </a:solidFill>
+                <a:latin typeface="Arial"/>
+                <a:ea typeface="Arial"/>
+                <a:cs typeface="Arial"/>
+                <a:sym typeface="Arial"/>
               </a:defRPr>
             </a:lvl1pPr>
-            <a:lvl2pPr lvl="1">
+            <a:lvl2pPr lvl="1" marR="0" rtl="0" algn="l">
+              <a:lnSpc>
+                <a:spcPct val="100000"/>
+              </a:lnSpc>
               <a:spcBef>
                 <a:spcPts val="0"/>
               </a:spcBef>
@@ -4370,14 +7341,22 @@
                 <a:schemeClr val="dk1"/>
               </a:buClr>
               <a:buSzPts val="2800"/>
-              <a:buNone/>
-              <a:defRPr sz="2800">
+              <a:buFont typeface="Arial"/>
+              <a:buNone/>
+              <a:defRPr b="0" i="0" sz="2800" u="none" cap="none" strike="noStrike">
                 <a:solidFill>
                   <a:schemeClr val="dk1"/>
                 </a:solidFill>
+                <a:latin typeface="Arial"/>
+                <a:ea typeface="Arial"/>
+                <a:cs typeface="Arial"/>
+                <a:sym typeface="Arial"/>
               </a:defRPr>
             </a:lvl2pPr>
-            <a:lvl3pPr lvl="2">
+            <a:lvl3pPr lvl="2" marR="0" rtl="0" algn="l">
+              <a:lnSpc>
+                <a:spcPct val="100000"/>
+              </a:lnSpc>
               <a:spcBef>
                 <a:spcPts val="0"/>
               </a:spcBef>
@@ -4388,14 +7367,22 @@
                 <a:schemeClr val="dk1"/>
               </a:buClr>
               <a:buSzPts val="2800"/>
-              <a:buNone/>
-              <a:defRPr sz="2800">
+              <a:buFont typeface="Arial"/>
+              <a:buNone/>
+              <a:defRPr b="0" i="0" sz="2800" u="none" cap="none" strike="noStrike">
                 <a:solidFill>
                   <a:schemeClr val="dk1"/>
                 </a:solidFill>
+                <a:latin typeface="Arial"/>
+                <a:ea typeface="Arial"/>
+                <a:cs typeface="Arial"/>
+                <a:sym typeface="Arial"/>
               </a:defRPr>
             </a:lvl3pPr>
-            <a:lvl4pPr lvl="3">
+            <a:lvl4pPr lvl="3" marR="0" rtl="0" algn="l">
+              <a:lnSpc>
+                <a:spcPct val="100000"/>
+              </a:lnSpc>
               <a:spcBef>
                 <a:spcPts val="0"/>
               </a:spcBef>
@@ -4406,14 +7393,22 @@
                 <a:schemeClr val="dk1"/>
               </a:buClr>
               <a:buSzPts val="2800"/>
-              <a:buNone/>
-              <a:defRPr sz="2800">
+              <a:buFont typeface="Arial"/>
+              <a:buNone/>
+              <a:defRPr b="0" i="0" sz="2800" u="none" cap="none" strike="noStrike">
                 <a:solidFill>
                   <a:schemeClr val="dk1"/>
                 </a:solidFill>
+                <a:latin typeface="Arial"/>
+                <a:ea typeface="Arial"/>
+                <a:cs typeface="Arial"/>
+                <a:sym typeface="Arial"/>
               </a:defRPr>
             </a:lvl4pPr>
-            <a:lvl5pPr lvl="4">
+            <a:lvl5pPr lvl="4" marR="0" rtl="0" algn="l">
+              <a:lnSpc>
+                <a:spcPct val="100000"/>
+              </a:lnSpc>
               <a:spcBef>
                 <a:spcPts val="0"/>
               </a:spcBef>
@@ -4424,14 +7419,22 @@
                 <a:schemeClr val="dk1"/>
               </a:buClr>
               <a:buSzPts val="2800"/>
-              <a:buNone/>
-              <a:defRPr sz="2800">
+              <a:buFont typeface="Arial"/>
+              <a:buNone/>
+              <a:defRPr b="0" i="0" sz="2800" u="none" cap="none" strike="noStrike">
                 <a:solidFill>
                   <a:schemeClr val="dk1"/>
                 </a:solidFill>
+                <a:latin typeface="Arial"/>
+                <a:ea typeface="Arial"/>
+                <a:cs typeface="Arial"/>
+                <a:sym typeface="Arial"/>
               </a:defRPr>
             </a:lvl5pPr>
-            <a:lvl6pPr lvl="5">
+            <a:lvl6pPr lvl="5" marR="0" rtl="0" algn="l">
+              <a:lnSpc>
+                <a:spcPct val="100000"/>
+              </a:lnSpc>
               <a:spcBef>
                 <a:spcPts val="0"/>
               </a:spcBef>
@@ -4442,14 +7445,22 @@
                 <a:schemeClr val="dk1"/>
               </a:buClr>
               <a:buSzPts val="2800"/>
-              <a:buNone/>
-              <a:defRPr sz="2800">
+              <a:buFont typeface="Arial"/>
+              <a:buNone/>
+              <a:defRPr b="0" i="0" sz="2800" u="none" cap="none" strike="noStrike">
                 <a:solidFill>
                   <a:schemeClr val="dk1"/>
                 </a:solidFill>
+                <a:latin typeface="Arial"/>
+                <a:ea typeface="Arial"/>
+                <a:cs typeface="Arial"/>
+                <a:sym typeface="Arial"/>
               </a:defRPr>
             </a:lvl6pPr>
-            <a:lvl7pPr lvl="6">
+            <a:lvl7pPr lvl="6" marR="0" rtl="0" algn="l">
+              <a:lnSpc>
+                <a:spcPct val="100000"/>
+              </a:lnSpc>
               <a:spcBef>
                 <a:spcPts val="0"/>
               </a:spcBef>
@@ -4460,14 +7471,22 @@
                 <a:schemeClr val="dk1"/>
               </a:buClr>
               <a:buSzPts val="2800"/>
-              <a:buNone/>
-              <a:defRPr sz="2800">
+              <a:buFont typeface="Arial"/>
+              <a:buNone/>
+              <a:defRPr b="0" i="0" sz="2800" u="none" cap="none" strike="noStrike">
                 <a:solidFill>
                   <a:schemeClr val="dk1"/>
                 </a:solidFill>
+                <a:latin typeface="Arial"/>
+                <a:ea typeface="Arial"/>
+                <a:cs typeface="Arial"/>
+                <a:sym typeface="Arial"/>
               </a:defRPr>
             </a:lvl7pPr>
-            <a:lvl8pPr lvl="7">
+            <a:lvl8pPr lvl="7" marR="0" rtl="0" algn="l">
+              <a:lnSpc>
+                <a:spcPct val="100000"/>
+              </a:lnSpc>
               <a:spcBef>
                 <a:spcPts val="0"/>
               </a:spcBef>
@@ -4478,14 +7497,22 @@
                 <a:schemeClr val="dk1"/>
               </a:buClr>
               <a:buSzPts val="2800"/>
-              <a:buNone/>
-              <a:defRPr sz="2800">
+              <a:buFont typeface="Arial"/>
+              <a:buNone/>
+              <a:defRPr b="0" i="0" sz="2800" u="none" cap="none" strike="noStrike">
                 <a:solidFill>
                   <a:schemeClr val="dk1"/>
                 </a:solidFill>
+                <a:latin typeface="Arial"/>
+                <a:ea typeface="Arial"/>
+                <a:cs typeface="Arial"/>
+                <a:sym typeface="Arial"/>
               </a:defRPr>
             </a:lvl8pPr>
-            <a:lvl9pPr lvl="8">
+            <a:lvl9pPr lvl="8" marR="0" rtl="0" algn="l">
+              <a:lnSpc>
+                <a:spcPct val="100000"/>
+              </a:lnSpc>
               <a:spcBef>
                 <a:spcPts val="0"/>
               </a:spcBef>
@@ -4496,27 +7523,28 @@
                 <a:schemeClr val="dk1"/>
               </a:buClr>
               <a:buSzPts val="2800"/>
-              <a:buNone/>
-              <a:defRPr sz="2800">
+              <a:buFont typeface="Arial"/>
+              <a:buNone/>
+              <a:defRPr b="0" i="0" sz="2800" u="none" cap="none" strike="noStrike">
                 <a:solidFill>
                   <a:schemeClr val="dk1"/>
                 </a:solidFill>
+                <a:latin typeface="Arial"/>
+                <a:ea typeface="Arial"/>
+                <a:cs typeface="Arial"/>
+                <a:sym typeface="Arial"/>
               </a:defRPr>
             </a:lvl9pPr>
           </a:lstStyle>
-          <a:p>
-            <a:endParaRPr/>
-          </a:p>
+          <a:p/>
         </p:txBody>
       </p:sp>
       <p:sp>
         <p:nvSpPr>
-          <p:cNvPr id="7" name="Google Shape;7;p1"/>
-          <p:cNvSpPr txBox="1">
-            <a:spLocks noGrp="1"/>
-          </p:cNvSpPr>
+          <p:cNvPr id="7" name="Google Shape;7;p3"/>
+          <p:cNvSpPr txBox="1"/>
           <p:nvPr>
-            <p:ph type="body" idx="1"/>
+            <p:ph idx="1" type="body"/>
           </p:nvPr>
         </p:nvSpPr>
         <p:spPr>
@@ -4533,11 +7561,11 @@
           </a:ln>
         </p:spPr>
         <p:txBody>
-          <a:bodyPr spcFirstLastPara="1" wrap="square" lIns="91425" tIns="91425" rIns="91425" bIns="91425" anchor="t" anchorCtr="0">
+          <a:bodyPr anchorCtr="0" anchor="t" bIns="91425" lIns="91425" spcFirstLastPara="1" rIns="91425" wrap="square" tIns="91425">
             <a:noAutofit/>
           </a:bodyPr>
           <a:lstStyle>
-            <a:lvl1pPr marL="457200" lvl="0" indent="-342900">
+            <a:lvl1pPr indent="-342900" lvl="0" marL="457200" marR="0" rtl="0" algn="l">
               <a:lnSpc>
                 <a:spcPct val="115000"/>
               </a:lnSpc>
@@ -4551,14 +7579,19 @@
                 <a:schemeClr val="dk2"/>
               </a:buClr>
               <a:buSzPts val="1800"/>
+              <a:buFont typeface="Arial"/>
               <a:buChar char="●"/>
-              <a:defRPr sz="1800">
-                <a:solidFill>
-                  <a:schemeClr val="dk2"/>
-                </a:solidFill>
+              <a:defRPr b="0" i="0" sz="1800" u="none" cap="none" strike="noStrike">
+                <a:solidFill>
+                  <a:schemeClr val="dk2"/>
+                </a:solidFill>
+                <a:latin typeface="Arial"/>
+                <a:ea typeface="Arial"/>
+                <a:cs typeface="Arial"/>
+                <a:sym typeface="Arial"/>
               </a:defRPr>
             </a:lvl1pPr>
-            <a:lvl2pPr marL="914400" lvl="1" indent="-317500">
+            <a:lvl2pPr indent="-317500" lvl="1" marL="914400" marR="0" rtl="0" algn="l">
               <a:lnSpc>
                 <a:spcPct val="115000"/>
               </a:lnSpc>
@@ -4572,14 +7605,19 @@
                 <a:schemeClr val="dk2"/>
               </a:buClr>
               <a:buSzPts val="1400"/>
+              <a:buFont typeface="Arial"/>
               <a:buChar char="○"/>
-              <a:defRPr>
-                <a:solidFill>
-                  <a:schemeClr val="dk2"/>
-                </a:solidFill>
+              <a:defRPr b="0" i="0" sz="1400" u="none" cap="none" strike="noStrike">
+                <a:solidFill>
+                  <a:schemeClr val="dk2"/>
+                </a:solidFill>
+                <a:latin typeface="Arial"/>
+                <a:ea typeface="Arial"/>
+                <a:cs typeface="Arial"/>
+                <a:sym typeface="Arial"/>
               </a:defRPr>
             </a:lvl2pPr>
-            <a:lvl3pPr marL="1371600" lvl="2" indent="-317500">
+            <a:lvl3pPr indent="-317500" lvl="2" marL="1371600" marR="0" rtl="0" algn="l">
               <a:lnSpc>
                 <a:spcPct val="115000"/>
               </a:lnSpc>
@@ -4593,14 +7631,19 @@
                 <a:schemeClr val="dk2"/>
               </a:buClr>
               <a:buSzPts val="1400"/>
+              <a:buFont typeface="Arial"/>
               <a:buChar char="■"/>
-              <a:defRPr>
-                <a:solidFill>
-                  <a:schemeClr val="dk2"/>
-                </a:solidFill>
+              <a:defRPr b="0" i="0" sz="1400" u="none" cap="none" strike="noStrike">
+                <a:solidFill>
+                  <a:schemeClr val="dk2"/>
+                </a:solidFill>
+                <a:latin typeface="Arial"/>
+                <a:ea typeface="Arial"/>
+                <a:cs typeface="Arial"/>
+                <a:sym typeface="Arial"/>
               </a:defRPr>
             </a:lvl3pPr>
-            <a:lvl4pPr marL="1828800" lvl="3" indent="-317500">
+            <a:lvl4pPr indent="-317500" lvl="3" marL="1828800" marR="0" rtl="0" algn="l">
               <a:lnSpc>
                 <a:spcPct val="115000"/>
               </a:lnSpc>
@@ -4614,14 +7657,19 @@
                 <a:schemeClr val="dk2"/>
               </a:buClr>
               <a:buSzPts val="1400"/>
+              <a:buFont typeface="Arial"/>
               <a:buChar char="●"/>
-              <a:defRPr>
-                <a:solidFill>
-                  <a:schemeClr val="dk2"/>
-                </a:solidFill>
+              <a:defRPr b="0" i="0" sz="1400" u="none" cap="none" strike="noStrike">
+                <a:solidFill>
+                  <a:schemeClr val="dk2"/>
+                </a:solidFill>
+                <a:latin typeface="Arial"/>
+                <a:ea typeface="Arial"/>
+                <a:cs typeface="Arial"/>
+                <a:sym typeface="Arial"/>
               </a:defRPr>
             </a:lvl4pPr>
-            <a:lvl5pPr marL="2286000" lvl="4" indent="-317500">
+            <a:lvl5pPr indent="-317500" lvl="4" marL="2286000" marR="0" rtl="0" algn="l">
               <a:lnSpc>
                 <a:spcPct val="115000"/>
               </a:lnSpc>
@@ -4635,14 +7683,19 @@
                 <a:schemeClr val="dk2"/>
               </a:buClr>
               <a:buSzPts val="1400"/>
+              <a:buFont typeface="Arial"/>
               <a:buChar char="○"/>
-              <a:defRPr>
-                <a:solidFill>
-                  <a:schemeClr val="dk2"/>
-                </a:solidFill>
+              <a:defRPr b="0" i="0" sz="1400" u="none" cap="none" strike="noStrike">
+                <a:solidFill>
+                  <a:schemeClr val="dk2"/>
+                </a:solidFill>
+                <a:latin typeface="Arial"/>
+                <a:ea typeface="Arial"/>
+                <a:cs typeface="Arial"/>
+                <a:sym typeface="Arial"/>
               </a:defRPr>
             </a:lvl5pPr>
-            <a:lvl6pPr marL="2743200" lvl="5" indent="-317500">
+            <a:lvl6pPr indent="-317500" lvl="5" marL="2743200" marR="0" rtl="0" algn="l">
               <a:lnSpc>
                 <a:spcPct val="115000"/>
               </a:lnSpc>
@@ -4656,14 +7709,19 @@
                 <a:schemeClr val="dk2"/>
               </a:buClr>
               <a:buSzPts val="1400"/>
+              <a:buFont typeface="Arial"/>
               <a:buChar char="■"/>
-              <a:defRPr>
-                <a:solidFill>
-                  <a:schemeClr val="dk2"/>
-                </a:solidFill>
+              <a:defRPr b="0" i="0" sz="1400" u="none" cap="none" strike="noStrike">
+                <a:solidFill>
+                  <a:schemeClr val="dk2"/>
+                </a:solidFill>
+                <a:latin typeface="Arial"/>
+                <a:ea typeface="Arial"/>
+                <a:cs typeface="Arial"/>
+                <a:sym typeface="Arial"/>
               </a:defRPr>
             </a:lvl6pPr>
-            <a:lvl7pPr marL="3200400" lvl="6" indent="-317500">
+            <a:lvl7pPr indent="-317500" lvl="6" marL="3200400" marR="0" rtl="0" algn="l">
               <a:lnSpc>
                 <a:spcPct val="115000"/>
               </a:lnSpc>
@@ -4677,14 +7735,19 @@
                 <a:schemeClr val="dk2"/>
               </a:buClr>
               <a:buSzPts val="1400"/>
+              <a:buFont typeface="Arial"/>
               <a:buChar char="●"/>
-              <a:defRPr>
-                <a:solidFill>
-                  <a:schemeClr val="dk2"/>
-                </a:solidFill>
+              <a:defRPr b="0" i="0" sz="1400" u="none" cap="none" strike="noStrike">
+                <a:solidFill>
+                  <a:schemeClr val="dk2"/>
+                </a:solidFill>
+                <a:latin typeface="Arial"/>
+                <a:ea typeface="Arial"/>
+                <a:cs typeface="Arial"/>
+                <a:sym typeface="Arial"/>
               </a:defRPr>
             </a:lvl7pPr>
-            <a:lvl8pPr marL="3657600" lvl="7" indent="-317500">
+            <a:lvl8pPr indent="-317500" lvl="7" marL="3657600" marR="0" rtl="0" algn="l">
               <a:lnSpc>
                 <a:spcPct val="115000"/>
               </a:lnSpc>
@@ -4698,14 +7761,19 @@
                 <a:schemeClr val="dk2"/>
               </a:buClr>
               <a:buSzPts val="1400"/>
+              <a:buFont typeface="Arial"/>
               <a:buChar char="○"/>
-              <a:defRPr>
-                <a:solidFill>
-                  <a:schemeClr val="dk2"/>
-                </a:solidFill>
+              <a:defRPr b="0" i="0" sz="1400" u="none" cap="none" strike="noStrike">
+                <a:solidFill>
+                  <a:schemeClr val="dk2"/>
+                </a:solidFill>
+                <a:latin typeface="Arial"/>
+                <a:ea typeface="Arial"/>
+                <a:cs typeface="Arial"/>
+                <a:sym typeface="Arial"/>
               </a:defRPr>
             </a:lvl8pPr>
-            <a:lvl9pPr marL="4114800" lvl="8" indent="-317500">
+            <a:lvl9pPr indent="-317500" lvl="8" marL="4114800" marR="0" rtl="0" algn="l">
               <a:lnSpc>
                 <a:spcPct val="115000"/>
               </a:lnSpc>
@@ -4719,27 +7787,28 @@
                 <a:schemeClr val="dk2"/>
               </a:buClr>
               <a:buSzPts val="1400"/>
+              <a:buFont typeface="Arial"/>
               <a:buChar char="■"/>
-              <a:defRPr>
-                <a:solidFill>
-                  <a:schemeClr val="dk2"/>
-                </a:solidFill>
+              <a:defRPr b="0" i="0" sz="1400" u="none" cap="none" strike="noStrike">
+                <a:solidFill>
+                  <a:schemeClr val="dk2"/>
+                </a:solidFill>
+                <a:latin typeface="Arial"/>
+                <a:ea typeface="Arial"/>
+                <a:cs typeface="Arial"/>
+                <a:sym typeface="Arial"/>
               </a:defRPr>
             </a:lvl9pPr>
           </a:lstStyle>
-          <a:p>
-            <a:endParaRPr/>
-          </a:p>
+          <a:p/>
         </p:txBody>
       </p:sp>
       <p:sp>
         <p:nvSpPr>
-          <p:cNvPr id="8" name="Google Shape;8;p1"/>
-          <p:cNvSpPr txBox="1">
-            <a:spLocks noGrp="1"/>
-          </p:cNvSpPr>
+          <p:cNvPr id="8" name="Google Shape;8;p3"/>
+          <p:cNvSpPr txBox="1"/>
           <p:nvPr>
-            <p:ph type="sldNum" idx="12"/>
+            <p:ph idx="12" type="sldNum"/>
           </p:nvPr>
         </p:nvSpPr>
         <p:spPr>
@@ -4756,85 +7825,247 @@
           </a:ln>
         </p:spPr>
         <p:txBody>
-          <a:bodyPr spcFirstLastPara="1" wrap="square" lIns="91425" tIns="91425" rIns="91425" bIns="91425" anchor="ctr" anchorCtr="0">
+          <a:bodyPr anchorCtr="0" anchor="ctr" bIns="91425" lIns="91425" spcFirstLastPara="1" rIns="91425" wrap="square" tIns="91425">
             <a:noAutofit/>
           </a:bodyPr>
           <a:lstStyle>
-            <a:lvl1pPr lvl="0" algn="r">
-              <a:buNone/>
-              <a:defRPr sz="1000">
-                <a:solidFill>
-                  <a:schemeClr val="dk2"/>
-                </a:solidFill>
+            <a:lvl1pPr indent="0" lvl="0" marL="0" marR="0" rtl="0" algn="r">
+              <a:lnSpc>
+                <a:spcPct val="100000"/>
+              </a:lnSpc>
+              <a:spcBef>
+                <a:spcPts val="0"/>
+              </a:spcBef>
+              <a:spcAft>
+                <a:spcPts val="0"/>
+              </a:spcAft>
+              <a:buClr>
+                <a:srgbClr val="000000"/>
+              </a:buClr>
+              <a:buSzPts val="1000"/>
+              <a:buFont typeface="Arial"/>
+              <a:buNone/>
+              <a:defRPr b="0" i="0" sz="1000" u="none" cap="none" strike="noStrike">
+                <a:solidFill>
+                  <a:schemeClr val="dk2"/>
+                </a:solidFill>
+                <a:latin typeface="Arial"/>
+                <a:ea typeface="Arial"/>
+                <a:cs typeface="Arial"/>
+                <a:sym typeface="Arial"/>
               </a:defRPr>
             </a:lvl1pPr>
-            <a:lvl2pPr lvl="1" algn="r">
-              <a:buNone/>
-              <a:defRPr sz="1000">
-                <a:solidFill>
-                  <a:schemeClr val="dk2"/>
-                </a:solidFill>
+            <a:lvl2pPr indent="0" lvl="1" marL="0" marR="0" rtl="0" algn="r">
+              <a:lnSpc>
+                <a:spcPct val="100000"/>
+              </a:lnSpc>
+              <a:spcBef>
+                <a:spcPts val="0"/>
+              </a:spcBef>
+              <a:spcAft>
+                <a:spcPts val="0"/>
+              </a:spcAft>
+              <a:buClr>
+                <a:srgbClr val="000000"/>
+              </a:buClr>
+              <a:buSzPts val="1000"/>
+              <a:buFont typeface="Arial"/>
+              <a:buNone/>
+              <a:defRPr b="0" i="0" sz="1000" u="none" cap="none" strike="noStrike">
+                <a:solidFill>
+                  <a:schemeClr val="dk2"/>
+                </a:solidFill>
+                <a:latin typeface="Arial"/>
+                <a:ea typeface="Arial"/>
+                <a:cs typeface="Arial"/>
+                <a:sym typeface="Arial"/>
               </a:defRPr>
             </a:lvl2pPr>
-            <a:lvl3pPr lvl="2" algn="r">
-              <a:buNone/>
-              <a:defRPr sz="1000">
-                <a:solidFill>
-                  <a:schemeClr val="dk2"/>
-                </a:solidFill>
+            <a:lvl3pPr indent="0" lvl="2" marL="0" marR="0" rtl="0" algn="r">
+              <a:lnSpc>
+                <a:spcPct val="100000"/>
+              </a:lnSpc>
+              <a:spcBef>
+                <a:spcPts val="0"/>
+              </a:spcBef>
+              <a:spcAft>
+                <a:spcPts val="0"/>
+              </a:spcAft>
+              <a:buClr>
+                <a:srgbClr val="000000"/>
+              </a:buClr>
+              <a:buSzPts val="1000"/>
+              <a:buFont typeface="Arial"/>
+              <a:buNone/>
+              <a:defRPr b="0" i="0" sz="1000" u="none" cap="none" strike="noStrike">
+                <a:solidFill>
+                  <a:schemeClr val="dk2"/>
+                </a:solidFill>
+                <a:latin typeface="Arial"/>
+                <a:ea typeface="Arial"/>
+                <a:cs typeface="Arial"/>
+                <a:sym typeface="Arial"/>
               </a:defRPr>
             </a:lvl3pPr>
-            <a:lvl4pPr lvl="3" algn="r">
-              <a:buNone/>
-              <a:defRPr sz="1000">
-                <a:solidFill>
-                  <a:schemeClr val="dk2"/>
-                </a:solidFill>
+            <a:lvl4pPr indent="0" lvl="3" marL="0" marR="0" rtl="0" algn="r">
+              <a:lnSpc>
+                <a:spcPct val="100000"/>
+              </a:lnSpc>
+              <a:spcBef>
+                <a:spcPts val="0"/>
+              </a:spcBef>
+              <a:spcAft>
+                <a:spcPts val="0"/>
+              </a:spcAft>
+              <a:buClr>
+                <a:srgbClr val="000000"/>
+              </a:buClr>
+              <a:buSzPts val="1000"/>
+              <a:buFont typeface="Arial"/>
+              <a:buNone/>
+              <a:defRPr b="0" i="0" sz="1000" u="none" cap="none" strike="noStrike">
+                <a:solidFill>
+                  <a:schemeClr val="dk2"/>
+                </a:solidFill>
+                <a:latin typeface="Arial"/>
+                <a:ea typeface="Arial"/>
+                <a:cs typeface="Arial"/>
+                <a:sym typeface="Arial"/>
               </a:defRPr>
             </a:lvl4pPr>
-            <a:lvl5pPr lvl="4" algn="r">
-              <a:buNone/>
-              <a:defRPr sz="1000">
-                <a:solidFill>
-                  <a:schemeClr val="dk2"/>
-                </a:solidFill>
+            <a:lvl5pPr indent="0" lvl="4" marL="0" marR="0" rtl="0" algn="r">
+              <a:lnSpc>
+                <a:spcPct val="100000"/>
+              </a:lnSpc>
+              <a:spcBef>
+                <a:spcPts val="0"/>
+              </a:spcBef>
+              <a:spcAft>
+                <a:spcPts val="0"/>
+              </a:spcAft>
+              <a:buClr>
+                <a:srgbClr val="000000"/>
+              </a:buClr>
+              <a:buSzPts val="1000"/>
+              <a:buFont typeface="Arial"/>
+              <a:buNone/>
+              <a:defRPr b="0" i="0" sz="1000" u="none" cap="none" strike="noStrike">
+                <a:solidFill>
+                  <a:schemeClr val="dk2"/>
+                </a:solidFill>
+                <a:latin typeface="Arial"/>
+                <a:ea typeface="Arial"/>
+                <a:cs typeface="Arial"/>
+                <a:sym typeface="Arial"/>
               </a:defRPr>
             </a:lvl5pPr>
-            <a:lvl6pPr lvl="5" algn="r">
-              <a:buNone/>
-              <a:defRPr sz="1000">
-                <a:solidFill>
-                  <a:schemeClr val="dk2"/>
-                </a:solidFill>
+            <a:lvl6pPr indent="0" lvl="5" marL="0" marR="0" rtl="0" algn="r">
+              <a:lnSpc>
+                <a:spcPct val="100000"/>
+              </a:lnSpc>
+              <a:spcBef>
+                <a:spcPts val="0"/>
+              </a:spcBef>
+              <a:spcAft>
+                <a:spcPts val="0"/>
+              </a:spcAft>
+              <a:buClr>
+                <a:srgbClr val="000000"/>
+              </a:buClr>
+              <a:buSzPts val="1000"/>
+              <a:buFont typeface="Arial"/>
+              <a:buNone/>
+              <a:defRPr b="0" i="0" sz="1000" u="none" cap="none" strike="noStrike">
+                <a:solidFill>
+                  <a:schemeClr val="dk2"/>
+                </a:solidFill>
+                <a:latin typeface="Arial"/>
+                <a:ea typeface="Arial"/>
+                <a:cs typeface="Arial"/>
+                <a:sym typeface="Arial"/>
               </a:defRPr>
             </a:lvl6pPr>
-            <a:lvl7pPr lvl="6" algn="r">
-              <a:buNone/>
-              <a:defRPr sz="1000">
-                <a:solidFill>
-                  <a:schemeClr val="dk2"/>
-                </a:solidFill>
+            <a:lvl7pPr indent="0" lvl="6" marL="0" marR="0" rtl="0" algn="r">
+              <a:lnSpc>
+                <a:spcPct val="100000"/>
+              </a:lnSpc>
+              <a:spcBef>
+                <a:spcPts val="0"/>
+              </a:spcBef>
+              <a:spcAft>
+                <a:spcPts val="0"/>
+              </a:spcAft>
+              <a:buClr>
+                <a:srgbClr val="000000"/>
+              </a:buClr>
+              <a:buSzPts val="1000"/>
+              <a:buFont typeface="Arial"/>
+              <a:buNone/>
+              <a:defRPr b="0" i="0" sz="1000" u="none" cap="none" strike="noStrike">
+                <a:solidFill>
+                  <a:schemeClr val="dk2"/>
+                </a:solidFill>
+                <a:latin typeface="Arial"/>
+                <a:ea typeface="Arial"/>
+                <a:cs typeface="Arial"/>
+                <a:sym typeface="Arial"/>
               </a:defRPr>
             </a:lvl7pPr>
-            <a:lvl8pPr lvl="7" algn="r">
-              <a:buNone/>
-              <a:defRPr sz="1000">
-                <a:solidFill>
-                  <a:schemeClr val="dk2"/>
-                </a:solidFill>
+            <a:lvl8pPr indent="0" lvl="7" marL="0" marR="0" rtl="0" algn="r">
+              <a:lnSpc>
+                <a:spcPct val="100000"/>
+              </a:lnSpc>
+              <a:spcBef>
+                <a:spcPts val="0"/>
+              </a:spcBef>
+              <a:spcAft>
+                <a:spcPts val="0"/>
+              </a:spcAft>
+              <a:buClr>
+                <a:srgbClr val="000000"/>
+              </a:buClr>
+              <a:buSzPts val="1000"/>
+              <a:buFont typeface="Arial"/>
+              <a:buNone/>
+              <a:defRPr b="0" i="0" sz="1000" u="none" cap="none" strike="noStrike">
+                <a:solidFill>
+                  <a:schemeClr val="dk2"/>
+                </a:solidFill>
+                <a:latin typeface="Arial"/>
+                <a:ea typeface="Arial"/>
+                <a:cs typeface="Arial"/>
+                <a:sym typeface="Arial"/>
               </a:defRPr>
             </a:lvl8pPr>
-            <a:lvl9pPr lvl="8" algn="r">
-              <a:buNone/>
-              <a:defRPr sz="1000">
-                <a:solidFill>
-                  <a:schemeClr val="dk2"/>
-                </a:solidFill>
+            <a:lvl9pPr indent="0" lvl="8" marL="0" marR="0" rtl="0" algn="r">
+              <a:lnSpc>
+                <a:spcPct val="100000"/>
+              </a:lnSpc>
+              <a:spcBef>
+                <a:spcPts val="0"/>
+              </a:spcBef>
+              <a:spcAft>
+                <a:spcPts val="0"/>
+              </a:spcAft>
+              <a:buClr>
+                <a:srgbClr val="000000"/>
+              </a:buClr>
+              <a:buSzPts val="1000"/>
+              <a:buFont typeface="Arial"/>
+              <a:buNone/>
+              <a:defRPr b="0" i="0" sz="1000" u="none" cap="none" strike="noStrike">
+                <a:solidFill>
+                  <a:schemeClr val="dk2"/>
+                </a:solidFill>
+                <a:latin typeface="Arial"/>
+                <a:ea typeface="Arial"/>
+                <a:cs typeface="Arial"/>
+                <a:sym typeface="Arial"/>
               </a:defRPr>
             </a:lvl9pPr>
           </a:lstStyle>
           <a:p>
-            <a:pPr marL="0" lvl="0" indent="0" algn="r" rtl="0">
+            <a:pPr indent="0" lvl="0" marL="0" rtl="0" algn="r">
               <a:spcBef>
                 <a:spcPts val="0"/>
               </a:spcBef>
@@ -4844,7 +8075,7 @@
               <a:buNone/>
             </a:pPr>
             <a:fld id="{00000000-1234-1234-1234-123412341234}" type="slidenum">
-              <a:rPr lang="en"/>
+              <a:rPr lang="nl-NL"/>
               <a:t>‹#›</a:t>
             </a:fld>
             <a:endParaRPr/>
@@ -4853,24 +8084,24 @@
       </p:sp>
     </p:spTree>
   </p:cSld>
-  <p:clrMap bg1="lt1" tx1="dk1" bg2="dk2" tx2="lt2" accent1="accent1" accent2="accent2" accent3="accent3" accent4="accent4" accent5="accent5" accent6="accent6" hlink="hlink" folHlink="folHlink"/>
+  <p:clrMap accent1="accent1" accent2="accent2" accent3="accent3" accent4="accent4" accent5="accent5" accent6="accent6" bg1="lt1" bg2="dk2" tx1="dk1" tx2="lt2" folHlink="folHlink" hlink="hlink"/>
   <p:sldLayoutIdLst>
-    <p:sldLayoutId id="2147483648" r:id="rId1"/>
-    <p:sldLayoutId id="2147483649" r:id="rId2"/>
-    <p:sldLayoutId id="2147483650" r:id="rId3"/>
-    <p:sldLayoutId id="2147483651" r:id="rId4"/>
-    <p:sldLayoutId id="2147483652" r:id="rId5"/>
-    <p:sldLayoutId id="2147483653" r:id="rId6"/>
-    <p:sldLayoutId id="2147483654" r:id="rId7"/>
-    <p:sldLayoutId id="2147483655" r:id="rId8"/>
-    <p:sldLayoutId id="2147483656" r:id="rId9"/>
-    <p:sldLayoutId id="2147483657" r:id="rId10"/>
-    <p:sldLayoutId id="2147483658" r:id="rId11"/>
+    <p:sldLayoutId id="2147483649" r:id="rId1"/>
+    <p:sldLayoutId id="2147483650" r:id="rId2"/>
+    <p:sldLayoutId id="2147483651" r:id="rId3"/>
+    <p:sldLayoutId id="2147483652" r:id="rId4"/>
+    <p:sldLayoutId id="2147483653" r:id="rId5"/>
+    <p:sldLayoutId id="2147483654" r:id="rId6"/>
+    <p:sldLayoutId id="2147483655" r:id="rId7"/>
+    <p:sldLayoutId id="2147483656" r:id="rId8"/>
+    <p:sldLayoutId id="2147483657" r:id="rId9"/>
+    <p:sldLayoutId id="2147483658" r:id="rId10"/>
+    <p:sldLayoutId id="2147483659" r:id="rId11"/>
   </p:sldLayoutIdLst>
-  <p:hf sldNum="0" hdr="0" ftr="0" dt="0"/>
+  <p:hf dt="0" ftr="0" hdr="0" sldNum="0"/>
   <p:txStyles>
     <p:titleStyle>
-      <a:defPPr marR="0" lvl="0" algn="l" rtl="0">
+      <a:defPPr lvl="0" marR="0" rtl="0" algn="l">
         <a:lnSpc>
           <a:spcPct val="100000"/>
         </a:lnSpc>
@@ -4881,7 +8112,7 @@
           <a:spcPts val="0"/>
         </a:spcAft>
       </a:defPPr>
-      <a:lvl1pPr marR="0" lvl="0" algn="l" rtl="0">
+      <a:lvl1pPr lvl="0" marR="0" rtl="0" algn="l">
         <a:lnSpc>
           <a:spcPct val="100000"/>
         </a:lnSpc>
@@ -4895,7 +8126,7 @@
           <a:srgbClr val="000000"/>
         </a:buClr>
         <a:buFont typeface="Arial"/>
-        <a:defRPr sz="1400" b="0" i="0" u="none" strike="noStrike" cap="none">
+        <a:defRPr b="0" i="0" sz="1400" u="none" cap="none" strike="noStrike">
           <a:solidFill>
             <a:srgbClr val="000000"/>
           </a:solidFill>
@@ -4905,7 +8136,7 @@
           <a:sym typeface="Arial"/>
         </a:defRPr>
       </a:lvl1pPr>
-      <a:lvl2pPr marR="0" lvl="1" algn="l" rtl="0">
+      <a:lvl2pPr lvl="1" marR="0" rtl="0" algn="l">
         <a:lnSpc>
           <a:spcPct val="100000"/>
         </a:lnSpc>
@@ -4919,7 +8150,7 @@
           <a:srgbClr val="000000"/>
         </a:buClr>
         <a:buFont typeface="Arial"/>
-        <a:defRPr sz="1400" b="0" i="0" u="none" strike="noStrike" cap="none">
+        <a:defRPr b="0" i="0" sz="1400" u="none" cap="none" strike="noStrike">
           <a:solidFill>
             <a:srgbClr val="000000"/>
           </a:solidFill>
@@ -4929,7 +8160,7 @@
           <a:sym typeface="Arial"/>
         </a:defRPr>
       </a:lvl2pPr>
-      <a:lvl3pPr marR="0" lvl="2" algn="l" rtl="0">
+      <a:lvl3pPr lvl="2" marR="0" rtl="0" algn="l">
         <a:lnSpc>
           <a:spcPct val="100000"/>
         </a:lnSpc>
@@ -4943,7 +8174,7 @@
           <a:srgbClr val="000000"/>
         </a:buClr>
         <a:buFont typeface="Arial"/>
-        <a:defRPr sz="1400" b="0" i="0" u="none" strike="noStrike" cap="none">
+        <a:defRPr b="0" i="0" sz="1400" u="none" cap="none" strike="noStrike">
           <a:solidFill>
             <a:srgbClr val="000000"/>
           </a:solidFill>
@@ -4953,7 +8184,7 @@
           <a:sym typeface="Arial"/>
         </a:defRPr>
       </a:lvl3pPr>
-      <a:lvl4pPr marR="0" lvl="3" algn="l" rtl="0">
+      <a:lvl4pPr lvl="3" marR="0" rtl="0" algn="l">
         <a:lnSpc>
           <a:spcPct val="100000"/>
         </a:lnSpc>
@@ -4967,7 +8198,7 @@
           <a:srgbClr val="000000"/>
         </a:buClr>
         <a:buFont typeface="Arial"/>
-        <a:defRPr sz="1400" b="0" i="0" u="none" strike="noStrike" cap="none">
+        <a:defRPr b="0" i="0" sz="1400" u="none" cap="none" strike="noStrike">
           <a:solidFill>
             <a:srgbClr val="000000"/>
           </a:solidFill>
@@ -4977,7 +8208,7 @@
           <a:sym typeface="Arial"/>
         </a:defRPr>
       </a:lvl4pPr>
-      <a:lvl5pPr marR="0" lvl="4" algn="l" rtl="0">
+      <a:lvl5pPr lvl="4" marR="0" rtl="0" algn="l">
         <a:lnSpc>
           <a:spcPct val="100000"/>
         </a:lnSpc>
@@ -4991,7 +8222,7 @@
           <a:srgbClr val="000000"/>
         </a:buClr>
         <a:buFont typeface="Arial"/>
-        <a:defRPr sz="1400" b="0" i="0" u="none" strike="noStrike" cap="none">
+        <a:defRPr b="0" i="0" sz="1400" u="none" cap="none" strike="noStrike">
           <a:solidFill>
             <a:srgbClr val="000000"/>
           </a:solidFill>
@@ -5001,7 +8232,7 @@
           <a:sym typeface="Arial"/>
         </a:defRPr>
       </a:lvl5pPr>
-      <a:lvl6pPr marR="0" lvl="5" algn="l" rtl="0">
+      <a:lvl6pPr lvl="5" marR="0" rtl="0" algn="l">
         <a:lnSpc>
           <a:spcPct val="100000"/>
         </a:lnSpc>
@@ -5015,7 +8246,7 @@
           <a:srgbClr val="000000"/>
         </a:buClr>
         <a:buFont typeface="Arial"/>
-        <a:defRPr sz="1400" b="0" i="0" u="none" strike="noStrike" cap="none">
+        <a:defRPr b="0" i="0" sz="1400" u="none" cap="none" strike="noStrike">
           <a:solidFill>
             <a:srgbClr val="000000"/>
           </a:solidFill>
@@ -5025,7 +8256,7 @@
           <a:sym typeface="Arial"/>
         </a:defRPr>
       </a:lvl6pPr>
-      <a:lvl7pPr marR="0" lvl="6" algn="l" rtl="0">
+      <a:lvl7pPr lvl="6" marR="0" rtl="0" algn="l">
         <a:lnSpc>
           <a:spcPct val="100000"/>
         </a:lnSpc>
@@ -5039,7 +8270,7 @@
           <a:srgbClr val="000000"/>
         </a:buClr>
         <a:buFont typeface="Arial"/>
-        <a:defRPr sz="1400" b="0" i="0" u="none" strike="noStrike" cap="none">
+        <a:defRPr b="0" i="0" sz="1400" u="none" cap="none" strike="noStrike">
           <a:solidFill>
             <a:srgbClr val="000000"/>
           </a:solidFill>
@@ -5049,7 +8280,7 @@
           <a:sym typeface="Arial"/>
         </a:defRPr>
       </a:lvl7pPr>
-      <a:lvl8pPr marR="0" lvl="7" algn="l" rtl="0">
+      <a:lvl8pPr lvl="7" marR="0" rtl="0" algn="l">
         <a:lnSpc>
           <a:spcPct val="100000"/>
         </a:lnSpc>
@@ -5063,7 +8294,7 @@
           <a:srgbClr val="000000"/>
         </a:buClr>
         <a:buFont typeface="Arial"/>
-        <a:defRPr sz="1400" b="0" i="0" u="none" strike="noStrike" cap="none">
+        <a:defRPr b="0" i="0" sz="1400" u="none" cap="none" strike="noStrike">
           <a:solidFill>
             <a:srgbClr val="000000"/>
           </a:solidFill>
@@ -5073,7 +8304,7 @@
           <a:sym typeface="Arial"/>
         </a:defRPr>
       </a:lvl8pPr>
-      <a:lvl9pPr marR="0" lvl="8" algn="l" rtl="0">
+      <a:lvl9pPr lvl="8" marR="0" rtl="0" algn="l">
         <a:lnSpc>
           <a:spcPct val="100000"/>
         </a:lnSpc>
@@ -5087,7 +8318,7 @@
           <a:srgbClr val="000000"/>
         </a:buClr>
         <a:buFont typeface="Arial"/>
-        <a:defRPr sz="1400" b="0" i="0" u="none" strike="noStrike" cap="none">
+        <a:defRPr b="0" i="0" sz="1400" u="none" cap="none" strike="noStrike">
           <a:solidFill>
             <a:srgbClr val="000000"/>
           </a:solidFill>
@@ -5099,7 +8330,7 @@
       </a:lvl9pPr>
     </p:titleStyle>
     <p:bodyStyle>
-      <a:defPPr marR="0" lvl="0" algn="l" rtl="0">
+      <a:defPPr lvl="0" marR="0" rtl="0" algn="l">
         <a:lnSpc>
           <a:spcPct val="100000"/>
         </a:lnSpc>
@@ -5110,7 +8341,7 @@
           <a:spcPts val="0"/>
         </a:spcAft>
       </a:defPPr>
-      <a:lvl1pPr marR="0" lvl="0" algn="l" rtl="0">
+      <a:lvl1pPr lvl="0" marR="0" rtl="0" algn="l">
         <a:lnSpc>
           <a:spcPct val="100000"/>
         </a:lnSpc>
@@ -5124,7 +8355,7 @@
           <a:srgbClr val="000000"/>
         </a:buClr>
         <a:buFont typeface="Arial"/>
-        <a:defRPr sz="1400" b="0" i="0" u="none" strike="noStrike" cap="none">
+        <a:defRPr b="0" i="0" sz="1400" u="none" cap="none" strike="noStrike">
           <a:solidFill>
             <a:srgbClr val="000000"/>
           </a:solidFill>
@@ -5134,7 +8365,7 @@
           <a:sym typeface="Arial"/>
         </a:defRPr>
       </a:lvl1pPr>
-      <a:lvl2pPr marR="0" lvl="1" algn="l" rtl="0">
+      <a:lvl2pPr lvl="1" marR="0" rtl="0" algn="l">
         <a:lnSpc>
           <a:spcPct val="100000"/>
         </a:lnSpc>
@@ -5148,7 +8379,7 @@
           <a:srgbClr val="000000"/>
         </a:buClr>
         <a:buFont typeface="Arial"/>
-        <a:defRPr sz="1400" b="0" i="0" u="none" strike="noStrike" cap="none">
+        <a:defRPr b="0" i="0" sz="1400" u="none" cap="none" strike="noStrike">
           <a:solidFill>
             <a:srgbClr val="000000"/>
           </a:solidFill>
@@ -5158,7 +8389,7 @@
           <a:sym typeface="Arial"/>
         </a:defRPr>
       </a:lvl2pPr>
-      <a:lvl3pPr marR="0" lvl="2" algn="l" rtl="0">
+      <a:lvl3pPr lvl="2" marR="0" rtl="0" algn="l">
         <a:lnSpc>
           <a:spcPct val="100000"/>
         </a:lnSpc>
@@ -5172,7 +8403,7 @@
           <a:srgbClr val="000000"/>
         </a:buClr>
         <a:buFont typeface="Arial"/>
-        <a:defRPr sz="1400" b="0" i="0" u="none" strike="noStrike" cap="none">
+        <a:defRPr b="0" i="0" sz="1400" u="none" cap="none" strike="noStrike">
           <a:solidFill>
             <a:srgbClr val="000000"/>
           </a:solidFill>
@@ -5182,7 +8413,7 @@
           <a:sym typeface="Arial"/>
         </a:defRPr>
       </a:lvl3pPr>
-      <a:lvl4pPr marR="0" lvl="3" algn="l" rtl="0">
+      <a:lvl4pPr lvl="3" marR="0" rtl="0" algn="l">
         <a:lnSpc>
           <a:spcPct val="100000"/>
         </a:lnSpc>
@@ -5196,7 +8427,7 @@
           <a:srgbClr val="000000"/>
         </a:buClr>
         <a:buFont typeface="Arial"/>
-        <a:defRPr sz="1400" b="0" i="0" u="none" strike="noStrike" cap="none">
+        <a:defRPr b="0" i="0" sz="1400" u="none" cap="none" strike="noStrike">
           <a:solidFill>
             <a:srgbClr val="000000"/>
           </a:solidFill>
@@ -5206,7 +8437,7 @@
           <a:sym typeface="Arial"/>
         </a:defRPr>
       </a:lvl4pPr>
-      <a:lvl5pPr marR="0" lvl="4" algn="l" rtl="0">
+      <a:lvl5pPr lvl="4" marR="0" rtl="0" algn="l">
         <a:lnSpc>
           <a:spcPct val="100000"/>
         </a:lnSpc>
@@ -5220,7 +8451,7 @@
           <a:srgbClr val="000000"/>
         </a:buClr>
         <a:buFont typeface="Arial"/>
-        <a:defRPr sz="1400" b="0" i="0" u="none" strike="noStrike" cap="none">
+        <a:defRPr b="0" i="0" sz="1400" u="none" cap="none" strike="noStrike">
           <a:solidFill>
             <a:srgbClr val="000000"/>
           </a:solidFill>
@@ -5230,7 +8461,7 @@
           <a:sym typeface="Arial"/>
         </a:defRPr>
       </a:lvl5pPr>
-      <a:lvl6pPr marR="0" lvl="5" algn="l" rtl="0">
+      <a:lvl6pPr lvl="5" marR="0" rtl="0" algn="l">
         <a:lnSpc>
           <a:spcPct val="100000"/>
         </a:lnSpc>
@@ -5244,7 +8475,7 @@
           <a:srgbClr val="000000"/>
         </a:buClr>
         <a:buFont typeface="Arial"/>
-        <a:defRPr sz="1400" b="0" i="0" u="none" strike="noStrike" cap="none">
+        <a:defRPr b="0" i="0" sz="1400" u="none" cap="none" strike="noStrike">
           <a:solidFill>
             <a:srgbClr val="000000"/>
           </a:solidFill>
@@ -5254,7 +8485,7 @@
           <a:sym typeface="Arial"/>
         </a:defRPr>
       </a:lvl6pPr>
-      <a:lvl7pPr marR="0" lvl="6" algn="l" rtl="0">
+      <a:lvl7pPr lvl="6" marR="0" rtl="0" algn="l">
         <a:lnSpc>
           <a:spcPct val="100000"/>
         </a:lnSpc>
@@ -5268,7 +8499,7 @@
           <a:srgbClr val="000000"/>
         </a:buClr>
         <a:buFont typeface="Arial"/>
-        <a:defRPr sz="1400" b="0" i="0" u="none" strike="noStrike" cap="none">
+        <a:defRPr b="0" i="0" sz="1400" u="none" cap="none" strike="noStrike">
           <a:solidFill>
             <a:srgbClr val="000000"/>
           </a:solidFill>
@@ -5278,7 +8509,7 @@
           <a:sym typeface="Arial"/>
         </a:defRPr>
       </a:lvl7pPr>
-      <a:lvl8pPr marR="0" lvl="7" algn="l" rtl="0">
+      <a:lvl8pPr lvl="7" marR="0" rtl="0" algn="l">
         <a:lnSpc>
           <a:spcPct val="100000"/>
         </a:lnSpc>
@@ -5292,7 +8523,7 @@
           <a:srgbClr val="000000"/>
         </a:buClr>
         <a:buFont typeface="Arial"/>
-        <a:defRPr sz="1400" b="0" i="0" u="none" strike="noStrike" cap="none">
+        <a:defRPr b="0" i="0" sz="1400" u="none" cap="none" strike="noStrike">
           <a:solidFill>
             <a:srgbClr val="000000"/>
           </a:solidFill>
@@ -5302,7 +8533,7 @@
           <a:sym typeface="Arial"/>
         </a:defRPr>
       </a:lvl8pPr>
-      <a:lvl9pPr marR="0" lvl="8" algn="l" rtl="0">
+      <a:lvl9pPr lvl="8" marR="0" rtl="0" algn="l">
         <a:lnSpc>
           <a:spcPct val="100000"/>
         </a:lnSpc>
@@ -5316,7 +8547,7 @@
           <a:srgbClr val="000000"/>
         </a:buClr>
         <a:buFont typeface="Arial"/>
-        <a:defRPr sz="1400" b="0" i="0" u="none" strike="noStrike" cap="none">
+        <a:defRPr b="0" i="0" sz="1400" u="none" cap="none" strike="noStrike">
           <a:solidFill>
             <a:srgbClr val="000000"/>
           </a:solidFill>
@@ -5328,7 +8559,7 @@
       </a:lvl9pPr>
     </p:bodyStyle>
     <p:otherStyle>
-      <a:defPPr marR="0" lvl="0" algn="l" rtl="0">
+      <a:defPPr lvl="0" marR="0" rtl="0" algn="l">
         <a:lnSpc>
           <a:spcPct val="100000"/>
         </a:lnSpc>
@@ -5339,7 +8570,7 @@
           <a:spcPts val="0"/>
         </a:spcAft>
       </a:defPPr>
-      <a:lvl1pPr marR="0" lvl="0" algn="l" rtl="0">
+      <a:lvl1pPr lvl="0" marR="0" rtl="0" algn="l">
         <a:lnSpc>
           <a:spcPct val="100000"/>
         </a:lnSpc>
@@ -5353,7 +8584,7 @@
           <a:srgbClr val="000000"/>
         </a:buClr>
         <a:buFont typeface="Arial"/>
-        <a:defRPr sz="1400" b="0" i="0" u="none" strike="noStrike" cap="none">
+        <a:defRPr b="0" i="0" sz="1400" u="none" cap="none" strike="noStrike">
           <a:solidFill>
             <a:srgbClr val="000000"/>
           </a:solidFill>
@@ -5363,7 +8594,7 @@
           <a:sym typeface="Arial"/>
         </a:defRPr>
       </a:lvl1pPr>
-      <a:lvl2pPr marR="0" lvl="1" algn="l" rtl="0">
+      <a:lvl2pPr lvl="1" marR="0" rtl="0" algn="l">
         <a:lnSpc>
           <a:spcPct val="100000"/>
         </a:lnSpc>
@@ -5377,7 +8608,7 @@
           <a:srgbClr val="000000"/>
         </a:buClr>
         <a:buFont typeface="Arial"/>
-        <a:defRPr sz="1400" b="0" i="0" u="none" strike="noStrike" cap="none">
+        <a:defRPr b="0" i="0" sz="1400" u="none" cap="none" strike="noStrike">
           <a:solidFill>
             <a:srgbClr val="000000"/>
           </a:solidFill>
@@ -5387,7 +8618,7 @@
           <a:sym typeface="Arial"/>
         </a:defRPr>
       </a:lvl2pPr>
-      <a:lvl3pPr marR="0" lvl="2" algn="l" rtl="0">
+      <a:lvl3pPr lvl="2" marR="0" rtl="0" algn="l">
         <a:lnSpc>
           <a:spcPct val="100000"/>
         </a:lnSpc>
@@ -5401,7 +8632,7 @@
           <a:srgbClr val="000000"/>
         </a:buClr>
         <a:buFont typeface="Arial"/>
-        <a:defRPr sz="1400" b="0" i="0" u="none" strike="noStrike" cap="none">
+        <a:defRPr b="0" i="0" sz="1400" u="none" cap="none" strike="noStrike">
           <a:solidFill>
             <a:srgbClr val="000000"/>
           </a:solidFill>
@@ -5411,7 +8642,7 @@
           <a:sym typeface="Arial"/>
         </a:defRPr>
       </a:lvl3pPr>
-      <a:lvl4pPr marR="0" lvl="3" algn="l" rtl="0">
+      <a:lvl4pPr lvl="3" marR="0" rtl="0" algn="l">
         <a:lnSpc>
           <a:spcPct val="100000"/>
         </a:lnSpc>
@@ -5425,7 +8656,7 @@
           <a:srgbClr val="000000"/>
         </a:buClr>
         <a:buFont typeface="Arial"/>
-        <a:defRPr sz="1400" b="0" i="0" u="none" strike="noStrike" cap="none">
+        <a:defRPr b="0" i="0" sz="1400" u="none" cap="none" strike="noStrike">
           <a:solidFill>
             <a:srgbClr val="000000"/>
           </a:solidFill>
@@ -5435,7 +8666,7 @@
           <a:sym typeface="Arial"/>
         </a:defRPr>
       </a:lvl4pPr>
-      <a:lvl5pPr marR="0" lvl="4" algn="l" rtl="0">
+      <a:lvl5pPr lvl="4" marR="0" rtl="0" algn="l">
         <a:lnSpc>
           <a:spcPct val="100000"/>
         </a:lnSpc>
@@ -5449,7 +8680,7 @@
           <a:srgbClr val="000000"/>
         </a:buClr>
         <a:buFont typeface="Arial"/>
-        <a:defRPr sz="1400" b="0" i="0" u="none" strike="noStrike" cap="none">
+        <a:defRPr b="0" i="0" sz="1400" u="none" cap="none" strike="noStrike">
           <a:solidFill>
             <a:srgbClr val="000000"/>
           </a:solidFill>
@@ -5459,7 +8690,7 @@
           <a:sym typeface="Arial"/>
         </a:defRPr>
       </a:lvl5pPr>
-      <a:lvl6pPr marR="0" lvl="5" algn="l" rtl="0">
+      <a:lvl6pPr lvl="5" marR="0" rtl="0" algn="l">
         <a:lnSpc>
           <a:spcPct val="100000"/>
         </a:lnSpc>
@@ -5473,7 +8704,7 @@
           <a:srgbClr val="000000"/>
         </a:buClr>
         <a:buFont typeface="Arial"/>
-        <a:defRPr sz="1400" b="0" i="0" u="none" strike="noStrike" cap="none">
+        <a:defRPr b="0" i="0" sz="1400" u="none" cap="none" strike="noStrike">
           <a:solidFill>
             <a:srgbClr val="000000"/>
           </a:solidFill>
@@ -5483,7 +8714,7 @@
           <a:sym typeface="Arial"/>
         </a:defRPr>
       </a:lvl6pPr>
-      <a:lvl7pPr marR="0" lvl="6" algn="l" rtl="0">
+      <a:lvl7pPr lvl="6" marR="0" rtl="0" algn="l">
         <a:lnSpc>
           <a:spcPct val="100000"/>
         </a:lnSpc>
@@ -5497,7 +8728,7 @@
           <a:srgbClr val="000000"/>
         </a:buClr>
         <a:buFont typeface="Arial"/>
-        <a:defRPr sz="1400" b="0" i="0" u="none" strike="noStrike" cap="none">
+        <a:defRPr b="0" i="0" sz="1400" u="none" cap="none" strike="noStrike">
           <a:solidFill>
             <a:srgbClr val="000000"/>
           </a:solidFill>
@@ -5507,7 +8738,7 @@
           <a:sym typeface="Arial"/>
         </a:defRPr>
       </a:lvl7pPr>
-      <a:lvl8pPr marR="0" lvl="7" algn="l" rtl="0">
+      <a:lvl8pPr lvl="7" marR="0" rtl="0" algn="l">
         <a:lnSpc>
           <a:spcPct val="100000"/>
         </a:lnSpc>
@@ -5521,7 +8752,7 @@
           <a:srgbClr val="000000"/>
         </a:buClr>
         <a:buFont typeface="Arial"/>
-        <a:defRPr sz="1400" b="0" i="0" u="none" strike="noStrike" cap="none">
+        <a:defRPr b="0" i="0" sz="1400" u="none" cap="none" strike="noStrike">
           <a:solidFill>
             <a:srgbClr val="000000"/>
           </a:solidFill>
@@ -5531,7 +8762,7 @@
           <a:sym typeface="Arial"/>
         </a:defRPr>
       </a:lvl8pPr>
-      <a:lvl9pPr marR="0" lvl="8" algn="l" rtl="0">
+      <a:lvl9pPr lvl="8" marR="0" rtl="0" algn="l">
         <a:lnSpc>
           <a:spcPct val="100000"/>
         </a:lnSpc>
@@ -5545,7 +8776,7 @@
           <a:srgbClr val="000000"/>
         </a:buClr>
         <a:buFont typeface="Arial"/>
-        <a:defRPr sz="1400" b="0" i="0" u="none" strike="noStrike" cap="none">
+        <a:defRPr b="0" i="0" sz="1400" u="none" cap="none" strike="noStrike">
           <a:solidFill>
             <a:srgbClr val="000000"/>
           </a:solidFill>
@@ -5561,11 +8792,11 @@
 </file>
 
 <file path=ppt/slides/slide1.xml><?xml version="1.0" encoding="utf-8"?>
-<p:sld xmlns:a="http://schemas.openxmlformats.org/drawingml/2006/main" xmlns:r="http://schemas.openxmlformats.org/officeDocument/2006/relationships" xmlns:p="http://schemas.openxmlformats.org/presentationml/2006/main">
+<p:sld xmlns:a="http://schemas.openxmlformats.org/drawingml/2006/main" xmlns:r="http://schemas.openxmlformats.org/officeDocument/2006/relationships" xmlns:mc="http://schemas.openxmlformats.org/markup-compatibility/2006" xmlns:mv="urn:schemas-microsoft-com:mac:vml" xmlns:p="http://schemas.openxmlformats.org/presentationml/2006/main" xmlns:c="http://schemas.openxmlformats.org/drawingml/2006/chart" xmlns:dgm="http://schemas.openxmlformats.org/drawingml/2006/diagram" xmlns:o="urn:schemas-microsoft-com:office:office" xmlns:v="urn:schemas-microsoft-com:vml" xmlns:pvml="urn:schemas-microsoft-com:office:powerpoint" xmlns:com="http://schemas.openxmlformats.org/drawingml/2006/compatibility" xmlns:p14="http://schemas.microsoft.com/office/powerpoint/2010/main" xmlns:p15="http://schemas.microsoft.com/office/powerpoint/2012/main">
   <p:cSld>
     <p:spTree>
       <p:nvGrpSpPr>
-        <p:cNvPr id="1" name="Shape 53"/>
+        <p:cNvPr id="53" name="Shape 53"/>
         <p:cNvGrpSpPr/>
         <p:nvPr/>
       </p:nvGrpSpPr>
@@ -5579,17 +8810,16 @@
       </p:grpSpPr>
       <p:pic>
         <p:nvPicPr>
-          <p:cNvPr id="54" name="Google Shape;54;p13"/>
+          <p:cNvPr id="54" name="Google Shape;54;p1"/>
           <p:cNvPicPr preferRelativeResize="0"/>
           <p:nvPr/>
         </p:nvPicPr>
-        <p:blipFill>
+        <p:blipFill rotWithShape="1">
           <a:blip r:embed="rId3">
             <a:alphaModFix/>
           </a:blip>
-          <a:stretch>
-            <a:fillRect/>
-          </a:stretch>
+          <a:srcRect b="0" l="0" r="0" t="0"/>
+          <a:stretch/>
         </p:blipFill>
         <p:spPr>
           <a:xfrm>
@@ -5614,11 +8844,11 @@
 </file>
 
 <file path=ppt/slides/slide2.xml><?xml version="1.0" encoding="utf-8"?>
-<p:sld xmlns:a="http://schemas.openxmlformats.org/drawingml/2006/main" xmlns:r="http://schemas.openxmlformats.org/officeDocument/2006/relationships" xmlns:p="http://schemas.openxmlformats.org/presentationml/2006/main">
+<p:sld xmlns:a="http://schemas.openxmlformats.org/drawingml/2006/main" xmlns:r="http://schemas.openxmlformats.org/officeDocument/2006/relationships" xmlns:mc="http://schemas.openxmlformats.org/markup-compatibility/2006" xmlns:mv="urn:schemas-microsoft-com:mac:vml" xmlns:p="http://schemas.openxmlformats.org/presentationml/2006/main" xmlns:c="http://schemas.openxmlformats.org/drawingml/2006/chart" xmlns:dgm="http://schemas.openxmlformats.org/drawingml/2006/diagram" xmlns:o="urn:schemas-microsoft-com:office:office" xmlns:v="urn:schemas-microsoft-com:vml" xmlns:pvml="urn:schemas-microsoft-com:office:powerpoint" xmlns:com="http://schemas.openxmlformats.org/drawingml/2006/compatibility" xmlns:p14="http://schemas.microsoft.com/office/powerpoint/2010/main" xmlns:p15="http://schemas.microsoft.com/office/powerpoint/2012/main">
   <p:cSld>
     <p:spTree>
       <p:nvGrpSpPr>
-        <p:cNvPr id="1" name=""/>
+        <p:cNvPr id="58" name="Shape 58"/>
         <p:cNvGrpSpPr/>
         <p:nvPr/>
       </p:nvGrpSpPr>
@@ -5632,7 +8862,7 @@
       </p:grpSpPr>
       <p:sp>
         <p:nvSpPr>
-          <p:cNvPr id="4" name="Oval 3"/>
+          <p:cNvPr id="59" name="Google Shape;59;p2"/>
           <p:cNvSpPr/>
           <p:nvPr/>
         </p:nvSpPr>
@@ -5644,39 +8874,64 @@
           <a:prstGeom prst="ellipse">
             <a:avLst/>
           </a:prstGeom>
+          <a:solidFill>
+            <a:schemeClr val="accent1"/>
+          </a:solidFill>
+          <a:ln cap="flat" cmpd="sng" w="25400">
+            <a:solidFill>
+              <a:srgbClr val="BA7C2E"/>
+            </a:solidFill>
+            <a:prstDash val="solid"/>
+            <a:round/>
+            <a:headEnd len="sm" w="sm" type="none"/>
+            <a:tailEnd len="sm" w="sm" type="none"/>
+          </a:ln>
         </p:spPr>
-        <p:style>
-          <a:lnRef idx="2">
-            <a:schemeClr val="accent1">
-              <a:shade val="50000"/>
-            </a:schemeClr>
-          </a:lnRef>
-          <a:fillRef idx="1">
-            <a:schemeClr val="accent1"/>
-          </a:fillRef>
-          <a:effectRef idx="0">
-            <a:schemeClr val="accent1"/>
-          </a:effectRef>
-          <a:fontRef idx="minor">
-            <a:schemeClr val="lt1"/>
-          </a:fontRef>
-        </p:style>
         <p:txBody>
-          <a:bodyPr lIns="0" tIns="0" rIns="0" bIns="0" rtlCol="0" anchor="ctr"/>
+          <a:bodyPr anchorCtr="0" anchor="ctr" bIns="0" lIns="0" spcFirstLastPara="1" rIns="0" wrap="square" tIns="0">
+            <a:noAutofit/>
+          </a:bodyPr>
           <a:lstStyle/>
           <a:p>
-            <a:pPr algn="ctr"/>
+            <a:pPr indent="0" lvl="0" marL="0" marR="0" rtl="0" algn="ctr">
+              <a:lnSpc>
+                <a:spcPct val="100000"/>
+              </a:lnSpc>
+              <a:spcBef>
+                <a:spcPts val="0"/>
+              </a:spcBef>
+              <a:spcAft>
+                <a:spcPts val="0"/>
+              </a:spcAft>
+              <a:buNone/>
+            </a:pPr>
             <a:r>
-              <a:rPr lang="nl-NL" sz="2400" b="1" smtClean="0"/>
+              <a:rPr b="1" i="0" lang="nl-NL" sz="2400" u="none" cap="none" strike="noStrike">
+                <a:solidFill>
+                  <a:schemeClr val="lt1"/>
+                </a:solidFill>
+                <a:latin typeface="Arial"/>
+                <a:ea typeface="Arial"/>
+                <a:cs typeface="Arial"/>
+                <a:sym typeface="Arial"/>
+              </a:rPr>
               <a:t>SHA-1</a:t>
             </a:r>
-            <a:endParaRPr lang="nl-NL" sz="2400" b="1"/>
+            <a:endParaRPr b="1" i="0" sz="2400" u="none" cap="none" strike="noStrike">
+              <a:solidFill>
+                <a:schemeClr val="lt1"/>
+              </a:solidFill>
+              <a:latin typeface="Arial"/>
+              <a:ea typeface="Arial"/>
+              <a:cs typeface="Arial"/>
+              <a:sym typeface="Arial"/>
+            </a:endParaRPr>
           </a:p>
         </p:txBody>
       </p:sp>
       <p:sp>
         <p:nvSpPr>
-          <p:cNvPr id="5" name="TextBox 4"/>
+          <p:cNvPr id="60" name="Google Shape;60;p2"/>
           <p:cNvSpPr txBox="1"/>
           <p:nvPr/>
         </p:nvSpPr>
@@ -5689,30 +8944,55 @@
             <a:avLst/>
           </a:prstGeom>
           <a:noFill/>
+          <a:ln>
+            <a:noFill/>
+          </a:ln>
         </p:spPr>
         <p:txBody>
-          <a:bodyPr wrap="none" rtlCol="0">
+          <a:bodyPr anchorCtr="0" anchor="t" bIns="45700" lIns="91425" spcFirstLastPara="1" rIns="91425" wrap="square" tIns="45700">
             <a:spAutoFit/>
           </a:bodyPr>
           <a:lstStyle/>
           <a:p>
+            <a:pPr indent="0" lvl="0" marL="0" marR="0" rtl="0" algn="l">
+              <a:lnSpc>
+                <a:spcPct val="100000"/>
+              </a:lnSpc>
+              <a:spcBef>
+                <a:spcPts val="0"/>
+              </a:spcBef>
+              <a:spcAft>
+                <a:spcPts val="0"/>
+              </a:spcAft>
+              <a:buNone/>
+            </a:pPr>
             <a:r>
-              <a:rPr lang="nl-NL" b="1" smtClean="0">
-                <a:latin typeface="Courier New" panose="02070309020205020404" pitchFamily="49" charset="0"/>
-                <a:cs typeface="Courier New" panose="02070309020205020404" pitchFamily="49" charset="0"/>
+              <a:rPr b="1" i="0" lang="nl-NL" sz="1400" u="none" cap="none" strike="noStrike">
+                <a:solidFill>
+                  <a:srgbClr val="000000"/>
+                </a:solidFill>
+                <a:latin typeface="Courier New"/>
+                <a:ea typeface="Courier New"/>
+                <a:cs typeface="Courier New"/>
+                <a:sym typeface="Courier New"/>
               </a:rPr>
               <a:t>100001001……</a:t>
             </a:r>
-            <a:endParaRPr lang="nl-NL" b="1">
-              <a:latin typeface="Courier New" panose="02070309020205020404" pitchFamily="49" charset="0"/>
-              <a:cs typeface="Courier New" panose="02070309020205020404" pitchFamily="49" charset="0"/>
+            <a:endParaRPr b="1" i="0" sz="1400" u="none" cap="none" strike="noStrike">
+              <a:solidFill>
+                <a:srgbClr val="000000"/>
+              </a:solidFill>
+              <a:latin typeface="Courier New"/>
+              <a:ea typeface="Courier New"/>
+              <a:cs typeface="Courier New"/>
+              <a:sym typeface="Courier New"/>
             </a:endParaRPr>
           </a:p>
         </p:txBody>
       </p:sp>
       <p:sp>
         <p:nvSpPr>
-          <p:cNvPr id="2" name="Right Arrow 1"/>
+          <p:cNvPr id="61" name="Google Shape;61;p2"/>
           <p:cNvSpPr/>
           <p:nvPr/>
         </p:nvSpPr>
@@ -5722,43 +9002,58 @@
             <a:ext cx="860612" cy="221876"/>
           </a:xfrm>
           <a:prstGeom prst="rightArrow">
-            <a:avLst/>
+            <a:avLst>
+              <a:gd fmla="val 50000" name="adj1"/>
+              <a:gd fmla="val 50000" name="adj2"/>
+            </a:avLst>
           </a:prstGeom>
           <a:noFill/>
-          <a:ln>
+          <a:ln cap="flat" cmpd="sng" w="25400">
             <a:solidFill>
-              <a:schemeClr val="tx1"/>
+              <a:schemeClr val="dk1"/>
             </a:solidFill>
+            <a:prstDash val="solid"/>
+            <a:round/>
+            <a:headEnd len="sm" w="sm" type="none"/>
+            <a:tailEnd len="sm" w="sm" type="none"/>
           </a:ln>
         </p:spPr>
-        <p:style>
-          <a:lnRef idx="2">
-            <a:schemeClr val="accent1">
-              <a:shade val="50000"/>
-            </a:schemeClr>
-          </a:lnRef>
-          <a:fillRef idx="1">
-            <a:schemeClr val="accent1"/>
-          </a:fillRef>
-          <a:effectRef idx="0">
-            <a:schemeClr val="accent1"/>
-          </a:effectRef>
-          <a:fontRef idx="minor">
-            <a:schemeClr val="lt1"/>
-          </a:fontRef>
-        </p:style>
         <p:txBody>
-          <a:bodyPr rtlCol="0" anchor="ctr"/>
+          <a:bodyPr anchorCtr="0" anchor="ctr" bIns="45700" lIns="91425" spcFirstLastPara="1" rIns="91425" wrap="square" tIns="45700">
+            <a:noAutofit/>
+          </a:bodyPr>
           <a:lstStyle/>
           <a:p>
-            <a:pPr algn="ctr"/>
-            <a:endParaRPr lang="nl-NL"/>
+            <a:pPr indent="0" lvl="0" marL="0" marR="0" rtl="0" algn="ctr">
+              <a:lnSpc>
+                <a:spcPct val="100000"/>
+              </a:lnSpc>
+              <a:spcBef>
+                <a:spcPts val="0"/>
+              </a:spcBef>
+              <a:spcAft>
+                <a:spcPts val="0"/>
+              </a:spcAft>
+              <a:buNone/>
+            </a:pPr>
+            <a:r>
+              <a:t/>
+            </a:r>
+            <a:endParaRPr b="0" i="0" sz="1400" u="none" cap="none" strike="noStrike">
+              <a:solidFill>
+                <a:schemeClr val="lt1"/>
+              </a:solidFill>
+              <a:latin typeface="Arial"/>
+              <a:ea typeface="Arial"/>
+              <a:cs typeface="Arial"/>
+              <a:sym typeface="Arial"/>
+            </a:endParaRPr>
           </a:p>
         </p:txBody>
       </p:sp>
       <p:sp>
         <p:nvSpPr>
-          <p:cNvPr id="6" name="Right Arrow 5"/>
+          <p:cNvPr id="62" name="Google Shape;62;p2"/>
           <p:cNvSpPr/>
           <p:nvPr/>
         </p:nvSpPr>
@@ -5768,43 +9063,58 @@
             <a:ext cx="860612" cy="221876"/>
           </a:xfrm>
           <a:prstGeom prst="rightArrow">
-            <a:avLst/>
+            <a:avLst>
+              <a:gd fmla="val 50000" name="adj1"/>
+              <a:gd fmla="val 50000" name="adj2"/>
+            </a:avLst>
           </a:prstGeom>
           <a:noFill/>
-          <a:ln>
+          <a:ln cap="flat" cmpd="sng" w="25400">
             <a:solidFill>
-              <a:schemeClr val="tx1"/>
+              <a:schemeClr val="dk1"/>
             </a:solidFill>
+            <a:prstDash val="solid"/>
+            <a:round/>
+            <a:headEnd len="sm" w="sm" type="none"/>
+            <a:tailEnd len="sm" w="sm" type="none"/>
           </a:ln>
         </p:spPr>
-        <p:style>
-          <a:lnRef idx="2">
-            <a:schemeClr val="accent1">
-              <a:shade val="50000"/>
-            </a:schemeClr>
-          </a:lnRef>
-          <a:fillRef idx="1">
-            <a:schemeClr val="accent1"/>
-          </a:fillRef>
-          <a:effectRef idx="0">
-            <a:schemeClr val="accent1"/>
-          </a:effectRef>
-          <a:fontRef idx="minor">
-            <a:schemeClr val="lt1"/>
-          </a:fontRef>
-        </p:style>
         <p:txBody>
-          <a:bodyPr rtlCol="0" anchor="ctr"/>
+          <a:bodyPr anchorCtr="0" anchor="ctr" bIns="45700" lIns="91425" spcFirstLastPara="1" rIns="91425" wrap="square" tIns="45700">
+            <a:noAutofit/>
+          </a:bodyPr>
           <a:lstStyle/>
           <a:p>
-            <a:pPr algn="ctr"/>
-            <a:endParaRPr lang="nl-NL"/>
+            <a:pPr indent="0" lvl="0" marL="0" marR="0" rtl="0" algn="ctr">
+              <a:lnSpc>
+                <a:spcPct val="100000"/>
+              </a:lnSpc>
+              <a:spcBef>
+                <a:spcPts val="0"/>
+              </a:spcBef>
+              <a:spcAft>
+                <a:spcPts val="0"/>
+              </a:spcAft>
+              <a:buNone/>
+            </a:pPr>
+            <a:r>
+              <a:t/>
+            </a:r>
+            <a:endParaRPr b="0" i="0" sz="1400" u="none" cap="none" strike="noStrike">
+              <a:solidFill>
+                <a:schemeClr val="lt1"/>
+              </a:solidFill>
+              <a:latin typeface="Arial"/>
+              <a:ea typeface="Arial"/>
+              <a:cs typeface="Arial"/>
+              <a:sym typeface="Arial"/>
+            </a:endParaRPr>
           </a:p>
         </p:txBody>
       </p:sp>
       <p:sp>
         <p:nvSpPr>
-          <p:cNvPr id="7" name="TextBox 6"/>
+          <p:cNvPr id="63" name="Google Shape;63;p2"/>
           <p:cNvSpPr txBox="1"/>
           <p:nvPr/>
         </p:nvSpPr>
@@ -5817,110 +9127,1230 @@
             <a:avLst/>
           </a:prstGeom>
           <a:noFill/>
+          <a:ln>
+            <a:noFill/>
+          </a:ln>
         </p:spPr>
         <p:txBody>
-          <a:bodyPr wrap="none" rtlCol="0">
+          <a:bodyPr anchorCtr="0" anchor="t" bIns="45700" lIns="91425" spcFirstLastPara="1" rIns="91425" wrap="square" tIns="45700">
             <a:spAutoFit/>
           </a:bodyPr>
           <a:lstStyle/>
           <a:p>
+            <a:pPr indent="0" lvl="0" marL="0" marR="0" rtl="0" algn="l">
+              <a:lnSpc>
+                <a:spcPct val="100000"/>
+              </a:lnSpc>
+              <a:spcBef>
+                <a:spcPts val="0"/>
+              </a:spcBef>
+              <a:spcAft>
+                <a:spcPts val="0"/>
+              </a:spcAft>
+              <a:buNone/>
+            </a:pPr>
             <a:r>
-              <a:rPr lang="nl-NL" b="1">
-                <a:latin typeface="Courier New" panose="02070309020205020404" pitchFamily="49" charset="0"/>
-                <a:cs typeface="Courier New" panose="02070309020205020404" pitchFamily="49" charset="0"/>
+              <a:rPr b="1" i="0" lang="nl-NL" sz="1400" u="none" cap="none" strike="noStrike">
+                <a:solidFill>
+                  <a:srgbClr val="000000"/>
+                </a:solidFill>
+                <a:latin typeface="Courier New"/>
+                <a:ea typeface="Courier New"/>
+                <a:cs typeface="Courier New"/>
+                <a:sym typeface="Courier New"/>
               </a:rPr>
               <a:t>1011000000111001</a:t>
             </a:r>
+            <a:endParaRPr/>
           </a:p>
           <a:p>
+            <a:pPr indent="0" lvl="0" marL="0" marR="0" rtl="0" algn="l">
+              <a:lnSpc>
+                <a:spcPct val="100000"/>
+              </a:lnSpc>
+              <a:spcBef>
+                <a:spcPts val="0"/>
+              </a:spcBef>
+              <a:spcAft>
+                <a:spcPts val="0"/>
+              </a:spcAft>
+              <a:buNone/>
+            </a:pPr>
             <a:r>
-              <a:rPr lang="nl-NL" b="1">
-                <a:latin typeface="Courier New" panose="02070309020205020404" pitchFamily="49" charset="0"/>
-                <a:cs typeface="Courier New" panose="02070309020205020404" pitchFamily="49" charset="0"/>
+              <a:rPr b="1" i="0" lang="nl-NL" sz="1400" u="none" cap="none" strike="noStrike">
+                <a:solidFill>
+                  <a:srgbClr val="000000"/>
+                </a:solidFill>
+                <a:latin typeface="Courier New"/>
+                <a:ea typeface="Courier New"/>
+                <a:cs typeface="Courier New"/>
+                <a:sym typeface="Courier New"/>
               </a:rPr>
               <a:t>1100001010111010</a:t>
             </a:r>
+            <a:endParaRPr/>
           </a:p>
           <a:p>
+            <a:pPr indent="0" lvl="0" marL="0" marR="0" rtl="0" algn="l">
+              <a:lnSpc>
+                <a:spcPct val="100000"/>
+              </a:lnSpc>
+              <a:spcBef>
+                <a:spcPts val="0"/>
+              </a:spcBef>
+              <a:spcAft>
+                <a:spcPts val="0"/>
+              </a:spcAft>
+              <a:buNone/>
+            </a:pPr>
             <a:r>
-              <a:rPr lang="nl-NL" b="1">
-                <a:latin typeface="Courier New" panose="02070309020205020404" pitchFamily="49" charset="0"/>
-                <a:cs typeface="Courier New" panose="02070309020205020404" pitchFamily="49" charset="0"/>
+              <a:rPr b="1" i="0" lang="nl-NL" sz="1400" u="none" cap="none" strike="noStrike">
+                <a:solidFill>
+                  <a:srgbClr val="000000"/>
+                </a:solidFill>
+                <a:latin typeface="Courier New"/>
+                <a:ea typeface="Courier New"/>
+                <a:cs typeface="Courier New"/>
+                <a:sym typeface="Courier New"/>
               </a:rPr>
               <a:t>1010000110011100</a:t>
             </a:r>
+            <a:endParaRPr/>
           </a:p>
           <a:p>
+            <a:pPr indent="0" lvl="0" marL="0" marR="0" rtl="0" algn="l">
+              <a:lnSpc>
+                <a:spcPct val="100000"/>
+              </a:lnSpc>
+              <a:spcBef>
+                <a:spcPts val="0"/>
+              </a:spcBef>
+              <a:spcAft>
+                <a:spcPts val="0"/>
+              </a:spcAft>
+              <a:buNone/>
+            </a:pPr>
             <a:r>
-              <a:rPr lang="nl-NL" b="1">
-                <a:latin typeface="Courier New" panose="02070309020205020404" pitchFamily="49" charset="0"/>
-                <a:cs typeface="Courier New" panose="02070309020205020404" pitchFamily="49" charset="0"/>
+              <a:rPr b="1" i="0" lang="nl-NL" sz="1400" u="none" cap="none" strike="noStrike">
+                <a:solidFill>
+                  <a:srgbClr val="000000"/>
+                </a:solidFill>
+                <a:latin typeface="Courier New"/>
+                <a:ea typeface="Courier New"/>
+                <a:cs typeface="Courier New"/>
+                <a:sym typeface="Courier New"/>
               </a:rPr>
               <a:t>1000100001011110</a:t>
             </a:r>
+            <a:endParaRPr/>
           </a:p>
           <a:p>
+            <a:pPr indent="0" lvl="0" marL="0" marR="0" rtl="0" algn="l">
+              <a:lnSpc>
+                <a:spcPct val="100000"/>
+              </a:lnSpc>
+              <a:spcBef>
+                <a:spcPts val="0"/>
+              </a:spcBef>
+              <a:spcAft>
+                <a:spcPts val="0"/>
+              </a:spcAft>
+              <a:buNone/>
+            </a:pPr>
             <a:r>
-              <a:rPr lang="nl-NL" b="1">
-                <a:latin typeface="Courier New" panose="02070309020205020404" pitchFamily="49" charset="0"/>
-                <a:cs typeface="Courier New" panose="02070309020205020404" pitchFamily="49" charset="0"/>
+              <a:rPr b="1" i="0" lang="nl-NL" sz="1400" u="none" cap="none" strike="noStrike">
+                <a:solidFill>
+                  <a:srgbClr val="000000"/>
+                </a:solidFill>
+                <a:latin typeface="Courier New"/>
+                <a:ea typeface="Courier New"/>
+                <a:cs typeface="Courier New"/>
+                <a:sym typeface="Courier New"/>
               </a:rPr>
               <a:t>1000100111010000</a:t>
             </a:r>
+            <a:endParaRPr/>
           </a:p>
           <a:p>
+            <a:pPr indent="0" lvl="0" marL="0" marR="0" rtl="0" algn="l">
+              <a:lnSpc>
+                <a:spcPct val="100000"/>
+              </a:lnSpc>
+              <a:spcBef>
+                <a:spcPts val="0"/>
+              </a:spcBef>
+              <a:spcAft>
+                <a:spcPts val="0"/>
+              </a:spcAft>
+              <a:buNone/>
+            </a:pPr>
             <a:r>
-              <a:rPr lang="nl-NL" b="1">
-                <a:latin typeface="Courier New" panose="02070309020205020404" pitchFamily="49" charset="0"/>
-                <a:cs typeface="Courier New" panose="02070309020205020404" pitchFamily="49" charset="0"/>
+              <a:rPr b="1" i="0" lang="nl-NL" sz="1400" u="none" cap="none" strike="noStrike">
+                <a:solidFill>
+                  <a:srgbClr val="000000"/>
+                </a:solidFill>
+                <a:latin typeface="Courier New"/>
+                <a:ea typeface="Courier New"/>
+                <a:cs typeface="Courier New"/>
+                <a:sym typeface="Courier New"/>
               </a:rPr>
               <a:t>1101101011000110</a:t>
             </a:r>
+            <a:endParaRPr/>
           </a:p>
           <a:p>
+            <a:pPr indent="0" lvl="0" marL="0" marR="0" rtl="0" algn="l">
+              <a:lnSpc>
+                <a:spcPct val="100000"/>
+              </a:lnSpc>
+              <a:spcBef>
+                <a:spcPts val="0"/>
+              </a:spcBef>
+              <a:spcAft>
+                <a:spcPts val="0"/>
+              </a:spcAft>
+              <a:buNone/>
+            </a:pPr>
             <a:r>
-              <a:rPr lang="nl-NL" b="1">
-                <a:latin typeface="Courier New" panose="02070309020205020404" pitchFamily="49" charset="0"/>
-                <a:cs typeface="Courier New" panose="02070309020205020404" pitchFamily="49" charset="0"/>
+              <a:rPr b="1" i="0" lang="nl-NL" sz="1400" u="none" cap="none" strike="noStrike">
+                <a:solidFill>
+                  <a:srgbClr val="000000"/>
+                </a:solidFill>
+                <a:latin typeface="Courier New"/>
+                <a:ea typeface="Courier New"/>
+                <a:cs typeface="Courier New"/>
+                <a:sym typeface="Courier New"/>
               </a:rPr>
               <a:t>0010111110011111</a:t>
             </a:r>
+            <a:endParaRPr/>
           </a:p>
           <a:p>
+            <a:pPr indent="0" lvl="0" marL="0" marR="0" rtl="0" algn="l">
+              <a:lnSpc>
+                <a:spcPct val="100000"/>
+              </a:lnSpc>
+              <a:spcBef>
+                <a:spcPts val="0"/>
+              </a:spcBef>
+              <a:spcAft>
+                <a:spcPts val="0"/>
+              </a:spcAft>
+              <a:buNone/>
+            </a:pPr>
             <a:r>
-              <a:rPr lang="nl-NL" b="1">
-                <a:latin typeface="Courier New" panose="02070309020205020404" pitchFamily="49" charset="0"/>
-                <a:cs typeface="Courier New" panose="02070309020205020404" pitchFamily="49" charset="0"/>
+              <a:rPr b="1" i="0" lang="nl-NL" sz="1400" u="none" cap="none" strike="noStrike">
+                <a:solidFill>
+                  <a:srgbClr val="000000"/>
+                </a:solidFill>
+                <a:latin typeface="Courier New"/>
+                <a:ea typeface="Courier New"/>
+                <a:cs typeface="Courier New"/>
+                <a:sym typeface="Courier New"/>
               </a:rPr>
               <a:t>1110100100010000</a:t>
             </a:r>
+            <a:endParaRPr/>
           </a:p>
           <a:p>
+            <a:pPr indent="0" lvl="0" marL="0" marR="0" rtl="0" algn="l">
+              <a:lnSpc>
+                <a:spcPct val="100000"/>
+              </a:lnSpc>
+              <a:spcBef>
+                <a:spcPts val="0"/>
+              </a:spcBef>
+              <a:spcAft>
+                <a:spcPts val="0"/>
+              </a:spcAft>
+              <a:buNone/>
+            </a:pPr>
             <a:r>
-              <a:rPr lang="nl-NL" b="1">
-                <a:latin typeface="Courier New" panose="02070309020205020404" pitchFamily="49" charset="0"/>
-                <a:cs typeface="Courier New" panose="02070309020205020404" pitchFamily="49" charset="0"/>
+              <a:rPr b="1" i="0" lang="nl-NL" sz="1400" u="none" cap="none" strike="noStrike">
+                <a:solidFill>
+                  <a:srgbClr val="000000"/>
+                </a:solidFill>
+                <a:latin typeface="Courier New"/>
+                <a:ea typeface="Courier New"/>
+                <a:cs typeface="Courier New"/>
+                <a:sym typeface="Courier New"/>
               </a:rPr>
               <a:t>1101100001100001</a:t>
             </a:r>
+            <a:endParaRPr/>
           </a:p>
           <a:p>
+            <a:pPr indent="0" lvl="0" marL="0" marR="0" rtl="0" algn="l">
+              <a:lnSpc>
+                <a:spcPct val="100000"/>
+              </a:lnSpc>
+              <a:spcBef>
+                <a:spcPts val="0"/>
+              </a:spcBef>
+              <a:spcAft>
+                <a:spcPts val="0"/>
+              </a:spcAft>
+              <a:buNone/>
+            </a:pPr>
             <a:r>
-              <a:rPr lang="nl-NL" b="1">
-                <a:latin typeface="Courier New" panose="02070309020205020404" pitchFamily="49" charset="0"/>
-                <a:cs typeface="Courier New" panose="02070309020205020404" pitchFamily="49" charset="0"/>
+              <a:rPr b="1" i="0" lang="nl-NL" sz="1400" u="none" cap="none" strike="noStrike">
+                <a:solidFill>
+                  <a:srgbClr val="000000"/>
+                </a:solidFill>
+                <a:latin typeface="Courier New"/>
+                <a:ea typeface="Courier New"/>
+                <a:cs typeface="Courier New"/>
+                <a:sym typeface="Courier New"/>
               </a:rPr>
               <a:t>1101111101011001</a:t>
             </a:r>
+            <a:endParaRPr/>
           </a:p>
         </p:txBody>
       </p:sp>
     </p:spTree>
-    <p:extLst>
-      <p:ext uri="{BB962C8B-B14F-4D97-AF65-F5344CB8AC3E}">
-        <p14:creationId xmlns:p14="http://schemas.microsoft.com/office/powerpoint/2010/main" val="1405115426"/>
-      </p:ext>
-    </p:extLst>
+  </p:cSld>
+  <p:clrMapOvr>
+    <a:masterClrMapping/>
+  </p:clrMapOvr>
+</p:sld>
+</file>
+
+<file path=ppt/slides/slide3.xml><?xml version="1.0" encoding="utf-8"?>
+<p:sld xmlns:a="http://schemas.openxmlformats.org/drawingml/2006/main" xmlns:r="http://schemas.openxmlformats.org/officeDocument/2006/relationships" xmlns:mc="http://schemas.openxmlformats.org/markup-compatibility/2006" xmlns:mv="urn:schemas-microsoft-com:mac:vml" xmlns:p="http://schemas.openxmlformats.org/presentationml/2006/main" xmlns:c="http://schemas.openxmlformats.org/drawingml/2006/chart" xmlns:dgm="http://schemas.openxmlformats.org/drawingml/2006/diagram" xmlns:o="urn:schemas-microsoft-com:office:office" xmlns:v="urn:schemas-microsoft-com:vml" xmlns:pvml="urn:schemas-microsoft-com:office:powerpoint" xmlns:com="http://schemas.openxmlformats.org/drawingml/2006/compatibility" xmlns:p14="http://schemas.microsoft.com/office/powerpoint/2010/main" xmlns:p15="http://schemas.microsoft.com/office/powerpoint/2012/main">
+  <p:cSld>
+    <p:spTree>
+      <p:nvGrpSpPr>
+        <p:cNvPr id="67" name="Shape 67"/>
+        <p:cNvGrpSpPr/>
+        <p:nvPr/>
+      </p:nvGrpSpPr>
+      <p:grpSpPr>
+        <a:xfrm>
+          <a:off x="0" y="0"/>
+          <a:ext cx="0" cy="0"/>
+          <a:chOff x="0" y="0"/>
+          <a:chExt cx="0" cy="0"/>
+        </a:xfrm>
+      </p:grpSpPr>
+      <p:sp>
+        <p:nvSpPr>
+          <p:cNvPr id="68" name="Google Shape;68;g6247b6dd70_0_0"/>
+          <p:cNvSpPr/>
+          <p:nvPr/>
+        </p:nvSpPr>
+        <p:spPr>
+          <a:xfrm>
+            <a:off x="3630714" y="1210227"/>
+            <a:ext cx="1351500" cy="1351500"/>
+          </a:xfrm>
+          <a:prstGeom prst="ellipse">
+            <a:avLst/>
+          </a:prstGeom>
+          <a:solidFill>
+            <a:schemeClr val="accent1"/>
+          </a:solidFill>
+          <a:ln cap="flat" cmpd="sng" w="25400">
+            <a:solidFill>
+              <a:srgbClr val="BA7C2E"/>
+            </a:solidFill>
+            <a:prstDash val="solid"/>
+            <a:round/>
+            <a:headEnd len="sm" w="sm" type="none"/>
+            <a:tailEnd len="sm" w="sm" type="none"/>
+          </a:ln>
+        </p:spPr>
+        <p:txBody>
+          <a:bodyPr anchorCtr="0" anchor="ctr" bIns="0" lIns="0" spcFirstLastPara="1" rIns="0" wrap="square" tIns="0">
+            <a:noAutofit/>
+          </a:bodyPr>
+          <a:lstStyle/>
+          <a:p>
+            <a:pPr indent="0" lvl="0" marL="0" marR="0" rtl="0" algn="ctr">
+              <a:lnSpc>
+                <a:spcPct val="100000"/>
+              </a:lnSpc>
+              <a:spcBef>
+                <a:spcPts val="0"/>
+              </a:spcBef>
+              <a:spcAft>
+                <a:spcPts val="0"/>
+              </a:spcAft>
+              <a:buNone/>
+            </a:pPr>
+            <a:r>
+              <a:rPr b="1" i="0" lang="nl-NL" sz="2400" u="none" cap="none" strike="noStrike">
+                <a:solidFill>
+                  <a:schemeClr val="lt1"/>
+                </a:solidFill>
+                <a:latin typeface="Arial"/>
+                <a:ea typeface="Arial"/>
+                <a:cs typeface="Arial"/>
+                <a:sym typeface="Arial"/>
+              </a:rPr>
+              <a:t>SHA-1</a:t>
+            </a:r>
+            <a:endParaRPr b="1" i="0" sz="2400" u="none" cap="none" strike="noStrike">
+              <a:solidFill>
+                <a:schemeClr val="lt1"/>
+              </a:solidFill>
+              <a:latin typeface="Arial"/>
+              <a:ea typeface="Arial"/>
+              <a:cs typeface="Arial"/>
+              <a:sym typeface="Arial"/>
+            </a:endParaRPr>
+          </a:p>
+        </p:txBody>
+      </p:sp>
+      <p:sp>
+        <p:nvSpPr>
+          <p:cNvPr id="69" name="Google Shape;69;g6247b6dd70_0_0"/>
+          <p:cNvSpPr txBox="1"/>
+          <p:nvPr/>
+        </p:nvSpPr>
+        <p:spPr>
+          <a:xfrm>
+            <a:off x="1066811" y="1718981"/>
+            <a:ext cx="1366200" cy="307800"/>
+          </a:xfrm>
+          <a:prstGeom prst="rect">
+            <a:avLst/>
+          </a:prstGeom>
+          <a:noFill/>
+          <a:ln>
+            <a:noFill/>
+          </a:ln>
+        </p:spPr>
+        <p:txBody>
+          <a:bodyPr anchorCtr="0" anchor="t" bIns="45700" lIns="91425" spcFirstLastPara="1" rIns="91425" wrap="square" tIns="45700">
+            <a:noAutofit/>
+          </a:bodyPr>
+          <a:lstStyle/>
+          <a:p>
+            <a:pPr indent="0" lvl="0" marL="0" marR="0" rtl="0" algn="l">
+              <a:lnSpc>
+                <a:spcPct val="100000"/>
+              </a:lnSpc>
+              <a:spcBef>
+                <a:spcPts val="0"/>
+              </a:spcBef>
+              <a:spcAft>
+                <a:spcPts val="0"/>
+              </a:spcAft>
+              <a:buNone/>
+            </a:pPr>
+            <a:r>
+              <a:rPr b="1" i="0" lang="nl-NL" sz="1400" u="none" cap="none" strike="noStrike">
+                <a:solidFill>
+                  <a:srgbClr val="000000"/>
+                </a:solidFill>
+                <a:latin typeface="Courier New"/>
+                <a:ea typeface="Courier New"/>
+                <a:cs typeface="Courier New"/>
+                <a:sym typeface="Courier New"/>
+              </a:rPr>
+              <a:t>100001001……</a:t>
+            </a:r>
+            <a:endParaRPr b="1" i="0" sz="1400" u="none" cap="none" strike="noStrike">
+              <a:solidFill>
+                <a:srgbClr val="000000"/>
+              </a:solidFill>
+              <a:latin typeface="Courier New"/>
+              <a:ea typeface="Courier New"/>
+              <a:cs typeface="Courier New"/>
+              <a:sym typeface="Courier New"/>
+            </a:endParaRPr>
+          </a:p>
+        </p:txBody>
+      </p:sp>
+      <p:sp>
+        <p:nvSpPr>
+          <p:cNvPr id="70" name="Google Shape;70;g6247b6dd70_0_0"/>
+          <p:cNvSpPr/>
+          <p:nvPr/>
+        </p:nvSpPr>
+        <p:spPr>
+          <a:xfrm>
+            <a:off x="2568399" y="1754841"/>
+            <a:ext cx="860700" cy="222000"/>
+          </a:xfrm>
+          <a:prstGeom prst="rightArrow">
+            <a:avLst>
+              <a:gd fmla="val 50000" name="adj1"/>
+              <a:gd fmla="val 50000" name="adj2"/>
+            </a:avLst>
+          </a:prstGeom>
+          <a:noFill/>
+          <a:ln cap="flat" cmpd="sng" w="25400">
+            <a:solidFill>
+              <a:schemeClr val="dk1"/>
+            </a:solidFill>
+            <a:prstDash val="solid"/>
+            <a:round/>
+            <a:headEnd len="sm" w="sm" type="none"/>
+            <a:tailEnd len="sm" w="sm" type="none"/>
+          </a:ln>
+        </p:spPr>
+        <p:txBody>
+          <a:bodyPr anchorCtr="0" anchor="ctr" bIns="45700" lIns="91425" spcFirstLastPara="1" rIns="91425" wrap="square" tIns="45700">
+            <a:noAutofit/>
+          </a:bodyPr>
+          <a:lstStyle/>
+          <a:p>
+            <a:pPr indent="0" lvl="0" marL="0" marR="0" rtl="0" algn="ctr">
+              <a:lnSpc>
+                <a:spcPct val="100000"/>
+              </a:lnSpc>
+              <a:spcBef>
+                <a:spcPts val="0"/>
+              </a:spcBef>
+              <a:spcAft>
+                <a:spcPts val="0"/>
+              </a:spcAft>
+              <a:buNone/>
+            </a:pPr>
+            <a:r>
+              <a:t/>
+            </a:r>
+            <a:endParaRPr b="0" i="0" sz="1400" u="none" cap="none" strike="noStrike">
+              <a:solidFill>
+                <a:schemeClr val="lt1"/>
+              </a:solidFill>
+              <a:latin typeface="Arial"/>
+              <a:ea typeface="Arial"/>
+              <a:cs typeface="Arial"/>
+              <a:sym typeface="Arial"/>
+            </a:endParaRPr>
+          </a:p>
+        </p:txBody>
+      </p:sp>
+      <p:sp>
+        <p:nvSpPr>
+          <p:cNvPr id="71" name="Google Shape;71;g6247b6dd70_0_0"/>
+          <p:cNvSpPr/>
+          <p:nvPr/>
+        </p:nvSpPr>
+        <p:spPr>
+          <a:xfrm>
+            <a:off x="5134546" y="1739151"/>
+            <a:ext cx="860700" cy="222000"/>
+          </a:xfrm>
+          <a:prstGeom prst="rightArrow">
+            <a:avLst>
+              <a:gd fmla="val 50000" name="adj1"/>
+              <a:gd fmla="val 50000" name="adj2"/>
+            </a:avLst>
+          </a:prstGeom>
+          <a:noFill/>
+          <a:ln cap="flat" cmpd="sng" w="25400">
+            <a:solidFill>
+              <a:schemeClr val="dk1"/>
+            </a:solidFill>
+            <a:prstDash val="solid"/>
+            <a:round/>
+            <a:headEnd len="sm" w="sm" type="none"/>
+            <a:tailEnd len="sm" w="sm" type="none"/>
+          </a:ln>
+        </p:spPr>
+        <p:txBody>
+          <a:bodyPr anchorCtr="0" anchor="ctr" bIns="45700" lIns="91425" spcFirstLastPara="1" rIns="91425" wrap="square" tIns="45700">
+            <a:noAutofit/>
+          </a:bodyPr>
+          <a:lstStyle/>
+          <a:p>
+            <a:pPr indent="0" lvl="0" marL="0" marR="0" rtl="0" algn="ctr">
+              <a:lnSpc>
+                <a:spcPct val="100000"/>
+              </a:lnSpc>
+              <a:spcBef>
+                <a:spcPts val="0"/>
+              </a:spcBef>
+              <a:spcAft>
+                <a:spcPts val="0"/>
+              </a:spcAft>
+              <a:buNone/>
+            </a:pPr>
+            <a:r>
+              <a:t/>
+            </a:r>
+            <a:endParaRPr b="0" i="0" sz="1400" u="none" cap="none" strike="noStrike">
+              <a:solidFill>
+                <a:schemeClr val="lt1"/>
+              </a:solidFill>
+              <a:latin typeface="Arial"/>
+              <a:ea typeface="Arial"/>
+              <a:cs typeface="Arial"/>
+              <a:sym typeface="Arial"/>
+            </a:endParaRPr>
+          </a:p>
+        </p:txBody>
+      </p:sp>
+      <p:sp>
+        <p:nvSpPr>
+          <p:cNvPr id="72" name="Google Shape;72;g6247b6dd70_0_0"/>
+          <p:cNvSpPr txBox="1"/>
+          <p:nvPr/>
+        </p:nvSpPr>
+        <p:spPr>
+          <a:xfrm>
+            <a:off x="6347012" y="793377"/>
+            <a:ext cx="1903200" cy="2246700"/>
+          </a:xfrm>
+          <a:prstGeom prst="rect">
+            <a:avLst/>
+          </a:prstGeom>
+          <a:noFill/>
+          <a:ln>
+            <a:noFill/>
+          </a:ln>
+        </p:spPr>
+        <p:txBody>
+          <a:bodyPr anchorCtr="0" anchor="t" bIns="45700" lIns="91425" spcFirstLastPara="1" rIns="91425" wrap="square" tIns="45700">
+            <a:noAutofit/>
+          </a:bodyPr>
+          <a:lstStyle/>
+          <a:p>
+            <a:pPr indent="0" lvl="0" marL="0" marR="0" rtl="0" algn="l">
+              <a:lnSpc>
+                <a:spcPct val="100000"/>
+              </a:lnSpc>
+              <a:spcBef>
+                <a:spcPts val="0"/>
+              </a:spcBef>
+              <a:spcAft>
+                <a:spcPts val="0"/>
+              </a:spcAft>
+              <a:buNone/>
+            </a:pPr>
+            <a:r>
+              <a:rPr b="1" i="0" lang="nl-NL" sz="1400" u="none" cap="none" strike="noStrike">
+                <a:solidFill>
+                  <a:srgbClr val="000000"/>
+                </a:solidFill>
+                <a:latin typeface="Courier New"/>
+                <a:ea typeface="Courier New"/>
+                <a:cs typeface="Courier New"/>
+                <a:sym typeface="Courier New"/>
+              </a:rPr>
+              <a:t>1011000000111001</a:t>
+            </a:r>
+            <a:endParaRPr/>
+          </a:p>
+          <a:p>
+            <a:pPr indent="0" lvl="0" marL="0" marR="0" rtl="0" algn="l">
+              <a:lnSpc>
+                <a:spcPct val="100000"/>
+              </a:lnSpc>
+              <a:spcBef>
+                <a:spcPts val="0"/>
+              </a:spcBef>
+              <a:spcAft>
+                <a:spcPts val="0"/>
+              </a:spcAft>
+              <a:buNone/>
+            </a:pPr>
+            <a:r>
+              <a:rPr b="1" i="0" lang="nl-NL" sz="1400" u="none" cap="none" strike="noStrike">
+                <a:solidFill>
+                  <a:srgbClr val="000000"/>
+                </a:solidFill>
+                <a:latin typeface="Courier New"/>
+                <a:ea typeface="Courier New"/>
+                <a:cs typeface="Courier New"/>
+                <a:sym typeface="Courier New"/>
+              </a:rPr>
+              <a:t>1100001010111010</a:t>
+            </a:r>
+            <a:endParaRPr/>
+          </a:p>
+          <a:p>
+            <a:pPr indent="0" lvl="0" marL="0" marR="0" rtl="0" algn="l">
+              <a:lnSpc>
+                <a:spcPct val="100000"/>
+              </a:lnSpc>
+              <a:spcBef>
+                <a:spcPts val="0"/>
+              </a:spcBef>
+              <a:spcAft>
+                <a:spcPts val="0"/>
+              </a:spcAft>
+              <a:buNone/>
+            </a:pPr>
+            <a:r>
+              <a:rPr b="1" i="0" lang="nl-NL" sz="1400" u="none" cap="none" strike="noStrike">
+                <a:solidFill>
+                  <a:srgbClr val="000000"/>
+                </a:solidFill>
+                <a:latin typeface="Courier New"/>
+                <a:ea typeface="Courier New"/>
+                <a:cs typeface="Courier New"/>
+                <a:sym typeface="Courier New"/>
+              </a:rPr>
+              <a:t>1010000110011100</a:t>
+            </a:r>
+            <a:endParaRPr/>
+          </a:p>
+          <a:p>
+            <a:pPr indent="0" lvl="0" marL="0" marR="0" rtl="0" algn="l">
+              <a:lnSpc>
+                <a:spcPct val="100000"/>
+              </a:lnSpc>
+              <a:spcBef>
+                <a:spcPts val="0"/>
+              </a:spcBef>
+              <a:spcAft>
+                <a:spcPts val="0"/>
+              </a:spcAft>
+              <a:buNone/>
+            </a:pPr>
+            <a:r>
+              <a:rPr b="1" i="0" lang="nl-NL" sz="1400" u="none" cap="none" strike="noStrike">
+                <a:solidFill>
+                  <a:srgbClr val="000000"/>
+                </a:solidFill>
+                <a:latin typeface="Courier New"/>
+                <a:ea typeface="Courier New"/>
+                <a:cs typeface="Courier New"/>
+                <a:sym typeface="Courier New"/>
+              </a:rPr>
+              <a:t>1000100001011110</a:t>
+            </a:r>
+            <a:endParaRPr/>
+          </a:p>
+          <a:p>
+            <a:pPr indent="0" lvl="0" marL="0" marR="0" rtl="0" algn="l">
+              <a:lnSpc>
+                <a:spcPct val="100000"/>
+              </a:lnSpc>
+              <a:spcBef>
+                <a:spcPts val="0"/>
+              </a:spcBef>
+              <a:spcAft>
+                <a:spcPts val="0"/>
+              </a:spcAft>
+              <a:buNone/>
+            </a:pPr>
+            <a:r>
+              <a:rPr b="1" i="0" lang="nl-NL" sz="1400" u="none" cap="none" strike="noStrike">
+                <a:solidFill>
+                  <a:srgbClr val="000000"/>
+                </a:solidFill>
+                <a:latin typeface="Courier New"/>
+                <a:ea typeface="Courier New"/>
+                <a:cs typeface="Courier New"/>
+                <a:sym typeface="Courier New"/>
+              </a:rPr>
+              <a:t>1000100111010000</a:t>
+            </a:r>
+            <a:endParaRPr/>
+          </a:p>
+          <a:p>
+            <a:pPr indent="0" lvl="0" marL="0" marR="0" rtl="0" algn="l">
+              <a:lnSpc>
+                <a:spcPct val="100000"/>
+              </a:lnSpc>
+              <a:spcBef>
+                <a:spcPts val="0"/>
+              </a:spcBef>
+              <a:spcAft>
+                <a:spcPts val="0"/>
+              </a:spcAft>
+              <a:buNone/>
+            </a:pPr>
+            <a:r>
+              <a:rPr b="1" i="0" lang="nl-NL" sz="1400" u="none" cap="none" strike="noStrike">
+                <a:solidFill>
+                  <a:srgbClr val="000000"/>
+                </a:solidFill>
+                <a:latin typeface="Courier New"/>
+                <a:ea typeface="Courier New"/>
+                <a:cs typeface="Courier New"/>
+                <a:sym typeface="Courier New"/>
+              </a:rPr>
+              <a:t>1101101011000110</a:t>
+            </a:r>
+            <a:endParaRPr/>
+          </a:p>
+          <a:p>
+            <a:pPr indent="0" lvl="0" marL="0" marR="0" rtl="0" algn="l">
+              <a:lnSpc>
+                <a:spcPct val="100000"/>
+              </a:lnSpc>
+              <a:spcBef>
+                <a:spcPts val="0"/>
+              </a:spcBef>
+              <a:spcAft>
+                <a:spcPts val="0"/>
+              </a:spcAft>
+              <a:buNone/>
+            </a:pPr>
+            <a:r>
+              <a:rPr b="1" i="0" lang="nl-NL" sz="1400" u="none" cap="none" strike="noStrike">
+                <a:solidFill>
+                  <a:srgbClr val="000000"/>
+                </a:solidFill>
+                <a:latin typeface="Courier New"/>
+                <a:ea typeface="Courier New"/>
+                <a:cs typeface="Courier New"/>
+                <a:sym typeface="Courier New"/>
+              </a:rPr>
+              <a:t>0010111110011111</a:t>
+            </a:r>
+            <a:endParaRPr/>
+          </a:p>
+          <a:p>
+            <a:pPr indent="0" lvl="0" marL="0" marR="0" rtl="0" algn="l">
+              <a:lnSpc>
+                <a:spcPct val="100000"/>
+              </a:lnSpc>
+              <a:spcBef>
+                <a:spcPts val="0"/>
+              </a:spcBef>
+              <a:spcAft>
+                <a:spcPts val="0"/>
+              </a:spcAft>
+              <a:buNone/>
+            </a:pPr>
+            <a:r>
+              <a:rPr b="1" i="0" lang="nl-NL" sz="1400" u="none" cap="none" strike="noStrike">
+                <a:solidFill>
+                  <a:srgbClr val="000000"/>
+                </a:solidFill>
+                <a:latin typeface="Courier New"/>
+                <a:ea typeface="Courier New"/>
+                <a:cs typeface="Courier New"/>
+                <a:sym typeface="Courier New"/>
+              </a:rPr>
+              <a:t>1110100100010000</a:t>
+            </a:r>
+            <a:endParaRPr/>
+          </a:p>
+          <a:p>
+            <a:pPr indent="0" lvl="0" marL="0" marR="0" rtl="0" algn="l">
+              <a:lnSpc>
+                <a:spcPct val="100000"/>
+              </a:lnSpc>
+              <a:spcBef>
+                <a:spcPts val="0"/>
+              </a:spcBef>
+              <a:spcAft>
+                <a:spcPts val="0"/>
+              </a:spcAft>
+              <a:buNone/>
+            </a:pPr>
+            <a:r>
+              <a:rPr b="1" i="0" lang="nl-NL" sz="1400" u="none" cap="none" strike="noStrike">
+                <a:solidFill>
+                  <a:srgbClr val="000000"/>
+                </a:solidFill>
+                <a:latin typeface="Courier New"/>
+                <a:ea typeface="Courier New"/>
+                <a:cs typeface="Courier New"/>
+                <a:sym typeface="Courier New"/>
+              </a:rPr>
+              <a:t>1101100001100001</a:t>
+            </a:r>
+            <a:endParaRPr/>
+          </a:p>
+          <a:p>
+            <a:pPr indent="0" lvl="0" marL="0" marR="0" rtl="0" algn="l">
+              <a:lnSpc>
+                <a:spcPct val="100000"/>
+              </a:lnSpc>
+              <a:spcBef>
+                <a:spcPts val="0"/>
+              </a:spcBef>
+              <a:spcAft>
+                <a:spcPts val="0"/>
+              </a:spcAft>
+              <a:buNone/>
+            </a:pPr>
+            <a:r>
+              <a:rPr b="1" i="0" lang="nl-NL" sz="1400" u="none" cap="none" strike="noStrike">
+                <a:solidFill>
+                  <a:srgbClr val="000000"/>
+                </a:solidFill>
+                <a:latin typeface="Courier New"/>
+                <a:ea typeface="Courier New"/>
+                <a:cs typeface="Courier New"/>
+                <a:sym typeface="Courier New"/>
+              </a:rPr>
+              <a:t>1101111101011001</a:t>
+            </a:r>
+            <a:endParaRPr/>
+          </a:p>
+        </p:txBody>
+      </p:sp>
+      <p:sp>
+        <p:nvSpPr>
+          <p:cNvPr id="73" name="Google Shape;73;g6247b6dd70_0_0"/>
+          <p:cNvSpPr txBox="1"/>
+          <p:nvPr/>
+        </p:nvSpPr>
+        <p:spPr>
+          <a:xfrm>
+            <a:off x="1797050" y="3318150"/>
+            <a:ext cx="4832100" cy="381900"/>
+          </a:xfrm>
+          <a:prstGeom prst="rect">
+            <a:avLst/>
+          </a:prstGeom>
+          <a:noFill/>
+          <a:ln>
+            <a:noFill/>
+          </a:ln>
+        </p:spPr>
+        <p:txBody>
+          <a:bodyPr anchorCtr="0" anchor="t" bIns="91425" lIns="91425" spcFirstLastPara="1" rIns="91425" wrap="square" tIns="91425">
+            <a:noAutofit/>
+          </a:bodyPr>
+          <a:lstStyle/>
+          <a:p>
+            <a:pPr indent="0" lvl="0" marL="0" rtl="0" algn="l">
+              <a:spcBef>
+                <a:spcPts val="0"/>
+              </a:spcBef>
+              <a:spcAft>
+                <a:spcPts val="0"/>
+              </a:spcAft>
+              <a:buNone/>
+            </a:pPr>
+            <a:r>
+              <a:rPr lang="nl-NL"/>
+              <a:t>1011 0000 0011 1001 1100 0010 1011 1010 1010 0011….</a:t>
+            </a:r>
+            <a:endParaRPr/>
+          </a:p>
+          <a:p>
+            <a:pPr indent="0" lvl="0" marL="0" rtl="0" algn="l">
+              <a:spcBef>
+                <a:spcPts val="0"/>
+              </a:spcBef>
+              <a:spcAft>
+                <a:spcPts val="0"/>
+              </a:spcAft>
+              <a:buNone/>
+            </a:pPr>
+            <a:r>
+              <a:t/>
+            </a:r>
+            <a:endParaRPr/>
+          </a:p>
+          <a:p>
+            <a:pPr indent="0" lvl="0" marL="0" rtl="0" algn="l">
+              <a:spcBef>
+                <a:spcPts val="0"/>
+              </a:spcBef>
+              <a:spcAft>
+                <a:spcPts val="0"/>
+              </a:spcAft>
+              <a:buNone/>
+            </a:pPr>
+            <a:r>
+              <a:t/>
+            </a:r>
+            <a:endParaRPr/>
+          </a:p>
+          <a:p>
+            <a:pPr indent="0" lvl="0" marL="0" rtl="0" algn="l">
+              <a:spcBef>
+                <a:spcPts val="0"/>
+              </a:spcBef>
+              <a:spcAft>
+                <a:spcPts val="0"/>
+              </a:spcAft>
+              <a:buClr>
+                <a:schemeClr val="dk1"/>
+              </a:buClr>
+              <a:buSzPts val="1100"/>
+              <a:buFont typeface="Arial"/>
+              <a:buNone/>
+            </a:pPr>
+            <a:r>
+              <a:rPr lang="nl-NL"/>
+              <a:t>            </a:t>
+            </a:r>
+            <a:r>
+              <a:rPr lang="nl-NL">
+                <a:solidFill>
+                  <a:schemeClr val="dk1"/>
+                </a:solidFill>
+              </a:rPr>
+              <a:t>                   </a:t>
+            </a:r>
+            <a:r>
+              <a:rPr lang="nl-NL">
+                <a:solidFill>
+                  <a:schemeClr val="dk1"/>
+                </a:solidFill>
+              </a:rPr>
+              <a:t>B039C2BAA3….</a:t>
+            </a:r>
+            <a:endParaRPr/>
+          </a:p>
+        </p:txBody>
+      </p:sp>
+      <p:cxnSp>
+        <p:nvCxnSpPr>
+          <p:cNvPr id="74" name="Google Shape;74;g6247b6dd70_0_0"/>
+          <p:cNvCxnSpPr/>
+          <p:nvPr/>
+        </p:nvCxnSpPr>
+        <p:spPr>
+          <a:xfrm>
+            <a:off x="2115425" y="3664825"/>
+            <a:ext cx="1287600" cy="403200"/>
+          </a:xfrm>
+          <a:prstGeom prst="straightConnector1">
+            <a:avLst/>
+          </a:prstGeom>
+          <a:noFill/>
+          <a:ln cap="flat" cmpd="sng" w="9525">
+            <a:solidFill>
+              <a:schemeClr val="dk2"/>
+            </a:solidFill>
+            <a:prstDash val="solid"/>
+            <a:round/>
+            <a:headEnd len="med" w="med" type="none"/>
+            <a:tailEnd len="med" w="med" type="triangle"/>
+          </a:ln>
+        </p:spPr>
+      </p:cxnSp>
+      <p:cxnSp>
+        <p:nvCxnSpPr>
+          <p:cNvPr id="75" name="Google Shape;75;g6247b6dd70_0_0"/>
+          <p:cNvCxnSpPr/>
+          <p:nvPr/>
+        </p:nvCxnSpPr>
+        <p:spPr>
+          <a:xfrm>
+            <a:off x="2589425" y="3629450"/>
+            <a:ext cx="969300" cy="431700"/>
+          </a:xfrm>
+          <a:prstGeom prst="straightConnector1">
+            <a:avLst/>
+          </a:prstGeom>
+          <a:noFill/>
+          <a:ln cap="flat" cmpd="sng" w="9525">
+            <a:solidFill>
+              <a:schemeClr val="dk2"/>
+            </a:solidFill>
+            <a:prstDash val="solid"/>
+            <a:round/>
+            <a:headEnd len="med" w="med" type="none"/>
+            <a:tailEnd len="med" w="med" type="triangle"/>
+          </a:ln>
+        </p:spPr>
+      </p:cxnSp>
+      <p:cxnSp>
+        <p:nvCxnSpPr>
+          <p:cNvPr id="76" name="Google Shape;76;g6247b6dd70_0_0"/>
+          <p:cNvCxnSpPr/>
+          <p:nvPr/>
+        </p:nvCxnSpPr>
+        <p:spPr>
+          <a:xfrm>
+            <a:off x="2992700" y="3629450"/>
+            <a:ext cx="679200" cy="424500"/>
+          </a:xfrm>
+          <a:prstGeom prst="straightConnector1">
+            <a:avLst/>
+          </a:prstGeom>
+          <a:noFill/>
+          <a:ln cap="flat" cmpd="sng" w="9525">
+            <a:solidFill>
+              <a:schemeClr val="dk2"/>
+            </a:solidFill>
+            <a:prstDash val="solid"/>
+            <a:round/>
+            <a:headEnd len="med" w="med" type="none"/>
+            <a:tailEnd len="med" w="med" type="triangle"/>
+          </a:ln>
+        </p:spPr>
+      </p:cxnSp>
+      <p:cxnSp>
+        <p:nvCxnSpPr>
+          <p:cNvPr id="77" name="Google Shape;77;g6247b6dd70_0_0"/>
+          <p:cNvCxnSpPr/>
+          <p:nvPr/>
+        </p:nvCxnSpPr>
+        <p:spPr>
+          <a:xfrm>
+            <a:off x="3487950" y="3643600"/>
+            <a:ext cx="290100" cy="396300"/>
+          </a:xfrm>
+          <a:prstGeom prst="straightConnector1">
+            <a:avLst/>
+          </a:prstGeom>
+          <a:noFill/>
+          <a:ln cap="flat" cmpd="sng" w="9525">
+            <a:solidFill>
+              <a:schemeClr val="dk2"/>
+            </a:solidFill>
+            <a:prstDash val="solid"/>
+            <a:round/>
+            <a:headEnd len="med" w="med" type="none"/>
+            <a:tailEnd len="med" w="med" type="triangle"/>
+          </a:ln>
+        </p:spPr>
+      </p:cxnSp>
+      <p:cxnSp>
+        <p:nvCxnSpPr>
+          <p:cNvPr id="78" name="Google Shape;78;g6247b6dd70_0_0"/>
+          <p:cNvCxnSpPr/>
+          <p:nvPr/>
+        </p:nvCxnSpPr>
+        <p:spPr>
+          <a:xfrm>
+            <a:off x="3891225" y="3615300"/>
+            <a:ext cx="14100" cy="445800"/>
+          </a:xfrm>
+          <a:prstGeom prst="straightConnector1">
+            <a:avLst/>
+          </a:prstGeom>
+          <a:noFill/>
+          <a:ln cap="flat" cmpd="sng" w="9525">
+            <a:solidFill>
+              <a:schemeClr val="dk2"/>
+            </a:solidFill>
+            <a:prstDash val="solid"/>
+            <a:round/>
+            <a:headEnd len="med" w="med" type="none"/>
+            <a:tailEnd len="med" w="med" type="triangle"/>
+          </a:ln>
+        </p:spPr>
+      </p:cxnSp>
+      <p:cxnSp>
+        <p:nvCxnSpPr>
+          <p:cNvPr id="79" name="Google Shape;79;g6247b6dd70_0_0"/>
+          <p:cNvCxnSpPr/>
+          <p:nvPr/>
+        </p:nvCxnSpPr>
+        <p:spPr>
+          <a:xfrm flipH="1">
+            <a:off x="4025600" y="3622350"/>
+            <a:ext cx="318300" cy="431700"/>
+          </a:xfrm>
+          <a:prstGeom prst="straightConnector1">
+            <a:avLst/>
+          </a:prstGeom>
+          <a:noFill/>
+          <a:ln cap="flat" cmpd="sng" w="9525">
+            <a:solidFill>
+              <a:schemeClr val="dk2"/>
+            </a:solidFill>
+            <a:prstDash val="solid"/>
+            <a:round/>
+            <a:headEnd len="med" w="med" type="none"/>
+            <a:tailEnd len="med" w="med" type="triangle"/>
+          </a:ln>
+        </p:spPr>
+      </p:cxnSp>
+      <p:cxnSp>
+        <p:nvCxnSpPr>
+          <p:cNvPr id="80" name="Google Shape;80;g6247b6dd70_0_0"/>
+          <p:cNvCxnSpPr/>
+          <p:nvPr/>
+        </p:nvCxnSpPr>
+        <p:spPr>
+          <a:xfrm flipH="1">
+            <a:off x="4159925" y="3629450"/>
+            <a:ext cx="552000" cy="417300"/>
+          </a:xfrm>
+          <a:prstGeom prst="straightConnector1">
+            <a:avLst/>
+          </a:prstGeom>
+          <a:noFill/>
+          <a:ln cap="flat" cmpd="sng" w="9525">
+            <a:solidFill>
+              <a:schemeClr val="dk2"/>
+            </a:solidFill>
+            <a:prstDash val="solid"/>
+            <a:round/>
+            <a:headEnd len="med" w="med" type="none"/>
+            <a:tailEnd len="med" w="med" type="triangle"/>
+          </a:ln>
+        </p:spPr>
+      </p:cxnSp>
+      <p:cxnSp>
+        <p:nvCxnSpPr>
+          <p:cNvPr id="81" name="Google Shape;81;g6247b6dd70_0_0"/>
+          <p:cNvCxnSpPr/>
+          <p:nvPr/>
+        </p:nvCxnSpPr>
+        <p:spPr>
+          <a:xfrm flipH="1">
+            <a:off x="4280325" y="3608225"/>
+            <a:ext cx="884400" cy="438600"/>
+          </a:xfrm>
+          <a:prstGeom prst="straightConnector1">
+            <a:avLst/>
+          </a:prstGeom>
+          <a:noFill/>
+          <a:ln cap="flat" cmpd="sng" w="9525">
+            <a:solidFill>
+              <a:schemeClr val="dk2"/>
+            </a:solidFill>
+            <a:prstDash val="solid"/>
+            <a:round/>
+            <a:headEnd len="med" w="med" type="none"/>
+            <a:tailEnd len="med" w="med" type="triangle"/>
+          </a:ln>
+        </p:spPr>
+      </p:cxnSp>
+      <p:cxnSp>
+        <p:nvCxnSpPr>
+          <p:cNvPr id="82" name="Google Shape;82;g6247b6dd70_0_0"/>
+          <p:cNvCxnSpPr/>
+          <p:nvPr/>
+        </p:nvCxnSpPr>
+        <p:spPr>
+          <a:xfrm flipH="1">
+            <a:off x="4386500" y="3629450"/>
+            <a:ext cx="1238100" cy="452700"/>
+          </a:xfrm>
+          <a:prstGeom prst="straightConnector1">
+            <a:avLst/>
+          </a:prstGeom>
+          <a:noFill/>
+          <a:ln cap="flat" cmpd="sng" w="9525">
+            <a:solidFill>
+              <a:schemeClr val="dk2"/>
+            </a:solidFill>
+            <a:prstDash val="solid"/>
+            <a:round/>
+            <a:headEnd len="med" w="med" type="none"/>
+            <a:tailEnd len="med" w="med" type="triangle"/>
+          </a:ln>
+        </p:spPr>
+      </p:cxnSp>
+      <p:cxnSp>
+        <p:nvCxnSpPr>
+          <p:cNvPr id="83" name="Google Shape;83;g6247b6dd70_0_0"/>
+          <p:cNvCxnSpPr/>
+          <p:nvPr/>
+        </p:nvCxnSpPr>
+        <p:spPr>
+          <a:xfrm flipH="1">
+            <a:off x="4542050" y="3622375"/>
+            <a:ext cx="1464600" cy="488100"/>
+          </a:xfrm>
+          <a:prstGeom prst="straightConnector1">
+            <a:avLst/>
+          </a:prstGeom>
+          <a:noFill/>
+          <a:ln cap="flat" cmpd="sng" w="9525">
+            <a:solidFill>
+              <a:schemeClr val="dk2"/>
+            </a:solidFill>
+            <a:prstDash val="solid"/>
+            <a:round/>
+            <a:headEnd len="med" w="med" type="none"/>
+            <a:tailEnd len="med" w="med" type="triangle"/>
+          </a:ln>
+        </p:spPr>
+      </p:cxnSp>
+    </p:spTree>
   </p:cSld>
   <p:clrMapOvr>
     <a:masterClrMapping/>
@@ -5929,7 +10359,7 @@
 </file>
 
 <file path=ppt/theme/theme1.xml><?xml version="1.0" encoding="utf-8"?>
-<a:theme xmlns:a="http://schemas.openxmlformats.org/drawingml/2006/main" name="Simple Light">
+<a:theme xmlns:a="http://schemas.openxmlformats.org/drawingml/2006/main" xmlns:r="http://schemas.openxmlformats.org/officeDocument/2006/relationships" name="Simple Light">
   <a:themeElements>
     <a:clrScheme name="Simple Light">
       <a:dk1>
@@ -6204,13 +10634,11 @@
       </a:bgFillStyleLst>
     </a:fmtScheme>
   </a:themeElements>
-  <a:objectDefaults/>
-  <a:extraClrSchemeLst/>
 </a:theme>
 </file>
 
 <file path=ppt/theme/theme2.xml><?xml version="1.0" encoding="utf-8"?>
-<a:theme xmlns:a="http://schemas.openxmlformats.org/drawingml/2006/main">
+<a:theme xmlns:a="http://schemas.openxmlformats.org/drawingml/2006/main" xmlns:r="http://schemas.openxmlformats.org/officeDocument/2006/relationships">
   <a:themeElements>
     <a:clrScheme name="Default">
       <a:dk1>
@@ -6485,7 +10913,5 @@
       </a:bgFillStyleLst>
     </a:fmtScheme>
   </a:themeElements>
-  <a:objectDefaults/>
-  <a:extraClrSchemeLst/>
 </a:theme>
 </file>